--- a/lecture/slides/ECE_383_Lec3.pptx
+++ b/lecture/slides/ECE_383_Lec3.pptx
@@ -6,34 +6,35 @@
     <p:sldMasterId id="2147483687" r:id="rId2"/>
   </p:sldMasterIdLst>
   <p:notesMasterIdLst>
-    <p:notesMasterId r:id="rId25"/>
+    <p:notesMasterId r:id="rId26"/>
   </p:notesMasterIdLst>
   <p:handoutMasterIdLst>
-    <p:handoutMasterId r:id="rId26"/>
+    <p:handoutMasterId r:id="rId27"/>
   </p:handoutMasterIdLst>
   <p:sldIdLst>
     <p:sldId id="299" r:id="rId3"/>
     <p:sldId id="300" r:id="rId4"/>
-    <p:sldId id="349" r:id="rId5"/>
-    <p:sldId id="355" r:id="rId6"/>
-    <p:sldId id="347" r:id="rId7"/>
-    <p:sldId id="352" r:id="rId8"/>
-    <p:sldId id="345" r:id="rId9"/>
-    <p:sldId id="334" r:id="rId10"/>
-    <p:sldId id="356" r:id="rId11"/>
-    <p:sldId id="357" r:id="rId12"/>
-    <p:sldId id="348" r:id="rId13"/>
-    <p:sldId id="351" r:id="rId14"/>
-    <p:sldId id="358" r:id="rId15"/>
-    <p:sldId id="359" r:id="rId16"/>
-    <p:sldId id="360" r:id="rId17"/>
+    <p:sldId id="366" r:id="rId5"/>
+    <p:sldId id="349" r:id="rId6"/>
+    <p:sldId id="355" r:id="rId7"/>
+    <p:sldId id="347" r:id="rId8"/>
+    <p:sldId id="352" r:id="rId9"/>
+    <p:sldId id="345" r:id="rId10"/>
+    <p:sldId id="334" r:id="rId11"/>
+    <p:sldId id="356" r:id="rId12"/>
+    <p:sldId id="357" r:id="rId13"/>
+    <p:sldId id="348" r:id="rId14"/>
+    <p:sldId id="351" r:id="rId15"/>
+    <p:sldId id="358" r:id="rId16"/>
+    <p:sldId id="359" r:id="rId17"/>
     <p:sldId id="361" r:id="rId18"/>
-    <p:sldId id="362" r:id="rId19"/>
-    <p:sldId id="350" r:id="rId20"/>
-    <p:sldId id="354" r:id="rId21"/>
-    <p:sldId id="363" r:id="rId22"/>
-    <p:sldId id="364" r:id="rId23"/>
-    <p:sldId id="346" r:id="rId24"/>
+    <p:sldId id="365" r:id="rId19"/>
+    <p:sldId id="362" r:id="rId20"/>
+    <p:sldId id="350" r:id="rId21"/>
+    <p:sldId id="354" r:id="rId22"/>
+    <p:sldId id="363" r:id="rId23"/>
+    <p:sldId id="364" r:id="rId24"/>
+    <p:sldId id="346" r:id="rId25"/>
   </p:sldIdLst>
   <p:sldSz cx="9144000" cy="6858000" type="screen4x3"/>
   <p:notesSz cx="6985000" cy="9283700"/>
@@ -1200,7 +1201,7 @@
                 </a:solidFill>
               </a:rPr>
               <a:pPr/>
-              <a:t>1/12/2016</a:t>
+              <a:t>1/13/2016</a:t>
             </a:fld>
             <a:endParaRPr lang="en-US">
               <a:solidFill>
@@ -1402,7 +1403,7 @@
                 </a:solidFill>
               </a:rPr>
               <a:pPr/>
-              <a:t>1/12/2016</a:t>
+              <a:t>1/13/2016</a:t>
             </a:fld>
             <a:endParaRPr lang="en-US">
               <a:solidFill>
@@ -1614,7 +1615,7 @@
                 </a:solidFill>
               </a:rPr>
               <a:pPr/>
-              <a:t>1/12/2016</a:t>
+              <a:t>1/13/2016</a:t>
             </a:fld>
             <a:endParaRPr lang="en-US">
               <a:solidFill>
@@ -2105,7 +2106,7 @@
                 </a:spcAft>
                 <a:defRPr/>
               </a:pPr>
-              <a:t>12 January 2016</a:t>
+              <a:t>13 January 2016</a:t>
             </a:fld>
             <a:endParaRPr lang="en-US" sz="1800">
               <a:solidFill>
@@ -2370,7 +2371,7 @@
                 </a:spcAft>
                 <a:defRPr/>
               </a:pPr>
-              <a:t>12 January 2016</a:t>
+              <a:t>13 January 2016</a:t>
             </a:fld>
             <a:endParaRPr lang="en-US" sz="1800">
               <a:solidFill>
@@ -2724,7 +2725,7 @@
                 </a:spcAft>
                 <a:defRPr/>
               </a:pPr>
-              <a:t>12 January 2016</a:t>
+              <a:t>13 January 2016</a:t>
             </a:fld>
             <a:endParaRPr lang="en-US" sz="1800">
               <a:solidFill>
@@ -3217,7 +3218,7 @@
                 </a:spcAft>
                 <a:defRPr/>
               </a:pPr>
-              <a:t>12 January 2016</a:t>
+              <a:t>13 January 2016</a:t>
             </a:fld>
             <a:endParaRPr lang="en-US" sz="1800">
               <a:solidFill>
@@ -3401,7 +3402,7 @@
                 </a:spcAft>
                 <a:defRPr/>
               </a:pPr>
-              <a:t>12 January 2016</a:t>
+              <a:t>13 January 2016</a:t>
             </a:fld>
             <a:endParaRPr lang="en-US" sz="1800">
               <a:solidFill>
@@ -3562,7 +3563,7 @@
                 </a:spcAft>
                 <a:defRPr/>
               </a:pPr>
-              <a:t>12 January 2016</a:t>
+              <a:t>13 January 2016</a:t>
             </a:fld>
             <a:endParaRPr lang="en-US" sz="1800">
               <a:solidFill>
@@ -3905,7 +3906,7 @@
                 </a:spcAft>
                 <a:defRPr/>
               </a:pPr>
-              <a:t>12 January 2016</a:t>
+              <a:t>13 January 2016</a:t>
             </a:fld>
             <a:endParaRPr lang="en-US" sz="1800">
               <a:solidFill>
@@ -4044,7 +4045,7 @@
                 </a:solidFill>
               </a:rPr>
               <a:pPr/>
-              <a:t>1/12/2016</a:t>
+              <a:t>1/13/2016</a:t>
             </a:fld>
             <a:endParaRPr lang="en-US">
               <a:solidFill>
@@ -4427,7 +4428,7 @@
                 </a:spcAft>
                 <a:defRPr/>
               </a:pPr>
-              <a:t>12 January 2016</a:t>
+              <a:t>13 January 2016</a:t>
             </a:fld>
             <a:endParaRPr lang="en-US" sz="1800">
               <a:solidFill>
@@ -4663,7 +4664,7 @@
                 </a:spcAft>
                 <a:defRPr/>
               </a:pPr>
-              <a:t>12 January 2016</a:t>
+              <a:t>13 January 2016</a:t>
             </a:fld>
             <a:endParaRPr lang="en-US" sz="1800">
               <a:solidFill>
@@ -4909,7 +4910,7 @@
                 </a:spcAft>
                 <a:defRPr/>
               </a:pPr>
-              <a:t>12 January 2016</a:t>
+              <a:t>13 January 2016</a:t>
             </a:fld>
             <a:endParaRPr lang="en-US" sz="1800">
               <a:solidFill>
@@ -5123,7 +5124,7 @@
                 </a:spcAft>
                 <a:defRPr/>
               </a:pPr>
-              <a:t>12 January 2016</a:t>
+              <a:t>13 January 2016</a:t>
             </a:fld>
             <a:endParaRPr lang="en-US" sz="1800">
               <a:solidFill>
@@ -5338,7 +5339,7 @@
                 </a:solidFill>
               </a:rPr>
               <a:pPr/>
-              <a:t>1/12/2016</a:t>
+              <a:t>1/13/2016</a:t>
             </a:fld>
             <a:endParaRPr lang="en-US">
               <a:solidFill>
@@ -5658,7 +5659,7 @@
                 </a:solidFill>
               </a:rPr>
               <a:pPr/>
-              <a:t>1/12/2016</a:t>
+              <a:t>1/13/2016</a:t>
             </a:fld>
             <a:endParaRPr lang="en-US">
               <a:solidFill>
@@ -6112,7 +6113,7 @@
                 </a:solidFill>
               </a:rPr>
               <a:pPr/>
-              <a:t>1/12/2016</a:t>
+              <a:t>1/13/2016</a:t>
             </a:fld>
             <a:endParaRPr lang="en-US">
               <a:solidFill>
@@ -6262,7 +6263,7 @@
                 </a:solidFill>
               </a:rPr>
               <a:pPr/>
-              <a:t>1/12/2016</a:t>
+              <a:t>1/13/2016</a:t>
             </a:fld>
             <a:endParaRPr lang="en-US">
               <a:solidFill>
@@ -6389,7 +6390,7 @@
                 </a:solidFill>
               </a:rPr>
               <a:pPr/>
-              <a:t>1/12/2016</a:t>
+              <a:t>1/13/2016</a:t>
             </a:fld>
             <a:endParaRPr lang="en-US">
               <a:solidFill>
@@ -6698,7 +6699,7 @@
                 </a:solidFill>
               </a:rPr>
               <a:pPr/>
-              <a:t>1/12/2016</a:t>
+              <a:t>1/13/2016</a:t>
             </a:fld>
             <a:endParaRPr lang="en-US">
               <a:solidFill>
@@ -6983,7 +6984,7 @@
                 </a:solidFill>
               </a:rPr>
               <a:pPr/>
-              <a:t>1/12/2016</a:t>
+              <a:t>1/13/2016</a:t>
             </a:fld>
             <a:endParaRPr lang="en-US">
               <a:solidFill>
@@ -7244,7 +7245,7 @@
                   <a:spcPts val="0"/>
                 </a:spcAft>
               </a:pPr>
-              <a:t>1/12/2016</a:t>
+              <a:t>1/13/2016</a:t>
             </a:fld>
             <a:endParaRPr lang="en-US">
               <a:solidFill>
@@ -8551,21 +8552,8 @@
             </a:br>
             <a:r>
               <a:rPr lang="en-US" sz="4000" dirty="0" smtClean="0"/>
-              <a:t>Lecture </a:t>
-            </a:r>
-            <a:r>
-              <a:rPr lang="en-US" sz="4000" dirty="0" smtClean="0"/>
-              <a:t>3 </a:t>
-            </a:r>
-            <a:r>
-              <a:rPr lang="en-US" sz="4000" dirty="0" smtClean="0"/>
-              <a:t>– </a:t>
-            </a:r>
-            <a:r>
-              <a:rPr lang="en-US" sz="4000" dirty="0" smtClean="0"/>
-              <a:t>Combinational Element, unsigned, UCF file, synthesis</a:t>
-            </a:r>
-            <a:endParaRPr lang="en-US" sz="4000" dirty="0" smtClean="0"/>
+              <a:t>Lecture 3 – Combinational Element, unsigned, UCF file, synthesis</a:t>
+            </a:r>
           </a:p>
         </p:txBody>
       </p:sp>
@@ -8819,7 +8807,7 @@
             </a:r>
             <a:r>
               <a:rPr lang="en-US" dirty="0" smtClean="0"/>
-              <a:t>Element -   Mux</a:t>
+              <a:t>Element – Solution</a:t>
             </a:r>
             <a:endParaRPr lang="en-US" dirty="0"/>
           </a:p>
@@ -8852,23 +8840,7 @@
             </a:pPr>
             <a:r>
               <a:rPr lang="en-US" dirty="0" smtClean="0"/>
-              <a:t>Simplify </a:t>
-            </a:r>
-            <a:r>
-              <a:rPr lang="en-US" dirty="0" err="1" smtClean="0"/>
-              <a:t>muxes</a:t>
-            </a:r>
-            <a:r>
-              <a:rPr lang="en-US" dirty="0" smtClean="0"/>
-              <a:t> using conditional </a:t>
-            </a:r>
-            <a:r>
-              <a:rPr lang="en-US" dirty="0"/>
-              <a:t>signal assignment </a:t>
-            </a:r>
-            <a:r>
-              <a:rPr lang="en-US" dirty="0" smtClean="0"/>
-              <a:t>statement</a:t>
+              <a:t>Solution</a:t>
             </a:r>
           </a:p>
           <a:p>
@@ -8878,9 +8850,18 @@
               </a:lnSpc>
             </a:pPr>
             <a:r>
-              <a:rPr lang="en-US" dirty="0" smtClean="0"/>
-              <a:t>Example:</a:t>
-            </a:r>
+              <a:rPr lang="en-US" dirty="0"/>
+              <a:t>assign "some cool logical stuff using </a:t>
+            </a:r>
+            <a:r>
+              <a:rPr lang="en-US" dirty="0" err="1"/>
+              <a:t>clk</a:t>
+            </a:r>
+            <a:r>
+              <a:rPr lang="en-US" dirty="0"/>
+              <a:t> and data" to a temporary variable</a:t>
+            </a:r>
+            <a:endParaRPr lang="en-US" dirty="0" smtClean="0"/>
           </a:p>
           <a:p>
             <a:pPr marL="403225" lvl="1" indent="0" eaLnBrk="1" hangingPunct="1">
@@ -8890,12 +8871,20 @@
               <a:buNone/>
             </a:pPr>
             <a:r>
+              <a:rPr lang="en-US" dirty="0" smtClean="0">
+                <a:solidFill>
+                  <a:schemeClr val="accent2"/>
+                </a:solidFill>
+              </a:rPr>
+              <a:t>entity </a:t>
+            </a:r>
+            <a:r>
               <a:rPr lang="en-US" dirty="0">
                 <a:solidFill>
                   <a:schemeClr val="accent2"/>
                 </a:solidFill>
               </a:rPr>
-              <a:t>	x &lt;=	y0 when S = "00" else</a:t>
+              <a:t>circuit is</a:t>
             </a:r>
           </a:p>
           <a:p>
@@ -8911,7 +8900,39 @@
                   <a:schemeClr val="accent2"/>
                 </a:solidFill>
               </a:rPr>
-              <a:t>		y1 when S = "01" else</a:t>
+              <a:t>    port (</a:t>
+            </a:r>
+            <a:r>
+              <a:rPr lang="en-US" dirty="0" err="1">
+                <a:solidFill>
+                  <a:schemeClr val="accent2"/>
+                </a:solidFill>
+              </a:rPr>
+              <a:t>clk</a:t>
+            </a:r>
+            <a:r>
+              <a:rPr lang="en-US" dirty="0">
+                <a:solidFill>
+                  <a:schemeClr val="accent2"/>
+                </a:solidFill>
+              </a:rPr>
+              <a:t>, data: in </a:t>
+            </a:r>
+            <a:r>
+              <a:rPr lang="en-US" dirty="0" err="1">
+                <a:solidFill>
+                  <a:schemeClr val="accent2"/>
+                </a:solidFill>
+              </a:rPr>
+              <a:t>std_logic</a:t>
+            </a:r>
+            <a:r>
+              <a:rPr lang="en-US" dirty="0">
+                <a:solidFill>
+                  <a:schemeClr val="accent2"/>
+                </a:solidFill>
+              </a:rPr>
+              <a:t>;</a:t>
             </a:r>
           </a:p>
           <a:p>
@@ -8927,7 +8948,39 @@
                   <a:schemeClr val="accent2"/>
                 </a:solidFill>
               </a:rPr>
-              <a:t>		y2 when S = "10" else</a:t>
+              <a:t>	  q, </a:t>
+            </a:r>
+            <a:r>
+              <a:rPr lang="en-US" dirty="0" err="1">
+                <a:solidFill>
+                  <a:schemeClr val="accent2"/>
+                </a:solidFill>
+              </a:rPr>
+              <a:t>not_q</a:t>
+            </a:r>
+            <a:r>
+              <a:rPr lang="en-US" dirty="0">
+                <a:solidFill>
+                  <a:schemeClr val="accent2"/>
+                </a:solidFill>
+              </a:rPr>
+              <a:t>: out </a:t>
+            </a:r>
+            <a:r>
+              <a:rPr lang="en-US" dirty="0" err="1">
+                <a:solidFill>
+                  <a:schemeClr val="accent2"/>
+                </a:solidFill>
+              </a:rPr>
+              <a:t>std_logic</a:t>
+            </a:r>
+            <a:r>
+              <a:rPr lang="en-US" dirty="0">
+                <a:solidFill>
+                  <a:schemeClr val="accent2"/>
+                </a:solidFill>
+              </a:rPr>
+              <a:t>);</a:t>
             </a:r>
           </a:p>
           <a:p>
@@ -8943,43 +8996,8 @@
                   <a:schemeClr val="accent2"/>
                 </a:solidFill>
               </a:rPr>
-              <a:t>		y3</a:t>
-            </a:r>
-            <a:r>
-              <a:rPr lang="en-US" dirty="0" smtClean="0">
-                <a:solidFill>
-                  <a:schemeClr val="accent2"/>
-                </a:solidFill>
-              </a:rPr>
-              <a:t>;</a:t>
-            </a:r>
-          </a:p>
-          <a:p>
-            <a:pPr eaLnBrk="1" hangingPunct="1">
-              <a:lnSpc>
-                <a:spcPct val="80000"/>
-              </a:lnSpc>
-            </a:pPr>
-            <a:r>
-              <a:rPr lang="en-US" dirty="0" smtClean="0"/>
-              <a:t>Draw this Circuit assuming 8-bit inputs</a:t>
-            </a:r>
-          </a:p>
-          <a:p>
-            <a:pPr eaLnBrk="1" hangingPunct="1">
-              <a:lnSpc>
-                <a:spcPct val="80000"/>
-              </a:lnSpc>
-            </a:pPr>
-            <a:r>
-              <a:rPr lang="en-US" dirty="0" smtClean="0"/>
-              <a:t>Now build 4-1 mux w/ 2-1 </a:t>
-            </a:r>
-            <a:r>
-              <a:rPr lang="en-US" dirty="0" err="1" smtClean="0"/>
-              <a:t>muxes</a:t>
-            </a:r>
-            <a:endParaRPr lang="en-US" dirty="0"/>
+              <a:t>end circuit;</a:t>
+            </a:r>
           </a:p>
           <a:p>
             <a:pPr marL="403225" lvl="1" indent="0" eaLnBrk="1" hangingPunct="1">
@@ -8988,6 +9006,276 @@
               </a:lnSpc>
               <a:buNone/>
             </a:pPr>
+            <a:endParaRPr lang="en-US" dirty="0">
+              <a:solidFill>
+                <a:schemeClr val="accent2"/>
+              </a:solidFill>
+            </a:endParaRPr>
+          </a:p>
+          <a:p>
+            <a:pPr marL="403225" lvl="1" indent="0" eaLnBrk="1" hangingPunct="1">
+              <a:lnSpc>
+                <a:spcPct val="80000"/>
+              </a:lnSpc>
+              <a:buNone/>
+            </a:pPr>
+            <a:r>
+              <a:rPr lang="en-US" dirty="0">
+                <a:solidFill>
+                  <a:schemeClr val="accent2"/>
+                </a:solidFill>
+              </a:rPr>
+              <a:t>architecture error of circuit is</a:t>
+            </a:r>
+          </a:p>
+          <a:p>
+            <a:pPr marL="403225" lvl="1" indent="0" eaLnBrk="1" hangingPunct="1">
+              <a:lnSpc>
+                <a:spcPct val="80000"/>
+              </a:lnSpc>
+              <a:buNone/>
+            </a:pPr>
+            <a:r>
+              <a:rPr lang="en-US" dirty="0" smtClean="0">
+                <a:solidFill>
+                  <a:srgbClr val="FF0000"/>
+                </a:solidFill>
+              </a:rPr>
+              <a:t>	signal temp </a:t>
+            </a:r>
+            <a:r>
+              <a:rPr lang="en-US" dirty="0" err="1" smtClean="0">
+                <a:solidFill>
+                  <a:srgbClr val="FF0000"/>
+                </a:solidFill>
+              </a:rPr>
+              <a:t>std_logic</a:t>
+            </a:r>
+            <a:r>
+              <a:rPr lang="en-US" dirty="0" smtClean="0">
+                <a:solidFill>
+                  <a:srgbClr val="FF0000"/>
+                </a:solidFill>
+              </a:rPr>
+              <a:t>;</a:t>
+            </a:r>
+          </a:p>
+          <a:p>
+            <a:pPr marL="403225" lvl="1" indent="0" eaLnBrk="1" hangingPunct="1">
+              <a:lnSpc>
+                <a:spcPct val="80000"/>
+              </a:lnSpc>
+              <a:buNone/>
+            </a:pPr>
+            <a:r>
+              <a:rPr lang="en-US" dirty="0" smtClean="0">
+                <a:solidFill>
+                  <a:schemeClr val="accent2"/>
+                </a:solidFill>
+              </a:rPr>
+              <a:t>begin</a:t>
+            </a:r>
+            <a:endParaRPr lang="en-US" dirty="0">
+              <a:solidFill>
+                <a:schemeClr val="accent2"/>
+              </a:solidFill>
+            </a:endParaRPr>
+          </a:p>
+          <a:p>
+            <a:pPr marL="403225" lvl="1" indent="0" eaLnBrk="1" hangingPunct="1">
+              <a:lnSpc>
+                <a:spcPct val="80000"/>
+              </a:lnSpc>
+              <a:buNone/>
+            </a:pPr>
+            <a:r>
+              <a:rPr lang="en-US" dirty="0">
+                <a:solidFill>
+                  <a:schemeClr val="accent2"/>
+                </a:solidFill>
+              </a:rPr>
+              <a:t>    </a:t>
+            </a:r>
+            <a:r>
+              <a:rPr lang="en-US" dirty="0" smtClean="0">
+                <a:solidFill>
+                  <a:srgbClr val="FF0000"/>
+                </a:solidFill>
+              </a:rPr>
+              <a:t>temp </a:t>
+            </a:r>
+            <a:r>
+              <a:rPr lang="en-US" dirty="0">
+                <a:solidFill>
+                  <a:srgbClr val="FF0000"/>
+                </a:solidFill>
+              </a:rPr>
+              <a:t>&lt;= </a:t>
+            </a:r>
+            <a:r>
+              <a:rPr lang="en-US" dirty="0">
+                <a:solidFill>
+                  <a:schemeClr val="accent2"/>
+                </a:solidFill>
+              </a:rPr>
+              <a:t>some cool logical </a:t>
+            </a:r>
+            <a:r>
+              <a:rPr lang="en-US" dirty="0" err="1">
+                <a:solidFill>
+                  <a:schemeClr val="accent2"/>
+                </a:solidFill>
+              </a:rPr>
+              <a:t>stuf</a:t>
+            </a:r>
+            <a:r>
+              <a:rPr lang="en-US" dirty="0">
+                <a:solidFill>
+                  <a:schemeClr val="accent2"/>
+                </a:solidFill>
+              </a:rPr>
+              <a:t> using </a:t>
+            </a:r>
+            <a:r>
+              <a:rPr lang="en-US" dirty="0" err="1">
+                <a:solidFill>
+                  <a:schemeClr val="accent2"/>
+                </a:solidFill>
+              </a:rPr>
+              <a:t>clk</a:t>
+            </a:r>
+            <a:r>
+              <a:rPr lang="en-US" dirty="0">
+                <a:solidFill>
+                  <a:schemeClr val="accent2"/>
+                </a:solidFill>
+              </a:rPr>
+              <a:t> and data;</a:t>
+            </a:r>
+          </a:p>
+          <a:p>
+            <a:pPr marL="403225" lvl="1" indent="0" eaLnBrk="1" hangingPunct="1">
+              <a:lnSpc>
+                <a:spcPct val="80000"/>
+              </a:lnSpc>
+              <a:buNone/>
+            </a:pPr>
+            <a:r>
+              <a:rPr lang="en-US" dirty="0">
+                <a:solidFill>
+                  <a:schemeClr val="accent2"/>
+                </a:solidFill>
+              </a:rPr>
+              <a:t>    </a:t>
+            </a:r>
+            <a:r>
+              <a:rPr lang="en-US" dirty="0" smtClean="0">
+                <a:solidFill>
+                  <a:schemeClr val="accent2"/>
+                </a:solidFill>
+              </a:rPr>
+              <a:t>q </a:t>
+            </a:r>
+            <a:r>
+              <a:rPr lang="en-US" dirty="0">
+                <a:solidFill>
+                  <a:srgbClr val="FF0000"/>
+                </a:solidFill>
+              </a:rPr>
+              <a:t>&lt;= temp</a:t>
+            </a:r>
+            <a:r>
+              <a:rPr lang="en-US" dirty="0">
+                <a:solidFill>
+                  <a:schemeClr val="accent2"/>
+                </a:solidFill>
+              </a:rPr>
+              <a:t>;</a:t>
+            </a:r>
+          </a:p>
+          <a:p>
+            <a:pPr marL="403225" lvl="1" indent="0" eaLnBrk="1" hangingPunct="1">
+              <a:lnSpc>
+                <a:spcPct val="80000"/>
+              </a:lnSpc>
+              <a:buNone/>
+            </a:pPr>
+            <a:r>
+              <a:rPr lang="en-US" dirty="0">
+                <a:solidFill>
+                  <a:schemeClr val="accent2"/>
+                </a:solidFill>
+              </a:rPr>
+              <a:t>    </a:t>
+            </a:r>
+            <a:r>
+              <a:rPr lang="en-US" dirty="0" err="1">
+                <a:solidFill>
+                  <a:schemeClr val="accent2"/>
+                </a:solidFill>
+              </a:rPr>
+              <a:t>not_q</a:t>
+            </a:r>
+            <a:r>
+              <a:rPr lang="en-US" dirty="0">
+                <a:solidFill>
+                  <a:schemeClr val="accent2"/>
+                </a:solidFill>
+              </a:rPr>
+              <a:t> </a:t>
+            </a:r>
+            <a:r>
+              <a:rPr lang="en-US" dirty="0">
+                <a:solidFill>
+                  <a:srgbClr val="FF0000"/>
+                </a:solidFill>
+              </a:rPr>
+              <a:t>&lt;= not temp</a:t>
+            </a:r>
+            <a:r>
+              <a:rPr lang="en-US" dirty="0">
+                <a:solidFill>
+                  <a:schemeClr val="accent2"/>
+                </a:solidFill>
+              </a:rPr>
+              <a:t>;</a:t>
+            </a:r>
+            <a:endParaRPr lang="en-US" dirty="0" smtClean="0">
+              <a:solidFill>
+                <a:schemeClr val="accent2"/>
+              </a:solidFill>
+            </a:endParaRPr>
+          </a:p>
+          <a:p>
+            <a:pPr marL="403225" lvl="1" indent="0" eaLnBrk="1" hangingPunct="1">
+              <a:lnSpc>
+                <a:spcPct val="80000"/>
+              </a:lnSpc>
+              <a:buNone/>
+            </a:pPr>
+            <a:r>
+              <a:rPr lang="en-US" dirty="0" smtClean="0">
+                <a:solidFill>
+                  <a:schemeClr val="accent2"/>
+                </a:solidFill>
+              </a:rPr>
+              <a:t>end </a:t>
+            </a:r>
+            <a:r>
+              <a:rPr lang="en-US" dirty="0">
+                <a:solidFill>
+                  <a:schemeClr val="accent2"/>
+                </a:solidFill>
+              </a:rPr>
+              <a:t>error;</a:t>
+            </a:r>
+            <a:endParaRPr lang="en-US" dirty="0" smtClean="0">
+              <a:solidFill>
+                <a:schemeClr val="accent2"/>
+              </a:solidFill>
+            </a:endParaRPr>
+          </a:p>
+          <a:p>
             <a:endParaRPr lang="en-US" dirty="0"/>
           </a:p>
         </p:txBody>
@@ -9025,6 +9313,279 @@
                 <a:defRPr/>
               </a:pPr>
               <a:t>10</a:t>
+            </a:fld>
+            <a:endParaRPr lang="en-US" dirty="0">
+              <a:solidFill>
+                <a:srgbClr val="000000"/>
+              </a:solidFill>
+            </a:endParaRPr>
+          </a:p>
+        </p:txBody>
+      </p:sp>
+    </p:spTree>
+    <p:extLst>
+      <p:ext uri="{BB962C8B-B14F-4D97-AF65-F5344CB8AC3E}">
+        <p14:creationId xmlns:p14="http://schemas.microsoft.com/office/powerpoint/2010/main" val="918872278"/>
+      </p:ext>
+    </p:extLst>
+  </p:cSld>
+  <p:clrMapOvr>
+    <a:masterClrMapping/>
+  </p:clrMapOvr>
+  <p:timing>
+    <p:tnLst>
+      <p:par>
+        <p:cTn id="1" dur="indefinite" restart="never" nodeType="tmRoot"/>
+      </p:par>
+    </p:tnLst>
+  </p:timing>
+</p:sld>
+</file>
+
+<file path=ppt/slides/slide11.xml><?xml version="1.0" encoding="utf-8"?>
+<p:sld xmlns:a="http://schemas.openxmlformats.org/drawingml/2006/main" xmlns:r="http://schemas.openxmlformats.org/officeDocument/2006/relationships" xmlns:p="http://schemas.openxmlformats.org/presentationml/2006/main">
+  <p:cSld>
+    <p:spTree>
+      <p:nvGrpSpPr>
+        <p:cNvPr id="1" name=""/>
+        <p:cNvGrpSpPr/>
+        <p:nvPr/>
+      </p:nvGrpSpPr>
+      <p:grpSpPr>
+        <a:xfrm>
+          <a:off x="0" y="0"/>
+          <a:ext cx="0" cy="0"/>
+          <a:chOff x="0" y="0"/>
+          <a:chExt cx="0" cy="0"/>
+        </a:xfrm>
+      </p:grpSpPr>
+      <p:sp>
+        <p:nvSpPr>
+          <p:cNvPr id="2" name="Title 1"/>
+          <p:cNvSpPr>
+            <a:spLocks noGrp="1"/>
+          </p:cNvSpPr>
+          <p:nvPr>
+            <p:ph type="title"/>
+          </p:nvPr>
+        </p:nvSpPr>
+        <p:spPr/>
+        <p:txBody>
+          <a:bodyPr/>
+          <a:lstStyle/>
+          <a:p>
+            <a:r>
+              <a:rPr lang="en-US" dirty="0"/>
+              <a:t>Combinational </a:t>
+            </a:r>
+            <a:r>
+              <a:rPr lang="en-US" dirty="0" smtClean="0"/>
+              <a:t>Element -   Mux</a:t>
+            </a:r>
+            <a:endParaRPr lang="en-US" dirty="0"/>
+          </a:p>
+        </p:txBody>
+      </p:sp>
+      <p:sp>
+        <p:nvSpPr>
+          <p:cNvPr id="4" name="Content Placeholder 3"/>
+          <p:cNvSpPr>
+            <a:spLocks noGrp="1"/>
+          </p:cNvSpPr>
+          <p:nvPr>
+            <p:ph idx="1"/>
+          </p:nvPr>
+        </p:nvSpPr>
+        <p:spPr>
+          <a:xfrm>
+            <a:off x="581736" y="1523052"/>
+            <a:ext cx="8131175" cy="4324350"/>
+          </a:xfrm>
+        </p:spPr>
+        <p:txBody>
+          <a:bodyPr/>
+          <a:lstStyle/>
+          <a:p>
+            <a:pPr eaLnBrk="1" hangingPunct="1">
+              <a:lnSpc>
+                <a:spcPct val="80000"/>
+              </a:lnSpc>
+            </a:pPr>
+            <a:r>
+              <a:rPr lang="en-US" dirty="0" smtClean="0"/>
+              <a:t>Simplify </a:t>
+            </a:r>
+            <a:r>
+              <a:rPr lang="en-US" dirty="0" err="1" smtClean="0"/>
+              <a:t>muxes</a:t>
+            </a:r>
+            <a:r>
+              <a:rPr lang="en-US" dirty="0" smtClean="0"/>
+              <a:t> using conditional </a:t>
+            </a:r>
+            <a:r>
+              <a:rPr lang="en-US" dirty="0"/>
+              <a:t>signal assignment </a:t>
+            </a:r>
+            <a:r>
+              <a:rPr lang="en-US" dirty="0" smtClean="0"/>
+              <a:t>statement</a:t>
+            </a:r>
+          </a:p>
+          <a:p>
+            <a:pPr eaLnBrk="1" hangingPunct="1">
+              <a:lnSpc>
+                <a:spcPct val="80000"/>
+              </a:lnSpc>
+            </a:pPr>
+            <a:r>
+              <a:rPr lang="en-US" dirty="0" smtClean="0"/>
+              <a:t>Example:</a:t>
+            </a:r>
+          </a:p>
+          <a:p>
+            <a:pPr marL="403225" lvl="1" indent="0" eaLnBrk="1" hangingPunct="1">
+              <a:lnSpc>
+                <a:spcPct val="80000"/>
+              </a:lnSpc>
+              <a:buNone/>
+            </a:pPr>
+            <a:r>
+              <a:rPr lang="en-US" dirty="0">
+                <a:solidFill>
+                  <a:schemeClr val="accent2"/>
+                </a:solidFill>
+              </a:rPr>
+              <a:t>	x &lt;=	y0 when S = "00" else</a:t>
+            </a:r>
+          </a:p>
+          <a:p>
+            <a:pPr marL="403225" lvl="1" indent="0" eaLnBrk="1" hangingPunct="1">
+              <a:lnSpc>
+                <a:spcPct val="80000"/>
+              </a:lnSpc>
+              <a:buNone/>
+            </a:pPr>
+            <a:r>
+              <a:rPr lang="en-US" dirty="0">
+                <a:solidFill>
+                  <a:schemeClr val="accent2"/>
+                </a:solidFill>
+              </a:rPr>
+              <a:t>		y1 when S = "01" else</a:t>
+            </a:r>
+          </a:p>
+          <a:p>
+            <a:pPr marL="403225" lvl="1" indent="0" eaLnBrk="1" hangingPunct="1">
+              <a:lnSpc>
+                <a:spcPct val="80000"/>
+              </a:lnSpc>
+              <a:buNone/>
+            </a:pPr>
+            <a:r>
+              <a:rPr lang="en-US" dirty="0">
+                <a:solidFill>
+                  <a:schemeClr val="accent2"/>
+                </a:solidFill>
+              </a:rPr>
+              <a:t>		y2 when S = "10" else</a:t>
+            </a:r>
+          </a:p>
+          <a:p>
+            <a:pPr marL="403225" lvl="1" indent="0" eaLnBrk="1" hangingPunct="1">
+              <a:lnSpc>
+                <a:spcPct val="80000"/>
+              </a:lnSpc>
+              <a:buNone/>
+            </a:pPr>
+            <a:r>
+              <a:rPr lang="en-US" dirty="0">
+                <a:solidFill>
+                  <a:schemeClr val="accent2"/>
+                </a:solidFill>
+              </a:rPr>
+              <a:t>		y3</a:t>
+            </a:r>
+            <a:r>
+              <a:rPr lang="en-US" dirty="0" smtClean="0">
+                <a:solidFill>
+                  <a:schemeClr val="accent2"/>
+                </a:solidFill>
+              </a:rPr>
+              <a:t>;</a:t>
+            </a:r>
+          </a:p>
+          <a:p>
+            <a:pPr eaLnBrk="1" hangingPunct="1">
+              <a:lnSpc>
+                <a:spcPct val="80000"/>
+              </a:lnSpc>
+            </a:pPr>
+            <a:r>
+              <a:rPr lang="en-US" dirty="0" smtClean="0"/>
+              <a:t>Draw this Circuit assuming 8-bit inputs</a:t>
+            </a:r>
+          </a:p>
+          <a:p>
+            <a:pPr eaLnBrk="1" hangingPunct="1">
+              <a:lnSpc>
+                <a:spcPct val="80000"/>
+              </a:lnSpc>
+            </a:pPr>
+            <a:r>
+              <a:rPr lang="en-US" dirty="0" smtClean="0"/>
+              <a:t>Now build 4-1 mux w/ 2-1 </a:t>
+            </a:r>
+            <a:r>
+              <a:rPr lang="en-US" dirty="0" err="1" smtClean="0"/>
+              <a:t>muxes</a:t>
+            </a:r>
+            <a:endParaRPr lang="en-US" dirty="0"/>
+          </a:p>
+          <a:p>
+            <a:pPr marL="403225" lvl="1" indent="0" eaLnBrk="1" hangingPunct="1">
+              <a:lnSpc>
+                <a:spcPct val="80000"/>
+              </a:lnSpc>
+              <a:buNone/>
+            </a:pPr>
+            <a:endParaRPr lang="en-US" dirty="0"/>
+          </a:p>
+        </p:txBody>
+      </p:sp>
+      <p:sp>
+        <p:nvSpPr>
+          <p:cNvPr id="5" name="Slide Number Placeholder 3"/>
+          <p:cNvSpPr>
+            <a:spLocks noGrp="1"/>
+          </p:cNvSpPr>
+          <p:nvPr>
+            <p:ph type="sldNum" sz="quarter" idx="10"/>
+          </p:nvPr>
+        </p:nvSpPr>
+        <p:spPr>
+          <a:xfrm>
+            <a:off x="6910388" y="6253163"/>
+            <a:ext cx="2133600" cy="476250"/>
+          </a:xfrm>
+        </p:spPr>
+        <p:txBody>
+          <a:bodyPr/>
+          <a:lstStyle/>
+          <a:p>
+            <a:pPr>
+              <a:defRPr/>
+            </a:pPr>
+            <a:fld id="{62D6D4B2-7611-498F-8780-1EDC26277454}" type="slidenum">
+              <a:rPr lang="en-US" smtClean="0">
+                <a:solidFill>
+                  <a:srgbClr val="000000"/>
+                </a:solidFill>
+              </a:rPr>
+              <a:pPr>
+                <a:defRPr/>
+              </a:pPr>
+              <a:t>11</a:t>
             </a:fld>
             <a:endParaRPr lang="en-US" dirty="0">
               <a:solidFill>
@@ -9348,130 +9909,6 @@
 </p:sld>
 </file>
 
-<file path=ppt/slides/slide11.xml><?xml version="1.0" encoding="utf-8"?>
-<p:sld xmlns:a="http://schemas.openxmlformats.org/drawingml/2006/main" xmlns:r="http://schemas.openxmlformats.org/officeDocument/2006/relationships" xmlns:p="http://schemas.openxmlformats.org/presentationml/2006/main">
-  <p:cSld>
-    <p:spTree>
-      <p:nvGrpSpPr>
-        <p:cNvPr id="1" name=""/>
-        <p:cNvGrpSpPr/>
-        <p:nvPr/>
-      </p:nvGrpSpPr>
-      <p:grpSpPr>
-        <a:xfrm>
-          <a:off x="0" y="0"/>
-          <a:ext cx="0" cy="0"/>
-          <a:chOff x="0" y="0"/>
-          <a:chExt cx="0" cy="0"/>
-        </a:xfrm>
-      </p:grpSpPr>
-      <p:sp>
-        <p:nvSpPr>
-          <p:cNvPr id="6" name="Title 5"/>
-          <p:cNvSpPr>
-            <a:spLocks noGrp="1"/>
-          </p:cNvSpPr>
-          <p:nvPr>
-            <p:ph type="title"/>
-          </p:nvPr>
-        </p:nvSpPr>
-        <p:spPr/>
-        <p:txBody>
-          <a:bodyPr/>
-          <a:lstStyle/>
-          <a:p>
-            <a:r>
-              <a:rPr lang="en-US" cap="none" dirty="0" smtClean="0"/>
-              <a:t>Unsigned </a:t>
-            </a:r>
-            <a:r>
-              <a:rPr lang="en-US" cap="none" dirty="0"/>
-              <a:t>Numeric </a:t>
-            </a:r>
-            <a:r>
-              <a:rPr lang="en-US" cap="none" dirty="0" smtClean="0"/>
-              <a:t>Standard</a:t>
-            </a:r>
-            <a:endParaRPr lang="en-US" cap="none" dirty="0"/>
-          </a:p>
-        </p:txBody>
-      </p:sp>
-      <p:sp>
-        <p:nvSpPr>
-          <p:cNvPr id="7" name="Text Placeholder 6"/>
-          <p:cNvSpPr>
-            <a:spLocks noGrp="1"/>
-          </p:cNvSpPr>
-          <p:nvPr>
-            <p:ph type="body" idx="1"/>
-          </p:nvPr>
-        </p:nvSpPr>
-        <p:spPr/>
-        <p:txBody>
-          <a:bodyPr/>
-          <a:lstStyle/>
-          <a:p>
-            <a:endParaRPr lang="en-US" dirty="0"/>
-          </a:p>
-        </p:txBody>
-      </p:sp>
-      <p:sp>
-        <p:nvSpPr>
-          <p:cNvPr id="4" name="Slide Number Placeholder 3"/>
-          <p:cNvSpPr>
-            <a:spLocks noGrp="1"/>
-          </p:cNvSpPr>
-          <p:nvPr>
-            <p:ph type="sldNum" sz="quarter" idx="10"/>
-          </p:nvPr>
-        </p:nvSpPr>
-        <p:spPr/>
-        <p:txBody>
-          <a:bodyPr/>
-          <a:lstStyle/>
-          <a:p>
-            <a:pPr>
-              <a:defRPr/>
-            </a:pPr>
-            <a:fld id="{62D6D4B2-7611-498F-8780-1EDC26277454}" type="slidenum">
-              <a:rPr lang="en-US" smtClean="0">
-                <a:solidFill>
-                  <a:srgbClr val="000000"/>
-                </a:solidFill>
-              </a:rPr>
-              <a:pPr>
-                <a:defRPr/>
-              </a:pPr>
-              <a:t>11</a:t>
-            </a:fld>
-            <a:endParaRPr lang="en-US" dirty="0">
-              <a:solidFill>
-                <a:srgbClr val="000000"/>
-              </a:solidFill>
-            </a:endParaRPr>
-          </a:p>
-        </p:txBody>
-      </p:sp>
-    </p:spTree>
-    <p:extLst>
-      <p:ext uri="{BB962C8B-B14F-4D97-AF65-F5344CB8AC3E}">
-        <p14:creationId xmlns:p14="http://schemas.microsoft.com/office/powerpoint/2010/main" val="3008970908"/>
-      </p:ext>
-    </p:extLst>
-  </p:cSld>
-  <p:clrMapOvr>
-    <a:masterClrMapping/>
-  </p:clrMapOvr>
-  <p:timing>
-    <p:tnLst>
-      <p:par>
-        <p:cTn id="1" dur="indefinite" restart="never" nodeType="tmRoot"/>
-      </p:par>
-    </p:tnLst>
-  </p:timing>
-</p:sld>
-</file>
-
 <file path=ppt/slides/slide12.xml><?xml version="1.0" encoding="utf-8"?>
 <p:sld xmlns:a="http://schemas.openxmlformats.org/drawingml/2006/main" xmlns:r="http://schemas.openxmlformats.org/officeDocument/2006/relationships" xmlns:p="http://schemas.openxmlformats.org/presentationml/2006/main">
   <p:cSld>
@@ -9491,7 +9928,7 @@
       </p:grpSpPr>
       <p:sp>
         <p:nvSpPr>
-          <p:cNvPr id="2" name="Title 1"/>
+          <p:cNvPr id="6" name="Title 5"/>
           <p:cNvSpPr>
             <a:spLocks noGrp="1"/>
           </p:cNvSpPr>
@@ -9505,135 +9942,43 @@
           <a:lstStyle/>
           <a:p>
             <a:r>
-              <a:rPr lang="en-US" dirty="0" smtClean="0"/>
+              <a:rPr lang="en-US" cap="none" dirty="0" smtClean="0"/>
               <a:t>Unsigned </a:t>
             </a:r>
             <a:r>
-              <a:rPr lang="en-US" dirty="0"/>
+              <a:rPr lang="en-US" cap="none" dirty="0"/>
               <a:t>Numeric </a:t>
             </a:r>
             <a:r>
-              <a:rPr lang="en-US" dirty="0" smtClean="0"/>
+              <a:rPr lang="en-US" cap="none" dirty="0" smtClean="0"/>
               <a:t>Standard</a:t>
             </a:r>
-            <a:endParaRPr lang="en-US" dirty="0"/>
-          </a:p>
-        </p:txBody>
-      </p:sp>
-      <p:sp>
-        <p:nvSpPr>
-          <p:cNvPr id="4" name="Content Placeholder 3"/>
+            <a:endParaRPr lang="en-US" cap="none" dirty="0"/>
+          </a:p>
+        </p:txBody>
+      </p:sp>
+      <p:sp>
+        <p:nvSpPr>
+          <p:cNvPr id="7" name="Text Placeholder 6"/>
           <p:cNvSpPr>
             <a:spLocks noGrp="1"/>
           </p:cNvSpPr>
           <p:nvPr>
-            <p:ph idx="1"/>
-          </p:nvPr>
-        </p:nvSpPr>
-        <p:spPr>
-          <a:xfrm>
-            <a:off x="581736" y="1523052"/>
-            <a:ext cx="8131175" cy="4324350"/>
-          </a:xfrm>
-        </p:spPr>
+            <p:ph type="body" idx="1"/>
+          </p:nvPr>
+        </p:nvSpPr>
+        <p:spPr/>
         <p:txBody>
           <a:bodyPr/>
           <a:lstStyle/>
           <a:p>
-            <a:r>
-              <a:rPr lang="en-US" b="0" dirty="0" smtClean="0"/>
-              <a:t>So far we mostly used </a:t>
-            </a:r>
-            <a:r>
-              <a:rPr lang="en-US" b="0" dirty="0">
-                <a:solidFill>
-                  <a:schemeClr val="accent6"/>
-                </a:solidFill>
-              </a:rPr>
-              <a:t>STD_LOGIC_1164</a:t>
-            </a:r>
-            <a:r>
-              <a:rPr lang="en-US" b="0" dirty="0"/>
-              <a:t> library</a:t>
-            </a:r>
-            <a:r>
-              <a:rPr lang="en-US" b="0" dirty="0" smtClean="0"/>
-              <a:t> </a:t>
-            </a:r>
-          </a:p>
-          <a:p>
-            <a:pPr marL="403225" lvl="1" indent="0">
-              <a:buNone/>
-            </a:pPr>
-            <a:r>
-              <a:rPr lang="en-US" b="0" dirty="0" smtClean="0">
-                <a:solidFill>
-                  <a:schemeClr val="accent6"/>
-                </a:solidFill>
-              </a:rPr>
-              <a:t>library IEEE;		</a:t>
-            </a:r>
-          </a:p>
-          <a:p>
-            <a:pPr marL="403225" lvl="1" indent="0">
-              <a:buNone/>
-            </a:pPr>
-            <a:r>
-              <a:rPr lang="en-US" b="0" dirty="0" smtClean="0">
-                <a:solidFill>
-                  <a:schemeClr val="accent6"/>
-                </a:solidFill>
-              </a:rPr>
-              <a:t>use </a:t>
-            </a:r>
-            <a:r>
-              <a:rPr lang="en-US" b="0" dirty="0">
-                <a:solidFill>
-                  <a:schemeClr val="accent6"/>
-                </a:solidFill>
-              </a:rPr>
-              <a:t>IEEE.STD_LOGIC_1164.all; </a:t>
-            </a:r>
-            <a:endParaRPr lang="en-US" b="0" dirty="0" smtClean="0">
-              <a:solidFill>
-                <a:schemeClr val="accent6"/>
-              </a:solidFill>
-            </a:endParaRPr>
-          </a:p>
-          <a:p>
-            <a:pPr lvl="1"/>
-            <a:r>
-              <a:rPr lang="en-US" b="0" dirty="0" smtClean="0"/>
-              <a:t>Library Contents: </a:t>
-            </a:r>
-            <a:r>
-              <a:rPr lang="en-US" b="0" dirty="0" smtClean="0">
-                <a:hlinkClick r:id="rId2"/>
-              </a:rPr>
-              <a:t>http</a:t>
-            </a:r>
-            <a:r>
-              <a:rPr lang="en-US" b="0" dirty="0">
-                <a:hlinkClick r:id="rId2"/>
-              </a:rPr>
-              <a:t>://</a:t>
-            </a:r>
-            <a:r>
-              <a:rPr lang="en-US" b="0" dirty="0" smtClean="0">
-                <a:hlinkClick r:id="rId2"/>
-              </a:rPr>
-              <a:t>www.csee.umbc.edu/portal/help/VHDL/packages/std_logic_1164.vhd</a:t>
-            </a:r>
-            <a:endParaRPr lang="en-US" b="0" dirty="0" smtClean="0"/>
-          </a:p>
-          <a:p>
             <a:endParaRPr lang="en-US" dirty="0"/>
           </a:p>
         </p:txBody>
       </p:sp>
       <p:sp>
         <p:nvSpPr>
-          <p:cNvPr id="5" name="Slide Number Placeholder 3"/>
+          <p:cNvPr id="4" name="Slide Number Placeholder 3"/>
           <p:cNvSpPr>
             <a:spLocks noGrp="1"/>
           </p:cNvSpPr>
@@ -9641,12 +9986,7 @@
             <p:ph type="sldNum" sz="quarter" idx="10"/>
           </p:nvPr>
         </p:nvSpPr>
-        <p:spPr>
-          <a:xfrm>
-            <a:off x="6910388" y="6253163"/>
-            <a:ext cx="2133600" cy="476250"/>
-          </a:xfrm>
-        </p:spPr>
+        <p:spPr/>
         <p:txBody>
           <a:bodyPr/>
           <a:lstStyle/>
@@ -9676,7 +10016,7 @@
     </p:spTree>
     <p:extLst>
       <p:ext uri="{BB962C8B-B14F-4D97-AF65-F5344CB8AC3E}">
-        <p14:creationId xmlns:p14="http://schemas.microsoft.com/office/powerpoint/2010/main" val="3796123789"/>
+        <p14:creationId xmlns:p14="http://schemas.microsoft.com/office/powerpoint/2010/main" val="3008970908"/>
       </p:ext>
     </p:extLst>
   </p:cSld>
@@ -9762,310 +10102,92 @@
           <a:lstStyle/>
           <a:p>
             <a:r>
-              <a:rPr lang="en-US" b="0" dirty="0" err="1"/>
-              <a:t>Numeric_Std</a:t>
+              <a:rPr lang="en-US" b="0" dirty="0" smtClean="0"/>
+              <a:t>So far we mostly used </a:t>
+            </a:r>
+            <a:r>
+              <a:rPr lang="en-US" b="0" dirty="0">
+                <a:solidFill>
+                  <a:schemeClr val="accent6"/>
+                </a:solidFill>
+              </a:rPr>
+              <a:t>STD_LOGIC_1164</a:t>
             </a:r>
             <a:r>
               <a:rPr lang="en-US" b="0" dirty="0"/>
-              <a:t> Library supports 2 main datatypes</a:t>
-            </a:r>
+              <a:t> library</a:t>
+            </a:r>
+            <a:r>
+              <a:rPr lang="en-US" b="0" dirty="0" smtClean="0"/>
+              <a:t> </a:t>
+            </a:r>
+          </a:p>
+          <a:p>
+            <a:pPr marL="403225" lvl="1" indent="0">
+              <a:buNone/>
+            </a:pPr>
+            <a:r>
+              <a:rPr lang="en-US" b="0" dirty="0" smtClean="0">
+                <a:solidFill>
+                  <a:schemeClr val="accent6"/>
+                </a:solidFill>
+              </a:rPr>
+              <a:t>library IEEE;		</a:t>
+            </a:r>
+          </a:p>
+          <a:p>
+            <a:pPr marL="403225" lvl="1" indent="0">
+              <a:buNone/>
+            </a:pPr>
+            <a:r>
+              <a:rPr lang="en-US" b="0" dirty="0" smtClean="0">
+                <a:solidFill>
+                  <a:schemeClr val="accent6"/>
+                </a:solidFill>
+              </a:rPr>
+              <a:t>use </a:t>
+            </a:r>
+            <a:r>
+              <a:rPr lang="en-US" b="0" dirty="0">
+                <a:solidFill>
+                  <a:schemeClr val="accent6"/>
+                </a:solidFill>
+              </a:rPr>
+              <a:t>IEEE.STD_LOGIC_1164.all; </a:t>
+            </a:r>
+            <a:endParaRPr lang="en-US" b="0" dirty="0" smtClean="0">
+              <a:solidFill>
+                <a:schemeClr val="accent6"/>
+              </a:solidFill>
+            </a:endParaRPr>
           </a:p>
           <a:p>
             <a:pPr lvl="1"/>
             <a:r>
-              <a:rPr lang="en-US" b="0" dirty="0"/>
-              <a:t>Signed and </a:t>
-            </a:r>
-            <a:r>
               <a:rPr lang="en-US" b="0" dirty="0" smtClean="0"/>
-              <a:t>Unsigned</a:t>
-            </a:r>
-          </a:p>
-          <a:p>
-            <a:pPr lvl="1"/>
-            <a:r>
-              <a:rPr lang="en-US" b="0" dirty="0"/>
               <a:t>Library Contents: </a:t>
+            </a:r>
+            <a:r>
+              <a:rPr lang="en-US" b="0" dirty="0" smtClean="0">
+                <a:hlinkClick r:id="rId2"/>
+              </a:rPr>
+              <a:t>http</a:t>
             </a:r>
             <a:r>
               <a:rPr lang="en-US" b="0" dirty="0">
                 <a:hlinkClick r:id="rId2"/>
               </a:rPr>
-              <a:t>http://</a:t>
+              <a:t>://</a:t>
             </a:r>
             <a:r>
               <a:rPr lang="en-US" b="0" dirty="0" smtClean="0">
                 <a:hlinkClick r:id="rId2"/>
               </a:rPr>
-              <a:t>www.csee.umbc.edu/portal/help/VHDL/packages/numeric_std.vhd</a:t>
-            </a:r>
-            <a:endParaRPr lang="en-US" b="0" dirty="0"/>
-          </a:p>
-          <a:p>
-            <a:pPr marL="403225" lvl="1" indent="0">
-              <a:buNone/>
-            </a:pPr>
-            <a:r>
-              <a:rPr lang="en-US" sz="1600" b="0" dirty="0">
-                <a:solidFill>
-                  <a:schemeClr val="accent6"/>
-                </a:solidFill>
-              </a:rPr>
-              <a:t>library IEEE;		</a:t>
-            </a:r>
-          </a:p>
-          <a:p>
-            <a:pPr marL="403225" lvl="1" indent="0">
-              <a:buNone/>
-            </a:pPr>
-            <a:r>
-              <a:rPr lang="en-US" sz="1600" b="0" dirty="0">
-                <a:solidFill>
-                  <a:schemeClr val="accent6"/>
-                </a:solidFill>
-              </a:rPr>
-              <a:t>use IEEE.std_logic_1164.all; </a:t>
-            </a:r>
-          </a:p>
-          <a:p>
-            <a:pPr marL="403225" lvl="1" indent="0">
-              <a:buNone/>
-            </a:pPr>
-            <a:r>
-              <a:rPr lang="en-US" sz="1600" b="0" dirty="0">
-                <a:solidFill>
-                  <a:schemeClr val="accent6"/>
-                </a:solidFill>
-              </a:rPr>
-              <a:t>use IEEE.NUMERIC_STD.ALL;</a:t>
-            </a:r>
-          </a:p>
-          <a:p>
-            <a:pPr marL="403225" lvl="1" indent="0">
-              <a:buNone/>
-            </a:pPr>
-            <a:r>
-              <a:rPr lang="en-US" sz="1600" b="0" dirty="0" smtClean="0">
-                <a:solidFill>
-                  <a:schemeClr val="accent6"/>
-                </a:solidFill>
-              </a:rPr>
-              <a:t>entity </a:t>
-            </a:r>
-            <a:r>
-              <a:rPr lang="en-US" sz="1600" b="0" dirty="0">
-                <a:solidFill>
-                  <a:schemeClr val="accent6"/>
-                </a:solidFill>
-              </a:rPr>
-              <a:t>lec3 is</a:t>
-            </a:r>
-          </a:p>
-          <a:p>
-            <a:pPr marL="403225" lvl="1" indent="0">
-              <a:buNone/>
-            </a:pPr>
-            <a:r>
-              <a:rPr lang="en-US" sz="1600" b="0" dirty="0">
-                <a:solidFill>
-                  <a:schemeClr val="accent6"/>
-                </a:solidFill>
-              </a:rPr>
-              <a:t>	port(	au, </a:t>
-            </a:r>
-            <a:r>
-              <a:rPr lang="en-US" sz="1600" b="0" dirty="0" err="1">
-                <a:solidFill>
-                  <a:schemeClr val="accent6"/>
-                </a:solidFill>
-              </a:rPr>
-              <a:t>bu</a:t>
-            </a:r>
-            <a:r>
-              <a:rPr lang="en-US" sz="1600" b="0" dirty="0">
-                <a:solidFill>
-                  <a:schemeClr val="accent6"/>
-                </a:solidFill>
-              </a:rPr>
-              <a:t>:	in unsigned(3 </a:t>
-            </a:r>
-            <a:r>
-              <a:rPr lang="en-US" sz="1600" b="0" dirty="0" err="1">
-                <a:solidFill>
-                  <a:schemeClr val="accent6"/>
-                </a:solidFill>
-              </a:rPr>
-              <a:t>downto</a:t>
-            </a:r>
-            <a:r>
-              <a:rPr lang="en-US" sz="1600" b="0" dirty="0">
-                <a:solidFill>
-                  <a:schemeClr val="accent6"/>
-                </a:solidFill>
-              </a:rPr>
-              <a:t> 0); </a:t>
-            </a:r>
-          </a:p>
-          <a:p>
-            <a:pPr marL="403225" lvl="1" indent="0">
-              <a:buNone/>
-            </a:pPr>
-            <a:r>
-              <a:rPr lang="en-US" sz="1600" b="0" dirty="0">
-                <a:solidFill>
-                  <a:schemeClr val="accent6"/>
-                </a:solidFill>
-              </a:rPr>
-              <a:t>			</a:t>
-            </a:r>
-            <a:r>
-              <a:rPr lang="en-US" sz="1600" b="0" dirty="0" err="1">
-                <a:solidFill>
-                  <a:schemeClr val="accent6"/>
-                </a:solidFill>
-              </a:rPr>
-              <a:t>cu,du,su</a:t>
-            </a:r>
-            <a:r>
-              <a:rPr lang="en-US" sz="1600" b="0" dirty="0">
-                <a:solidFill>
-                  <a:schemeClr val="accent6"/>
-                </a:solidFill>
-              </a:rPr>
-              <a:t>:	out unsigned(3 </a:t>
-            </a:r>
-            <a:r>
-              <a:rPr lang="en-US" sz="1600" b="0" dirty="0" err="1">
-                <a:solidFill>
-                  <a:schemeClr val="accent6"/>
-                </a:solidFill>
-              </a:rPr>
-              <a:t>downto</a:t>
-            </a:r>
-            <a:r>
-              <a:rPr lang="en-US" sz="1600" b="0" dirty="0">
-                <a:solidFill>
-                  <a:schemeClr val="accent6"/>
-                </a:solidFill>
-              </a:rPr>
-              <a:t> 0); </a:t>
-            </a:r>
-          </a:p>
-          <a:p>
-            <a:pPr marL="403225" lvl="1" indent="0">
-              <a:buNone/>
-            </a:pPr>
-            <a:r>
-              <a:rPr lang="en-US" sz="1600" b="0" dirty="0">
-                <a:solidFill>
-                  <a:schemeClr val="accent6"/>
-                </a:solidFill>
-              </a:rPr>
-              <a:t>			as, </a:t>
-            </a:r>
-            <a:r>
-              <a:rPr lang="en-US" sz="1600" b="0" dirty="0" err="1">
-                <a:solidFill>
-                  <a:schemeClr val="accent6"/>
-                </a:solidFill>
-              </a:rPr>
-              <a:t>bs</a:t>
-            </a:r>
-            <a:r>
-              <a:rPr lang="en-US" sz="1600" b="0" dirty="0">
-                <a:solidFill>
-                  <a:schemeClr val="accent6"/>
-                </a:solidFill>
-              </a:rPr>
-              <a:t>: in signed(3 </a:t>
-            </a:r>
-            <a:r>
-              <a:rPr lang="en-US" sz="1600" b="0" dirty="0" err="1">
-                <a:solidFill>
-                  <a:schemeClr val="accent6"/>
-                </a:solidFill>
-              </a:rPr>
-              <a:t>downto</a:t>
-            </a:r>
-            <a:r>
-              <a:rPr lang="en-US" sz="1600" b="0" dirty="0">
-                <a:solidFill>
-                  <a:schemeClr val="accent6"/>
-                </a:solidFill>
-              </a:rPr>
-              <a:t> 0);</a:t>
-            </a:r>
-          </a:p>
-          <a:p>
-            <a:pPr marL="403225" lvl="1" indent="0">
-              <a:buNone/>
-            </a:pPr>
-            <a:r>
-              <a:rPr lang="en-US" sz="1600" b="0" dirty="0">
-                <a:solidFill>
-                  <a:schemeClr val="accent6"/>
-                </a:solidFill>
-              </a:rPr>
-              <a:t>			</a:t>
-            </a:r>
-            <a:r>
-              <a:rPr lang="en-US" sz="1600" b="0" dirty="0" err="1">
-                <a:solidFill>
-                  <a:schemeClr val="accent6"/>
-                </a:solidFill>
-              </a:rPr>
-              <a:t>cs,ds,ss</a:t>
-            </a:r>
-            <a:r>
-              <a:rPr lang="en-US" sz="1600" b="0" dirty="0">
-                <a:solidFill>
-                  <a:schemeClr val="accent6"/>
-                </a:solidFill>
-              </a:rPr>
-              <a:t>:	out signed(3 </a:t>
-            </a:r>
-            <a:r>
-              <a:rPr lang="en-US" sz="1600" b="0" dirty="0" err="1">
-                <a:solidFill>
-                  <a:schemeClr val="accent6"/>
-                </a:solidFill>
-              </a:rPr>
-              <a:t>downto</a:t>
-            </a:r>
-            <a:r>
-              <a:rPr lang="en-US" sz="1600" b="0" dirty="0">
-                <a:solidFill>
-                  <a:schemeClr val="accent6"/>
-                </a:solidFill>
-              </a:rPr>
-              <a:t> 0));</a:t>
-            </a:r>
-          </a:p>
-          <a:p>
-            <a:pPr marL="403225" lvl="1" indent="0">
-              <a:buNone/>
-            </a:pPr>
-            <a:r>
-              <a:rPr lang="en-US" sz="1600" b="0" dirty="0">
-                <a:solidFill>
-                  <a:schemeClr val="accent6"/>
-                </a:solidFill>
-              </a:rPr>
-              <a:t>end lec3;</a:t>
-            </a:r>
-          </a:p>
-          <a:p>
-            <a:pPr marL="403225" lvl="1" indent="0">
-              <a:buNone/>
-            </a:pPr>
-            <a:r>
-              <a:rPr lang="en-US" b="0" dirty="0">
-                <a:solidFill>
-                  <a:schemeClr val="accent6"/>
-                </a:solidFill>
-              </a:rPr>
-              <a:t>	</a:t>
-            </a:r>
+              <a:t>www.csee.umbc.edu/portal/help/VHDL/packages/std_logic_1164.vhd</a:t>
+            </a:r>
+            <a:endParaRPr lang="en-US" b="0" dirty="0" smtClean="0"/>
+          </a:p>
+          <a:p>
             <a:endParaRPr lang="en-US" dirty="0"/>
           </a:p>
         </p:txBody>
@@ -10115,7 +10237,7 @@
     </p:spTree>
     <p:extLst>
       <p:ext uri="{BB962C8B-B14F-4D97-AF65-F5344CB8AC3E}">
-        <p14:creationId xmlns:p14="http://schemas.microsoft.com/office/powerpoint/2010/main" val="2330757865"/>
+        <p14:creationId xmlns:p14="http://schemas.microsoft.com/office/powerpoint/2010/main" val="3796123789"/>
       </p:ext>
     </p:extLst>
   </p:cSld>
@@ -10201,8 +10323,42 @@
           <a:lstStyle/>
           <a:p>
             <a:r>
+              <a:rPr lang="en-US" b="0" dirty="0" err="1"/>
+              <a:t>Numeric_Std</a:t>
+            </a:r>
+            <a:r>
+              <a:rPr lang="en-US" b="0" dirty="0"/>
+              <a:t> Library supports 2 main datatypes</a:t>
+            </a:r>
+          </a:p>
+          <a:p>
+            <a:pPr lvl="1"/>
+            <a:r>
+              <a:rPr lang="en-US" b="0" dirty="0"/>
+              <a:t>Signed and </a:t>
+            </a:r>
+            <a:r>
               <a:rPr lang="en-US" b="0" dirty="0" smtClean="0"/>
-              <a:t> </a:t>
+              <a:t>Unsigned</a:t>
+            </a:r>
+          </a:p>
+          <a:p>
+            <a:pPr lvl="1"/>
+            <a:r>
+              <a:rPr lang="en-US" b="0" dirty="0"/>
+              <a:t>Library Contents: </a:t>
+            </a:r>
+            <a:r>
+              <a:rPr lang="en-US" b="0" dirty="0">
+                <a:hlinkClick r:id="rId2"/>
+              </a:rPr>
+              <a:t>http://</a:t>
+            </a:r>
+            <a:r>
+              <a:rPr lang="en-US" b="0" dirty="0" smtClean="0">
+                <a:hlinkClick r:id="rId2"/>
+              </a:rPr>
+              <a:t>www.csee.umbc.edu/portal/help/VHDL/packages/numeric_std.vhd</a:t>
             </a:r>
             <a:endParaRPr lang="en-US" b="0" dirty="0"/>
           </a:p>
@@ -10211,12 +10367,51 @@
               <a:buNone/>
             </a:pPr>
             <a:r>
+              <a:rPr lang="en-US" sz="1600" b="0" dirty="0">
+                <a:solidFill>
+                  <a:schemeClr val="accent6"/>
+                </a:solidFill>
+              </a:rPr>
+              <a:t>library IEEE;		</a:t>
+            </a:r>
+          </a:p>
+          <a:p>
+            <a:pPr marL="403225" lvl="1" indent="0">
+              <a:buNone/>
+            </a:pPr>
+            <a:r>
+              <a:rPr lang="en-US" sz="1600" b="0" dirty="0">
+                <a:solidFill>
+                  <a:schemeClr val="accent6"/>
+                </a:solidFill>
+              </a:rPr>
+              <a:t>use IEEE.std_logic_1164.all; </a:t>
+            </a:r>
+          </a:p>
+          <a:p>
+            <a:pPr marL="403225" lvl="1" indent="0">
+              <a:buNone/>
+            </a:pPr>
+            <a:r>
+              <a:rPr lang="en-US" sz="1600" b="0" dirty="0">
+                <a:solidFill>
+                  <a:schemeClr val="accent6"/>
+                </a:solidFill>
+              </a:rPr>
+              <a:t>use IEEE.NUMERIC_STD.ALL;</a:t>
+            </a:r>
+          </a:p>
+          <a:p>
+            <a:pPr marL="403225" lvl="1" indent="0">
+              <a:buNone/>
+            </a:pPr>
+            <a:r>
               <a:rPr lang="en-US" sz="1600" b="0" dirty="0" smtClean="0">
                 <a:solidFill>
                   <a:schemeClr val="accent6"/>
                 </a:solidFill>
               </a:rPr>
-              <a:t>architecture </a:t>
+              <a:t>entity </a:t>
             </a:r>
             <a:r>
               <a:rPr lang="en-US" sz="1600" b="0" dirty="0">
@@ -10224,7 +10419,7 @@
                   <a:schemeClr val="accent6"/>
                 </a:solidFill>
               </a:rPr>
-              <a:t>structure of lec3 is</a:t>
+              <a:t>lec3 is</a:t>
             </a:r>
           </a:p>
           <a:p>
@@ -10232,18 +10427,45 @@
               <a:buNone/>
             </a:pPr>
             <a:r>
-              <a:rPr lang="en-US" sz="1600" b="0" dirty="0" smtClean="0">
+              <a:rPr lang="en-US" sz="1600" b="0" dirty="0">
                 <a:solidFill>
                   <a:schemeClr val="accent6"/>
                 </a:solidFill>
               </a:rPr>
-              <a:t>begin</a:t>
-            </a:r>
-            <a:endParaRPr lang="en-US" sz="1600" b="0" dirty="0">
-              <a:solidFill>
-                <a:schemeClr val="accent6"/>
-              </a:solidFill>
-            </a:endParaRPr>
+              <a:t>	port(	au, </a:t>
+            </a:r>
+            <a:r>
+              <a:rPr lang="en-US" sz="1600" b="0" dirty="0" err="1">
+                <a:solidFill>
+                  <a:schemeClr val="accent6"/>
+                </a:solidFill>
+              </a:rPr>
+              <a:t>bu</a:t>
+            </a:r>
+            <a:r>
+              <a:rPr lang="en-US" sz="1600" b="0" dirty="0">
+                <a:solidFill>
+                  <a:schemeClr val="accent6"/>
+                </a:solidFill>
+              </a:rPr>
+              <a:t>:	in unsigned(3 </a:t>
+            </a:r>
+            <a:r>
+              <a:rPr lang="en-US" sz="1600" b="0" dirty="0" err="1">
+                <a:solidFill>
+                  <a:schemeClr val="accent6"/>
+                </a:solidFill>
+              </a:rPr>
+              <a:t>downto</a:t>
+            </a:r>
+            <a:r>
+              <a:rPr lang="en-US" sz="1600" b="0" dirty="0">
+                <a:solidFill>
+                  <a:schemeClr val="accent6"/>
+                </a:solidFill>
+              </a:rPr>
+              <a:t> 0); </a:t>
+            </a:r>
           </a:p>
           <a:p>
             <a:pPr marL="403225" lvl="1" indent="0">
@@ -10255,7 +10477,7 @@
                   <a:schemeClr val="accent6"/>
                 </a:solidFill>
               </a:rPr>
-              <a:t>	cu &lt;=	"1000" when (au &gt; </a:t>
+              <a:t>			</a:t>
             </a:r>
             <a:r>
               <a:rPr lang="en-US" sz="1600" b="0" dirty="0" err="1">
@@ -10263,7 +10485,7 @@
                   <a:schemeClr val="accent6"/>
                 </a:solidFill>
               </a:rPr>
-              <a:t>bu</a:t>
+              <a:t>cu,du,su</a:t>
             </a:r>
             <a:r>
               <a:rPr lang="en-US" sz="1600" b="0" dirty="0">
@@ -10271,7 +10493,23 @@
                   <a:schemeClr val="accent6"/>
                 </a:solidFill>
               </a:rPr>
-              <a:t>) else </a:t>
+              <a:t>:	out unsigned(3 </a:t>
+            </a:r>
+            <a:r>
+              <a:rPr lang="en-US" sz="1600" b="0" dirty="0" err="1">
+                <a:solidFill>
+                  <a:schemeClr val="accent6"/>
+                </a:solidFill>
+              </a:rPr>
+              <a:t>downto</a:t>
+            </a:r>
+            <a:r>
+              <a:rPr lang="en-US" sz="1600" b="0" dirty="0">
+                <a:solidFill>
+                  <a:schemeClr val="accent6"/>
+                </a:solidFill>
+              </a:rPr>
+              <a:t> 0); </a:t>
             </a:r>
           </a:p>
           <a:p>
@@ -10284,7 +10522,7 @@
                   <a:schemeClr val="accent6"/>
                 </a:solidFill>
               </a:rPr>
-              <a:t>		"0110" when (au = </a:t>
+              <a:t>			as, </a:t>
             </a:r>
             <a:r>
               <a:rPr lang="en-US" sz="1600" b="0" dirty="0" err="1">
@@ -10292,7 +10530,7 @@
                   <a:schemeClr val="accent6"/>
                 </a:solidFill>
               </a:rPr>
-              <a:t>bu</a:t>
+              <a:t>bs</a:t>
             </a:r>
             <a:r>
               <a:rPr lang="en-US" sz="1600" b="0" dirty="0">
@@ -10300,7 +10538,23 @@
                   <a:schemeClr val="accent6"/>
                 </a:solidFill>
               </a:rPr>
-              <a:t>) else</a:t>
+              <a:t>: in signed(3 </a:t>
+            </a:r>
+            <a:r>
+              <a:rPr lang="en-US" sz="1600" b="0" dirty="0" err="1">
+                <a:solidFill>
+                  <a:schemeClr val="accent6"/>
+                </a:solidFill>
+              </a:rPr>
+              <a:t>downto</a:t>
+            </a:r>
+            <a:r>
+              <a:rPr lang="en-US" sz="1600" b="0" dirty="0">
+                <a:solidFill>
+                  <a:schemeClr val="accent6"/>
+                </a:solidFill>
+              </a:rPr>
+              <a:t> 0);</a:t>
             </a:r>
           </a:p>
           <a:p>
@@ -10313,7 +10567,39 @@
                   <a:schemeClr val="accent6"/>
                 </a:solidFill>
               </a:rPr>
-              <a:t>		"0001";		</a:t>
+              <a:t>			</a:t>
+            </a:r>
+            <a:r>
+              <a:rPr lang="en-US" sz="1600" b="0" dirty="0" err="1">
+                <a:solidFill>
+                  <a:schemeClr val="accent6"/>
+                </a:solidFill>
+              </a:rPr>
+              <a:t>cs,ds,ss</a:t>
+            </a:r>
+            <a:r>
+              <a:rPr lang="en-US" sz="1600" b="0" dirty="0">
+                <a:solidFill>
+                  <a:schemeClr val="accent6"/>
+                </a:solidFill>
+              </a:rPr>
+              <a:t>:	out signed(3 </a:t>
+            </a:r>
+            <a:r>
+              <a:rPr lang="en-US" sz="1600" b="0" dirty="0" err="1">
+                <a:solidFill>
+                  <a:schemeClr val="accent6"/>
+                </a:solidFill>
+              </a:rPr>
+              <a:t>downto</a:t>
+            </a:r>
+            <a:r>
+              <a:rPr lang="en-US" sz="1600" b="0" dirty="0">
+                <a:solidFill>
+                  <a:schemeClr val="accent6"/>
+                </a:solidFill>
+              </a:rPr>
+              <a:t> 0));</a:t>
             </a:r>
           </a:p>
           <a:p>
@@ -10326,248 +10612,8 @@
                   <a:schemeClr val="accent6"/>
                 </a:solidFill>
               </a:rPr>
-              <a:t>	</a:t>
-            </a:r>
-            <a:r>
-              <a:rPr lang="en-US" sz="1600" b="0" dirty="0" err="1">
-                <a:solidFill>
-                  <a:schemeClr val="accent6"/>
-                </a:solidFill>
-              </a:rPr>
-              <a:t>su</a:t>
-            </a:r>
-            <a:r>
-              <a:rPr lang="en-US" sz="1600" b="0" dirty="0">
-                <a:solidFill>
-                  <a:schemeClr val="accent6"/>
-                </a:solidFill>
-              </a:rPr>
-              <a:t> &lt;= au + </a:t>
-            </a:r>
-            <a:r>
-              <a:rPr lang="en-US" sz="1600" b="0" dirty="0" err="1">
-                <a:solidFill>
-                  <a:schemeClr val="accent6"/>
-                </a:solidFill>
-              </a:rPr>
-              <a:t>bu</a:t>
-            </a:r>
-            <a:r>
-              <a:rPr lang="en-US" sz="1600" b="0" dirty="0">
-                <a:solidFill>
-                  <a:schemeClr val="accent6"/>
-                </a:solidFill>
-              </a:rPr>
-              <a:t>;</a:t>
-            </a:r>
-          </a:p>
-          <a:p>
-            <a:pPr marL="403225" lvl="1" indent="0">
-              <a:buNone/>
-            </a:pPr>
-            <a:r>
-              <a:rPr lang="en-US" sz="1600" b="0" dirty="0">
-                <a:solidFill>
-                  <a:schemeClr val="accent6"/>
-                </a:solidFill>
-              </a:rPr>
-              <a:t>	du &lt;= au - </a:t>
-            </a:r>
-            <a:r>
-              <a:rPr lang="en-US" sz="1600" b="0" dirty="0" err="1">
-                <a:solidFill>
-                  <a:schemeClr val="accent6"/>
-                </a:solidFill>
-              </a:rPr>
-              <a:t>bu</a:t>
-            </a:r>
-            <a:r>
-              <a:rPr lang="en-US" sz="1600" b="0" dirty="0">
-                <a:solidFill>
-                  <a:schemeClr val="accent6"/>
-                </a:solidFill>
-              </a:rPr>
-              <a:t>;</a:t>
-            </a:r>
-          </a:p>
-          <a:p>
-            <a:pPr marL="403225" lvl="1" indent="0">
-              <a:buNone/>
-            </a:pPr>
-            <a:r>
-              <a:rPr lang="en-US" sz="1600" b="0" dirty="0">
-                <a:solidFill>
-                  <a:schemeClr val="accent6"/>
-                </a:solidFill>
-              </a:rPr>
-              <a:t>	</a:t>
-            </a:r>
-          </a:p>
-          <a:p>
-            <a:pPr marL="403225" lvl="1" indent="0">
-              <a:buNone/>
-            </a:pPr>
-            <a:r>
-              <a:rPr lang="en-US" sz="1600" b="0" dirty="0">
-                <a:solidFill>
-                  <a:schemeClr val="accent6"/>
-                </a:solidFill>
-              </a:rPr>
-              <a:t>	</a:t>
-            </a:r>
-            <a:r>
-              <a:rPr lang="en-US" sz="1600" b="0" dirty="0" err="1">
-                <a:solidFill>
-                  <a:schemeClr val="accent6"/>
-                </a:solidFill>
-              </a:rPr>
-              <a:t>cs</a:t>
-            </a:r>
-            <a:r>
-              <a:rPr lang="en-US" sz="1600" b="0" dirty="0">
-                <a:solidFill>
-                  <a:schemeClr val="accent6"/>
-                </a:solidFill>
-              </a:rPr>
-              <a:t> &lt;=	"1000" when (as &gt; </a:t>
-            </a:r>
-            <a:r>
-              <a:rPr lang="en-US" sz="1600" b="0" dirty="0" err="1">
-                <a:solidFill>
-                  <a:schemeClr val="accent6"/>
-                </a:solidFill>
-              </a:rPr>
-              <a:t>bs</a:t>
-            </a:r>
-            <a:r>
-              <a:rPr lang="en-US" sz="1600" b="0" dirty="0">
-                <a:solidFill>
-                  <a:schemeClr val="accent6"/>
-                </a:solidFill>
-              </a:rPr>
-              <a:t>) else </a:t>
-            </a:r>
-          </a:p>
-          <a:p>
-            <a:pPr marL="403225" lvl="1" indent="0">
-              <a:buNone/>
-            </a:pPr>
-            <a:r>
-              <a:rPr lang="en-US" sz="1600" b="0" dirty="0">
-                <a:solidFill>
-                  <a:schemeClr val="accent6"/>
-                </a:solidFill>
-              </a:rPr>
-              <a:t>		"0110" when (as = </a:t>
-            </a:r>
-            <a:r>
-              <a:rPr lang="en-US" sz="1600" b="0" dirty="0" err="1">
-                <a:solidFill>
-                  <a:schemeClr val="accent6"/>
-                </a:solidFill>
-              </a:rPr>
-              <a:t>bs</a:t>
-            </a:r>
-            <a:r>
-              <a:rPr lang="en-US" sz="1600" b="0" dirty="0">
-                <a:solidFill>
-                  <a:schemeClr val="accent6"/>
-                </a:solidFill>
-              </a:rPr>
-              <a:t>) else</a:t>
-            </a:r>
-          </a:p>
-          <a:p>
-            <a:pPr marL="403225" lvl="1" indent="0">
-              <a:buNone/>
-            </a:pPr>
-            <a:r>
-              <a:rPr lang="en-US" sz="1600" b="0" dirty="0">
-                <a:solidFill>
-                  <a:schemeClr val="accent6"/>
-                </a:solidFill>
-              </a:rPr>
-              <a:t>		"0001";</a:t>
-            </a:r>
-          </a:p>
-          <a:p>
-            <a:pPr marL="403225" lvl="1" indent="0">
-              <a:buNone/>
-            </a:pPr>
-            <a:r>
-              <a:rPr lang="en-US" sz="1600" b="0" dirty="0">
-                <a:solidFill>
-                  <a:schemeClr val="accent6"/>
-                </a:solidFill>
-              </a:rPr>
-              <a:t>	</a:t>
-            </a:r>
-            <a:r>
-              <a:rPr lang="en-US" sz="1600" b="0" dirty="0" err="1">
-                <a:solidFill>
-                  <a:schemeClr val="accent6"/>
-                </a:solidFill>
-              </a:rPr>
-              <a:t>ss</a:t>
-            </a:r>
-            <a:r>
-              <a:rPr lang="en-US" sz="1600" b="0" dirty="0">
-                <a:solidFill>
-                  <a:schemeClr val="accent6"/>
-                </a:solidFill>
-              </a:rPr>
-              <a:t> &lt;= as + </a:t>
-            </a:r>
-            <a:r>
-              <a:rPr lang="en-US" sz="1600" b="0" dirty="0" err="1">
-                <a:solidFill>
-                  <a:schemeClr val="accent6"/>
-                </a:solidFill>
-              </a:rPr>
-              <a:t>bs</a:t>
-            </a:r>
-            <a:r>
-              <a:rPr lang="en-US" sz="1600" b="0" dirty="0">
-                <a:solidFill>
-                  <a:schemeClr val="accent6"/>
-                </a:solidFill>
-              </a:rPr>
-              <a:t>;</a:t>
-            </a:r>
-          </a:p>
-          <a:p>
-            <a:pPr marL="403225" lvl="1" indent="0">
-              <a:buNone/>
-            </a:pPr>
-            <a:r>
-              <a:rPr lang="en-US" sz="1600" b="0" dirty="0">
-                <a:solidFill>
-                  <a:schemeClr val="accent6"/>
-                </a:solidFill>
-              </a:rPr>
-              <a:t>	ds &lt;= as - </a:t>
-            </a:r>
-            <a:r>
-              <a:rPr lang="en-US" sz="1600" b="0" dirty="0" err="1">
-                <a:solidFill>
-                  <a:schemeClr val="accent6"/>
-                </a:solidFill>
-              </a:rPr>
-              <a:t>bs</a:t>
-            </a:r>
-            <a:r>
-              <a:rPr lang="en-US" sz="1600" b="0" dirty="0">
-                <a:solidFill>
-                  <a:schemeClr val="accent6"/>
-                </a:solidFill>
-              </a:rPr>
-              <a:t>;</a:t>
-            </a:r>
-            <a:endParaRPr lang="en-US" b="0" dirty="0">
-              <a:solidFill>
-                <a:schemeClr val="accent6"/>
-              </a:solidFill>
-            </a:endParaRPr>
+              <a:t>end lec3;</a:t>
+            </a:r>
           </a:p>
           <a:p>
             <a:pPr marL="403225" lvl="1" indent="0">
@@ -10630,7 +10676,7 @@
     </p:spTree>
     <p:extLst>
       <p:ext uri="{BB962C8B-B14F-4D97-AF65-F5344CB8AC3E}">
-        <p14:creationId xmlns:p14="http://schemas.microsoft.com/office/powerpoint/2010/main" val="3786979623"/>
+        <p14:creationId xmlns:p14="http://schemas.microsoft.com/office/powerpoint/2010/main" val="2330757865"/>
       </p:ext>
     </p:extLst>
   </p:cSld>
@@ -10721,6 +10767,383 @@
             </a:r>
             <a:endParaRPr lang="en-US" b="0" dirty="0"/>
           </a:p>
+          <a:p>
+            <a:pPr marL="403225" lvl="1" indent="0">
+              <a:buNone/>
+            </a:pPr>
+            <a:r>
+              <a:rPr lang="en-US" sz="1600" b="0" dirty="0" smtClean="0">
+                <a:solidFill>
+                  <a:schemeClr val="accent6"/>
+                </a:solidFill>
+              </a:rPr>
+              <a:t>architecture </a:t>
+            </a:r>
+            <a:r>
+              <a:rPr lang="en-US" sz="1600" b="0" dirty="0">
+                <a:solidFill>
+                  <a:schemeClr val="accent6"/>
+                </a:solidFill>
+              </a:rPr>
+              <a:t>structure of lec3 is</a:t>
+            </a:r>
+          </a:p>
+          <a:p>
+            <a:pPr marL="403225" lvl="1" indent="0">
+              <a:buNone/>
+            </a:pPr>
+            <a:r>
+              <a:rPr lang="en-US" sz="1600" b="0" dirty="0" smtClean="0">
+                <a:solidFill>
+                  <a:schemeClr val="accent6"/>
+                </a:solidFill>
+              </a:rPr>
+              <a:t>begin</a:t>
+            </a:r>
+            <a:endParaRPr lang="en-US" sz="1600" b="0" dirty="0">
+              <a:solidFill>
+                <a:schemeClr val="accent6"/>
+              </a:solidFill>
+            </a:endParaRPr>
+          </a:p>
+          <a:p>
+            <a:pPr marL="403225" lvl="1" indent="0">
+              <a:buNone/>
+            </a:pPr>
+            <a:r>
+              <a:rPr lang="en-US" sz="1600" b="0" dirty="0">
+                <a:solidFill>
+                  <a:schemeClr val="accent6"/>
+                </a:solidFill>
+              </a:rPr>
+              <a:t>	cu &lt;=	"1000" when (au &gt; </a:t>
+            </a:r>
+            <a:r>
+              <a:rPr lang="en-US" sz="1600" b="0" dirty="0" err="1">
+                <a:solidFill>
+                  <a:schemeClr val="accent6"/>
+                </a:solidFill>
+              </a:rPr>
+              <a:t>bu</a:t>
+            </a:r>
+            <a:r>
+              <a:rPr lang="en-US" sz="1600" b="0" dirty="0">
+                <a:solidFill>
+                  <a:schemeClr val="accent6"/>
+                </a:solidFill>
+              </a:rPr>
+              <a:t>) else </a:t>
+            </a:r>
+          </a:p>
+          <a:p>
+            <a:pPr marL="403225" lvl="1" indent="0">
+              <a:buNone/>
+            </a:pPr>
+            <a:r>
+              <a:rPr lang="en-US" sz="1600" b="0" dirty="0">
+                <a:solidFill>
+                  <a:schemeClr val="accent6"/>
+                </a:solidFill>
+              </a:rPr>
+              <a:t>		"0110" when (au = </a:t>
+            </a:r>
+            <a:r>
+              <a:rPr lang="en-US" sz="1600" b="0" dirty="0" err="1">
+                <a:solidFill>
+                  <a:schemeClr val="accent6"/>
+                </a:solidFill>
+              </a:rPr>
+              <a:t>bu</a:t>
+            </a:r>
+            <a:r>
+              <a:rPr lang="en-US" sz="1600" b="0" dirty="0">
+                <a:solidFill>
+                  <a:schemeClr val="accent6"/>
+                </a:solidFill>
+              </a:rPr>
+              <a:t>) else</a:t>
+            </a:r>
+          </a:p>
+          <a:p>
+            <a:pPr marL="403225" lvl="1" indent="0">
+              <a:buNone/>
+            </a:pPr>
+            <a:r>
+              <a:rPr lang="en-US" sz="1600" b="0" dirty="0">
+                <a:solidFill>
+                  <a:schemeClr val="accent6"/>
+                </a:solidFill>
+              </a:rPr>
+              <a:t>		"0001";		</a:t>
+            </a:r>
+          </a:p>
+          <a:p>
+            <a:pPr marL="403225" lvl="1" indent="0">
+              <a:buNone/>
+            </a:pPr>
+            <a:r>
+              <a:rPr lang="en-US" sz="1600" b="0" dirty="0">
+                <a:solidFill>
+                  <a:schemeClr val="accent6"/>
+                </a:solidFill>
+              </a:rPr>
+              <a:t>	</a:t>
+            </a:r>
+            <a:r>
+              <a:rPr lang="en-US" sz="1600" b="0" dirty="0" err="1">
+                <a:solidFill>
+                  <a:schemeClr val="accent6"/>
+                </a:solidFill>
+              </a:rPr>
+              <a:t>su</a:t>
+            </a:r>
+            <a:r>
+              <a:rPr lang="en-US" sz="1600" b="0" dirty="0">
+                <a:solidFill>
+                  <a:schemeClr val="accent6"/>
+                </a:solidFill>
+              </a:rPr>
+              <a:t> &lt;= au + </a:t>
+            </a:r>
+            <a:r>
+              <a:rPr lang="en-US" sz="1600" b="0" dirty="0" err="1">
+                <a:solidFill>
+                  <a:schemeClr val="accent6"/>
+                </a:solidFill>
+              </a:rPr>
+              <a:t>bu</a:t>
+            </a:r>
+            <a:r>
+              <a:rPr lang="en-US" sz="1600" b="0" dirty="0">
+                <a:solidFill>
+                  <a:schemeClr val="accent6"/>
+                </a:solidFill>
+              </a:rPr>
+              <a:t>;</a:t>
+            </a:r>
+          </a:p>
+          <a:p>
+            <a:pPr marL="403225" lvl="1" indent="0">
+              <a:buNone/>
+            </a:pPr>
+            <a:r>
+              <a:rPr lang="en-US" sz="1600" b="0" dirty="0">
+                <a:solidFill>
+                  <a:schemeClr val="accent6"/>
+                </a:solidFill>
+              </a:rPr>
+              <a:t>	du &lt;= au - </a:t>
+            </a:r>
+            <a:r>
+              <a:rPr lang="en-US" sz="1600" b="0" dirty="0" err="1">
+                <a:solidFill>
+                  <a:schemeClr val="accent6"/>
+                </a:solidFill>
+              </a:rPr>
+              <a:t>bu</a:t>
+            </a:r>
+            <a:r>
+              <a:rPr lang="en-US" sz="1600" b="0" dirty="0">
+                <a:solidFill>
+                  <a:schemeClr val="accent6"/>
+                </a:solidFill>
+              </a:rPr>
+              <a:t>;</a:t>
+            </a:r>
+          </a:p>
+          <a:p>
+            <a:pPr marL="403225" lvl="1" indent="0">
+              <a:buNone/>
+            </a:pPr>
+            <a:r>
+              <a:rPr lang="en-US" sz="1600" b="0" dirty="0">
+                <a:solidFill>
+                  <a:schemeClr val="accent6"/>
+                </a:solidFill>
+              </a:rPr>
+              <a:t>	</a:t>
+            </a:r>
+          </a:p>
+          <a:p>
+            <a:pPr marL="403225" lvl="1" indent="0">
+              <a:buNone/>
+            </a:pPr>
+            <a:r>
+              <a:rPr lang="en-US" sz="1600" b="0" dirty="0">
+                <a:solidFill>
+                  <a:schemeClr val="accent6"/>
+                </a:solidFill>
+              </a:rPr>
+              <a:t>	</a:t>
+            </a:r>
+            <a:r>
+              <a:rPr lang="en-US" sz="1600" b="0" dirty="0" err="1">
+                <a:solidFill>
+                  <a:schemeClr val="accent6"/>
+                </a:solidFill>
+              </a:rPr>
+              <a:t>cs</a:t>
+            </a:r>
+            <a:r>
+              <a:rPr lang="en-US" sz="1600" b="0" dirty="0">
+                <a:solidFill>
+                  <a:schemeClr val="accent6"/>
+                </a:solidFill>
+              </a:rPr>
+              <a:t> &lt;=	"1000" when (as &gt; </a:t>
+            </a:r>
+            <a:r>
+              <a:rPr lang="en-US" sz="1600" b="0" dirty="0" err="1">
+                <a:solidFill>
+                  <a:schemeClr val="accent6"/>
+                </a:solidFill>
+              </a:rPr>
+              <a:t>bs</a:t>
+            </a:r>
+            <a:r>
+              <a:rPr lang="en-US" sz="1600" b="0" dirty="0">
+                <a:solidFill>
+                  <a:schemeClr val="accent6"/>
+                </a:solidFill>
+              </a:rPr>
+              <a:t>) else </a:t>
+            </a:r>
+          </a:p>
+          <a:p>
+            <a:pPr marL="403225" lvl="1" indent="0">
+              <a:buNone/>
+            </a:pPr>
+            <a:r>
+              <a:rPr lang="en-US" sz="1600" b="0" dirty="0">
+                <a:solidFill>
+                  <a:schemeClr val="accent6"/>
+                </a:solidFill>
+              </a:rPr>
+              <a:t>		"0110" when (as = </a:t>
+            </a:r>
+            <a:r>
+              <a:rPr lang="en-US" sz="1600" b="0" dirty="0" err="1">
+                <a:solidFill>
+                  <a:schemeClr val="accent6"/>
+                </a:solidFill>
+              </a:rPr>
+              <a:t>bs</a:t>
+            </a:r>
+            <a:r>
+              <a:rPr lang="en-US" sz="1600" b="0" dirty="0">
+                <a:solidFill>
+                  <a:schemeClr val="accent6"/>
+                </a:solidFill>
+              </a:rPr>
+              <a:t>) else</a:t>
+            </a:r>
+          </a:p>
+          <a:p>
+            <a:pPr marL="403225" lvl="1" indent="0">
+              <a:buNone/>
+            </a:pPr>
+            <a:r>
+              <a:rPr lang="en-US" sz="1600" b="0" dirty="0">
+                <a:solidFill>
+                  <a:schemeClr val="accent6"/>
+                </a:solidFill>
+              </a:rPr>
+              <a:t>		"0001";</a:t>
+            </a:r>
+          </a:p>
+          <a:p>
+            <a:pPr marL="403225" lvl="1" indent="0">
+              <a:buNone/>
+            </a:pPr>
+            <a:r>
+              <a:rPr lang="en-US" sz="1600" b="0" dirty="0">
+                <a:solidFill>
+                  <a:schemeClr val="accent6"/>
+                </a:solidFill>
+              </a:rPr>
+              <a:t>	</a:t>
+            </a:r>
+            <a:r>
+              <a:rPr lang="en-US" sz="1600" b="0" dirty="0" err="1">
+                <a:solidFill>
+                  <a:schemeClr val="accent6"/>
+                </a:solidFill>
+              </a:rPr>
+              <a:t>ss</a:t>
+            </a:r>
+            <a:r>
+              <a:rPr lang="en-US" sz="1600" b="0" dirty="0">
+                <a:solidFill>
+                  <a:schemeClr val="accent6"/>
+                </a:solidFill>
+              </a:rPr>
+              <a:t> &lt;= as + </a:t>
+            </a:r>
+            <a:r>
+              <a:rPr lang="en-US" sz="1600" b="0" dirty="0" err="1">
+                <a:solidFill>
+                  <a:schemeClr val="accent6"/>
+                </a:solidFill>
+              </a:rPr>
+              <a:t>bs</a:t>
+            </a:r>
+            <a:r>
+              <a:rPr lang="en-US" sz="1600" b="0" dirty="0">
+                <a:solidFill>
+                  <a:schemeClr val="accent6"/>
+                </a:solidFill>
+              </a:rPr>
+              <a:t>;</a:t>
+            </a:r>
+          </a:p>
+          <a:p>
+            <a:pPr marL="403225" lvl="1" indent="0">
+              <a:buNone/>
+            </a:pPr>
+            <a:r>
+              <a:rPr lang="en-US" sz="1600" b="0" dirty="0">
+                <a:solidFill>
+                  <a:schemeClr val="accent6"/>
+                </a:solidFill>
+              </a:rPr>
+              <a:t>	ds &lt;= as - </a:t>
+            </a:r>
+            <a:r>
+              <a:rPr lang="en-US" sz="1600" b="0" dirty="0" err="1">
+                <a:solidFill>
+                  <a:schemeClr val="accent6"/>
+                </a:solidFill>
+              </a:rPr>
+              <a:t>bs</a:t>
+            </a:r>
+            <a:r>
+              <a:rPr lang="en-US" sz="1600" b="0" dirty="0">
+                <a:solidFill>
+                  <a:schemeClr val="accent6"/>
+                </a:solidFill>
+              </a:rPr>
+              <a:t>;</a:t>
+            </a:r>
+            <a:endParaRPr lang="en-US" b="0" dirty="0">
+              <a:solidFill>
+                <a:schemeClr val="accent6"/>
+              </a:solidFill>
+            </a:endParaRPr>
+          </a:p>
+          <a:p>
+            <a:pPr marL="403225" lvl="1" indent="0">
+              <a:buNone/>
+            </a:pPr>
+            <a:r>
+              <a:rPr lang="en-US" b="0" dirty="0">
+                <a:solidFill>
+                  <a:schemeClr val="accent6"/>
+                </a:solidFill>
+              </a:rPr>
+              <a:t>	</a:t>
+            </a:r>
+            <a:endParaRPr lang="en-US" dirty="0"/>
+          </a:p>
         </p:txBody>
       </p:sp>
       <p:sp>
@@ -10765,51 +11188,10 @@
           </a:p>
         </p:txBody>
       </p:sp>
-      <p:pic>
-        <p:nvPicPr>
-          <p:cNvPr id="3074" name="Picture 2" descr="http://ece.ninja/383/lecture/img/lecture03-3.gif"/>
-          <p:cNvPicPr>
-            <a:picLocks noChangeAspect="1" noChangeArrowheads="1"/>
-          </p:cNvPicPr>
-          <p:nvPr/>
-        </p:nvPicPr>
-        <p:blipFill>
-          <a:blip r:embed="rId2">
-            <a:extLst>
-              <a:ext uri="{28A0092B-C50C-407E-A947-70E740481C1C}">
-                <a14:useLocalDpi xmlns:a14="http://schemas.microsoft.com/office/drawing/2010/main" val="0"/>
-              </a:ext>
-            </a:extLst>
-          </a:blip>
-          <a:srcRect/>
-          <a:stretch>
-            <a:fillRect/>
-          </a:stretch>
-        </p:blipFill>
-        <p:spPr bwMode="auto">
-          <a:xfrm>
-            <a:off x="-13651" y="1439865"/>
-            <a:ext cx="9180009" cy="5261186"/>
-          </a:xfrm>
-          <a:prstGeom prst="rect">
-            <a:avLst/>
-          </a:prstGeom>
-          <a:noFill/>
-          <a:extLst>
-            <a:ext uri="{909E8E84-426E-40DD-AFC4-6F175D3DCCD1}">
-              <a14:hiddenFill xmlns:a14="http://schemas.microsoft.com/office/drawing/2010/main">
-                <a:solidFill>
-                  <a:srgbClr val="FFFFFF"/>
-                </a:solidFill>
-              </a14:hiddenFill>
-            </a:ext>
-          </a:extLst>
-        </p:spPr>
-      </p:pic>
     </p:spTree>
     <p:extLst>
       <p:ext uri="{BB962C8B-B14F-4D97-AF65-F5344CB8AC3E}">
-        <p14:creationId xmlns:p14="http://schemas.microsoft.com/office/powerpoint/2010/main" val="1160510138"/>
+        <p14:creationId xmlns:p14="http://schemas.microsoft.com/office/powerpoint/2010/main" val="3786979623"/>
       </p:ext>
     </p:extLst>
   </p:cSld>
@@ -13313,6 +13695,198 @@
           <a:p>
             <a:r>
               <a:rPr lang="en-US" b="0" dirty="0" smtClean="0"/>
+              <a:t> </a:t>
+            </a:r>
+            <a:endParaRPr lang="en-US" b="0" dirty="0"/>
+          </a:p>
+        </p:txBody>
+      </p:sp>
+      <p:sp>
+        <p:nvSpPr>
+          <p:cNvPr id="5" name="Slide Number Placeholder 3"/>
+          <p:cNvSpPr>
+            <a:spLocks noGrp="1"/>
+          </p:cNvSpPr>
+          <p:nvPr>
+            <p:ph type="sldNum" sz="quarter" idx="10"/>
+          </p:nvPr>
+        </p:nvSpPr>
+        <p:spPr>
+          <a:xfrm>
+            <a:off x="6910388" y="6253163"/>
+            <a:ext cx="2133600" cy="476250"/>
+          </a:xfrm>
+        </p:spPr>
+        <p:txBody>
+          <a:bodyPr/>
+          <a:lstStyle/>
+          <a:p>
+            <a:pPr>
+              <a:defRPr/>
+            </a:pPr>
+            <a:fld id="{62D6D4B2-7611-498F-8780-1EDC26277454}" type="slidenum">
+              <a:rPr lang="en-US" smtClean="0">
+                <a:solidFill>
+                  <a:srgbClr val="000000"/>
+                </a:solidFill>
+              </a:rPr>
+              <a:pPr>
+                <a:defRPr/>
+              </a:pPr>
+              <a:t>17</a:t>
+            </a:fld>
+            <a:endParaRPr lang="en-US" dirty="0">
+              <a:solidFill>
+                <a:srgbClr val="000000"/>
+              </a:solidFill>
+            </a:endParaRPr>
+          </a:p>
+        </p:txBody>
+      </p:sp>
+      <p:pic>
+        <p:nvPicPr>
+          <p:cNvPr id="1026" name="Picture 2"/>
+          <p:cNvPicPr>
+            <a:picLocks noChangeAspect="1" noChangeArrowheads="1"/>
+          </p:cNvPicPr>
+          <p:nvPr/>
+        </p:nvPicPr>
+        <p:blipFill>
+          <a:blip r:embed="rId2">
+            <a:extLst>
+              <a:ext uri="{28A0092B-C50C-407E-A947-70E740481C1C}">
+                <a14:useLocalDpi xmlns:a14="http://schemas.microsoft.com/office/drawing/2010/main" val="0"/>
+              </a:ext>
+            </a:extLst>
+          </a:blip>
+          <a:srcRect/>
+          <a:stretch>
+            <a:fillRect/>
+          </a:stretch>
+        </p:blipFill>
+        <p:spPr bwMode="auto">
+          <a:xfrm>
+            <a:off x="4228" y="1440393"/>
+            <a:ext cx="9127917" cy="4486274"/>
+          </a:xfrm>
+          <a:prstGeom prst="rect">
+            <a:avLst/>
+          </a:prstGeom>
+          <a:noFill/>
+          <a:ln>
+            <a:noFill/>
+          </a:ln>
+          <a:extLst>
+            <a:ext uri="{909E8E84-426E-40DD-AFC4-6F175D3DCCD1}">
+              <a14:hiddenFill xmlns:a14="http://schemas.microsoft.com/office/drawing/2010/main">
+                <a:solidFill>
+                  <a:schemeClr val="accent1"/>
+                </a:solidFill>
+              </a14:hiddenFill>
+            </a:ext>
+            <a:ext uri="{91240B29-F687-4F45-9708-019B960494DF}">
+              <a14:hiddenLine xmlns:a14="http://schemas.microsoft.com/office/drawing/2010/main" w="9525">
+                <a:solidFill>
+                  <a:schemeClr val="tx1"/>
+                </a:solidFill>
+                <a:miter lim="800000"/>
+                <a:headEnd/>
+                <a:tailEnd/>
+              </a14:hiddenLine>
+            </a:ext>
+          </a:extLst>
+        </p:spPr>
+      </p:pic>
+    </p:spTree>
+    <p:extLst>
+      <p:ext uri="{BB962C8B-B14F-4D97-AF65-F5344CB8AC3E}">
+        <p14:creationId xmlns:p14="http://schemas.microsoft.com/office/powerpoint/2010/main" val="3177741162"/>
+      </p:ext>
+    </p:extLst>
+  </p:cSld>
+  <p:clrMapOvr>
+    <a:masterClrMapping/>
+  </p:clrMapOvr>
+  <p:timing>
+    <p:tnLst>
+      <p:par>
+        <p:cTn id="1" dur="indefinite" restart="never" nodeType="tmRoot"/>
+      </p:par>
+    </p:tnLst>
+  </p:timing>
+</p:sld>
+</file>
+
+<file path=ppt/slides/slide18.xml><?xml version="1.0" encoding="utf-8"?>
+<p:sld xmlns:a="http://schemas.openxmlformats.org/drawingml/2006/main" xmlns:r="http://schemas.openxmlformats.org/officeDocument/2006/relationships" xmlns:p="http://schemas.openxmlformats.org/presentationml/2006/main">
+  <p:cSld>
+    <p:spTree>
+      <p:nvGrpSpPr>
+        <p:cNvPr id="1" name=""/>
+        <p:cNvGrpSpPr/>
+        <p:nvPr/>
+      </p:nvGrpSpPr>
+      <p:grpSpPr>
+        <a:xfrm>
+          <a:off x="0" y="0"/>
+          <a:ext cx="0" cy="0"/>
+          <a:chOff x="0" y="0"/>
+          <a:chExt cx="0" cy="0"/>
+        </a:xfrm>
+      </p:grpSpPr>
+      <p:sp>
+        <p:nvSpPr>
+          <p:cNvPr id="2" name="Title 1"/>
+          <p:cNvSpPr>
+            <a:spLocks noGrp="1"/>
+          </p:cNvSpPr>
+          <p:nvPr>
+            <p:ph type="title"/>
+          </p:nvPr>
+        </p:nvSpPr>
+        <p:spPr/>
+        <p:txBody>
+          <a:bodyPr/>
+          <a:lstStyle/>
+          <a:p>
+            <a:r>
+              <a:rPr lang="en-US" dirty="0" smtClean="0"/>
+              <a:t>Unsigned </a:t>
+            </a:r>
+            <a:r>
+              <a:rPr lang="en-US" dirty="0"/>
+              <a:t>Numeric </a:t>
+            </a:r>
+            <a:r>
+              <a:rPr lang="en-US" dirty="0" smtClean="0"/>
+              <a:t>Standard</a:t>
+            </a:r>
+            <a:endParaRPr lang="en-US" dirty="0"/>
+          </a:p>
+        </p:txBody>
+      </p:sp>
+      <p:sp>
+        <p:nvSpPr>
+          <p:cNvPr id="4" name="Content Placeholder 3"/>
+          <p:cNvSpPr>
+            <a:spLocks noGrp="1"/>
+          </p:cNvSpPr>
+          <p:nvPr>
+            <p:ph idx="1"/>
+          </p:nvPr>
+        </p:nvSpPr>
+        <p:spPr>
+          <a:xfrm>
+            <a:off x="581736" y="1523052"/>
+            <a:ext cx="8131175" cy="4324350"/>
+          </a:xfrm>
+        </p:spPr>
+        <p:txBody>
+          <a:bodyPr/>
+          <a:lstStyle/>
+          <a:p>
+            <a:r>
+              <a:rPr lang="en-US" b="0" dirty="0" smtClean="0"/>
               <a:t>You will typically </a:t>
             </a:r>
             <a:r>
@@ -13545,7 +14119,7 @@
               <a:pPr>
                 <a:defRPr/>
               </a:pPr>
-              <a:t>17</a:t>
+              <a:t>18</a:t>
             </a:fld>
             <a:endParaRPr lang="en-US" dirty="0">
               <a:solidFill>
@@ -13802,122 +14376,6 @@
 </p:sld>
 </file>
 
-<file path=ppt/slides/slide18.xml><?xml version="1.0" encoding="utf-8"?>
-<p:sld xmlns:a="http://schemas.openxmlformats.org/drawingml/2006/main" xmlns:r="http://schemas.openxmlformats.org/officeDocument/2006/relationships" xmlns:p="http://schemas.openxmlformats.org/presentationml/2006/main">
-  <p:cSld>
-    <p:spTree>
-      <p:nvGrpSpPr>
-        <p:cNvPr id="1" name=""/>
-        <p:cNvGrpSpPr/>
-        <p:nvPr/>
-      </p:nvGrpSpPr>
-      <p:grpSpPr>
-        <a:xfrm>
-          <a:off x="0" y="0"/>
-          <a:ext cx="0" cy="0"/>
-          <a:chOff x="0" y="0"/>
-          <a:chExt cx="0" cy="0"/>
-        </a:xfrm>
-      </p:grpSpPr>
-      <p:sp>
-        <p:nvSpPr>
-          <p:cNvPr id="6" name="Title 5"/>
-          <p:cNvSpPr>
-            <a:spLocks noGrp="1"/>
-          </p:cNvSpPr>
-          <p:nvPr>
-            <p:ph type="title"/>
-          </p:nvPr>
-        </p:nvSpPr>
-        <p:spPr/>
-        <p:txBody>
-          <a:bodyPr/>
-          <a:lstStyle/>
-          <a:p>
-            <a:r>
-              <a:rPr lang="en-US" cap="none" dirty="0" smtClean="0"/>
-              <a:t>Combinations</a:t>
-            </a:r>
-            <a:endParaRPr lang="en-US" cap="none" dirty="0"/>
-          </a:p>
-        </p:txBody>
-      </p:sp>
-      <p:sp>
-        <p:nvSpPr>
-          <p:cNvPr id="7" name="Text Placeholder 6"/>
-          <p:cNvSpPr>
-            <a:spLocks noGrp="1"/>
-          </p:cNvSpPr>
-          <p:nvPr>
-            <p:ph type="body" idx="1"/>
-          </p:nvPr>
-        </p:nvSpPr>
-        <p:spPr/>
-        <p:txBody>
-          <a:bodyPr/>
-          <a:lstStyle/>
-          <a:p>
-            <a:endParaRPr lang="en-US" dirty="0"/>
-          </a:p>
-        </p:txBody>
-      </p:sp>
-      <p:sp>
-        <p:nvSpPr>
-          <p:cNvPr id="4" name="Slide Number Placeholder 3"/>
-          <p:cNvSpPr>
-            <a:spLocks noGrp="1"/>
-          </p:cNvSpPr>
-          <p:nvPr>
-            <p:ph type="sldNum" sz="quarter" idx="10"/>
-          </p:nvPr>
-        </p:nvSpPr>
-        <p:spPr/>
-        <p:txBody>
-          <a:bodyPr/>
-          <a:lstStyle/>
-          <a:p>
-            <a:pPr>
-              <a:defRPr/>
-            </a:pPr>
-            <a:fld id="{62D6D4B2-7611-498F-8780-1EDC26277454}" type="slidenum">
-              <a:rPr lang="en-US" smtClean="0">
-                <a:solidFill>
-                  <a:srgbClr val="000000"/>
-                </a:solidFill>
-              </a:rPr>
-              <a:pPr>
-                <a:defRPr/>
-              </a:pPr>
-              <a:t>18</a:t>
-            </a:fld>
-            <a:endParaRPr lang="en-US" dirty="0">
-              <a:solidFill>
-                <a:srgbClr val="000000"/>
-              </a:solidFill>
-            </a:endParaRPr>
-          </a:p>
-        </p:txBody>
-      </p:sp>
-    </p:spTree>
-    <p:extLst>
-      <p:ext uri="{BB962C8B-B14F-4D97-AF65-F5344CB8AC3E}">
-        <p14:creationId xmlns:p14="http://schemas.microsoft.com/office/powerpoint/2010/main" val="1996996848"/>
-      </p:ext>
-    </p:extLst>
-  </p:cSld>
-  <p:clrMapOvr>
-    <a:masterClrMapping/>
-  </p:clrMapOvr>
-  <p:timing>
-    <p:tnLst>
-      <p:par>
-        <p:cTn id="1" dur="indefinite" restart="never" nodeType="tmRoot"/>
-      </p:par>
-    </p:tnLst>
-  </p:timing>
-</p:sld>
-</file>
-
 <file path=ppt/slides/slide19.xml><?xml version="1.0" encoding="utf-8"?>
 <p:sld xmlns:a="http://schemas.openxmlformats.org/drawingml/2006/main" xmlns:r="http://schemas.openxmlformats.org/officeDocument/2006/relationships" xmlns:p="http://schemas.openxmlformats.org/presentationml/2006/main">
   <p:cSld>
@@ -13937,7 +14395,7 @@
       </p:grpSpPr>
       <p:sp>
         <p:nvSpPr>
-          <p:cNvPr id="2" name="Title 1"/>
+          <p:cNvPr id="6" name="Title 5"/>
           <p:cNvSpPr>
             <a:spLocks noGrp="1"/>
           </p:cNvSpPr>
@@ -13951,134 +14409,35 @@
           <a:lstStyle/>
           <a:p>
             <a:r>
-              <a:rPr lang="en-US" dirty="0" smtClean="0"/>
+              <a:rPr lang="en-US" cap="none" dirty="0" smtClean="0"/>
               <a:t>Combinations</a:t>
             </a:r>
-            <a:endParaRPr lang="en-US" dirty="0"/>
-          </a:p>
-        </p:txBody>
-      </p:sp>
-      <p:sp>
-        <p:nvSpPr>
-          <p:cNvPr id="4" name="Content Placeholder 3"/>
+            <a:endParaRPr lang="en-US" cap="none" dirty="0"/>
+          </a:p>
+        </p:txBody>
+      </p:sp>
+      <p:sp>
+        <p:nvSpPr>
+          <p:cNvPr id="7" name="Text Placeholder 6"/>
           <p:cNvSpPr>
             <a:spLocks noGrp="1"/>
           </p:cNvSpPr>
           <p:nvPr>
-            <p:ph idx="1"/>
-          </p:nvPr>
-        </p:nvSpPr>
-        <p:spPr>
-          <a:xfrm>
-            <a:off x="581736" y="1523052"/>
-            <a:ext cx="8131175" cy="4324350"/>
-          </a:xfrm>
-        </p:spPr>
+            <p:ph type="body" idx="1"/>
+          </p:nvPr>
+        </p:nvSpPr>
+        <p:spPr/>
         <p:txBody>
           <a:bodyPr/>
           <a:lstStyle/>
           <a:p>
-            <a:r>
-              <a:rPr lang="en-US" b="0" dirty="0" smtClean="0"/>
-              <a:t>Common Combinations if/then/else</a:t>
-            </a:r>
-          </a:p>
-          <a:p>
-            <a:r>
-              <a:rPr lang="en-US" b="0" dirty="0" smtClean="0"/>
-              <a:t>All </a:t>
-            </a:r>
-            <a:r>
-              <a:rPr lang="en-US" b="0" dirty="0"/>
-              <a:t>conditional statements consist of three </a:t>
-            </a:r>
-            <a:r>
-              <a:rPr lang="en-US" b="0" dirty="0" smtClean="0"/>
-              <a:t>parts:</a:t>
-            </a:r>
-          </a:p>
-          <a:p>
-            <a:pPr lvl="1"/>
-            <a:r>
-              <a:rPr lang="en-US" b="0" dirty="0"/>
-              <a:t>the condition to be checked (the if clause</a:t>
-            </a:r>
-            <a:r>
-              <a:rPr lang="en-US" b="0" dirty="0" smtClean="0"/>
-              <a:t>) </a:t>
-            </a:r>
-          </a:p>
-          <a:p>
-            <a:pPr lvl="1"/>
-            <a:r>
-              <a:rPr lang="en-US" b="0" dirty="0" smtClean="0"/>
-              <a:t>the </a:t>
-            </a:r>
-            <a:r>
-              <a:rPr lang="en-US" b="0" dirty="0"/>
-              <a:t>statement to be evaluated when the condition is true (the then </a:t>
-            </a:r>
-            <a:r>
-              <a:rPr lang="en-US" b="0" dirty="0" smtClean="0"/>
-              <a:t>clause)</a:t>
-            </a:r>
-          </a:p>
-          <a:p>
-            <a:pPr lvl="1"/>
-            <a:r>
-              <a:rPr lang="en-US" b="0" dirty="0" smtClean="0"/>
-              <a:t>the </a:t>
-            </a:r>
-            <a:r>
-              <a:rPr lang="en-US" b="0" dirty="0"/>
-              <a:t>statement to be evaluated when the condition is false (the else clause</a:t>
-            </a:r>
-            <a:r>
-              <a:rPr lang="en-US" b="0" dirty="0" smtClean="0"/>
-              <a:t>)</a:t>
-            </a:r>
-          </a:p>
-          <a:p>
-            <a:r>
-              <a:rPr lang="en-US" b="0" dirty="0"/>
-              <a:t>Typically, the condition being evaluated seeks the relative magnitude of two unsigned binary numbers, requiring a comparator</a:t>
-            </a:r>
-            <a:r>
-              <a:rPr lang="en-US" b="0" dirty="0" smtClean="0"/>
-              <a:t>.</a:t>
-            </a:r>
-          </a:p>
-          <a:p>
-            <a:r>
-              <a:rPr lang="en-US" b="0" dirty="0"/>
-              <a:t>The then and else clauses will typically require some logic or arithmetic operation</a:t>
-            </a:r>
-            <a:endParaRPr lang="en-US" b="0" dirty="0" smtClean="0"/>
-          </a:p>
-          <a:p>
-            <a:pPr eaLnBrk="1" hangingPunct="1">
-              <a:lnSpc>
-                <a:spcPct val="80000"/>
-              </a:lnSpc>
-            </a:pPr>
-            <a:endParaRPr lang="en-US" sz="2000" dirty="0" smtClean="0"/>
-          </a:p>
-          <a:p>
-            <a:pPr eaLnBrk="1" hangingPunct="1">
-              <a:lnSpc>
-                <a:spcPct val="80000"/>
-              </a:lnSpc>
-            </a:pPr>
-            <a:endParaRPr lang="en-US" dirty="0" smtClean="0"/>
-          </a:p>
-          <a:p>
             <a:endParaRPr lang="en-US" dirty="0"/>
           </a:p>
         </p:txBody>
       </p:sp>
       <p:sp>
         <p:nvSpPr>
-          <p:cNvPr id="5" name="Slide Number Placeholder 3"/>
+          <p:cNvPr id="4" name="Slide Number Placeholder 3"/>
           <p:cNvSpPr>
             <a:spLocks noGrp="1"/>
           </p:cNvSpPr>
@@ -14086,12 +14445,7 @@
             <p:ph type="sldNum" sz="quarter" idx="10"/>
           </p:nvPr>
         </p:nvSpPr>
-        <p:spPr>
-          <a:xfrm>
-            <a:off x="6910388" y="6253163"/>
-            <a:ext cx="2133600" cy="476250"/>
-          </a:xfrm>
-        </p:spPr>
+        <p:spPr/>
         <p:txBody>
           <a:bodyPr/>
           <a:lstStyle/>
@@ -14121,7 +14475,7 @@
     </p:spTree>
     <p:extLst>
       <p:ext uri="{BB962C8B-B14F-4D97-AF65-F5344CB8AC3E}">
-        <p14:creationId xmlns:p14="http://schemas.microsoft.com/office/powerpoint/2010/main" val="1038589478"/>
+        <p14:creationId xmlns:p14="http://schemas.microsoft.com/office/powerpoint/2010/main" val="1996996848"/>
       </p:ext>
     </p:extLst>
   </p:cSld>
@@ -14395,65 +14749,79 @@
           <a:p>
             <a:r>
               <a:rPr lang="en-US" b="0" dirty="0" smtClean="0"/>
-              <a:t>In </a:t>
+              <a:t>Common Combinations if/then/else</a:t>
+            </a:r>
+          </a:p>
+          <a:p>
+            <a:r>
+              <a:rPr lang="en-US" b="0" dirty="0" smtClean="0"/>
+              <a:t>All </a:t>
             </a:r>
             <a:r>
               <a:rPr lang="en-US" b="0" dirty="0"/>
-              <a:t>order to illustrate the hardware realization of a conditional statement, consider the following </a:t>
+              <a:t>conditional statements consist of three </a:t>
             </a:r>
             <a:r>
               <a:rPr lang="en-US" b="0" dirty="0" smtClean="0"/>
-              <a:t>example:</a:t>
-            </a:r>
-          </a:p>
-          <a:p>
-            <a:pPr marL="403225" lvl="1" indent="0">
-              <a:buNone/>
-            </a:pPr>
-            <a:r>
-              <a:rPr lang="en-US" b="0" dirty="0">
-                <a:solidFill>
-                  <a:schemeClr val="accent6"/>
-                </a:solidFill>
-              </a:rPr>
-              <a:t>C:	</a:t>
-            </a:r>
-            <a:r>
-              <a:rPr lang="en-US" b="0" dirty="0" smtClean="0">
-                <a:solidFill>
-                  <a:schemeClr val="accent6"/>
-                </a:solidFill>
-              </a:rPr>
-              <a:t>	if </a:t>
-            </a:r>
-            <a:r>
-              <a:rPr lang="en-US" b="0" dirty="0">
-                <a:solidFill>
-                  <a:schemeClr val="accent6"/>
-                </a:solidFill>
-              </a:rPr>
-              <a:t>(a&lt;4) then z=y+3 else z=y+7</a:t>
-            </a:r>
-          </a:p>
-          <a:p>
-            <a:pPr marL="403225" lvl="1" indent="0">
-              <a:buNone/>
-            </a:pPr>
-            <a:r>
-              <a:rPr lang="en-US" b="0" dirty="0">
-                <a:solidFill>
-                  <a:schemeClr val="accent6"/>
-                </a:solidFill>
-              </a:rPr>
-              <a:t>VHDL:	z &lt;= y+3 when (a &lt; 4) else y+7;</a:t>
-            </a:r>
-            <a:endParaRPr lang="en-US" b="0" dirty="0" smtClean="0">
-              <a:solidFill>
-                <a:schemeClr val="accent6"/>
-              </a:solidFill>
-            </a:endParaRPr>
-          </a:p>
-          <a:p>
+              <a:t>parts:</a:t>
+            </a:r>
+          </a:p>
+          <a:p>
+            <a:pPr lvl="1"/>
+            <a:r>
+              <a:rPr lang="en-US" b="0" dirty="0"/>
+              <a:t>the condition to be checked (the if clause</a:t>
+            </a:r>
+            <a:r>
+              <a:rPr lang="en-US" b="0" dirty="0" smtClean="0"/>
+              <a:t>) </a:t>
+            </a:r>
+          </a:p>
+          <a:p>
+            <a:pPr lvl="1"/>
+            <a:r>
+              <a:rPr lang="en-US" b="0" dirty="0" smtClean="0"/>
+              <a:t>the </a:t>
+            </a:r>
+            <a:r>
+              <a:rPr lang="en-US" b="0" dirty="0"/>
+              <a:t>statement to be evaluated when the condition is true (the then </a:t>
+            </a:r>
+            <a:r>
+              <a:rPr lang="en-US" b="0" dirty="0" smtClean="0"/>
+              <a:t>clause)</a:t>
+            </a:r>
+          </a:p>
+          <a:p>
+            <a:pPr lvl="1"/>
+            <a:r>
+              <a:rPr lang="en-US" b="0" dirty="0" smtClean="0"/>
+              <a:t>the </a:t>
+            </a:r>
+            <a:r>
+              <a:rPr lang="en-US" b="0" dirty="0"/>
+              <a:t>statement to be evaluated when the condition is false (the else clause</a:t>
+            </a:r>
+            <a:r>
+              <a:rPr lang="en-US" b="0" dirty="0" smtClean="0"/>
+              <a:t>)</a:t>
+            </a:r>
+          </a:p>
+          <a:p>
+            <a:r>
+              <a:rPr lang="en-US" b="0" dirty="0"/>
+              <a:t>Typically, the condition being evaluated seeks the relative magnitude of two unsigned binary numbers, requiring a comparator</a:t>
+            </a:r>
+            <a:r>
+              <a:rPr lang="en-US" b="0" dirty="0" smtClean="0"/>
+              <a:t>.</a:t>
+            </a:r>
+          </a:p>
+          <a:p>
+            <a:r>
+              <a:rPr lang="en-US" b="0" dirty="0"/>
+              <a:t>The then and else clauses will typically require some logic or arithmetic operation</a:t>
+            </a:r>
             <a:endParaRPr lang="en-US" b="0" dirty="0" smtClean="0"/>
           </a:p>
           <a:p>
@@ -14510,6 +14878,212 @@
                 <a:defRPr/>
               </a:pPr>
               <a:t>20</a:t>
+            </a:fld>
+            <a:endParaRPr lang="en-US" dirty="0">
+              <a:solidFill>
+                <a:srgbClr val="000000"/>
+              </a:solidFill>
+            </a:endParaRPr>
+          </a:p>
+        </p:txBody>
+      </p:sp>
+    </p:spTree>
+    <p:extLst>
+      <p:ext uri="{BB962C8B-B14F-4D97-AF65-F5344CB8AC3E}">
+        <p14:creationId xmlns:p14="http://schemas.microsoft.com/office/powerpoint/2010/main" val="1038589478"/>
+      </p:ext>
+    </p:extLst>
+  </p:cSld>
+  <p:clrMapOvr>
+    <a:masterClrMapping/>
+  </p:clrMapOvr>
+  <p:timing>
+    <p:tnLst>
+      <p:par>
+        <p:cTn id="1" dur="indefinite" restart="never" nodeType="tmRoot"/>
+      </p:par>
+    </p:tnLst>
+  </p:timing>
+</p:sld>
+</file>
+
+<file path=ppt/slides/slide21.xml><?xml version="1.0" encoding="utf-8"?>
+<p:sld xmlns:a="http://schemas.openxmlformats.org/drawingml/2006/main" xmlns:r="http://schemas.openxmlformats.org/officeDocument/2006/relationships" xmlns:p="http://schemas.openxmlformats.org/presentationml/2006/main">
+  <p:cSld>
+    <p:spTree>
+      <p:nvGrpSpPr>
+        <p:cNvPr id="1" name=""/>
+        <p:cNvGrpSpPr/>
+        <p:nvPr/>
+      </p:nvGrpSpPr>
+      <p:grpSpPr>
+        <a:xfrm>
+          <a:off x="0" y="0"/>
+          <a:ext cx="0" cy="0"/>
+          <a:chOff x="0" y="0"/>
+          <a:chExt cx="0" cy="0"/>
+        </a:xfrm>
+      </p:grpSpPr>
+      <p:sp>
+        <p:nvSpPr>
+          <p:cNvPr id="2" name="Title 1"/>
+          <p:cNvSpPr>
+            <a:spLocks noGrp="1"/>
+          </p:cNvSpPr>
+          <p:nvPr>
+            <p:ph type="title"/>
+          </p:nvPr>
+        </p:nvSpPr>
+        <p:spPr/>
+        <p:txBody>
+          <a:bodyPr/>
+          <a:lstStyle/>
+          <a:p>
+            <a:r>
+              <a:rPr lang="en-US" dirty="0" smtClean="0"/>
+              <a:t>Combinations</a:t>
+            </a:r>
+            <a:endParaRPr lang="en-US" dirty="0"/>
+          </a:p>
+        </p:txBody>
+      </p:sp>
+      <p:sp>
+        <p:nvSpPr>
+          <p:cNvPr id="4" name="Content Placeholder 3"/>
+          <p:cNvSpPr>
+            <a:spLocks noGrp="1"/>
+          </p:cNvSpPr>
+          <p:nvPr>
+            <p:ph idx="1"/>
+          </p:nvPr>
+        </p:nvSpPr>
+        <p:spPr>
+          <a:xfrm>
+            <a:off x="581736" y="1523052"/>
+            <a:ext cx="8131175" cy="4324350"/>
+          </a:xfrm>
+        </p:spPr>
+        <p:txBody>
+          <a:bodyPr/>
+          <a:lstStyle/>
+          <a:p>
+            <a:r>
+              <a:rPr lang="en-US" b="0" dirty="0" smtClean="0"/>
+              <a:t>In </a:t>
+            </a:r>
+            <a:r>
+              <a:rPr lang="en-US" b="0" dirty="0"/>
+              <a:t>order to illustrate the hardware realization of a conditional statement, consider the following </a:t>
+            </a:r>
+            <a:r>
+              <a:rPr lang="en-US" b="0" dirty="0" smtClean="0"/>
+              <a:t>example:</a:t>
+            </a:r>
+          </a:p>
+          <a:p>
+            <a:pPr marL="403225" lvl="1" indent="0">
+              <a:buNone/>
+            </a:pPr>
+            <a:r>
+              <a:rPr lang="en-US" b="0" dirty="0">
+                <a:solidFill>
+                  <a:schemeClr val="accent6"/>
+                </a:solidFill>
+              </a:rPr>
+              <a:t>C:	</a:t>
+            </a:r>
+            <a:r>
+              <a:rPr lang="en-US" b="0" dirty="0" smtClean="0">
+                <a:solidFill>
+                  <a:schemeClr val="accent6"/>
+                </a:solidFill>
+              </a:rPr>
+              <a:t>	if </a:t>
+            </a:r>
+            <a:r>
+              <a:rPr lang="en-US" b="0" dirty="0">
+                <a:solidFill>
+                  <a:schemeClr val="accent6"/>
+                </a:solidFill>
+              </a:rPr>
+              <a:t>(a&lt;4) then z=y+3 else z=y+7</a:t>
+            </a:r>
+          </a:p>
+          <a:p>
+            <a:pPr marL="403225" lvl="1" indent="0">
+              <a:buNone/>
+            </a:pPr>
+            <a:r>
+              <a:rPr lang="en-US" b="0" dirty="0">
+                <a:solidFill>
+                  <a:schemeClr val="accent6"/>
+                </a:solidFill>
+              </a:rPr>
+              <a:t>VHDL:	z &lt;= y+3 when (a &lt; 4) else y+7;</a:t>
+            </a:r>
+            <a:endParaRPr lang="en-US" b="0" dirty="0" smtClean="0">
+              <a:solidFill>
+                <a:schemeClr val="accent6"/>
+              </a:solidFill>
+            </a:endParaRPr>
+          </a:p>
+          <a:p>
+            <a:endParaRPr lang="en-US" b="0" dirty="0" smtClean="0"/>
+          </a:p>
+          <a:p>
+            <a:pPr eaLnBrk="1" hangingPunct="1">
+              <a:lnSpc>
+                <a:spcPct val="80000"/>
+              </a:lnSpc>
+            </a:pPr>
+            <a:endParaRPr lang="en-US" sz="2000" dirty="0" smtClean="0"/>
+          </a:p>
+          <a:p>
+            <a:pPr eaLnBrk="1" hangingPunct="1">
+              <a:lnSpc>
+                <a:spcPct val="80000"/>
+              </a:lnSpc>
+            </a:pPr>
+            <a:endParaRPr lang="en-US" dirty="0" smtClean="0"/>
+          </a:p>
+          <a:p>
+            <a:endParaRPr lang="en-US" dirty="0"/>
+          </a:p>
+        </p:txBody>
+      </p:sp>
+      <p:sp>
+        <p:nvSpPr>
+          <p:cNvPr id="5" name="Slide Number Placeholder 3"/>
+          <p:cNvSpPr>
+            <a:spLocks noGrp="1"/>
+          </p:cNvSpPr>
+          <p:nvPr>
+            <p:ph type="sldNum" sz="quarter" idx="10"/>
+          </p:nvPr>
+        </p:nvSpPr>
+        <p:spPr>
+          <a:xfrm>
+            <a:off x="6910388" y="6253163"/>
+            <a:ext cx="2133600" cy="476250"/>
+          </a:xfrm>
+        </p:spPr>
+        <p:txBody>
+          <a:bodyPr/>
+          <a:lstStyle/>
+          <a:p>
+            <a:pPr>
+              <a:defRPr/>
+            </a:pPr>
+            <a:fld id="{62D6D4B2-7611-498F-8780-1EDC26277454}" type="slidenum">
+              <a:rPr lang="en-US" smtClean="0">
+                <a:solidFill>
+                  <a:srgbClr val="000000"/>
+                </a:solidFill>
+              </a:rPr>
+              <a:pPr>
+                <a:defRPr/>
+              </a:pPr>
+              <a:t>21</a:t>
             </a:fld>
             <a:endParaRPr lang="en-US" dirty="0">
               <a:solidFill>
@@ -14580,7 +15154,7 @@
 </p:sld>
 </file>
 
-<file path=ppt/slides/slide21.xml><?xml version="1.0" encoding="utf-8"?>
+<file path=ppt/slides/slide22.xml><?xml version="1.0" encoding="utf-8"?>
 <p:sld xmlns:a="http://schemas.openxmlformats.org/drawingml/2006/main" xmlns:r="http://schemas.openxmlformats.org/officeDocument/2006/relationships" xmlns:p="http://schemas.openxmlformats.org/presentationml/2006/main">
   <p:cSld>
     <p:spTree>
@@ -14696,7 +15270,7 @@
               <a:pPr>
                 <a:defRPr/>
               </a:pPr>
-              <a:t>21</a:t>
+              <a:t>22</a:t>
             </a:fld>
             <a:endParaRPr lang="en-US" dirty="0">
               <a:solidFill>
@@ -14767,7 +15341,7 @@
 </p:sld>
 </file>
 
-<file path=ppt/slides/slide22.xml><?xml version="1.0" encoding="utf-8"?>
+<file path=ppt/slides/slide23.xml><?xml version="1.0" encoding="utf-8"?>
 <p:sld xmlns:a="http://schemas.openxmlformats.org/drawingml/2006/main" xmlns:r="http://schemas.openxmlformats.org/officeDocument/2006/relationships" xmlns:p="http://schemas.openxmlformats.org/presentationml/2006/main">
   <p:cSld>
     <p:spTree>
@@ -14932,7 +15506,7 @@
               <a:pPr>
                 <a:defRPr/>
               </a:pPr>
-              <a:t>22</a:t>
+              <a:t>23</a:t>
             </a:fld>
             <a:endParaRPr lang="en-US" dirty="0">
               <a:solidFill>
@@ -14981,7 +15555,7 @@
       </p:grpSpPr>
       <p:sp>
         <p:nvSpPr>
-          <p:cNvPr id="6" name="Title 5"/>
+          <p:cNvPr id="2" name="Title 1"/>
           <p:cNvSpPr>
             <a:spLocks noGrp="1"/>
           </p:cNvSpPr>
@@ -14994,37 +15568,7 @@
           <a:bodyPr/>
           <a:lstStyle/>
           <a:p>
-            <a:r>
-              <a:rPr lang="en-US" cap="none" dirty="0" smtClean="0"/>
-              <a:t>Synthesis</a:t>
-            </a:r>
-            <a:r>
-              <a:rPr lang="en-US" cap="none" dirty="0"/>
-              <a:t/>
-            </a:r>
-            <a:br>
-              <a:rPr lang="en-US" cap="none" dirty="0"/>
-            </a:br>
-            <a:endParaRPr lang="en-US" cap="none" dirty="0"/>
-          </a:p>
-        </p:txBody>
-      </p:sp>
-      <p:sp>
-        <p:nvSpPr>
-          <p:cNvPr id="7" name="Text Placeholder 6"/>
-          <p:cNvSpPr>
-            <a:spLocks noGrp="1"/>
-          </p:cNvSpPr>
-          <p:nvPr>
-            <p:ph type="body" idx="1"/>
-          </p:nvPr>
-        </p:nvSpPr>
-        <p:spPr/>
-        <p:txBody>
-          <a:bodyPr/>
-          <a:lstStyle/>
-          <a:p>
-            <a:endParaRPr lang="en-US" dirty="0"/>
+            <a:endParaRPr lang="en-US"/>
           </a:p>
         </p:txBody>
       </p:sp>
@@ -15065,10 +15609,191 @@
           </a:p>
         </p:txBody>
       </p:sp>
+      <p:sp>
+        <p:nvSpPr>
+          <p:cNvPr id="5" name="Date Placeholder 4"/>
+          <p:cNvSpPr>
+            <a:spLocks noGrp="1"/>
+          </p:cNvSpPr>
+          <p:nvPr>
+            <p:ph type="dt" sz="half" idx="11"/>
+          </p:nvPr>
+        </p:nvSpPr>
+        <p:spPr/>
+        <p:txBody>
+          <a:bodyPr/>
+          <a:lstStyle/>
+          <a:p>
+            <a:pPr fontAlgn="auto">
+              <a:spcBef>
+                <a:spcPts val="0"/>
+              </a:spcBef>
+              <a:spcAft>
+                <a:spcPts val="0"/>
+              </a:spcAft>
+              <a:defRPr/>
+            </a:pPr>
+            <a:endParaRPr lang="en-US" sz="1800" smtClean="0">
+              <a:solidFill>
+                <a:srgbClr val="000000"/>
+              </a:solidFill>
+            </a:endParaRPr>
+          </a:p>
+          <a:p>
+            <a:pPr fontAlgn="auto">
+              <a:spcBef>
+                <a:spcPts val="0"/>
+              </a:spcBef>
+              <a:spcAft>
+                <a:spcPts val="0"/>
+              </a:spcAft>
+              <a:defRPr/>
+            </a:pPr>
+            <a:fld id="{D957A480-45FD-4E4A-ABAC-1E7EB071E91C}" type="datetime3">
+              <a:rPr lang="en-US" sz="1800" smtClean="0">
+                <a:solidFill>
+                  <a:srgbClr val="000000"/>
+                </a:solidFill>
+              </a:rPr>
+              <a:pPr fontAlgn="auto">
+                <a:spcBef>
+                  <a:spcPts val="0"/>
+                </a:spcBef>
+                <a:spcAft>
+                  <a:spcPts val="0"/>
+                </a:spcAft>
+                <a:defRPr/>
+              </a:pPr>
+              <a:t>13 January 2016</a:t>
+            </a:fld>
+            <a:endParaRPr lang="en-US" sz="1800">
+              <a:solidFill>
+                <a:srgbClr val="000000"/>
+              </a:solidFill>
+            </a:endParaRPr>
+          </a:p>
+        </p:txBody>
+      </p:sp>
+      <p:pic>
+        <p:nvPicPr>
+          <p:cNvPr id="1026" name="Picture 2">
+            <a:hlinkClick r:id="rId2"/>
+          </p:cNvPr>
+          <p:cNvPicPr>
+            <a:picLocks noGrp="1" noChangeAspect="1" noChangeArrowheads="1"/>
+          </p:cNvPicPr>
+          <p:nvPr>
+            <p:ph idx="1"/>
+          </p:nvPr>
+        </p:nvPicPr>
+        <p:blipFill>
+          <a:blip r:embed="rId3">
+            <a:extLst>
+              <a:ext uri="{28A0092B-C50C-407E-A947-70E740481C1C}">
+                <a14:useLocalDpi xmlns:a14="http://schemas.microsoft.com/office/drawing/2010/main" val="0"/>
+              </a:ext>
+            </a:extLst>
+          </a:blip>
+          <a:srcRect/>
+          <a:stretch>
+            <a:fillRect/>
+          </a:stretch>
+        </p:blipFill>
+        <p:spPr bwMode="auto">
+          <a:xfrm>
+            <a:off x="68236" y="-122832"/>
+            <a:ext cx="8993423" cy="6335978"/>
+          </a:xfrm>
+          <a:prstGeom prst="rect">
+            <a:avLst/>
+          </a:prstGeom>
+          <a:noFill/>
+          <a:ln>
+            <a:noFill/>
+          </a:ln>
+          <a:extLst>
+            <a:ext uri="{909E8E84-426E-40DD-AFC4-6F175D3DCCD1}">
+              <a14:hiddenFill xmlns:a14="http://schemas.microsoft.com/office/drawing/2010/main">
+                <a:solidFill>
+                  <a:schemeClr val="accent1"/>
+                </a:solidFill>
+              </a14:hiddenFill>
+            </a:ext>
+            <a:ext uri="{91240B29-F687-4F45-9708-019B960494DF}">
+              <a14:hiddenLine xmlns:a14="http://schemas.microsoft.com/office/drawing/2010/main" w="9525">
+                <a:solidFill>
+                  <a:schemeClr val="tx1"/>
+                </a:solidFill>
+                <a:miter lim="800000"/>
+                <a:headEnd/>
+                <a:tailEnd/>
+              </a14:hiddenLine>
+            </a:ext>
+          </a:extLst>
+        </p:spPr>
+      </p:pic>
+      <p:sp>
+        <p:nvSpPr>
+          <p:cNvPr id="6" name="TextBox 5"/>
+          <p:cNvSpPr txBox="1"/>
+          <p:nvPr/>
+        </p:nvSpPr>
+        <p:spPr>
+          <a:xfrm>
+            <a:off x="6851176" y="1378424"/>
+            <a:ext cx="1856096" cy="461665"/>
+          </a:xfrm>
+          <a:prstGeom prst="rect">
+            <a:avLst/>
+          </a:prstGeom>
+          <a:noFill/>
+        </p:spPr>
+        <p:txBody>
+          <a:bodyPr wrap="square" rtlCol="0">
+            <a:spAutoFit/>
+          </a:bodyPr>
+          <a:lstStyle/>
+          <a:p>
+            <a:r>
+              <a:rPr lang="en-US" dirty="0" smtClean="0"/>
+              <a:t>pp 284</a:t>
+            </a:r>
+            <a:endParaRPr lang="en-US" dirty="0"/>
+          </a:p>
+        </p:txBody>
+      </p:sp>
+      <p:sp>
+        <p:nvSpPr>
+          <p:cNvPr id="8" name="Rectangle 7"/>
+          <p:cNvSpPr/>
+          <p:nvPr/>
+        </p:nvSpPr>
+        <p:spPr>
+          <a:xfrm>
+            <a:off x="232011" y="6009228"/>
+            <a:ext cx="9021170" cy="461665"/>
+          </a:xfrm>
+          <a:prstGeom prst="rect">
+            <a:avLst/>
+          </a:prstGeom>
+        </p:spPr>
+        <p:txBody>
+          <a:bodyPr wrap="square">
+            <a:spAutoFit/>
+          </a:bodyPr>
+          <a:lstStyle/>
+          <a:p>
+            <a:r>
+              <a:rPr lang="en-US" dirty="0"/>
+              <a:t>http://www.xilinx.com/support/documentation/user_guides/ug385.pdf</a:t>
+            </a:r>
+          </a:p>
+        </p:txBody>
+      </p:sp>
     </p:spTree>
     <p:extLst>
       <p:ext uri="{BB962C8B-B14F-4D97-AF65-F5344CB8AC3E}">
-        <p14:creationId xmlns:p14="http://schemas.microsoft.com/office/powerpoint/2010/main" val="1303019524"/>
+        <p14:creationId xmlns:p14="http://schemas.microsoft.com/office/powerpoint/2010/main" val="1817060820"/>
       </p:ext>
     </p:extLst>
   </p:cSld>
@@ -15104,6 +15829,129 @@
       </p:grpSpPr>
       <p:sp>
         <p:nvSpPr>
+          <p:cNvPr id="6" name="Title 5"/>
+          <p:cNvSpPr>
+            <a:spLocks noGrp="1"/>
+          </p:cNvSpPr>
+          <p:nvPr>
+            <p:ph type="title"/>
+          </p:nvPr>
+        </p:nvSpPr>
+        <p:spPr/>
+        <p:txBody>
+          <a:bodyPr/>
+          <a:lstStyle/>
+          <a:p>
+            <a:r>
+              <a:rPr lang="en-US" cap="none" dirty="0" smtClean="0"/>
+              <a:t>Synthesis</a:t>
+            </a:r>
+            <a:r>
+              <a:rPr lang="en-US" cap="none" dirty="0"/>
+              <a:t/>
+            </a:r>
+            <a:br>
+              <a:rPr lang="en-US" cap="none" dirty="0"/>
+            </a:br>
+            <a:endParaRPr lang="en-US" cap="none" dirty="0"/>
+          </a:p>
+        </p:txBody>
+      </p:sp>
+      <p:sp>
+        <p:nvSpPr>
+          <p:cNvPr id="7" name="Text Placeholder 6"/>
+          <p:cNvSpPr>
+            <a:spLocks noGrp="1"/>
+          </p:cNvSpPr>
+          <p:nvPr>
+            <p:ph type="body" idx="1"/>
+          </p:nvPr>
+        </p:nvSpPr>
+        <p:spPr/>
+        <p:txBody>
+          <a:bodyPr/>
+          <a:lstStyle/>
+          <a:p>
+            <a:endParaRPr lang="en-US" dirty="0"/>
+          </a:p>
+        </p:txBody>
+      </p:sp>
+      <p:sp>
+        <p:nvSpPr>
+          <p:cNvPr id="4" name="Slide Number Placeholder 3"/>
+          <p:cNvSpPr>
+            <a:spLocks noGrp="1"/>
+          </p:cNvSpPr>
+          <p:nvPr>
+            <p:ph type="sldNum" sz="quarter" idx="10"/>
+          </p:nvPr>
+        </p:nvSpPr>
+        <p:spPr/>
+        <p:txBody>
+          <a:bodyPr/>
+          <a:lstStyle/>
+          <a:p>
+            <a:pPr>
+              <a:defRPr/>
+            </a:pPr>
+            <a:fld id="{62D6D4B2-7611-498F-8780-1EDC26277454}" type="slidenum">
+              <a:rPr lang="en-US" smtClean="0">
+                <a:solidFill>
+                  <a:srgbClr val="000000"/>
+                </a:solidFill>
+              </a:rPr>
+              <a:pPr>
+                <a:defRPr/>
+              </a:pPr>
+              <a:t>4</a:t>
+            </a:fld>
+            <a:endParaRPr lang="en-US" dirty="0">
+              <a:solidFill>
+                <a:srgbClr val="000000"/>
+              </a:solidFill>
+            </a:endParaRPr>
+          </a:p>
+        </p:txBody>
+      </p:sp>
+    </p:spTree>
+    <p:extLst>
+      <p:ext uri="{BB962C8B-B14F-4D97-AF65-F5344CB8AC3E}">
+        <p14:creationId xmlns:p14="http://schemas.microsoft.com/office/powerpoint/2010/main" val="1303019524"/>
+      </p:ext>
+    </p:extLst>
+  </p:cSld>
+  <p:clrMapOvr>
+    <a:masterClrMapping/>
+  </p:clrMapOvr>
+  <p:timing>
+    <p:tnLst>
+      <p:par>
+        <p:cTn id="1" dur="indefinite" restart="never" nodeType="tmRoot"/>
+      </p:par>
+    </p:tnLst>
+  </p:timing>
+</p:sld>
+</file>
+
+<file path=ppt/slides/slide5.xml><?xml version="1.0" encoding="utf-8"?>
+<p:sld xmlns:a="http://schemas.openxmlformats.org/drawingml/2006/main" xmlns:r="http://schemas.openxmlformats.org/officeDocument/2006/relationships" xmlns:p="http://schemas.openxmlformats.org/presentationml/2006/main">
+  <p:cSld>
+    <p:spTree>
+      <p:nvGrpSpPr>
+        <p:cNvPr id="1" name=""/>
+        <p:cNvGrpSpPr/>
+        <p:nvPr/>
+      </p:nvGrpSpPr>
+      <p:grpSpPr>
+        <a:xfrm>
+          <a:off x="0" y="0"/>
+          <a:ext cx="0" cy="0"/>
+          <a:chOff x="0" y="0"/>
+          <a:chExt cx="0" cy="0"/>
+        </a:xfrm>
+      </p:grpSpPr>
+      <p:sp>
+        <p:nvSpPr>
           <p:cNvPr id="2" name="Title 1"/>
           <p:cNvSpPr>
             <a:spLocks noGrp="1"/>
@@ -15320,7 +16168,7 @@
               <a:pPr>
                 <a:defRPr/>
               </a:pPr>
-              <a:t>4</a:t>
+              <a:t>5</a:t>
             </a:fld>
             <a:endParaRPr lang="en-US" dirty="0">
               <a:solidFill>
@@ -15391,129 +16239,6 @@
 </p:sld>
 </file>
 
-<file path=ppt/slides/slide5.xml><?xml version="1.0" encoding="utf-8"?>
-<p:sld xmlns:a="http://schemas.openxmlformats.org/drawingml/2006/main" xmlns:r="http://schemas.openxmlformats.org/officeDocument/2006/relationships" xmlns:p="http://schemas.openxmlformats.org/presentationml/2006/main">
-  <p:cSld>
-    <p:spTree>
-      <p:nvGrpSpPr>
-        <p:cNvPr id="1" name=""/>
-        <p:cNvGrpSpPr/>
-        <p:nvPr/>
-      </p:nvGrpSpPr>
-      <p:grpSpPr>
-        <a:xfrm>
-          <a:off x="0" y="0"/>
-          <a:ext cx="0" cy="0"/>
-          <a:chOff x="0" y="0"/>
-          <a:chExt cx="0" cy="0"/>
-        </a:xfrm>
-      </p:grpSpPr>
-      <p:sp>
-        <p:nvSpPr>
-          <p:cNvPr id="6" name="Title 5"/>
-          <p:cNvSpPr>
-            <a:spLocks noGrp="1"/>
-          </p:cNvSpPr>
-          <p:nvPr>
-            <p:ph type="title"/>
-          </p:nvPr>
-        </p:nvSpPr>
-        <p:spPr/>
-        <p:txBody>
-          <a:bodyPr/>
-          <a:lstStyle/>
-          <a:p>
-            <a:r>
-              <a:rPr lang="en-US" cap="none" dirty="0" smtClean="0"/>
-              <a:t>UCF </a:t>
-            </a:r>
-            <a:r>
-              <a:rPr lang="en-US" cap="none" dirty="0"/>
-              <a:t>file </a:t>
-            </a:r>
-            <a:br>
-              <a:rPr lang="en-US" cap="none" dirty="0"/>
-            </a:br>
-            <a:endParaRPr lang="en-US" cap="none" dirty="0"/>
-          </a:p>
-        </p:txBody>
-      </p:sp>
-      <p:sp>
-        <p:nvSpPr>
-          <p:cNvPr id="7" name="Text Placeholder 6"/>
-          <p:cNvSpPr>
-            <a:spLocks noGrp="1"/>
-          </p:cNvSpPr>
-          <p:nvPr>
-            <p:ph type="body" idx="1"/>
-          </p:nvPr>
-        </p:nvSpPr>
-        <p:spPr/>
-        <p:txBody>
-          <a:bodyPr/>
-          <a:lstStyle/>
-          <a:p>
-            <a:endParaRPr lang="en-US" dirty="0"/>
-          </a:p>
-        </p:txBody>
-      </p:sp>
-      <p:sp>
-        <p:nvSpPr>
-          <p:cNvPr id="4" name="Slide Number Placeholder 3"/>
-          <p:cNvSpPr>
-            <a:spLocks noGrp="1"/>
-          </p:cNvSpPr>
-          <p:nvPr>
-            <p:ph type="sldNum" sz="quarter" idx="10"/>
-          </p:nvPr>
-        </p:nvSpPr>
-        <p:spPr/>
-        <p:txBody>
-          <a:bodyPr/>
-          <a:lstStyle/>
-          <a:p>
-            <a:pPr>
-              <a:defRPr/>
-            </a:pPr>
-            <a:fld id="{62D6D4B2-7611-498F-8780-1EDC26277454}" type="slidenum">
-              <a:rPr lang="en-US" smtClean="0">
-                <a:solidFill>
-                  <a:srgbClr val="000000"/>
-                </a:solidFill>
-              </a:rPr>
-              <a:pPr>
-                <a:defRPr/>
-              </a:pPr>
-              <a:t>5</a:t>
-            </a:fld>
-            <a:endParaRPr lang="en-US" dirty="0">
-              <a:solidFill>
-                <a:srgbClr val="000000"/>
-              </a:solidFill>
-            </a:endParaRPr>
-          </a:p>
-        </p:txBody>
-      </p:sp>
-    </p:spTree>
-    <p:extLst>
-      <p:ext uri="{BB962C8B-B14F-4D97-AF65-F5344CB8AC3E}">
-        <p14:creationId xmlns:p14="http://schemas.microsoft.com/office/powerpoint/2010/main" val="2323484057"/>
-      </p:ext>
-    </p:extLst>
-  </p:cSld>
-  <p:clrMapOvr>
-    <a:masterClrMapping/>
-  </p:clrMapOvr>
-  <p:timing>
-    <p:tnLst>
-      <p:par>
-        <p:cTn id="1" dur="indefinite" restart="never" nodeType="tmRoot"/>
-      </p:par>
-    </p:tnLst>
-  </p:timing>
-</p:sld>
-</file>
-
 <file path=ppt/slides/slide6.xml><?xml version="1.0" encoding="utf-8"?>
 <p:sld xmlns:a="http://schemas.openxmlformats.org/drawingml/2006/main" xmlns:r="http://schemas.openxmlformats.org/officeDocument/2006/relationships" xmlns:p="http://schemas.openxmlformats.org/presentationml/2006/main">
   <p:cSld>
@@ -15533,7 +16258,7 @@
       </p:grpSpPr>
       <p:sp>
         <p:nvSpPr>
-          <p:cNvPr id="2" name="Title 1"/>
+          <p:cNvPr id="6" name="Title 5"/>
           <p:cNvSpPr>
             <a:spLocks noGrp="1"/>
           </p:cNvSpPr>
@@ -15547,91 +16272,42 @@
           <a:lstStyle/>
           <a:p>
             <a:r>
-              <a:rPr lang="en-US" dirty="0" smtClean="0"/>
-              <a:t>UCF file</a:t>
-            </a:r>
-            <a:endParaRPr lang="en-US" dirty="0"/>
-          </a:p>
-        </p:txBody>
-      </p:sp>
-      <p:sp>
-        <p:nvSpPr>
-          <p:cNvPr id="4" name="Content Placeholder 3"/>
+              <a:rPr lang="en-US" cap="none" dirty="0" smtClean="0"/>
+              <a:t>UCF </a:t>
+            </a:r>
+            <a:r>
+              <a:rPr lang="en-US" cap="none" dirty="0"/>
+              <a:t>file </a:t>
+            </a:r>
+            <a:br>
+              <a:rPr lang="en-US" cap="none" dirty="0"/>
+            </a:br>
+            <a:endParaRPr lang="en-US" cap="none" dirty="0"/>
+          </a:p>
+        </p:txBody>
+      </p:sp>
+      <p:sp>
+        <p:nvSpPr>
+          <p:cNvPr id="7" name="Text Placeholder 6"/>
           <p:cNvSpPr>
             <a:spLocks noGrp="1"/>
           </p:cNvSpPr>
           <p:nvPr>
-            <p:ph idx="1"/>
-          </p:nvPr>
-        </p:nvSpPr>
-        <p:spPr>
-          <a:xfrm>
-            <a:off x="581736" y="1523052"/>
-            <a:ext cx="8131175" cy="4324350"/>
-          </a:xfrm>
-        </p:spPr>
+            <p:ph type="body" idx="1"/>
+          </p:nvPr>
+        </p:nvSpPr>
+        <p:spPr/>
         <p:txBody>
           <a:bodyPr/>
           <a:lstStyle/>
           <a:p>
-            <a:r>
-              <a:rPr lang="en-US" b="0" dirty="0" err="1" smtClean="0"/>
-              <a:t>Atlys</a:t>
-            </a:r>
-            <a:r>
-              <a:rPr lang="en-US" b="0" dirty="0" smtClean="0"/>
-              <a:t> Master UCF</a:t>
-            </a:r>
-          </a:p>
-          <a:p>
-            <a:pPr lvl="1"/>
-            <a:r>
-              <a:rPr lang="en-US" b="0" dirty="0" smtClean="0">
-                <a:hlinkClick r:id="rId2"/>
-              </a:rPr>
-              <a:t>http</a:t>
-            </a:r>
-            <a:r>
-              <a:rPr lang="en-US" b="0" dirty="0">
-                <a:hlinkClick r:id="rId2"/>
-              </a:rPr>
-              <a:t>://</a:t>
-            </a:r>
-            <a:r>
-              <a:rPr lang="en-US" b="0" dirty="0" smtClean="0">
-                <a:hlinkClick r:id="rId2"/>
-              </a:rPr>
-              <a:t>ece.ninja/383/datasheets/AtlysGeneral.ucf</a:t>
-            </a:r>
-            <a:endParaRPr lang="en-US" b="0" dirty="0" smtClean="0"/>
-          </a:p>
-          <a:p>
-            <a:endParaRPr lang="en-US" b="0" dirty="0" smtClean="0"/>
-          </a:p>
-          <a:p>
-            <a:pPr eaLnBrk="1" hangingPunct="1">
-              <a:lnSpc>
-                <a:spcPct val="80000"/>
-              </a:lnSpc>
-            </a:pPr>
-            <a:endParaRPr lang="en-US" sz="2000" dirty="0" smtClean="0"/>
-          </a:p>
-          <a:p>
-            <a:pPr eaLnBrk="1" hangingPunct="1">
-              <a:lnSpc>
-                <a:spcPct val="80000"/>
-              </a:lnSpc>
-            </a:pPr>
-            <a:endParaRPr lang="en-US" dirty="0" smtClean="0"/>
-          </a:p>
-          <a:p>
             <a:endParaRPr lang="en-US" dirty="0"/>
           </a:p>
         </p:txBody>
       </p:sp>
       <p:sp>
         <p:nvSpPr>
-          <p:cNvPr id="5" name="Slide Number Placeholder 3"/>
+          <p:cNvPr id="4" name="Slide Number Placeholder 3"/>
           <p:cNvSpPr>
             <a:spLocks noGrp="1"/>
           </p:cNvSpPr>
@@ -15639,12 +16315,7 @@
             <p:ph type="sldNum" sz="quarter" idx="10"/>
           </p:nvPr>
         </p:nvSpPr>
-        <p:spPr>
-          <a:xfrm>
-            <a:off x="6910388" y="6253163"/>
-            <a:ext cx="2133600" cy="476250"/>
-          </a:xfrm>
-        </p:spPr>
+        <p:spPr/>
         <p:txBody>
           <a:bodyPr/>
           <a:lstStyle/>
@@ -15674,7 +16345,7 @@
     </p:spTree>
     <p:extLst>
       <p:ext uri="{BB962C8B-B14F-4D97-AF65-F5344CB8AC3E}">
-        <p14:creationId xmlns:p14="http://schemas.microsoft.com/office/powerpoint/2010/main" val="608887062"/>
+        <p14:creationId xmlns:p14="http://schemas.microsoft.com/office/powerpoint/2010/main" val="2323484057"/>
       </p:ext>
     </p:extLst>
   </p:cSld>
@@ -15710,7 +16381,7 @@
       </p:grpSpPr>
       <p:sp>
         <p:nvSpPr>
-          <p:cNvPr id="6" name="Title 5"/>
+          <p:cNvPr id="2" name="Title 1"/>
           <p:cNvSpPr>
             <a:spLocks noGrp="1"/>
           </p:cNvSpPr>
@@ -15724,39 +16395,91 @@
           <a:lstStyle/>
           <a:p>
             <a:r>
-              <a:rPr lang="en-US" cap="none" dirty="0"/>
-              <a:t>Combinational </a:t>
-            </a:r>
-            <a:r>
-              <a:rPr lang="en-US" cap="none" dirty="0" smtClean="0"/>
-              <a:t>Element</a:t>
-            </a:r>
-            <a:endParaRPr lang="en-US" cap="none" dirty="0"/>
-          </a:p>
-        </p:txBody>
-      </p:sp>
-      <p:sp>
-        <p:nvSpPr>
-          <p:cNvPr id="7" name="Text Placeholder 6"/>
+              <a:rPr lang="en-US" dirty="0" smtClean="0"/>
+              <a:t>UCF file</a:t>
+            </a:r>
+            <a:endParaRPr lang="en-US" dirty="0"/>
+          </a:p>
+        </p:txBody>
+      </p:sp>
+      <p:sp>
+        <p:nvSpPr>
+          <p:cNvPr id="4" name="Content Placeholder 3"/>
           <p:cNvSpPr>
             <a:spLocks noGrp="1"/>
           </p:cNvSpPr>
           <p:nvPr>
-            <p:ph type="body" idx="1"/>
-          </p:nvPr>
-        </p:nvSpPr>
-        <p:spPr/>
+            <p:ph idx="1"/>
+          </p:nvPr>
+        </p:nvSpPr>
+        <p:spPr>
+          <a:xfrm>
+            <a:off x="581736" y="1523052"/>
+            <a:ext cx="8131175" cy="4324350"/>
+          </a:xfrm>
+        </p:spPr>
         <p:txBody>
           <a:bodyPr/>
           <a:lstStyle/>
           <a:p>
+            <a:r>
+              <a:rPr lang="en-US" b="0" dirty="0" err="1" smtClean="0"/>
+              <a:t>Atlys</a:t>
+            </a:r>
+            <a:r>
+              <a:rPr lang="en-US" b="0" dirty="0" smtClean="0"/>
+              <a:t> Master UCF</a:t>
+            </a:r>
+          </a:p>
+          <a:p>
+            <a:pPr lvl="1"/>
+            <a:r>
+              <a:rPr lang="en-US" b="0" dirty="0" smtClean="0">
+                <a:hlinkClick r:id="rId2"/>
+              </a:rPr>
+              <a:t>http</a:t>
+            </a:r>
+            <a:r>
+              <a:rPr lang="en-US" b="0" dirty="0">
+                <a:hlinkClick r:id="rId2"/>
+              </a:rPr>
+              <a:t>://</a:t>
+            </a:r>
+            <a:r>
+              <a:rPr lang="en-US" b="0" dirty="0" smtClean="0">
+                <a:hlinkClick r:id="rId2"/>
+              </a:rPr>
+              <a:t>ece.ninja/383/datasheets/AtlysGeneral.ucf</a:t>
+            </a:r>
+            <a:endParaRPr lang="en-US" b="0" dirty="0" smtClean="0"/>
+          </a:p>
+          <a:p>
+            <a:endParaRPr lang="en-US" b="0" dirty="0" smtClean="0"/>
+          </a:p>
+          <a:p>
+            <a:pPr eaLnBrk="1" hangingPunct="1">
+              <a:lnSpc>
+                <a:spcPct val="80000"/>
+              </a:lnSpc>
+            </a:pPr>
+            <a:endParaRPr lang="en-US" sz="2000" dirty="0" smtClean="0"/>
+          </a:p>
+          <a:p>
+            <a:pPr eaLnBrk="1" hangingPunct="1">
+              <a:lnSpc>
+                <a:spcPct val="80000"/>
+              </a:lnSpc>
+            </a:pPr>
+            <a:endParaRPr lang="en-US" dirty="0" smtClean="0"/>
+          </a:p>
+          <a:p>
             <a:endParaRPr lang="en-US" dirty="0"/>
           </a:p>
         </p:txBody>
       </p:sp>
       <p:sp>
         <p:nvSpPr>
-          <p:cNvPr id="4" name="Slide Number Placeholder 3"/>
+          <p:cNvPr id="5" name="Slide Number Placeholder 3"/>
           <p:cNvSpPr>
             <a:spLocks noGrp="1"/>
           </p:cNvSpPr>
@@ -15764,7 +16487,12 @@
             <p:ph type="sldNum" sz="quarter" idx="10"/>
           </p:nvPr>
         </p:nvSpPr>
-        <p:spPr/>
+        <p:spPr>
+          <a:xfrm>
+            <a:off x="6910388" y="6253163"/>
+            <a:ext cx="2133600" cy="476250"/>
+          </a:xfrm>
+        </p:spPr>
         <p:txBody>
           <a:bodyPr/>
           <a:lstStyle/>
@@ -15794,7 +16522,7 @@
     </p:spTree>
     <p:extLst>
       <p:ext uri="{BB962C8B-B14F-4D97-AF65-F5344CB8AC3E}">
-        <p14:creationId xmlns:p14="http://schemas.microsoft.com/office/powerpoint/2010/main" val="2894851967"/>
+        <p14:creationId xmlns:p14="http://schemas.microsoft.com/office/powerpoint/2010/main" val="608887062"/>
       </p:ext>
     </p:extLst>
   </p:cSld>
@@ -15830,6 +16558,126 @@
       </p:grpSpPr>
       <p:sp>
         <p:nvSpPr>
+          <p:cNvPr id="6" name="Title 5"/>
+          <p:cNvSpPr>
+            <a:spLocks noGrp="1"/>
+          </p:cNvSpPr>
+          <p:nvPr>
+            <p:ph type="title"/>
+          </p:nvPr>
+        </p:nvSpPr>
+        <p:spPr/>
+        <p:txBody>
+          <a:bodyPr/>
+          <a:lstStyle/>
+          <a:p>
+            <a:r>
+              <a:rPr lang="en-US" cap="none" dirty="0"/>
+              <a:t>Combinational </a:t>
+            </a:r>
+            <a:r>
+              <a:rPr lang="en-US" cap="none" dirty="0" smtClean="0"/>
+              <a:t>Element</a:t>
+            </a:r>
+            <a:endParaRPr lang="en-US" cap="none" dirty="0"/>
+          </a:p>
+        </p:txBody>
+      </p:sp>
+      <p:sp>
+        <p:nvSpPr>
+          <p:cNvPr id="7" name="Text Placeholder 6"/>
+          <p:cNvSpPr>
+            <a:spLocks noGrp="1"/>
+          </p:cNvSpPr>
+          <p:nvPr>
+            <p:ph type="body" idx="1"/>
+          </p:nvPr>
+        </p:nvSpPr>
+        <p:spPr/>
+        <p:txBody>
+          <a:bodyPr/>
+          <a:lstStyle/>
+          <a:p>
+            <a:endParaRPr lang="en-US" dirty="0"/>
+          </a:p>
+        </p:txBody>
+      </p:sp>
+      <p:sp>
+        <p:nvSpPr>
+          <p:cNvPr id="4" name="Slide Number Placeholder 3"/>
+          <p:cNvSpPr>
+            <a:spLocks noGrp="1"/>
+          </p:cNvSpPr>
+          <p:nvPr>
+            <p:ph type="sldNum" sz="quarter" idx="10"/>
+          </p:nvPr>
+        </p:nvSpPr>
+        <p:spPr/>
+        <p:txBody>
+          <a:bodyPr/>
+          <a:lstStyle/>
+          <a:p>
+            <a:pPr>
+              <a:defRPr/>
+            </a:pPr>
+            <a:fld id="{62D6D4B2-7611-498F-8780-1EDC26277454}" type="slidenum">
+              <a:rPr lang="en-US" smtClean="0">
+                <a:solidFill>
+                  <a:srgbClr val="000000"/>
+                </a:solidFill>
+              </a:rPr>
+              <a:pPr>
+                <a:defRPr/>
+              </a:pPr>
+              <a:t>8</a:t>
+            </a:fld>
+            <a:endParaRPr lang="en-US" dirty="0">
+              <a:solidFill>
+                <a:srgbClr val="000000"/>
+              </a:solidFill>
+            </a:endParaRPr>
+          </a:p>
+        </p:txBody>
+      </p:sp>
+    </p:spTree>
+    <p:extLst>
+      <p:ext uri="{BB962C8B-B14F-4D97-AF65-F5344CB8AC3E}">
+        <p14:creationId xmlns:p14="http://schemas.microsoft.com/office/powerpoint/2010/main" val="2894851967"/>
+      </p:ext>
+    </p:extLst>
+  </p:cSld>
+  <p:clrMapOvr>
+    <a:masterClrMapping/>
+  </p:clrMapOvr>
+  <p:timing>
+    <p:tnLst>
+      <p:par>
+        <p:cTn id="1" dur="indefinite" restart="never" nodeType="tmRoot"/>
+      </p:par>
+    </p:tnLst>
+  </p:timing>
+</p:sld>
+</file>
+
+<file path=ppt/slides/slide9.xml><?xml version="1.0" encoding="utf-8"?>
+<p:sld xmlns:a="http://schemas.openxmlformats.org/drawingml/2006/main" xmlns:r="http://schemas.openxmlformats.org/officeDocument/2006/relationships" xmlns:p="http://schemas.openxmlformats.org/presentationml/2006/main">
+  <p:cSld>
+    <p:spTree>
+      <p:nvGrpSpPr>
+        <p:cNvPr id="1" name=""/>
+        <p:cNvGrpSpPr/>
+        <p:nvPr/>
+      </p:nvGrpSpPr>
+      <p:grpSpPr>
+        <a:xfrm>
+          <a:off x="0" y="0"/>
+          <a:ext cx="0" cy="0"/>
+          <a:chOff x="0" y="0"/>
+          <a:chExt cx="0" cy="0"/>
+        </a:xfrm>
+      </p:grpSpPr>
+      <p:sp>
+        <p:nvSpPr>
           <p:cNvPr id="2" name="Title 1"/>
           <p:cNvSpPr>
             <a:spLocks noGrp="1"/>
@@ -16224,7 +17072,7 @@
               <a:pPr>
                 <a:defRPr/>
               </a:pPr>
-              <a:t>8</a:t>
+              <a:t>9</a:t>
             </a:fld>
             <a:endParaRPr lang="en-US" dirty="0">
               <a:solidFill>
@@ -16320,579 +17168,6 @@
             </p:seq>
           </p:childTnLst>
         </p:cTn>
-      </p:par>
-    </p:tnLst>
-  </p:timing>
-</p:sld>
-</file>
-
-<file path=ppt/slides/slide9.xml><?xml version="1.0" encoding="utf-8"?>
-<p:sld xmlns:a="http://schemas.openxmlformats.org/drawingml/2006/main" xmlns:r="http://schemas.openxmlformats.org/officeDocument/2006/relationships" xmlns:p="http://schemas.openxmlformats.org/presentationml/2006/main">
-  <p:cSld>
-    <p:spTree>
-      <p:nvGrpSpPr>
-        <p:cNvPr id="1" name=""/>
-        <p:cNvGrpSpPr/>
-        <p:nvPr/>
-      </p:nvGrpSpPr>
-      <p:grpSpPr>
-        <a:xfrm>
-          <a:off x="0" y="0"/>
-          <a:ext cx="0" cy="0"/>
-          <a:chOff x="0" y="0"/>
-          <a:chExt cx="0" cy="0"/>
-        </a:xfrm>
-      </p:grpSpPr>
-      <p:sp>
-        <p:nvSpPr>
-          <p:cNvPr id="2" name="Title 1"/>
-          <p:cNvSpPr>
-            <a:spLocks noGrp="1"/>
-          </p:cNvSpPr>
-          <p:nvPr>
-            <p:ph type="title"/>
-          </p:nvPr>
-        </p:nvSpPr>
-        <p:spPr/>
-        <p:txBody>
-          <a:bodyPr/>
-          <a:lstStyle/>
-          <a:p>
-            <a:r>
-              <a:rPr lang="en-US" dirty="0"/>
-              <a:t>Combinational </a:t>
-            </a:r>
-            <a:r>
-              <a:rPr lang="en-US" dirty="0" smtClean="0"/>
-              <a:t>Element – Solution</a:t>
-            </a:r>
-            <a:endParaRPr lang="en-US" dirty="0"/>
-          </a:p>
-        </p:txBody>
-      </p:sp>
-      <p:sp>
-        <p:nvSpPr>
-          <p:cNvPr id="4" name="Content Placeholder 3"/>
-          <p:cNvSpPr>
-            <a:spLocks noGrp="1"/>
-          </p:cNvSpPr>
-          <p:nvPr>
-            <p:ph idx="1"/>
-          </p:nvPr>
-        </p:nvSpPr>
-        <p:spPr>
-          <a:xfrm>
-            <a:off x="581736" y="1523052"/>
-            <a:ext cx="8131175" cy="4324350"/>
-          </a:xfrm>
-        </p:spPr>
-        <p:txBody>
-          <a:bodyPr/>
-          <a:lstStyle/>
-          <a:p>
-            <a:pPr eaLnBrk="1" hangingPunct="1">
-              <a:lnSpc>
-                <a:spcPct val="80000"/>
-              </a:lnSpc>
-            </a:pPr>
-            <a:r>
-              <a:rPr lang="en-US" dirty="0" smtClean="0"/>
-              <a:t>Solution</a:t>
-            </a:r>
-          </a:p>
-          <a:p>
-            <a:pPr eaLnBrk="1" hangingPunct="1">
-              <a:lnSpc>
-                <a:spcPct val="80000"/>
-              </a:lnSpc>
-            </a:pPr>
-            <a:r>
-              <a:rPr lang="en-US" dirty="0"/>
-              <a:t>assign "some cool logical stuff using </a:t>
-            </a:r>
-            <a:r>
-              <a:rPr lang="en-US" dirty="0" err="1"/>
-              <a:t>clk</a:t>
-            </a:r>
-            <a:r>
-              <a:rPr lang="en-US" dirty="0"/>
-              <a:t> and data" to a temporary variable</a:t>
-            </a:r>
-            <a:endParaRPr lang="en-US" dirty="0" smtClean="0"/>
-          </a:p>
-          <a:p>
-            <a:pPr marL="403225" lvl="1" indent="0" eaLnBrk="1" hangingPunct="1">
-              <a:lnSpc>
-                <a:spcPct val="80000"/>
-              </a:lnSpc>
-              <a:buNone/>
-            </a:pPr>
-            <a:r>
-              <a:rPr lang="en-US" dirty="0" smtClean="0">
-                <a:solidFill>
-                  <a:schemeClr val="accent2"/>
-                </a:solidFill>
-              </a:rPr>
-              <a:t>entity </a:t>
-            </a:r>
-            <a:r>
-              <a:rPr lang="en-US" dirty="0">
-                <a:solidFill>
-                  <a:schemeClr val="accent2"/>
-                </a:solidFill>
-              </a:rPr>
-              <a:t>circuit is</a:t>
-            </a:r>
-          </a:p>
-          <a:p>
-            <a:pPr marL="403225" lvl="1" indent="0" eaLnBrk="1" hangingPunct="1">
-              <a:lnSpc>
-                <a:spcPct val="80000"/>
-              </a:lnSpc>
-              <a:buNone/>
-            </a:pPr>
-            <a:r>
-              <a:rPr lang="en-US" dirty="0">
-                <a:solidFill>
-                  <a:schemeClr val="accent2"/>
-                </a:solidFill>
-              </a:rPr>
-              <a:t>    port (</a:t>
-            </a:r>
-            <a:r>
-              <a:rPr lang="en-US" dirty="0" err="1">
-                <a:solidFill>
-                  <a:schemeClr val="accent2"/>
-                </a:solidFill>
-              </a:rPr>
-              <a:t>clk</a:t>
-            </a:r>
-            <a:r>
-              <a:rPr lang="en-US" dirty="0">
-                <a:solidFill>
-                  <a:schemeClr val="accent2"/>
-                </a:solidFill>
-              </a:rPr>
-              <a:t>, data: in </a:t>
-            </a:r>
-            <a:r>
-              <a:rPr lang="en-US" dirty="0" err="1">
-                <a:solidFill>
-                  <a:schemeClr val="accent2"/>
-                </a:solidFill>
-              </a:rPr>
-              <a:t>std_logic</a:t>
-            </a:r>
-            <a:r>
-              <a:rPr lang="en-US" dirty="0">
-                <a:solidFill>
-                  <a:schemeClr val="accent2"/>
-                </a:solidFill>
-              </a:rPr>
-              <a:t>;</a:t>
-            </a:r>
-          </a:p>
-          <a:p>
-            <a:pPr marL="403225" lvl="1" indent="0" eaLnBrk="1" hangingPunct="1">
-              <a:lnSpc>
-                <a:spcPct val="80000"/>
-              </a:lnSpc>
-              <a:buNone/>
-            </a:pPr>
-            <a:r>
-              <a:rPr lang="en-US" dirty="0">
-                <a:solidFill>
-                  <a:schemeClr val="accent2"/>
-                </a:solidFill>
-              </a:rPr>
-              <a:t>	  q, </a:t>
-            </a:r>
-            <a:r>
-              <a:rPr lang="en-US" dirty="0" err="1">
-                <a:solidFill>
-                  <a:schemeClr val="accent2"/>
-                </a:solidFill>
-              </a:rPr>
-              <a:t>not_q</a:t>
-            </a:r>
-            <a:r>
-              <a:rPr lang="en-US" dirty="0">
-                <a:solidFill>
-                  <a:schemeClr val="accent2"/>
-                </a:solidFill>
-              </a:rPr>
-              <a:t>: out </a:t>
-            </a:r>
-            <a:r>
-              <a:rPr lang="en-US" dirty="0" err="1">
-                <a:solidFill>
-                  <a:schemeClr val="accent2"/>
-                </a:solidFill>
-              </a:rPr>
-              <a:t>std_logic</a:t>
-            </a:r>
-            <a:r>
-              <a:rPr lang="en-US" dirty="0">
-                <a:solidFill>
-                  <a:schemeClr val="accent2"/>
-                </a:solidFill>
-              </a:rPr>
-              <a:t>);</a:t>
-            </a:r>
-          </a:p>
-          <a:p>
-            <a:pPr marL="403225" lvl="1" indent="0" eaLnBrk="1" hangingPunct="1">
-              <a:lnSpc>
-                <a:spcPct val="80000"/>
-              </a:lnSpc>
-              <a:buNone/>
-            </a:pPr>
-            <a:r>
-              <a:rPr lang="en-US" dirty="0">
-                <a:solidFill>
-                  <a:schemeClr val="accent2"/>
-                </a:solidFill>
-              </a:rPr>
-              <a:t>end circuit;</a:t>
-            </a:r>
-          </a:p>
-          <a:p>
-            <a:pPr marL="403225" lvl="1" indent="0" eaLnBrk="1" hangingPunct="1">
-              <a:lnSpc>
-                <a:spcPct val="80000"/>
-              </a:lnSpc>
-              <a:buNone/>
-            </a:pPr>
-            <a:endParaRPr lang="en-US" dirty="0">
-              <a:solidFill>
-                <a:schemeClr val="accent2"/>
-              </a:solidFill>
-            </a:endParaRPr>
-          </a:p>
-          <a:p>
-            <a:pPr marL="403225" lvl="1" indent="0" eaLnBrk="1" hangingPunct="1">
-              <a:lnSpc>
-                <a:spcPct val="80000"/>
-              </a:lnSpc>
-              <a:buNone/>
-            </a:pPr>
-            <a:r>
-              <a:rPr lang="en-US" dirty="0">
-                <a:solidFill>
-                  <a:schemeClr val="accent2"/>
-                </a:solidFill>
-              </a:rPr>
-              <a:t>architecture error of circuit is</a:t>
-            </a:r>
-          </a:p>
-          <a:p>
-            <a:pPr marL="403225" lvl="1" indent="0" eaLnBrk="1" hangingPunct="1">
-              <a:lnSpc>
-                <a:spcPct val="80000"/>
-              </a:lnSpc>
-              <a:buNone/>
-            </a:pPr>
-            <a:r>
-              <a:rPr lang="en-US" dirty="0" smtClean="0">
-                <a:solidFill>
-                  <a:srgbClr val="FF0000"/>
-                </a:solidFill>
-              </a:rPr>
-              <a:t>	signal temp </a:t>
-            </a:r>
-            <a:r>
-              <a:rPr lang="en-US" dirty="0" err="1" smtClean="0">
-                <a:solidFill>
-                  <a:srgbClr val="FF0000"/>
-                </a:solidFill>
-              </a:rPr>
-              <a:t>std_logic</a:t>
-            </a:r>
-            <a:r>
-              <a:rPr lang="en-US" dirty="0" smtClean="0">
-                <a:solidFill>
-                  <a:srgbClr val="FF0000"/>
-                </a:solidFill>
-              </a:rPr>
-              <a:t>;</a:t>
-            </a:r>
-          </a:p>
-          <a:p>
-            <a:pPr marL="403225" lvl="1" indent="0" eaLnBrk="1" hangingPunct="1">
-              <a:lnSpc>
-                <a:spcPct val="80000"/>
-              </a:lnSpc>
-              <a:buNone/>
-            </a:pPr>
-            <a:r>
-              <a:rPr lang="en-US" dirty="0" smtClean="0">
-                <a:solidFill>
-                  <a:schemeClr val="accent2"/>
-                </a:solidFill>
-              </a:rPr>
-              <a:t>begin</a:t>
-            </a:r>
-            <a:endParaRPr lang="en-US" dirty="0">
-              <a:solidFill>
-                <a:schemeClr val="accent2"/>
-              </a:solidFill>
-            </a:endParaRPr>
-          </a:p>
-          <a:p>
-            <a:pPr marL="403225" lvl="1" indent="0" eaLnBrk="1" hangingPunct="1">
-              <a:lnSpc>
-                <a:spcPct val="80000"/>
-              </a:lnSpc>
-              <a:buNone/>
-            </a:pPr>
-            <a:r>
-              <a:rPr lang="en-US" dirty="0">
-                <a:solidFill>
-                  <a:schemeClr val="accent2"/>
-                </a:solidFill>
-              </a:rPr>
-              <a:t>    </a:t>
-            </a:r>
-            <a:r>
-              <a:rPr lang="en-US" dirty="0" smtClean="0">
-                <a:solidFill>
-                  <a:srgbClr val="FF0000"/>
-                </a:solidFill>
-              </a:rPr>
-              <a:t>temp </a:t>
-            </a:r>
-            <a:r>
-              <a:rPr lang="en-US" dirty="0">
-                <a:solidFill>
-                  <a:srgbClr val="FF0000"/>
-                </a:solidFill>
-              </a:rPr>
-              <a:t>&lt;= </a:t>
-            </a:r>
-            <a:r>
-              <a:rPr lang="en-US" dirty="0">
-                <a:solidFill>
-                  <a:schemeClr val="accent2"/>
-                </a:solidFill>
-              </a:rPr>
-              <a:t>some cool logical </a:t>
-            </a:r>
-            <a:r>
-              <a:rPr lang="en-US" dirty="0" err="1">
-                <a:solidFill>
-                  <a:schemeClr val="accent2"/>
-                </a:solidFill>
-              </a:rPr>
-              <a:t>stuf</a:t>
-            </a:r>
-            <a:r>
-              <a:rPr lang="en-US" dirty="0">
-                <a:solidFill>
-                  <a:schemeClr val="accent2"/>
-                </a:solidFill>
-              </a:rPr>
-              <a:t> using </a:t>
-            </a:r>
-            <a:r>
-              <a:rPr lang="en-US" dirty="0" err="1">
-                <a:solidFill>
-                  <a:schemeClr val="accent2"/>
-                </a:solidFill>
-              </a:rPr>
-              <a:t>clk</a:t>
-            </a:r>
-            <a:r>
-              <a:rPr lang="en-US" dirty="0">
-                <a:solidFill>
-                  <a:schemeClr val="accent2"/>
-                </a:solidFill>
-              </a:rPr>
-              <a:t> and data;</a:t>
-            </a:r>
-          </a:p>
-          <a:p>
-            <a:pPr marL="403225" lvl="1" indent="0" eaLnBrk="1" hangingPunct="1">
-              <a:lnSpc>
-                <a:spcPct val="80000"/>
-              </a:lnSpc>
-              <a:buNone/>
-            </a:pPr>
-            <a:r>
-              <a:rPr lang="en-US" dirty="0">
-                <a:solidFill>
-                  <a:schemeClr val="accent2"/>
-                </a:solidFill>
-              </a:rPr>
-              <a:t>    </a:t>
-            </a:r>
-            <a:r>
-              <a:rPr lang="en-US" dirty="0" smtClean="0">
-                <a:solidFill>
-                  <a:schemeClr val="accent2"/>
-                </a:solidFill>
-              </a:rPr>
-              <a:t>q </a:t>
-            </a:r>
-            <a:r>
-              <a:rPr lang="en-US" dirty="0">
-                <a:solidFill>
-                  <a:srgbClr val="FF0000"/>
-                </a:solidFill>
-              </a:rPr>
-              <a:t>&lt;= temp</a:t>
-            </a:r>
-            <a:r>
-              <a:rPr lang="en-US" dirty="0">
-                <a:solidFill>
-                  <a:schemeClr val="accent2"/>
-                </a:solidFill>
-              </a:rPr>
-              <a:t>;</a:t>
-            </a:r>
-          </a:p>
-          <a:p>
-            <a:pPr marL="403225" lvl="1" indent="0" eaLnBrk="1" hangingPunct="1">
-              <a:lnSpc>
-                <a:spcPct val="80000"/>
-              </a:lnSpc>
-              <a:buNone/>
-            </a:pPr>
-            <a:r>
-              <a:rPr lang="en-US" dirty="0">
-                <a:solidFill>
-                  <a:schemeClr val="accent2"/>
-                </a:solidFill>
-              </a:rPr>
-              <a:t>    </a:t>
-            </a:r>
-            <a:r>
-              <a:rPr lang="en-US" dirty="0" err="1">
-                <a:solidFill>
-                  <a:schemeClr val="accent2"/>
-                </a:solidFill>
-              </a:rPr>
-              <a:t>not_q</a:t>
-            </a:r>
-            <a:r>
-              <a:rPr lang="en-US" dirty="0">
-                <a:solidFill>
-                  <a:schemeClr val="accent2"/>
-                </a:solidFill>
-              </a:rPr>
-              <a:t> </a:t>
-            </a:r>
-            <a:r>
-              <a:rPr lang="en-US" dirty="0">
-                <a:solidFill>
-                  <a:srgbClr val="FF0000"/>
-                </a:solidFill>
-              </a:rPr>
-              <a:t>&lt;= not temp</a:t>
-            </a:r>
-            <a:r>
-              <a:rPr lang="en-US" dirty="0">
-                <a:solidFill>
-                  <a:schemeClr val="accent2"/>
-                </a:solidFill>
-              </a:rPr>
-              <a:t>;</a:t>
-            </a:r>
-            <a:endParaRPr lang="en-US" dirty="0" smtClean="0">
-              <a:solidFill>
-                <a:schemeClr val="accent2"/>
-              </a:solidFill>
-            </a:endParaRPr>
-          </a:p>
-          <a:p>
-            <a:pPr marL="403225" lvl="1" indent="0" eaLnBrk="1" hangingPunct="1">
-              <a:lnSpc>
-                <a:spcPct val="80000"/>
-              </a:lnSpc>
-              <a:buNone/>
-            </a:pPr>
-            <a:r>
-              <a:rPr lang="en-US" dirty="0" smtClean="0">
-                <a:solidFill>
-                  <a:schemeClr val="accent2"/>
-                </a:solidFill>
-              </a:rPr>
-              <a:t>end </a:t>
-            </a:r>
-            <a:r>
-              <a:rPr lang="en-US" dirty="0">
-                <a:solidFill>
-                  <a:schemeClr val="accent2"/>
-                </a:solidFill>
-              </a:rPr>
-              <a:t>error;</a:t>
-            </a:r>
-            <a:endParaRPr lang="en-US" dirty="0" smtClean="0">
-              <a:solidFill>
-                <a:schemeClr val="accent2"/>
-              </a:solidFill>
-            </a:endParaRPr>
-          </a:p>
-          <a:p>
-            <a:endParaRPr lang="en-US" dirty="0"/>
-          </a:p>
-        </p:txBody>
-      </p:sp>
-      <p:sp>
-        <p:nvSpPr>
-          <p:cNvPr id="5" name="Slide Number Placeholder 3"/>
-          <p:cNvSpPr>
-            <a:spLocks noGrp="1"/>
-          </p:cNvSpPr>
-          <p:nvPr>
-            <p:ph type="sldNum" sz="quarter" idx="10"/>
-          </p:nvPr>
-        </p:nvSpPr>
-        <p:spPr>
-          <a:xfrm>
-            <a:off x="6910388" y="6253163"/>
-            <a:ext cx="2133600" cy="476250"/>
-          </a:xfrm>
-        </p:spPr>
-        <p:txBody>
-          <a:bodyPr/>
-          <a:lstStyle/>
-          <a:p>
-            <a:pPr>
-              <a:defRPr/>
-            </a:pPr>
-            <a:fld id="{62D6D4B2-7611-498F-8780-1EDC26277454}" type="slidenum">
-              <a:rPr lang="en-US" smtClean="0">
-                <a:solidFill>
-                  <a:srgbClr val="000000"/>
-                </a:solidFill>
-              </a:rPr>
-              <a:pPr>
-                <a:defRPr/>
-              </a:pPr>
-              <a:t>9</a:t>
-            </a:fld>
-            <a:endParaRPr lang="en-US" dirty="0">
-              <a:solidFill>
-                <a:srgbClr val="000000"/>
-              </a:solidFill>
-            </a:endParaRPr>
-          </a:p>
-        </p:txBody>
-      </p:sp>
-    </p:spTree>
-    <p:extLst>
-      <p:ext uri="{BB962C8B-B14F-4D97-AF65-F5344CB8AC3E}">
-        <p14:creationId xmlns:p14="http://schemas.microsoft.com/office/powerpoint/2010/main" val="918872278"/>
-      </p:ext>
-    </p:extLst>
-  </p:cSld>
-  <p:clrMapOvr>
-    <a:masterClrMapping/>
-  </p:clrMapOvr>
-  <p:timing>
-    <p:tnLst>
-      <p:par>
-        <p:cTn id="1" dur="indefinite" restart="never" nodeType="tmRoot"/>
       </p:par>
     </p:tnLst>
   </p:timing>

--- a/lecture/slides/ECE_383_Lec3.pptx
+++ b/lecture/slides/ECE_383_Lec3.pptx
@@ -2,39 +2,38 @@
 <file path=ppt/presentation.xml><?xml version="1.0" encoding="utf-8"?>
 <p:presentation xmlns:a="http://schemas.openxmlformats.org/drawingml/2006/main" xmlns:r="http://schemas.openxmlformats.org/officeDocument/2006/relationships" xmlns:p="http://schemas.openxmlformats.org/presentationml/2006/main" saveSubsetFonts="1">
   <p:sldMasterIdLst>
-    <p:sldMasterId id="2147483675" r:id="rId1"/>
-    <p:sldMasterId id="2147483687" r:id="rId2"/>
+    <p:sldMasterId id="2147483687" r:id="rId1"/>
   </p:sldMasterIdLst>
   <p:notesMasterIdLst>
-    <p:notesMasterId r:id="rId26"/>
+    <p:notesMasterId r:id="rId25"/>
   </p:notesMasterIdLst>
   <p:handoutMasterIdLst>
-    <p:handoutMasterId r:id="rId27"/>
+    <p:handoutMasterId r:id="rId26"/>
   </p:handoutMasterIdLst>
   <p:sldIdLst>
-    <p:sldId id="299" r:id="rId3"/>
-    <p:sldId id="300" r:id="rId4"/>
-    <p:sldId id="366" r:id="rId5"/>
-    <p:sldId id="349" r:id="rId6"/>
-    <p:sldId id="355" r:id="rId7"/>
-    <p:sldId id="347" r:id="rId8"/>
-    <p:sldId id="352" r:id="rId9"/>
-    <p:sldId id="345" r:id="rId10"/>
-    <p:sldId id="334" r:id="rId11"/>
-    <p:sldId id="356" r:id="rId12"/>
-    <p:sldId id="357" r:id="rId13"/>
-    <p:sldId id="348" r:id="rId14"/>
-    <p:sldId id="351" r:id="rId15"/>
-    <p:sldId id="358" r:id="rId16"/>
-    <p:sldId id="359" r:id="rId17"/>
-    <p:sldId id="361" r:id="rId18"/>
-    <p:sldId id="365" r:id="rId19"/>
-    <p:sldId id="362" r:id="rId20"/>
-    <p:sldId id="350" r:id="rId21"/>
-    <p:sldId id="354" r:id="rId22"/>
-    <p:sldId id="363" r:id="rId23"/>
-    <p:sldId id="364" r:id="rId24"/>
-    <p:sldId id="346" r:id="rId25"/>
+    <p:sldId id="367" r:id="rId2"/>
+    <p:sldId id="300" r:id="rId3"/>
+    <p:sldId id="368" r:id="rId4"/>
+    <p:sldId id="349" r:id="rId5"/>
+    <p:sldId id="369" r:id="rId6"/>
+    <p:sldId id="347" r:id="rId7"/>
+    <p:sldId id="352" r:id="rId8"/>
+    <p:sldId id="345" r:id="rId9"/>
+    <p:sldId id="334" r:id="rId10"/>
+    <p:sldId id="356" r:id="rId11"/>
+    <p:sldId id="357" r:id="rId12"/>
+    <p:sldId id="348" r:id="rId13"/>
+    <p:sldId id="351" r:id="rId14"/>
+    <p:sldId id="358" r:id="rId15"/>
+    <p:sldId id="359" r:id="rId16"/>
+    <p:sldId id="361" r:id="rId17"/>
+    <p:sldId id="365" r:id="rId18"/>
+    <p:sldId id="362" r:id="rId19"/>
+    <p:sldId id="350" r:id="rId20"/>
+    <p:sldId id="354" r:id="rId21"/>
+    <p:sldId id="363" r:id="rId22"/>
+    <p:sldId id="364" r:id="rId23"/>
+    <p:sldId id="346" r:id="rId24"/>
   </p:sldIdLst>
   <p:sldSz cx="9144000" cy="6858000" type="screen4x3"/>
   <p:notesSz cx="6985000" cy="9283700"/>
@@ -875,833 +874,7 @@
 </p:notesMaster>
 </file>
 
-<file path=ppt/notesSlides/notesSlide1.xml><?xml version="1.0" encoding="utf-8"?>
-<p:notes xmlns:a="http://schemas.openxmlformats.org/drawingml/2006/main" xmlns:r="http://schemas.openxmlformats.org/officeDocument/2006/relationships" xmlns:p="http://schemas.openxmlformats.org/presentationml/2006/main">
-  <p:cSld>
-    <p:spTree>
-      <p:nvGrpSpPr>
-        <p:cNvPr id="1" name=""/>
-        <p:cNvGrpSpPr/>
-        <p:nvPr/>
-      </p:nvGrpSpPr>
-      <p:grpSpPr>
-        <a:xfrm>
-          <a:off x="0" y="0"/>
-          <a:ext cx="0" cy="0"/>
-          <a:chOff x="0" y="0"/>
-          <a:chExt cx="0" cy="0"/>
-        </a:xfrm>
-      </p:grpSpPr>
-      <p:sp>
-        <p:nvSpPr>
-          <p:cNvPr id="15362" name="Slide Image Placeholder 1"/>
-          <p:cNvSpPr>
-            <a:spLocks noGrp="1" noRot="1" noChangeAspect="1" noTextEdit="1"/>
-          </p:cNvSpPr>
-          <p:nvPr>
-            <p:ph type="sldImg"/>
-          </p:nvPr>
-        </p:nvSpPr>
-        <p:spPr>
-          <a:ln/>
-        </p:spPr>
-      </p:sp>
-      <p:sp>
-        <p:nvSpPr>
-          <p:cNvPr id="15363" name="Notes Placeholder 2"/>
-          <p:cNvSpPr>
-            <a:spLocks noGrp="1"/>
-          </p:cNvSpPr>
-          <p:nvPr>
-            <p:ph type="body" idx="1"/>
-          </p:nvPr>
-        </p:nvSpPr>
-        <p:spPr>
-          <a:noFill/>
-          <a:ln w="9525"/>
-        </p:spPr>
-        <p:txBody>
-          <a:bodyPr/>
-          <a:lstStyle/>
-          <a:p>
-            <a:r>
-              <a:rPr lang="en-US" dirty="0" smtClean="0"/>
-              <a:t>Write on board:</a:t>
-            </a:r>
-          </a:p>
-          <a:p>
-            <a:endParaRPr lang="en-US" dirty="0" smtClean="0"/>
-          </a:p>
-          <a:p>
-            <a:r>
-              <a:rPr lang="en-US" u="sng" dirty="0" smtClean="0"/>
-              <a:t>ECE</a:t>
-            </a:r>
-            <a:r>
-              <a:rPr lang="en-US" u="sng" baseline="0" dirty="0" smtClean="0"/>
-              <a:t> 315</a:t>
-            </a:r>
-          </a:p>
-          <a:p>
-            <a:r>
-              <a:rPr lang="en-US" baseline="0" dirty="0" smtClean="0"/>
-              <a:t>Day 1 – Admin</a:t>
-            </a:r>
-          </a:p>
-          <a:p>
-            <a:r>
-              <a:rPr lang="en-US" baseline="0" dirty="0" smtClean="0"/>
-              <a:t>Section Marcher</a:t>
-            </a:r>
-          </a:p>
-          <a:p>
-            <a:r>
-              <a:rPr lang="en-US" baseline="0" dirty="0" smtClean="0"/>
-              <a:t>Introductions</a:t>
-            </a:r>
-          </a:p>
-          <a:p>
-            <a:r>
-              <a:rPr lang="en-US" baseline="0" dirty="0" smtClean="0"/>
-              <a:t>Syllabus</a:t>
-            </a:r>
-          </a:p>
-          <a:p>
-            <a:endParaRPr lang="en-US" dirty="0" smtClean="0"/>
-          </a:p>
-        </p:txBody>
-      </p:sp>
-      <p:sp>
-        <p:nvSpPr>
-          <p:cNvPr id="15364" name="Slide Number Placeholder 3"/>
-          <p:cNvSpPr>
-            <a:spLocks noGrp="1"/>
-          </p:cNvSpPr>
-          <p:nvPr>
-            <p:ph type="sldNum" sz="quarter" idx="5"/>
-          </p:nvPr>
-        </p:nvSpPr>
-        <p:spPr>
-          <a:noFill/>
-        </p:spPr>
-        <p:txBody>
-          <a:bodyPr/>
-          <a:lstStyle/>
-          <a:p>
-            <a:fld id="{B581BCBC-E066-4910-B192-91C4189936ED}" type="slidenum">
-              <a:rPr lang="en-US">
-                <a:solidFill>
-                  <a:prstClr val="black"/>
-                </a:solidFill>
-              </a:rPr>
-              <a:pPr/>
-              <a:t>1</a:t>
-            </a:fld>
-            <a:endParaRPr lang="en-US">
-              <a:solidFill>
-                <a:prstClr val="black"/>
-              </a:solidFill>
-            </a:endParaRPr>
-          </a:p>
-        </p:txBody>
-      </p:sp>
-    </p:spTree>
-  </p:cSld>
-  <p:clrMapOvr>
-    <a:masterClrMapping/>
-  </p:clrMapOvr>
-</p:notes>
-</file>
-
 <file path=ppt/slideLayouts/slideLayout1.xml><?xml version="1.0" encoding="utf-8"?>
-<p:sldLayout xmlns:a="http://schemas.openxmlformats.org/drawingml/2006/main" xmlns:r="http://schemas.openxmlformats.org/officeDocument/2006/relationships" xmlns:p="http://schemas.openxmlformats.org/presentationml/2006/main" type="title" preserve="1">
-  <p:cSld name="Title Slide">
-    <p:spTree>
-      <p:nvGrpSpPr>
-        <p:cNvPr id="1" name=""/>
-        <p:cNvGrpSpPr/>
-        <p:nvPr/>
-      </p:nvGrpSpPr>
-      <p:grpSpPr>
-        <a:xfrm>
-          <a:off x="0" y="0"/>
-          <a:ext cx="0" cy="0"/>
-          <a:chOff x="0" y="0"/>
-          <a:chExt cx="0" cy="0"/>
-        </a:xfrm>
-      </p:grpSpPr>
-      <p:sp>
-        <p:nvSpPr>
-          <p:cNvPr id="2" name="Title 1"/>
-          <p:cNvSpPr>
-            <a:spLocks noGrp="1"/>
-          </p:cNvSpPr>
-          <p:nvPr>
-            <p:ph type="ctrTitle"/>
-          </p:nvPr>
-        </p:nvSpPr>
-        <p:spPr>
-          <a:xfrm>
-            <a:off x="685800" y="2130425"/>
-            <a:ext cx="7772400" cy="1470025"/>
-          </a:xfrm>
-        </p:spPr>
-        <p:txBody>
-          <a:bodyPr/>
-          <a:lstStyle/>
-          <a:p>
-            <a:r>
-              <a:rPr lang="en-US" smtClean="0"/>
-              <a:t>Click to edit Master title style</a:t>
-            </a:r>
-            <a:endParaRPr lang="en-US"/>
-          </a:p>
-        </p:txBody>
-      </p:sp>
-      <p:sp>
-        <p:nvSpPr>
-          <p:cNvPr id="3" name="Subtitle 2"/>
-          <p:cNvSpPr>
-            <a:spLocks noGrp="1"/>
-          </p:cNvSpPr>
-          <p:nvPr>
-            <p:ph type="subTitle" idx="1"/>
-          </p:nvPr>
-        </p:nvSpPr>
-        <p:spPr>
-          <a:xfrm>
-            <a:off x="1371600" y="3886200"/>
-            <a:ext cx="6400800" cy="1752600"/>
-          </a:xfrm>
-        </p:spPr>
-        <p:txBody>
-          <a:bodyPr/>
-          <a:lstStyle>
-            <a:lvl1pPr marL="0" indent="0" algn="ctr">
-              <a:buNone/>
-              <a:defRPr>
-                <a:solidFill>
-                  <a:schemeClr val="tx1">
-                    <a:tint val="75000"/>
-                  </a:schemeClr>
-                </a:solidFill>
-              </a:defRPr>
-            </a:lvl1pPr>
-            <a:lvl2pPr marL="457200" indent="0" algn="ctr">
-              <a:buNone/>
-              <a:defRPr>
-                <a:solidFill>
-                  <a:schemeClr val="tx1">
-                    <a:tint val="75000"/>
-                  </a:schemeClr>
-                </a:solidFill>
-              </a:defRPr>
-            </a:lvl2pPr>
-            <a:lvl3pPr marL="914400" indent="0" algn="ctr">
-              <a:buNone/>
-              <a:defRPr>
-                <a:solidFill>
-                  <a:schemeClr val="tx1">
-                    <a:tint val="75000"/>
-                  </a:schemeClr>
-                </a:solidFill>
-              </a:defRPr>
-            </a:lvl3pPr>
-            <a:lvl4pPr marL="1371600" indent="0" algn="ctr">
-              <a:buNone/>
-              <a:defRPr>
-                <a:solidFill>
-                  <a:schemeClr val="tx1">
-                    <a:tint val="75000"/>
-                  </a:schemeClr>
-                </a:solidFill>
-              </a:defRPr>
-            </a:lvl4pPr>
-            <a:lvl5pPr marL="1828800" indent="0" algn="ctr">
-              <a:buNone/>
-              <a:defRPr>
-                <a:solidFill>
-                  <a:schemeClr val="tx1">
-                    <a:tint val="75000"/>
-                  </a:schemeClr>
-                </a:solidFill>
-              </a:defRPr>
-            </a:lvl5pPr>
-            <a:lvl6pPr marL="2286000" indent="0" algn="ctr">
-              <a:buNone/>
-              <a:defRPr>
-                <a:solidFill>
-                  <a:schemeClr val="tx1">
-                    <a:tint val="75000"/>
-                  </a:schemeClr>
-                </a:solidFill>
-              </a:defRPr>
-            </a:lvl6pPr>
-            <a:lvl7pPr marL="2743200" indent="0" algn="ctr">
-              <a:buNone/>
-              <a:defRPr>
-                <a:solidFill>
-                  <a:schemeClr val="tx1">
-                    <a:tint val="75000"/>
-                  </a:schemeClr>
-                </a:solidFill>
-              </a:defRPr>
-            </a:lvl7pPr>
-            <a:lvl8pPr marL="3200400" indent="0" algn="ctr">
-              <a:buNone/>
-              <a:defRPr>
-                <a:solidFill>
-                  <a:schemeClr val="tx1">
-                    <a:tint val="75000"/>
-                  </a:schemeClr>
-                </a:solidFill>
-              </a:defRPr>
-            </a:lvl8pPr>
-            <a:lvl9pPr marL="3657600" indent="0" algn="ctr">
-              <a:buNone/>
-              <a:defRPr>
-                <a:solidFill>
-                  <a:schemeClr val="tx1">
-                    <a:tint val="75000"/>
-                  </a:schemeClr>
-                </a:solidFill>
-              </a:defRPr>
-            </a:lvl9pPr>
-          </a:lstStyle>
-          <a:p>
-            <a:r>
-              <a:rPr lang="en-US" smtClean="0"/>
-              <a:t>Click to edit Master subtitle style</a:t>
-            </a:r>
-            <a:endParaRPr lang="en-US"/>
-          </a:p>
-        </p:txBody>
-      </p:sp>
-      <p:sp>
-        <p:nvSpPr>
-          <p:cNvPr id="4" name="Date Placeholder 3"/>
-          <p:cNvSpPr>
-            <a:spLocks noGrp="1"/>
-          </p:cNvSpPr>
-          <p:nvPr>
-            <p:ph type="dt" sz="half" idx="10"/>
-          </p:nvPr>
-        </p:nvSpPr>
-        <p:spPr/>
-        <p:txBody>
-          <a:bodyPr/>
-          <a:lstStyle/>
-          <a:p>
-            <a:fld id="{F3BB1F19-4BA3-4ED5-9FA4-8D8D35FFE7BA}" type="datetimeFigureOut">
-              <a:rPr lang="en-US" smtClean="0">
-                <a:solidFill>
-                  <a:prstClr val="black">
-                    <a:tint val="75000"/>
-                  </a:prstClr>
-                </a:solidFill>
-              </a:rPr>
-              <a:pPr/>
-              <a:t>1/13/2016</a:t>
-            </a:fld>
-            <a:endParaRPr lang="en-US">
-              <a:solidFill>
-                <a:prstClr val="black">
-                  <a:tint val="75000"/>
-                </a:prstClr>
-              </a:solidFill>
-            </a:endParaRPr>
-          </a:p>
-        </p:txBody>
-      </p:sp>
-      <p:sp>
-        <p:nvSpPr>
-          <p:cNvPr id="5" name="Footer Placeholder 4"/>
-          <p:cNvSpPr>
-            <a:spLocks noGrp="1"/>
-          </p:cNvSpPr>
-          <p:nvPr>
-            <p:ph type="ftr" sz="quarter" idx="11"/>
-          </p:nvPr>
-        </p:nvSpPr>
-        <p:spPr/>
-        <p:txBody>
-          <a:bodyPr/>
-          <a:lstStyle/>
-          <a:p>
-            <a:endParaRPr lang="en-US">
-              <a:solidFill>
-                <a:prstClr val="black">
-                  <a:tint val="75000"/>
-                </a:prstClr>
-              </a:solidFill>
-            </a:endParaRPr>
-          </a:p>
-        </p:txBody>
-      </p:sp>
-      <p:sp>
-        <p:nvSpPr>
-          <p:cNvPr id="6" name="Slide Number Placeholder 5"/>
-          <p:cNvSpPr>
-            <a:spLocks noGrp="1"/>
-          </p:cNvSpPr>
-          <p:nvPr>
-            <p:ph type="sldNum" sz="quarter" idx="12"/>
-          </p:nvPr>
-        </p:nvSpPr>
-        <p:spPr/>
-        <p:txBody>
-          <a:bodyPr/>
-          <a:lstStyle/>
-          <a:p>
-            <a:fld id="{4D8D7F36-4D84-4D9B-8FFC-A04433F045BE}" type="slidenum">
-              <a:rPr lang="en-US" smtClean="0">
-                <a:solidFill>
-                  <a:prstClr val="black">
-                    <a:tint val="75000"/>
-                  </a:prstClr>
-                </a:solidFill>
-              </a:rPr>
-              <a:pPr/>
-              <a:t>‹#›</a:t>
-            </a:fld>
-            <a:endParaRPr lang="en-US">
-              <a:solidFill>
-                <a:prstClr val="black">
-                  <a:tint val="75000"/>
-                </a:prstClr>
-              </a:solidFill>
-            </a:endParaRPr>
-          </a:p>
-        </p:txBody>
-      </p:sp>
-    </p:spTree>
-    <p:extLst>
-      <p:ext uri="{BB962C8B-B14F-4D97-AF65-F5344CB8AC3E}">
-        <p14:creationId xmlns:p14="http://schemas.microsoft.com/office/powerpoint/2010/main" val="1008437385"/>
-      </p:ext>
-    </p:extLst>
-  </p:cSld>
-  <p:clrMapOvr>
-    <a:masterClrMapping/>
-  </p:clrMapOvr>
-</p:sldLayout>
-</file>
-
-<file path=ppt/slideLayouts/slideLayout10.xml><?xml version="1.0" encoding="utf-8"?>
-<p:sldLayout xmlns:a="http://schemas.openxmlformats.org/drawingml/2006/main" xmlns:r="http://schemas.openxmlformats.org/officeDocument/2006/relationships" xmlns:p="http://schemas.openxmlformats.org/presentationml/2006/main" type="vertTx" preserve="1">
-  <p:cSld name="Title and Vertical Text">
-    <p:spTree>
-      <p:nvGrpSpPr>
-        <p:cNvPr id="1" name=""/>
-        <p:cNvGrpSpPr/>
-        <p:nvPr/>
-      </p:nvGrpSpPr>
-      <p:grpSpPr>
-        <a:xfrm>
-          <a:off x="0" y="0"/>
-          <a:ext cx="0" cy="0"/>
-          <a:chOff x="0" y="0"/>
-          <a:chExt cx="0" cy="0"/>
-        </a:xfrm>
-      </p:grpSpPr>
-      <p:sp>
-        <p:nvSpPr>
-          <p:cNvPr id="2" name="Title 1"/>
-          <p:cNvSpPr>
-            <a:spLocks noGrp="1"/>
-          </p:cNvSpPr>
-          <p:nvPr>
-            <p:ph type="title"/>
-          </p:nvPr>
-        </p:nvSpPr>
-        <p:spPr/>
-        <p:txBody>
-          <a:bodyPr/>
-          <a:lstStyle/>
-          <a:p>
-            <a:r>
-              <a:rPr lang="en-US" smtClean="0"/>
-              <a:t>Click to edit Master title style</a:t>
-            </a:r>
-            <a:endParaRPr lang="en-US"/>
-          </a:p>
-        </p:txBody>
-      </p:sp>
-      <p:sp>
-        <p:nvSpPr>
-          <p:cNvPr id="3" name="Vertical Text Placeholder 2"/>
-          <p:cNvSpPr>
-            <a:spLocks noGrp="1"/>
-          </p:cNvSpPr>
-          <p:nvPr>
-            <p:ph type="body" orient="vert" idx="1"/>
-          </p:nvPr>
-        </p:nvSpPr>
-        <p:spPr/>
-        <p:txBody>
-          <a:bodyPr vert="eaVert"/>
-          <a:lstStyle/>
-          <a:p>
-            <a:pPr lvl="0"/>
-            <a:r>
-              <a:rPr lang="en-US" smtClean="0"/>
-              <a:t>Click to edit Master text styles</a:t>
-            </a:r>
-          </a:p>
-          <a:p>
-            <a:pPr lvl="1"/>
-            <a:r>
-              <a:rPr lang="en-US" smtClean="0"/>
-              <a:t>Second level</a:t>
-            </a:r>
-          </a:p>
-          <a:p>
-            <a:pPr lvl="2"/>
-            <a:r>
-              <a:rPr lang="en-US" smtClean="0"/>
-              <a:t>Third level</a:t>
-            </a:r>
-          </a:p>
-          <a:p>
-            <a:pPr lvl="3"/>
-            <a:r>
-              <a:rPr lang="en-US" smtClean="0"/>
-              <a:t>Fourth level</a:t>
-            </a:r>
-          </a:p>
-          <a:p>
-            <a:pPr lvl="4"/>
-            <a:r>
-              <a:rPr lang="en-US" smtClean="0"/>
-              <a:t>Fifth level</a:t>
-            </a:r>
-            <a:endParaRPr lang="en-US"/>
-          </a:p>
-        </p:txBody>
-      </p:sp>
-      <p:sp>
-        <p:nvSpPr>
-          <p:cNvPr id="4" name="Date Placeholder 3"/>
-          <p:cNvSpPr>
-            <a:spLocks noGrp="1"/>
-          </p:cNvSpPr>
-          <p:nvPr>
-            <p:ph type="dt" sz="half" idx="10"/>
-          </p:nvPr>
-        </p:nvSpPr>
-        <p:spPr/>
-        <p:txBody>
-          <a:bodyPr/>
-          <a:lstStyle/>
-          <a:p>
-            <a:fld id="{F3BB1F19-4BA3-4ED5-9FA4-8D8D35FFE7BA}" type="datetimeFigureOut">
-              <a:rPr lang="en-US" smtClean="0">
-                <a:solidFill>
-                  <a:prstClr val="black">
-                    <a:tint val="75000"/>
-                  </a:prstClr>
-                </a:solidFill>
-              </a:rPr>
-              <a:pPr/>
-              <a:t>1/13/2016</a:t>
-            </a:fld>
-            <a:endParaRPr lang="en-US">
-              <a:solidFill>
-                <a:prstClr val="black">
-                  <a:tint val="75000"/>
-                </a:prstClr>
-              </a:solidFill>
-            </a:endParaRPr>
-          </a:p>
-        </p:txBody>
-      </p:sp>
-      <p:sp>
-        <p:nvSpPr>
-          <p:cNvPr id="5" name="Footer Placeholder 4"/>
-          <p:cNvSpPr>
-            <a:spLocks noGrp="1"/>
-          </p:cNvSpPr>
-          <p:nvPr>
-            <p:ph type="ftr" sz="quarter" idx="11"/>
-          </p:nvPr>
-        </p:nvSpPr>
-        <p:spPr/>
-        <p:txBody>
-          <a:bodyPr/>
-          <a:lstStyle/>
-          <a:p>
-            <a:endParaRPr lang="en-US">
-              <a:solidFill>
-                <a:prstClr val="black">
-                  <a:tint val="75000"/>
-                </a:prstClr>
-              </a:solidFill>
-            </a:endParaRPr>
-          </a:p>
-        </p:txBody>
-      </p:sp>
-      <p:sp>
-        <p:nvSpPr>
-          <p:cNvPr id="6" name="Slide Number Placeholder 5"/>
-          <p:cNvSpPr>
-            <a:spLocks noGrp="1"/>
-          </p:cNvSpPr>
-          <p:nvPr>
-            <p:ph type="sldNum" sz="quarter" idx="12"/>
-          </p:nvPr>
-        </p:nvSpPr>
-        <p:spPr/>
-        <p:txBody>
-          <a:bodyPr/>
-          <a:lstStyle/>
-          <a:p>
-            <a:fld id="{4D8D7F36-4D84-4D9B-8FFC-A04433F045BE}" type="slidenum">
-              <a:rPr lang="en-US" smtClean="0">
-                <a:solidFill>
-                  <a:prstClr val="black">
-                    <a:tint val="75000"/>
-                  </a:prstClr>
-                </a:solidFill>
-              </a:rPr>
-              <a:pPr/>
-              <a:t>‹#›</a:t>
-            </a:fld>
-            <a:endParaRPr lang="en-US">
-              <a:solidFill>
-                <a:prstClr val="black">
-                  <a:tint val="75000"/>
-                </a:prstClr>
-              </a:solidFill>
-            </a:endParaRPr>
-          </a:p>
-        </p:txBody>
-      </p:sp>
-    </p:spTree>
-    <p:extLst>
-      <p:ext uri="{BB962C8B-B14F-4D97-AF65-F5344CB8AC3E}">
-        <p14:creationId xmlns:p14="http://schemas.microsoft.com/office/powerpoint/2010/main" val="2184587461"/>
-      </p:ext>
-    </p:extLst>
-  </p:cSld>
-  <p:clrMapOvr>
-    <a:masterClrMapping/>
-  </p:clrMapOvr>
-</p:sldLayout>
-</file>
-
-<file path=ppt/slideLayouts/slideLayout11.xml><?xml version="1.0" encoding="utf-8"?>
-<p:sldLayout xmlns:a="http://schemas.openxmlformats.org/drawingml/2006/main" xmlns:r="http://schemas.openxmlformats.org/officeDocument/2006/relationships" xmlns:p="http://schemas.openxmlformats.org/presentationml/2006/main" type="vertTitleAndTx" preserve="1">
-  <p:cSld name="Vertical Title and Text">
-    <p:spTree>
-      <p:nvGrpSpPr>
-        <p:cNvPr id="1" name=""/>
-        <p:cNvGrpSpPr/>
-        <p:nvPr/>
-      </p:nvGrpSpPr>
-      <p:grpSpPr>
-        <a:xfrm>
-          <a:off x="0" y="0"/>
-          <a:ext cx="0" cy="0"/>
-          <a:chOff x="0" y="0"/>
-          <a:chExt cx="0" cy="0"/>
-        </a:xfrm>
-      </p:grpSpPr>
-      <p:sp>
-        <p:nvSpPr>
-          <p:cNvPr id="2" name="Vertical Title 1"/>
-          <p:cNvSpPr>
-            <a:spLocks noGrp="1"/>
-          </p:cNvSpPr>
-          <p:nvPr>
-            <p:ph type="title" orient="vert"/>
-          </p:nvPr>
-        </p:nvSpPr>
-        <p:spPr>
-          <a:xfrm>
-            <a:off x="6629400" y="274638"/>
-            <a:ext cx="2057400" cy="5851525"/>
-          </a:xfrm>
-        </p:spPr>
-        <p:txBody>
-          <a:bodyPr vert="eaVert"/>
-          <a:lstStyle/>
-          <a:p>
-            <a:r>
-              <a:rPr lang="en-US" smtClean="0"/>
-              <a:t>Click to edit Master title style</a:t>
-            </a:r>
-            <a:endParaRPr lang="en-US"/>
-          </a:p>
-        </p:txBody>
-      </p:sp>
-      <p:sp>
-        <p:nvSpPr>
-          <p:cNvPr id="3" name="Vertical Text Placeholder 2"/>
-          <p:cNvSpPr>
-            <a:spLocks noGrp="1"/>
-          </p:cNvSpPr>
-          <p:nvPr>
-            <p:ph type="body" orient="vert" idx="1"/>
-          </p:nvPr>
-        </p:nvSpPr>
-        <p:spPr>
-          <a:xfrm>
-            <a:off x="457200" y="274638"/>
-            <a:ext cx="6019800" cy="5851525"/>
-          </a:xfrm>
-        </p:spPr>
-        <p:txBody>
-          <a:bodyPr vert="eaVert"/>
-          <a:lstStyle/>
-          <a:p>
-            <a:pPr lvl="0"/>
-            <a:r>
-              <a:rPr lang="en-US" smtClean="0"/>
-              <a:t>Click to edit Master text styles</a:t>
-            </a:r>
-          </a:p>
-          <a:p>
-            <a:pPr lvl="1"/>
-            <a:r>
-              <a:rPr lang="en-US" smtClean="0"/>
-              <a:t>Second level</a:t>
-            </a:r>
-          </a:p>
-          <a:p>
-            <a:pPr lvl="2"/>
-            <a:r>
-              <a:rPr lang="en-US" smtClean="0"/>
-              <a:t>Third level</a:t>
-            </a:r>
-          </a:p>
-          <a:p>
-            <a:pPr lvl="3"/>
-            <a:r>
-              <a:rPr lang="en-US" smtClean="0"/>
-              <a:t>Fourth level</a:t>
-            </a:r>
-          </a:p>
-          <a:p>
-            <a:pPr lvl="4"/>
-            <a:r>
-              <a:rPr lang="en-US" smtClean="0"/>
-              <a:t>Fifth level</a:t>
-            </a:r>
-            <a:endParaRPr lang="en-US"/>
-          </a:p>
-        </p:txBody>
-      </p:sp>
-      <p:sp>
-        <p:nvSpPr>
-          <p:cNvPr id="4" name="Date Placeholder 3"/>
-          <p:cNvSpPr>
-            <a:spLocks noGrp="1"/>
-          </p:cNvSpPr>
-          <p:nvPr>
-            <p:ph type="dt" sz="half" idx="10"/>
-          </p:nvPr>
-        </p:nvSpPr>
-        <p:spPr/>
-        <p:txBody>
-          <a:bodyPr/>
-          <a:lstStyle/>
-          <a:p>
-            <a:fld id="{F3BB1F19-4BA3-4ED5-9FA4-8D8D35FFE7BA}" type="datetimeFigureOut">
-              <a:rPr lang="en-US" smtClean="0">
-                <a:solidFill>
-                  <a:prstClr val="black">
-                    <a:tint val="75000"/>
-                  </a:prstClr>
-                </a:solidFill>
-              </a:rPr>
-              <a:pPr/>
-              <a:t>1/13/2016</a:t>
-            </a:fld>
-            <a:endParaRPr lang="en-US">
-              <a:solidFill>
-                <a:prstClr val="black">
-                  <a:tint val="75000"/>
-                </a:prstClr>
-              </a:solidFill>
-            </a:endParaRPr>
-          </a:p>
-        </p:txBody>
-      </p:sp>
-      <p:sp>
-        <p:nvSpPr>
-          <p:cNvPr id="5" name="Footer Placeholder 4"/>
-          <p:cNvSpPr>
-            <a:spLocks noGrp="1"/>
-          </p:cNvSpPr>
-          <p:nvPr>
-            <p:ph type="ftr" sz="quarter" idx="11"/>
-          </p:nvPr>
-        </p:nvSpPr>
-        <p:spPr/>
-        <p:txBody>
-          <a:bodyPr/>
-          <a:lstStyle/>
-          <a:p>
-            <a:endParaRPr lang="en-US">
-              <a:solidFill>
-                <a:prstClr val="black">
-                  <a:tint val="75000"/>
-                </a:prstClr>
-              </a:solidFill>
-            </a:endParaRPr>
-          </a:p>
-        </p:txBody>
-      </p:sp>
-      <p:sp>
-        <p:nvSpPr>
-          <p:cNvPr id="6" name="Slide Number Placeholder 5"/>
-          <p:cNvSpPr>
-            <a:spLocks noGrp="1"/>
-          </p:cNvSpPr>
-          <p:nvPr>
-            <p:ph type="sldNum" sz="quarter" idx="12"/>
-          </p:nvPr>
-        </p:nvSpPr>
-        <p:spPr/>
-        <p:txBody>
-          <a:bodyPr/>
-          <a:lstStyle/>
-          <a:p>
-            <a:fld id="{4D8D7F36-4D84-4D9B-8FFC-A04433F045BE}" type="slidenum">
-              <a:rPr lang="en-US" smtClean="0">
-                <a:solidFill>
-                  <a:prstClr val="black">
-                    <a:tint val="75000"/>
-                  </a:prstClr>
-                </a:solidFill>
-              </a:rPr>
-              <a:pPr/>
-              <a:t>‹#›</a:t>
-            </a:fld>
-            <a:endParaRPr lang="en-US">
-              <a:solidFill>
-                <a:prstClr val="black">
-                  <a:tint val="75000"/>
-                </a:prstClr>
-              </a:solidFill>
-            </a:endParaRPr>
-          </a:p>
-        </p:txBody>
-      </p:sp>
-    </p:spTree>
-    <p:extLst>
-      <p:ext uri="{BB962C8B-B14F-4D97-AF65-F5344CB8AC3E}">
-        <p14:creationId xmlns:p14="http://schemas.microsoft.com/office/powerpoint/2010/main" val="3124475756"/>
-      </p:ext>
-    </p:extLst>
-  </p:cSld>
-  <p:clrMapOvr>
-    <a:masterClrMapping/>
-  </p:clrMapOvr>
-</p:sldLayout>
-</file>
-
-<file path=ppt/slideLayouts/slideLayout12.xml><?xml version="1.0" encoding="utf-8"?>
 <p:sldLayout xmlns:a="http://schemas.openxmlformats.org/drawingml/2006/main" xmlns:r="http://schemas.openxmlformats.org/officeDocument/2006/relationships" xmlns:p="http://schemas.openxmlformats.org/presentationml/2006/main" showMasterSp="0" type="title" preserve="1">
   <p:cSld name="Title Slide">
     <p:spTree>
@@ -1899,7 +1072,703 @@
 </p:sldLayout>
 </file>
 
-<file path=ppt/slideLayouts/slideLayout13.xml><?xml version="1.0" encoding="utf-8"?>
+<file path=ppt/slideLayouts/slideLayout10.xml><?xml version="1.0" encoding="utf-8"?>
+<p:sldLayout xmlns:a="http://schemas.openxmlformats.org/drawingml/2006/main" xmlns:r="http://schemas.openxmlformats.org/officeDocument/2006/relationships" xmlns:p="http://schemas.openxmlformats.org/presentationml/2006/main" type="vertTx" preserve="1">
+  <p:cSld name="Title and Vertical Text">
+    <p:spTree>
+      <p:nvGrpSpPr>
+        <p:cNvPr id="1" name=""/>
+        <p:cNvGrpSpPr/>
+        <p:nvPr/>
+      </p:nvGrpSpPr>
+      <p:grpSpPr>
+        <a:xfrm>
+          <a:off x="0" y="0"/>
+          <a:ext cx="0" cy="0"/>
+          <a:chOff x="0" y="0"/>
+          <a:chExt cx="0" cy="0"/>
+        </a:xfrm>
+      </p:grpSpPr>
+      <p:sp>
+        <p:nvSpPr>
+          <p:cNvPr id="2" name="Title 1"/>
+          <p:cNvSpPr>
+            <a:spLocks noGrp="1"/>
+          </p:cNvSpPr>
+          <p:nvPr>
+            <p:ph type="title"/>
+          </p:nvPr>
+        </p:nvSpPr>
+        <p:spPr/>
+        <p:txBody>
+          <a:bodyPr/>
+          <a:lstStyle/>
+          <a:p>
+            <a:r>
+              <a:rPr lang="en-US" smtClean="0"/>
+              <a:t>Click to edit Master title style</a:t>
+            </a:r>
+            <a:endParaRPr lang="en-US"/>
+          </a:p>
+        </p:txBody>
+      </p:sp>
+      <p:sp>
+        <p:nvSpPr>
+          <p:cNvPr id="3" name="Vertical Text Placeholder 2"/>
+          <p:cNvSpPr>
+            <a:spLocks noGrp="1"/>
+          </p:cNvSpPr>
+          <p:nvPr>
+            <p:ph type="body" orient="vert" idx="1"/>
+          </p:nvPr>
+        </p:nvSpPr>
+        <p:spPr/>
+        <p:txBody>
+          <a:bodyPr vert="eaVert"/>
+          <a:lstStyle/>
+          <a:p>
+            <a:pPr lvl="0"/>
+            <a:r>
+              <a:rPr lang="en-US" smtClean="0"/>
+              <a:t>Click to edit Master text styles</a:t>
+            </a:r>
+          </a:p>
+          <a:p>
+            <a:pPr lvl="1"/>
+            <a:r>
+              <a:rPr lang="en-US" smtClean="0"/>
+              <a:t>Second level</a:t>
+            </a:r>
+          </a:p>
+          <a:p>
+            <a:pPr lvl="2"/>
+            <a:r>
+              <a:rPr lang="en-US" smtClean="0"/>
+              <a:t>Third level</a:t>
+            </a:r>
+          </a:p>
+          <a:p>
+            <a:pPr lvl="3"/>
+            <a:r>
+              <a:rPr lang="en-US" smtClean="0"/>
+              <a:t>Fourth level</a:t>
+            </a:r>
+          </a:p>
+          <a:p>
+            <a:pPr lvl="4"/>
+            <a:r>
+              <a:rPr lang="en-US" smtClean="0"/>
+              <a:t>Fifth level</a:t>
+            </a:r>
+            <a:endParaRPr lang="en-US"/>
+          </a:p>
+        </p:txBody>
+      </p:sp>
+      <p:sp>
+        <p:nvSpPr>
+          <p:cNvPr id="4" name="Rectangle 44"/>
+          <p:cNvSpPr>
+            <a:spLocks noGrp="1" noChangeArrowheads="1"/>
+          </p:cNvSpPr>
+          <p:nvPr>
+            <p:ph type="sldNum" sz="quarter" idx="10"/>
+          </p:nvPr>
+        </p:nvSpPr>
+        <p:spPr>
+          <a:ln/>
+        </p:spPr>
+        <p:txBody>
+          <a:bodyPr/>
+          <a:lstStyle>
+            <a:lvl1pPr>
+              <a:defRPr/>
+            </a:lvl1pPr>
+          </a:lstStyle>
+          <a:p>
+            <a:pPr>
+              <a:defRPr/>
+            </a:pPr>
+            <a:endParaRPr lang="en-US">
+              <a:solidFill>
+                <a:srgbClr val="000000"/>
+              </a:solidFill>
+            </a:endParaRPr>
+          </a:p>
+          <a:p>
+            <a:pPr>
+              <a:defRPr/>
+            </a:pPr>
+            <a:fld id="{C567F1F5-194A-4EF4-8702-89EFF55C2EA8}" type="slidenum">
+              <a:rPr lang="en-US">
+                <a:solidFill>
+                  <a:srgbClr val="000000"/>
+                </a:solidFill>
+              </a:rPr>
+              <a:pPr>
+                <a:defRPr/>
+              </a:pPr>
+              <a:t>‹#›</a:t>
+            </a:fld>
+            <a:endParaRPr lang="en-US">
+              <a:solidFill>
+                <a:srgbClr val="000000"/>
+              </a:solidFill>
+            </a:endParaRPr>
+          </a:p>
+        </p:txBody>
+      </p:sp>
+      <p:sp>
+        <p:nvSpPr>
+          <p:cNvPr id="5" name="Rectangle 45"/>
+          <p:cNvSpPr>
+            <a:spLocks noGrp="1" noChangeArrowheads="1"/>
+          </p:cNvSpPr>
+          <p:nvPr>
+            <p:ph type="dt" sz="half" idx="11"/>
+          </p:nvPr>
+        </p:nvSpPr>
+        <p:spPr>
+          <a:xfrm>
+            <a:off x="95250" y="6267450"/>
+            <a:ext cx="2133600" cy="476250"/>
+          </a:xfrm>
+          <a:prstGeom prst="rect">
+            <a:avLst/>
+          </a:prstGeom>
+          <a:ln/>
+        </p:spPr>
+        <p:txBody>
+          <a:bodyPr/>
+          <a:lstStyle>
+            <a:lvl1pPr>
+              <a:defRPr/>
+            </a:lvl1pPr>
+          </a:lstStyle>
+          <a:p>
+            <a:pPr fontAlgn="auto">
+              <a:spcBef>
+                <a:spcPts val="0"/>
+              </a:spcBef>
+              <a:spcAft>
+                <a:spcPts val="0"/>
+              </a:spcAft>
+              <a:defRPr/>
+            </a:pPr>
+            <a:endParaRPr lang="en-US" sz="1800">
+              <a:solidFill>
+                <a:srgbClr val="000000"/>
+              </a:solidFill>
+            </a:endParaRPr>
+          </a:p>
+          <a:p>
+            <a:pPr fontAlgn="auto">
+              <a:spcBef>
+                <a:spcPts val="0"/>
+              </a:spcBef>
+              <a:spcAft>
+                <a:spcPts val="0"/>
+              </a:spcAft>
+              <a:defRPr/>
+            </a:pPr>
+            <a:fld id="{144E03DF-8FF9-4CC1-81A9-7D65C03EA82B}" type="datetime3">
+              <a:rPr lang="en-US" sz="1800">
+                <a:solidFill>
+                  <a:srgbClr val="000000"/>
+                </a:solidFill>
+              </a:rPr>
+              <a:pPr fontAlgn="auto">
+                <a:spcBef>
+                  <a:spcPts val="0"/>
+                </a:spcBef>
+                <a:spcAft>
+                  <a:spcPts val="0"/>
+                </a:spcAft>
+                <a:defRPr/>
+              </a:pPr>
+              <a:t>9 January 2017</a:t>
+            </a:fld>
+            <a:endParaRPr lang="en-US" sz="1800">
+              <a:solidFill>
+                <a:srgbClr val="000000"/>
+              </a:solidFill>
+            </a:endParaRPr>
+          </a:p>
+        </p:txBody>
+      </p:sp>
+    </p:spTree>
+    <p:extLst>
+      <p:ext uri="{BB962C8B-B14F-4D97-AF65-F5344CB8AC3E}">
+        <p14:creationId xmlns:p14="http://schemas.microsoft.com/office/powerpoint/2010/main" val="1805733814"/>
+      </p:ext>
+    </p:extLst>
+  </p:cSld>
+  <p:clrMapOvr>
+    <a:masterClrMapping/>
+  </p:clrMapOvr>
+</p:sldLayout>
+</file>
+
+<file path=ppt/slideLayouts/slideLayout11.xml><?xml version="1.0" encoding="utf-8"?>
+<p:sldLayout xmlns:a="http://schemas.openxmlformats.org/drawingml/2006/main" xmlns:r="http://schemas.openxmlformats.org/officeDocument/2006/relationships" xmlns:p="http://schemas.openxmlformats.org/presentationml/2006/main" type="vertTitleAndTx" preserve="1">
+  <p:cSld name="Vertical Title and Text">
+    <p:spTree>
+      <p:nvGrpSpPr>
+        <p:cNvPr id="1" name=""/>
+        <p:cNvGrpSpPr/>
+        <p:nvPr/>
+      </p:nvGrpSpPr>
+      <p:grpSpPr>
+        <a:xfrm>
+          <a:off x="0" y="0"/>
+          <a:ext cx="0" cy="0"/>
+          <a:chOff x="0" y="0"/>
+          <a:chExt cx="0" cy="0"/>
+        </a:xfrm>
+      </p:grpSpPr>
+      <p:sp>
+        <p:nvSpPr>
+          <p:cNvPr id="2" name="Vertical Title 1"/>
+          <p:cNvSpPr>
+            <a:spLocks noGrp="1"/>
+          </p:cNvSpPr>
+          <p:nvPr>
+            <p:ph type="title" orient="vert"/>
+          </p:nvPr>
+        </p:nvSpPr>
+        <p:spPr>
+          <a:xfrm>
+            <a:off x="6899275" y="76200"/>
+            <a:ext cx="2032000" cy="5784850"/>
+          </a:xfrm>
+        </p:spPr>
+        <p:txBody>
+          <a:bodyPr vert="eaVert"/>
+          <a:lstStyle/>
+          <a:p>
+            <a:r>
+              <a:rPr lang="en-US" smtClean="0"/>
+              <a:t>Click to edit Master title style</a:t>
+            </a:r>
+            <a:endParaRPr lang="en-US"/>
+          </a:p>
+        </p:txBody>
+      </p:sp>
+      <p:sp>
+        <p:nvSpPr>
+          <p:cNvPr id="3" name="Vertical Text Placeholder 2"/>
+          <p:cNvSpPr>
+            <a:spLocks noGrp="1"/>
+          </p:cNvSpPr>
+          <p:nvPr>
+            <p:ph type="body" orient="vert" idx="1"/>
+          </p:nvPr>
+        </p:nvSpPr>
+        <p:spPr>
+          <a:xfrm>
+            <a:off x="800100" y="76200"/>
+            <a:ext cx="5946775" cy="5784850"/>
+          </a:xfrm>
+        </p:spPr>
+        <p:txBody>
+          <a:bodyPr vert="eaVert"/>
+          <a:lstStyle/>
+          <a:p>
+            <a:pPr lvl="0"/>
+            <a:r>
+              <a:rPr lang="en-US" smtClean="0"/>
+              <a:t>Click to edit Master text styles</a:t>
+            </a:r>
+          </a:p>
+          <a:p>
+            <a:pPr lvl="1"/>
+            <a:r>
+              <a:rPr lang="en-US" smtClean="0"/>
+              <a:t>Second level</a:t>
+            </a:r>
+          </a:p>
+          <a:p>
+            <a:pPr lvl="2"/>
+            <a:r>
+              <a:rPr lang="en-US" smtClean="0"/>
+              <a:t>Third level</a:t>
+            </a:r>
+          </a:p>
+          <a:p>
+            <a:pPr lvl="3"/>
+            <a:r>
+              <a:rPr lang="en-US" smtClean="0"/>
+              <a:t>Fourth level</a:t>
+            </a:r>
+          </a:p>
+          <a:p>
+            <a:pPr lvl="4"/>
+            <a:r>
+              <a:rPr lang="en-US" smtClean="0"/>
+              <a:t>Fifth level</a:t>
+            </a:r>
+            <a:endParaRPr lang="en-US"/>
+          </a:p>
+        </p:txBody>
+      </p:sp>
+      <p:sp>
+        <p:nvSpPr>
+          <p:cNvPr id="4" name="Rectangle 44"/>
+          <p:cNvSpPr>
+            <a:spLocks noGrp="1" noChangeArrowheads="1"/>
+          </p:cNvSpPr>
+          <p:nvPr>
+            <p:ph type="sldNum" sz="quarter" idx="10"/>
+          </p:nvPr>
+        </p:nvSpPr>
+        <p:spPr>
+          <a:ln/>
+        </p:spPr>
+        <p:txBody>
+          <a:bodyPr/>
+          <a:lstStyle>
+            <a:lvl1pPr>
+              <a:defRPr/>
+            </a:lvl1pPr>
+          </a:lstStyle>
+          <a:p>
+            <a:pPr>
+              <a:defRPr/>
+            </a:pPr>
+            <a:endParaRPr lang="en-US">
+              <a:solidFill>
+                <a:srgbClr val="000000"/>
+              </a:solidFill>
+            </a:endParaRPr>
+          </a:p>
+          <a:p>
+            <a:pPr>
+              <a:defRPr/>
+            </a:pPr>
+            <a:fld id="{51B54694-5A4F-4DDE-A246-90E7B842FB9E}" type="slidenum">
+              <a:rPr lang="en-US">
+                <a:solidFill>
+                  <a:srgbClr val="000000"/>
+                </a:solidFill>
+              </a:rPr>
+              <a:pPr>
+                <a:defRPr/>
+              </a:pPr>
+              <a:t>‹#›</a:t>
+            </a:fld>
+            <a:endParaRPr lang="en-US">
+              <a:solidFill>
+                <a:srgbClr val="000000"/>
+              </a:solidFill>
+            </a:endParaRPr>
+          </a:p>
+        </p:txBody>
+      </p:sp>
+      <p:sp>
+        <p:nvSpPr>
+          <p:cNvPr id="5" name="Rectangle 45"/>
+          <p:cNvSpPr>
+            <a:spLocks noGrp="1" noChangeArrowheads="1"/>
+          </p:cNvSpPr>
+          <p:nvPr>
+            <p:ph type="dt" sz="half" idx="11"/>
+          </p:nvPr>
+        </p:nvSpPr>
+        <p:spPr>
+          <a:xfrm>
+            <a:off x="95250" y="6267450"/>
+            <a:ext cx="2133600" cy="476250"/>
+          </a:xfrm>
+          <a:prstGeom prst="rect">
+            <a:avLst/>
+          </a:prstGeom>
+          <a:ln/>
+        </p:spPr>
+        <p:txBody>
+          <a:bodyPr/>
+          <a:lstStyle>
+            <a:lvl1pPr>
+              <a:defRPr/>
+            </a:lvl1pPr>
+          </a:lstStyle>
+          <a:p>
+            <a:pPr fontAlgn="auto">
+              <a:spcBef>
+                <a:spcPts val="0"/>
+              </a:spcBef>
+              <a:spcAft>
+                <a:spcPts val="0"/>
+              </a:spcAft>
+              <a:defRPr/>
+            </a:pPr>
+            <a:endParaRPr lang="en-US" sz="1800">
+              <a:solidFill>
+                <a:srgbClr val="000000"/>
+              </a:solidFill>
+            </a:endParaRPr>
+          </a:p>
+          <a:p>
+            <a:pPr fontAlgn="auto">
+              <a:spcBef>
+                <a:spcPts val="0"/>
+              </a:spcBef>
+              <a:spcAft>
+                <a:spcPts val="0"/>
+              </a:spcAft>
+              <a:defRPr/>
+            </a:pPr>
+            <a:fld id="{60DCB877-6D3E-4BCA-8EC7-D4670F81984A}" type="datetime3">
+              <a:rPr lang="en-US" sz="1800">
+                <a:solidFill>
+                  <a:srgbClr val="000000"/>
+                </a:solidFill>
+              </a:rPr>
+              <a:pPr fontAlgn="auto">
+                <a:spcBef>
+                  <a:spcPts val="0"/>
+                </a:spcBef>
+                <a:spcAft>
+                  <a:spcPts val="0"/>
+                </a:spcAft>
+                <a:defRPr/>
+              </a:pPr>
+              <a:t>9 January 2017</a:t>
+            </a:fld>
+            <a:endParaRPr lang="en-US" sz="1800">
+              <a:solidFill>
+                <a:srgbClr val="000000"/>
+              </a:solidFill>
+            </a:endParaRPr>
+          </a:p>
+        </p:txBody>
+      </p:sp>
+    </p:spTree>
+    <p:extLst>
+      <p:ext uri="{BB962C8B-B14F-4D97-AF65-F5344CB8AC3E}">
+        <p14:creationId xmlns:p14="http://schemas.microsoft.com/office/powerpoint/2010/main" val="2182098196"/>
+      </p:ext>
+    </p:extLst>
+  </p:cSld>
+  <p:clrMapOvr>
+    <a:masterClrMapping/>
+  </p:clrMapOvr>
+</p:sldLayout>
+</file>
+
+<file path=ppt/slideLayouts/slideLayout12.xml><?xml version="1.0" encoding="utf-8"?>
+<p:sldLayout xmlns:a="http://schemas.openxmlformats.org/drawingml/2006/main" xmlns:r="http://schemas.openxmlformats.org/officeDocument/2006/relationships" xmlns:p="http://schemas.openxmlformats.org/presentationml/2006/main" type="tbl" preserve="1">
+  <p:cSld name="Title and Table">
+    <p:spTree>
+      <p:nvGrpSpPr>
+        <p:cNvPr id="1" name=""/>
+        <p:cNvGrpSpPr/>
+        <p:nvPr/>
+      </p:nvGrpSpPr>
+      <p:grpSpPr>
+        <a:xfrm>
+          <a:off x="0" y="0"/>
+          <a:ext cx="0" cy="0"/>
+          <a:chOff x="0" y="0"/>
+          <a:chExt cx="0" cy="0"/>
+        </a:xfrm>
+      </p:grpSpPr>
+      <p:sp>
+        <p:nvSpPr>
+          <p:cNvPr id="2" name="Title 1"/>
+          <p:cNvSpPr>
+            <a:spLocks noGrp="1"/>
+          </p:cNvSpPr>
+          <p:nvPr>
+            <p:ph type="title"/>
+          </p:nvPr>
+        </p:nvSpPr>
+        <p:spPr>
+          <a:xfrm>
+            <a:off x="1911350" y="76200"/>
+            <a:ext cx="6781800" cy="1143000"/>
+          </a:xfrm>
+        </p:spPr>
+        <p:txBody>
+          <a:bodyPr/>
+          <a:lstStyle/>
+          <a:p>
+            <a:r>
+              <a:rPr lang="en-US" smtClean="0"/>
+              <a:t>Click to edit Master title style</a:t>
+            </a:r>
+            <a:endParaRPr lang="en-US"/>
+          </a:p>
+        </p:txBody>
+      </p:sp>
+      <p:sp>
+        <p:nvSpPr>
+          <p:cNvPr id="3" name="Table Placeholder 2"/>
+          <p:cNvSpPr>
+            <a:spLocks noGrp="1"/>
+          </p:cNvSpPr>
+          <p:nvPr>
+            <p:ph type="tbl" idx="1"/>
+          </p:nvPr>
+        </p:nvSpPr>
+        <p:spPr>
+          <a:xfrm>
+            <a:off x="800100" y="1536700"/>
+            <a:ext cx="8131175" cy="4324350"/>
+          </a:xfrm>
+        </p:spPr>
+        <p:txBody>
+          <a:bodyPr/>
+          <a:lstStyle/>
+          <a:p>
+            <a:pPr lvl="0"/>
+            <a:endParaRPr lang="en-US" noProof="0" smtClean="0"/>
+          </a:p>
+        </p:txBody>
+      </p:sp>
+      <p:sp>
+        <p:nvSpPr>
+          <p:cNvPr id="4" name="Rectangle 44"/>
+          <p:cNvSpPr>
+            <a:spLocks noGrp="1" noChangeArrowheads="1"/>
+          </p:cNvSpPr>
+          <p:nvPr>
+            <p:ph type="sldNum" sz="quarter" idx="10"/>
+          </p:nvPr>
+        </p:nvSpPr>
+        <p:spPr>
+          <a:ln/>
+        </p:spPr>
+        <p:txBody>
+          <a:bodyPr/>
+          <a:lstStyle>
+            <a:lvl1pPr>
+              <a:defRPr/>
+            </a:lvl1pPr>
+          </a:lstStyle>
+          <a:p>
+            <a:pPr>
+              <a:defRPr/>
+            </a:pPr>
+            <a:endParaRPr lang="en-US">
+              <a:solidFill>
+                <a:srgbClr val="000000"/>
+              </a:solidFill>
+            </a:endParaRPr>
+          </a:p>
+          <a:p>
+            <a:pPr>
+              <a:defRPr/>
+            </a:pPr>
+            <a:fld id="{C4A63687-7E6C-4DE0-9BEB-8789448141D7}" type="slidenum">
+              <a:rPr lang="en-US">
+                <a:solidFill>
+                  <a:srgbClr val="000000"/>
+                </a:solidFill>
+              </a:rPr>
+              <a:pPr>
+                <a:defRPr/>
+              </a:pPr>
+              <a:t>‹#›</a:t>
+            </a:fld>
+            <a:endParaRPr lang="en-US">
+              <a:solidFill>
+                <a:srgbClr val="000000"/>
+              </a:solidFill>
+            </a:endParaRPr>
+          </a:p>
+        </p:txBody>
+      </p:sp>
+      <p:sp>
+        <p:nvSpPr>
+          <p:cNvPr id="5" name="Rectangle 45"/>
+          <p:cNvSpPr>
+            <a:spLocks noGrp="1" noChangeArrowheads="1"/>
+          </p:cNvSpPr>
+          <p:nvPr>
+            <p:ph type="dt" sz="half" idx="11"/>
+          </p:nvPr>
+        </p:nvSpPr>
+        <p:spPr>
+          <a:xfrm>
+            <a:off x="95250" y="6267450"/>
+            <a:ext cx="2133600" cy="476250"/>
+          </a:xfrm>
+          <a:prstGeom prst="rect">
+            <a:avLst/>
+          </a:prstGeom>
+          <a:ln/>
+        </p:spPr>
+        <p:txBody>
+          <a:bodyPr/>
+          <a:lstStyle>
+            <a:lvl1pPr>
+              <a:defRPr/>
+            </a:lvl1pPr>
+          </a:lstStyle>
+          <a:p>
+            <a:pPr fontAlgn="auto">
+              <a:spcBef>
+                <a:spcPts val="0"/>
+              </a:spcBef>
+              <a:spcAft>
+                <a:spcPts val="0"/>
+              </a:spcAft>
+              <a:defRPr/>
+            </a:pPr>
+            <a:endParaRPr lang="en-US" sz="1800">
+              <a:solidFill>
+                <a:srgbClr val="000000"/>
+              </a:solidFill>
+            </a:endParaRPr>
+          </a:p>
+          <a:p>
+            <a:pPr fontAlgn="auto">
+              <a:spcBef>
+                <a:spcPts val="0"/>
+              </a:spcBef>
+              <a:spcAft>
+                <a:spcPts val="0"/>
+              </a:spcAft>
+              <a:defRPr/>
+            </a:pPr>
+            <a:fld id="{E43D8F38-5EEC-4D31-B27F-2563D8A07911}" type="datetime3">
+              <a:rPr lang="en-US" sz="1800">
+                <a:solidFill>
+                  <a:srgbClr val="000000"/>
+                </a:solidFill>
+              </a:rPr>
+              <a:pPr fontAlgn="auto">
+                <a:spcBef>
+                  <a:spcPts val="0"/>
+                </a:spcBef>
+                <a:spcAft>
+                  <a:spcPts val="0"/>
+                </a:spcAft>
+                <a:defRPr/>
+              </a:pPr>
+              <a:t>9 January 2017</a:t>
+            </a:fld>
+            <a:endParaRPr lang="en-US" sz="1800">
+              <a:solidFill>
+                <a:srgbClr val="000000"/>
+              </a:solidFill>
+            </a:endParaRPr>
+          </a:p>
+        </p:txBody>
+      </p:sp>
+    </p:spTree>
+    <p:extLst>
+      <p:ext uri="{BB962C8B-B14F-4D97-AF65-F5344CB8AC3E}">
+        <p14:creationId xmlns:p14="http://schemas.microsoft.com/office/powerpoint/2010/main" val="2267678391"/>
+      </p:ext>
+    </p:extLst>
+  </p:cSld>
+  <p:clrMapOvr>
+    <a:masterClrMapping/>
+  </p:clrMapOvr>
+</p:sldLayout>
+</file>
+
+<file path=ppt/slideLayouts/slideLayout2.xml><?xml version="1.0" encoding="utf-8"?>
 <p:sldLayout xmlns:a="http://schemas.openxmlformats.org/drawingml/2006/main" xmlns:r="http://schemas.openxmlformats.org/officeDocument/2006/relationships" xmlns:p="http://schemas.openxmlformats.org/presentationml/2006/main" type="obj" preserve="1">
   <p:cSld name="Title and Content">
     <p:spTree>
@@ -2106,7 +1975,7 @@
                 </a:spcAft>
                 <a:defRPr/>
               </a:pPr>
-              <a:t>13 January 2016</a:t>
+              <a:t>9 January 2017</a:t>
             </a:fld>
             <a:endParaRPr lang="en-US" sz="1800">
               <a:solidFill>
@@ -2136,7 +2005,7 @@
 </p:sldLayout>
 </file>
 
-<file path=ppt/slideLayouts/slideLayout14.xml><?xml version="1.0" encoding="utf-8"?>
+<file path=ppt/slideLayouts/slideLayout3.xml><?xml version="1.0" encoding="utf-8"?>
 <p:sldLayout xmlns:a="http://schemas.openxmlformats.org/drawingml/2006/main" xmlns:r="http://schemas.openxmlformats.org/officeDocument/2006/relationships" xmlns:p="http://schemas.openxmlformats.org/presentationml/2006/main" type="secHead" preserve="1">
   <p:cSld name="Section Header">
     <p:spTree>
@@ -2371,7 +2240,7 @@
                 </a:spcAft>
                 <a:defRPr/>
               </a:pPr>
-              <a:t>13 January 2016</a:t>
+              <a:t>9 January 2017</a:t>
             </a:fld>
             <a:endParaRPr lang="en-US" sz="1800">
               <a:solidFill>
@@ -2394,7 +2263,7 @@
 </p:sldLayout>
 </file>
 
-<file path=ppt/slideLayouts/slideLayout15.xml><?xml version="1.0" encoding="utf-8"?>
+<file path=ppt/slideLayouts/slideLayout4.xml><?xml version="1.0" encoding="utf-8"?>
 <p:sldLayout xmlns:a="http://schemas.openxmlformats.org/drawingml/2006/main" xmlns:r="http://schemas.openxmlformats.org/officeDocument/2006/relationships" xmlns:p="http://schemas.openxmlformats.org/presentationml/2006/main" type="twoObj" preserve="1">
   <p:cSld name="Two Content">
     <p:spTree>
@@ -2725,7 +2594,7 @@
                 </a:spcAft>
                 <a:defRPr/>
               </a:pPr>
-              <a:t>13 January 2016</a:t>
+              <a:t>9 January 2017</a:t>
             </a:fld>
             <a:endParaRPr lang="en-US" sz="1800">
               <a:solidFill>
@@ -2748,7 +2617,7 @@
 </p:sldLayout>
 </file>
 
-<file path=ppt/slideLayouts/slideLayout16.xml><?xml version="1.0" encoding="utf-8"?>
+<file path=ppt/slideLayouts/slideLayout5.xml><?xml version="1.0" encoding="utf-8"?>
 <p:sldLayout xmlns:a="http://schemas.openxmlformats.org/drawingml/2006/main" xmlns:r="http://schemas.openxmlformats.org/officeDocument/2006/relationships" xmlns:p="http://schemas.openxmlformats.org/presentationml/2006/main" type="twoTxTwoObj" preserve="1">
   <p:cSld name="Comparison">
     <p:spTree>
@@ -3218,7 +3087,7 @@
                 </a:spcAft>
                 <a:defRPr/>
               </a:pPr>
-              <a:t>13 January 2016</a:t>
+              <a:t>9 January 2017</a:t>
             </a:fld>
             <a:endParaRPr lang="en-US" sz="1800">
               <a:solidFill>
@@ -3241,7 +3110,7 @@
 </p:sldLayout>
 </file>
 
-<file path=ppt/slideLayouts/slideLayout17.xml><?xml version="1.0" encoding="utf-8"?>
+<file path=ppt/slideLayouts/slideLayout6.xml><?xml version="1.0" encoding="utf-8"?>
 <p:sldLayout xmlns:a="http://schemas.openxmlformats.org/drawingml/2006/main" xmlns:r="http://schemas.openxmlformats.org/officeDocument/2006/relationships" xmlns:p="http://schemas.openxmlformats.org/presentationml/2006/main" type="titleOnly" preserve="1">
   <p:cSld name="Title Only">
     <p:spTree>
@@ -3402,7 +3271,7 @@
                 </a:spcAft>
                 <a:defRPr/>
               </a:pPr>
-              <a:t>13 January 2016</a:t>
+              <a:t>9 January 2017</a:t>
             </a:fld>
             <a:endParaRPr lang="en-US" sz="1800">
               <a:solidFill>
@@ -3425,7 +3294,7 @@
 </p:sldLayout>
 </file>
 
-<file path=ppt/slideLayouts/slideLayout18.xml><?xml version="1.0" encoding="utf-8"?>
+<file path=ppt/slideLayouts/slideLayout7.xml><?xml version="1.0" encoding="utf-8"?>
 <p:sldLayout xmlns:a="http://schemas.openxmlformats.org/drawingml/2006/main" xmlns:r="http://schemas.openxmlformats.org/officeDocument/2006/relationships" xmlns:p="http://schemas.openxmlformats.org/presentationml/2006/main" type="blank" preserve="1">
   <p:cSld name="Blank">
     <p:spTree>
@@ -3563,7 +3432,7 @@
                 </a:spcAft>
                 <a:defRPr/>
               </a:pPr>
-              <a:t>13 January 2016</a:t>
+              <a:t>9 January 2017</a:t>
             </a:fld>
             <a:endParaRPr lang="en-US" sz="1800">
               <a:solidFill>
@@ -3586,7 +3455,7 @@
 </p:sldLayout>
 </file>
 
-<file path=ppt/slideLayouts/slideLayout19.xml><?xml version="1.0" encoding="utf-8"?>
+<file path=ppt/slideLayouts/slideLayout8.xml><?xml version="1.0" encoding="utf-8"?>
 <p:sldLayout xmlns:a="http://schemas.openxmlformats.org/drawingml/2006/main" xmlns:r="http://schemas.openxmlformats.org/officeDocument/2006/relationships" xmlns:p="http://schemas.openxmlformats.org/presentationml/2006/main" type="objTx" preserve="1">
   <p:cSld name="Content with Caption">
     <p:spTree>
@@ -3906,7 +3775,7 @@
                 </a:spcAft>
                 <a:defRPr/>
               </a:pPr>
-              <a:t>13 January 2016</a:t>
+              <a:t>9 January 2017</a:t>
             </a:fld>
             <a:endParaRPr lang="en-US" sz="1800">
               <a:solidFill>
@@ -3929,209 +3798,7 @@
 </p:sldLayout>
 </file>
 
-<file path=ppt/slideLayouts/slideLayout2.xml><?xml version="1.0" encoding="utf-8"?>
-<p:sldLayout xmlns:a="http://schemas.openxmlformats.org/drawingml/2006/main" xmlns:r="http://schemas.openxmlformats.org/officeDocument/2006/relationships" xmlns:p="http://schemas.openxmlformats.org/presentationml/2006/main" type="obj" preserve="1">
-  <p:cSld name="Title and Content">
-    <p:spTree>
-      <p:nvGrpSpPr>
-        <p:cNvPr id="1" name=""/>
-        <p:cNvGrpSpPr/>
-        <p:nvPr/>
-      </p:nvGrpSpPr>
-      <p:grpSpPr>
-        <a:xfrm>
-          <a:off x="0" y="0"/>
-          <a:ext cx="0" cy="0"/>
-          <a:chOff x="0" y="0"/>
-          <a:chExt cx="0" cy="0"/>
-        </a:xfrm>
-      </p:grpSpPr>
-      <p:sp>
-        <p:nvSpPr>
-          <p:cNvPr id="2" name="Title 1"/>
-          <p:cNvSpPr>
-            <a:spLocks noGrp="1"/>
-          </p:cNvSpPr>
-          <p:nvPr>
-            <p:ph type="title"/>
-          </p:nvPr>
-        </p:nvSpPr>
-        <p:spPr/>
-        <p:txBody>
-          <a:bodyPr/>
-          <a:lstStyle/>
-          <a:p>
-            <a:r>
-              <a:rPr lang="en-US" smtClean="0"/>
-              <a:t>Click to edit Master title style</a:t>
-            </a:r>
-            <a:endParaRPr lang="en-US"/>
-          </a:p>
-        </p:txBody>
-      </p:sp>
-      <p:sp>
-        <p:nvSpPr>
-          <p:cNvPr id="3" name="Content Placeholder 2"/>
-          <p:cNvSpPr>
-            <a:spLocks noGrp="1"/>
-          </p:cNvSpPr>
-          <p:nvPr>
-            <p:ph idx="1"/>
-          </p:nvPr>
-        </p:nvSpPr>
-        <p:spPr/>
-        <p:txBody>
-          <a:bodyPr/>
-          <a:lstStyle/>
-          <a:p>
-            <a:pPr lvl="0"/>
-            <a:r>
-              <a:rPr lang="en-US" smtClean="0"/>
-              <a:t>Click to edit Master text styles</a:t>
-            </a:r>
-          </a:p>
-          <a:p>
-            <a:pPr lvl="1"/>
-            <a:r>
-              <a:rPr lang="en-US" smtClean="0"/>
-              <a:t>Second level</a:t>
-            </a:r>
-          </a:p>
-          <a:p>
-            <a:pPr lvl="2"/>
-            <a:r>
-              <a:rPr lang="en-US" smtClean="0"/>
-              <a:t>Third level</a:t>
-            </a:r>
-          </a:p>
-          <a:p>
-            <a:pPr lvl="3"/>
-            <a:r>
-              <a:rPr lang="en-US" smtClean="0"/>
-              <a:t>Fourth level</a:t>
-            </a:r>
-          </a:p>
-          <a:p>
-            <a:pPr lvl="4"/>
-            <a:r>
-              <a:rPr lang="en-US" smtClean="0"/>
-              <a:t>Fifth level</a:t>
-            </a:r>
-            <a:endParaRPr lang="en-US"/>
-          </a:p>
-        </p:txBody>
-      </p:sp>
-      <p:sp>
-        <p:nvSpPr>
-          <p:cNvPr id="4" name="Date Placeholder 3"/>
-          <p:cNvSpPr>
-            <a:spLocks noGrp="1"/>
-          </p:cNvSpPr>
-          <p:nvPr>
-            <p:ph type="dt" sz="half" idx="10"/>
-          </p:nvPr>
-        </p:nvSpPr>
-        <p:spPr/>
-        <p:txBody>
-          <a:bodyPr/>
-          <a:lstStyle/>
-          <a:p>
-            <a:fld id="{F3BB1F19-4BA3-4ED5-9FA4-8D8D35FFE7BA}" type="datetimeFigureOut">
-              <a:rPr lang="en-US" smtClean="0">
-                <a:solidFill>
-                  <a:prstClr val="black">
-                    <a:tint val="75000"/>
-                  </a:prstClr>
-                </a:solidFill>
-              </a:rPr>
-              <a:pPr/>
-              <a:t>1/13/2016</a:t>
-            </a:fld>
-            <a:endParaRPr lang="en-US">
-              <a:solidFill>
-                <a:prstClr val="black">
-                  <a:tint val="75000"/>
-                </a:prstClr>
-              </a:solidFill>
-            </a:endParaRPr>
-          </a:p>
-        </p:txBody>
-      </p:sp>
-      <p:sp>
-        <p:nvSpPr>
-          <p:cNvPr id="5" name="Footer Placeholder 4"/>
-          <p:cNvSpPr>
-            <a:spLocks noGrp="1"/>
-          </p:cNvSpPr>
-          <p:nvPr>
-            <p:ph type="ftr" sz="quarter" idx="11"/>
-          </p:nvPr>
-        </p:nvSpPr>
-        <p:spPr/>
-        <p:txBody>
-          <a:bodyPr/>
-          <a:lstStyle/>
-          <a:p>
-            <a:endParaRPr lang="en-US">
-              <a:solidFill>
-                <a:prstClr val="black">
-                  <a:tint val="75000"/>
-                </a:prstClr>
-              </a:solidFill>
-            </a:endParaRPr>
-          </a:p>
-        </p:txBody>
-      </p:sp>
-      <p:sp>
-        <p:nvSpPr>
-          <p:cNvPr id="6" name="Slide Number Placeholder 5"/>
-          <p:cNvSpPr>
-            <a:spLocks noGrp="1"/>
-          </p:cNvSpPr>
-          <p:nvPr>
-            <p:ph type="sldNum" sz="quarter" idx="12"/>
-          </p:nvPr>
-        </p:nvSpPr>
-        <p:spPr/>
-        <p:txBody>
-          <a:bodyPr/>
-          <a:lstStyle/>
-          <a:p>
-            <a:fld id="{4D8D7F36-4D84-4D9B-8FFC-A04433F045BE}" type="slidenum">
-              <a:rPr lang="en-US" smtClean="0">
-                <a:solidFill>
-                  <a:prstClr val="black">
-                    <a:tint val="75000"/>
-                  </a:prstClr>
-                </a:solidFill>
-              </a:rPr>
-              <a:pPr/>
-              <a:t>‹#›</a:t>
-            </a:fld>
-            <a:endParaRPr lang="en-US">
-              <a:solidFill>
-                <a:prstClr val="black">
-                  <a:tint val="75000"/>
-                </a:prstClr>
-              </a:solidFill>
-            </a:endParaRPr>
-          </a:p>
-        </p:txBody>
-      </p:sp>
-    </p:spTree>
-    <p:extLst>
-      <p:ext uri="{BB962C8B-B14F-4D97-AF65-F5344CB8AC3E}">
-        <p14:creationId xmlns:p14="http://schemas.microsoft.com/office/powerpoint/2010/main" val="399795718"/>
-      </p:ext>
-    </p:extLst>
-  </p:cSld>
-  <p:clrMapOvr>
-    <a:masterClrMapping/>
-  </p:clrMapOvr>
-</p:sldLayout>
-</file>
-
-<file path=ppt/slideLayouts/slideLayout20.xml><?xml version="1.0" encoding="utf-8"?>
+<file path=ppt/slideLayouts/slideLayout9.xml><?xml version="1.0" encoding="utf-8"?>
 <p:sldLayout xmlns:a="http://schemas.openxmlformats.org/drawingml/2006/main" xmlns:r="http://schemas.openxmlformats.org/officeDocument/2006/relationships" xmlns:p="http://schemas.openxmlformats.org/presentationml/2006/main" type="picTx" preserve="1">
   <p:cSld name="Picture with Caption">
     <p:spTree>
@@ -4428,7 +4095,7 @@
                 </a:spcAft>
                 <a:defRPr/>
               </a:pPr>
-              <a:t>13 January 2016</a:t>
+              <a:t>9 January 2017</a:t>
             </a:fld>
             <a:endParaRPr lang="en-US" sz="1800">
               <a:solidFill>
@@ -4451,3211 +4118,7 @@
 </p:sldLayout>
 </file>
 
-<file path=ppt/slideLayouts/slideLayout21.xml><?xml version="1.0" encoding="utf-8"?>
-<p:sldLayout xmlns:a="http://schemas.openxmlformats.org/drawingml/2006/main" xmlns:r="http://schemas.openxmlformats.org/officeDocument/2006/relationships" xmlns:p="http://schemas.openxmlformats.org/presentationml/2006/main" type="vertTx" preserve="1">
-  <p:cSld name="Title and Vertical Text">
-    <p:spTree>
-      <p:nvGrpSpPr>
-        <p:cNvPr id="1" name=""/>
-        <p:cNvGrpSpPr/>
-        <p:nvPr/>
-      </p:nvGrpSpPr>
-      <p:grpSpPr>
-        <a:xfrm>
-          <a:off x="0" y="0"/>
-          <a:ext cx="0" cy="0"/>
-          <a:chOff x="0" y="0"/>
-          <a:chExt cx="0" cy="0"/>
-        </a:xfrm>
-      </p:grpSpPr>
-      <p:sp>
-        <p:nvSpPr>
-          <p:cNvPr id="2" name="Title 1"/>
-          <p:cNvSpPr>
-            <a:spLocks noGrp="1"/>
-          </p:cNvSpPr>
-          <p:nvPr>
-            <p:ph type="title"/>
-          </p:nvPr>
-        </p:nvSpPr>
-        <p:spPr/>
-        <p:txBody>
-          <a:bodyPr/>
-          <a:lstStyle/>
-          <a:p>
-            <a:r>
-              <a:rPr lang="en-US" smtClean="0"/>
-              <a:t>Click to edit Master title style</a:t>
-            </a:r>
-            <a:endParaRPr lang="en-US"/>
-          </a:p>
-        </p:txBody>
-      </p:sp>
-      <p:sp>
-        <p:nvSpPr>
-          <p:cNvPr id="3" name="Vertical Text Placeholder 2"/>
-          <p:cNvSpPr>
-            <a:spLocks noGrp="1"/>
-          </p:cNvSpPr>
-          <p:nvPr>
-            <p:ph type="body" orient="vert" idx="1"/>
-          </p:nvPr>
-        </p:nvSpPr>
-        <p:spPr/>
-        <p:txBody>
-          <a:bodyPr vert="eaVert"/>
-          <a:lstStyle/>
-          <a:p>
-            <a:pPr lvl="0"/>
-            <a:r>
-              <a:rPr lang="en-US" smtClean="0"/>
-              <a:t>Click to edit Master text styles</a:t>
-            </a:r>
-          </a:p>
-          <a:p>
-            <a:pPr lvl="1"/>
-            <a:r>
-              <a:rPr lang="en-US" smtClean="0"/>
-              <a:t>Second level</a:t>
-            </a:r>
-          </a:p>
-          <a:p>
-            <a:pPr lvl="2"/>
-            <a:r>
-              <a:rPr lang="en-US" smtClean="0"/>
-              <a:t>Third level</a:t>
-            </a:r>
-          </a:p>
-          <a:p>
-            <a:pPr lvl="3"/>
-            <a:r>
-              <a:rPr lang="en-US" smtClean="0"/>
-              <a:t>Fourth level</a:t>
-            </a:r>
-          </a:p>
-          <a:p>
-            <a:pPr lvl="4"/>
-            <a:r>
-              <a:rPr lang="en-US" smtClean="0"/>
-              <a:t>Fifth level</a:t>
-            </a:r>
-            <a:endParaRPr lang="en-US"/>
-          </a:p>
-        </p:txBody>
-      </p:sp>
-      <p:sp>
-        <p:nvSpPr>
-          <p:cNvPr id="4" name="Rectangle 44"/>
-          <p:cNvSpPr>
-            <a:spLocks noGrp="1" noChangeArrowheads="1"/>
-          </p:cNvSpPr>
-          <p:nvPr>
-            <p:ph type="sldNum" sz="quarter" idx="10"/>
-          </p:nvPr>
-        </p:nvSpPr>
-        <p:spPr>
-          <a:ln/>
-        </p:spPr>
-        <p:txBody>
-          <a:bodyPr/>
-          <a:lstStyle>
-            <a:lvl1pPr>
-              <a:defRPr/>
-            </a:lvl1pPr>
-          </a:lstStyle>
-          <a:p>
-            <a:pPr>
-              <a:defRPr/>
-            </a:pPr>
-            <a:endParaRPr lang="en-US">
-              <a:solidFill>
-                <a:srgbClr val="000000"/>
-              </a:solidFill>
-            </a:endParaRPr>
-          </a:p>
-          <a:p>
-            <a:pPr>
-              <a:defRPr/>
-            </a:pPr>
-            <a:fld id="{C567F1F5-194A-4EF4-8702-89EFF55C2EA8}" type="slidenum">
-              <a:rPr lang="en-US">
-                <a:solidFill>
-                  <a:srgbClr val="000000"/>
-                </a:solidFill>
-              </a:rPr>
-              <a:pPr>
-                <a:defRPr/>
-              </a:pPr>
-              <a:t>‹#›</a:t>
-            </a:fld>
-            <a:endParaRPr lang="en-US">
-              <a:solidFill>
-                <a:srgbClr val="000000"/>
-              </a:solidFill>
-            </a:endParaRPr>
-          </a:p>
-        </p:txBody>
-      </p:sp>
-      <p:sp>
-        <p:nvSpPr>
-          <p:cNvPr id="5" name="Rectangle 45"/>
-          <p:cNvSpPr>
-            <a:spLocks noGrp="1" noChangeArrowheads="1"/>
-          </p:cNvSpPr>
-          <p:nvPr>
-            <p:ph type="dt" sz="half" idx="11"/>
-          </p:nvPr>
-        </p:nvSpPr>
-        <p:spPr>
-          <a:xfrm>
-            <a:off x="95250" y="6267450"/>
-            <a:ext cx="2133600" cy="476250"/>
-          </a:xfrm>
-          <a:prstGeom prst="rect">
-            <a:avLst/>
-          </a:prstGeom>
-          <a:ln/>
-        </p:spPr>
-        <p:txBody>
-          <a:bodyPr/>
-          <a:lstStyle>
-            <a:lvl1pPr>
-              <a:defRPr/>
-            </a:lvl1pPr>
-          </a:lstStyle>
-          <a:p>
-            <a:pPr fontAlgn="auto">
-              <a:spcBef>
-                <a:spcPts val="0"/>
-              </a:spcBef>
-              <a:spcAft>
-                <a:spcPts val="0"/>
-              </a:spcAft>
-              <a:defRPr/>
-            </a:pPr>
-            <a:endParaRPr lang="en-US" sz="1800">
-              <a:solidFill>
-                <a:srgbClr val="000000"/>
-              </a:solidFill>
-            </a:endParaRPr>
-          </a:p>
-          <a:p>
-            <a:pPr fontAlgn="auto">
-              <a:spcBef>
-                <a:spcPts val="0"/>
-              </a:spcBef>
-              <a:spcAft>
-                <a:spcPts val="0"/>
-              </a:spcAft>
-              <a:defRPr/>
-            </a:pPr>
-            <a:fld id="{144E03DF-8FF9-4CC1-81A9-7D65C03EA82B}" type="datetime3">
-              <a:rPr lang="en-US" sz="1800">
-                <a:solidFill>
-                  <a:srgbClr val="000000"/>
-                </a:solidFill>
-              </a:rPr>
-              <a:pPr fontAlgn="auto">
-                <a:spcBef>
-                  <a:spcPts val="0"/>
-                </a:spcBef>
-                <a:spcAft>
-                  <a:spcPts val="0"/>
-                </a:spcAft>
-                <a:defRPr/>
-              </a:pPr>
-              <a:t>13 January 2016</a:t>
-            </a:fld>
-            <a:endParaRPr lang="en-US" sz="1800">
-              <a:solidFill>
-                <a:srgbClr val="000000"/>
-              </a:solidFill>
-            </a:endParaRPr>
-          </a:p>
-        </p:txBody>
-      </p:sp>
-    </p:spTree>
-    <p:extLst>
-      <p:ext uri="{BB962C8B-B14F-4D97-AF65-F5344CB8AC3E}">
-        <p14:creationId xmlns:p14="http://schemas.microsoft.com/office/powerpoint/2010/main" val="1805733814"/>
-      </p:ext>
-    </p:extLst>
-  </p:cSld>
-  <p:clrMapOvr>
-    <a:masterClrMapping/>
-  </p:clrMapOvr>
-</p:sldLayout>
-</file>
-
-<file path=ppt/slideLayouts/slideLayout22.xml><?xml version="1.0" encoding="utf-8"?>
-<p:sldLayout xmlns:a="http://schemas.openxmlformats.org/drawingml/2006/main" xmlns:r="http://schemas.openxmlformats.org/officeDocument/2006/relationships" xmlns:p="http://schemas.openxmlformats.org/presentationml/2006/main" type="vertTitleAndTx" preserve="1">
-  <p:cSld name="Vertical Title and Text">
-    <p:spTree>
-      <p:nvGrpSpPr>
-        <p:cNvPr id="1" name=""/>
-        <p:cNvGrpSpPr/>
-        <p:nvPr/>
-      </p:nvGrpSpPr>
-      <p:grpSpPr>
-        <a:xfrm>
-          <a:off x="0" y="0"/>
-          <a:ext cx="0" cy="0"/>
-          <a:chOff x="0" y="0"/>
-          <a:chExt cx="0" cy="0"/>
-        </a:xfrm>
-      </p:grpSpPr>
-      <p:sp>
-        <p:nvSpPr>
-          <p:cNvPr id="2" name="Vertical Title 1"/>
-          <p:cNvSpPr>
-            <a:spLocks noGrp="1"/>
-          </p:cNvSpPr>
-          <p:nvPr>
-            <p:ph type="title" orient="vert"/>
-          </p:nvPr>
-        </p:nvSpPr>
-        <p:spPr>
-          <a:xfrm>
-            <a:off x="6899275" y="76200"/>
-            <a:ext cx="2032000" cy="5784850"/>
-          </a:xfrm>
-        </p:spPr>
-        <p:txBody>
-          <a:bodyPr vert="eaVert"/>
-          <a:lstStyle/>
-          <a:p>
-            <a:r>
-              <a:rPr lang="en-US" smtClean="0"/>
-              <a:t>Click to edit Master title style</a:t>
-            </a:r>
-            <a:endParaRPr lang="en-US"/>
-          </a:p>
-        </p:txBody>
-      </p:sp>
-      <p:sp>
-        <p:nvSpPr>
-          <p:cNvPr id="3" name="Vertical Text Placeholder 2"/>
-          <p:cNvSpPr>
-            <a:spLocks noGrp="1"/>
-          </p:cNvSpPr>
-          <p:nvPr>
-            <p:ph type="body" orient="vert" idx="1"/>
-          </p:nvPr>
-        </p:nvSpPr>
-        <p:spPr>
-          <a:xfrm>
-            <a:off x="800100" y="76200"/>
-            <a:ext cx="5946775" cy="5784850"/>
-          </a:xfrm>
-        </p:spPr>
-        <p:txBody>
-          <a:bodyPr vert="eaVert"/>
-          <a:lstStyle/>
-          <a:p>
-            <a:pPr lvl="0"/>
-            <a:r>
-              <a:rPr lang="en-US" smtClean="0"/>
-              <a:t>Click to edit Master text styles</a:t>
-            </a:r>
-          </a:p>
-          <a:p>
-            <a:pPr lvl="1"/>
-            <a:r>
-              <a:rPr lang="en-US" smtClean="0"/>
-              <a:t>Second level</a:t>
-            </a:r>
-          </a:p>
-          <a:p>
-            <a:pPr lvl="2"/>
-            <a:r>
-              <a:rPr lang="en-US" smtClean="0"/>
-              <a:t>Third level</a:t>
-            </a:r>
-          </a:p>
-          <a:p>
-            <a:pPr lvl="3"/>
-            <a:r>
-              <a:rPr lang="en-US" smtClean="0"/>
-              <a:t>Fourth level</a:t>
-            </a:r>
-          </a:p>
-          <a:p>
-            <a:pPr lvl="4"/>
-            <a:r>
-              <a:rPr lang="en-US" smtClean="0"/>
-              <a:t>Fifth level</a:t>
-            </a:r>
-            <a:endParaRPr lang="en-US"/>
-          </a:p>
-        </p:txBody>
-      </p:sp>
-      <p:sp>
-        <p:nvSpPr>
-          <p:cNvPr id="4" name="Rectangle 44"/>
-          <p:cNvSpPr>
-            <a:spLocks noGrp="1" noChangeArrowheads="1"/>
-          </p:cNvSpPr>
-          <p:nvPr>
-            <p:ph type="sldNum" sz="quarter" idx="10"/>
-          </p:nvPr>
-        </p:nvSpPr>
-        <p:spPr>
-          <a:ln/>
-        </p:spPr>
-        <p:txBody>
-          <a:bodyPr/>
-          <a:lstStyle>
-            <a:lvl1pPr>
-              <a:defRPr/>
-            </a:lvl1pPr>
-          </a:lstStyle>
-          <a:p>
-            <a:pPr>
-              <a:defRPr/>
-            </a:pPr>
-            <a:endParaRPr lang="en-US">
-              <a:solidFill>
-                <a:srgbClr val="000000"/>
-              </a:solidFill>
-            </a:endParaRPr>
-          </a:p>
-          <a:p>
-            <a:pPr>
-              <a:defRPr/>
-            </a:pPr>
-            <a:fld id="{51B54694-5A4F-4DDE-A246-90E7B842FB9E}" type="slidenum">
-              <a:rPr lang="en-US">
-                <a:solidFill>
-                  <a:srgbClr val="000000"/>
-                </a:solidFill>
-              </a:rPr>
-              <a:pPr>
-                <a:defRPr/>
-              </a:pPr>
-              <a:t>‹#›</a:t>
-            </a:fld>
-            <a:endParaRPr lang="en-US">
-              <a:solidFill>
-                <a:srgbClr val="000000"/>
-              </a:solidFill>
-            </a:endParaRPr>
-          </a:p>
-        </p:txBody>
-      </p:sp>
-      <p:sp>
-        <p:nvSpPr>
-          <p:cNvPr id="5" name="Rectangle 45"/>
-          <p:cNvSpPr>
-            <a:spLocks noGrp="1" noChangeArrowheads="1"/>
-          </p:cNvSpPr>
-          <p:nvPr>
-            <p:ph type="dt" sz="half" idx="11"/>
-          </p:nvPr>
-        </p:nvSpPr>
-        <p:spPr>
-          <a:xfrm>
-            <a:off x="95250" y="6267450"/>
-            <a:ext cx="2133600" cy="476250"/>
-          </a:xfrm>
-          <a:prstGeom prst="rect">
-            <a:avLst/>
-          </a:prstGeom>
-          <a:ln/>
-        </p:spPr>
-        <p:txBody>
-          <a:bodyPr/>
-          <a:lstStyle>
-            <a:lvl1pPr>
-              <a:defRPr/>
-            </a:lvl1pPr>
-          </a:lstStyle>
-          <a:p>
-            <a:pPr fontAlgn="auto">
-              <a:spcBef>
-                <a:spcPts val="0"/>
-              </a:spcBef>
-              <a:spcAft>
-                <a:spcPts val="0"/>
-              </a:spcAft>
-              <a:defRPr/>
-            </a:pPr>
-            <a:endParaRPr lang="en-US" sz="1800">
-              <a:solidFill>
-                <a:srgbClr val="000000"/>
-              </a:solidFill>
-            </a:endParaRPr>
-          </a:p>
-          <a:p>
-            <a:pPr fontAlgn="auto">
-              <a:spcBef>
-                <a:spcPts val="0"/>
-              </a:spcBef>
-              <a:spcAft>
-                <a:spcPts val="0"/>
-              </a:spcAft>
-              <a:defRPr/>
-            </a:pPr>
-            <a:fld id="{60DCB877-6D3E-4BCA-8EC7-D4670F81984A}" type="datetime3">
-              <a:rPr lang="en-US" sz="1800">
-                <a:solidFill>
-                  <a:srgbClr val="000000"/>
-                </a:solidFill>
-              </a:rPr>
-              <a:pPr fontAlgn="auto">
-                <a:spcBef>
-                  <a:spcPts val="0"/>
-                </a:spcBef>
-                <a:spcAft>
-                  <a:spcPts val="0"/>
-                </a:spcAft>
-                <a:defRPr/>
-              </a:pPr>
-              <a:t>13 January 2016</a:t>
-            </a:fld>
-            <a:endParaRPr lang="en-US" sz="1800">
-              <a:solidFill>
-                <a:srgbClr val="000000"/>
-              </a:solidFill>
-            </a:endParaRPr>
-          </a:p>
-        </p:txBody>
-      </p:sp>
-    </p:spTree>
-    <p:extLst>
-      <p:ext uri="{BB962C8B-B14F-4D97-AF65-F5344CB8AC3E}">
-        <p14:creationId xmlns:p14="http://schemas.microsoft.com/office/powerpoint/2010/main" val="2182098196"/>
-      </p:ext>
-    </p:extLst>
-  </p:cSld>
-  <p:clrMapOvr>
-    <a:masterClrMapping/>
-  </p:clrMapOvr>
-</p:sldLayout>
-</file>
-
-<file path=ppt/slideLayouts/slideLayout23.xml><?xml version="1.0" encoding="utf-8"?>
-<p:sldLayout xmlns:a="http://schemas.openxmlformats.org/drawingml/2006/main" xmlns:r="http://schemas.openxmlformats.org/officeDocument/2006/relationships" xmlns:p="http://schemas.openxmlformats.org/presentationml/2006/main" type="tbl" preserve="1">
-  <p:cSld name="Title and Table">
-    <p:spTree>
-      <p:nvGrpSpPr>
-        <p:cNvPr id="1" name=""/>
-        <p:cNvGrpSpPr/>
-        <p:nvPr/>
-      </p:nvGrpSpPr>
-      <p:grpSpPr>
-        <a:xfrm>
-          <a:off x="0" y="0"/>
-          <a:ext cx="0" cy="0"/>
-          <a:chOff x="0" y="0"/>
-          <a:chExt cx="0" cy="0"/>
-        </a:xfrm>
-      </p:grpSpPr>
-      <p:sp>
-        <p:nvSpPr>
-          <p:cNvPr id="2" name="Title 1"/>
-          <p:cNvSpPr>
-            <a:spLocks noGrp="1"/>
-          </p:cNvSpPr>
-          <p:nvPr>
-            <p:ph type="title"/>
-          </p:nvPr>
-        </p:nvSpPr>
-        <p:spPr>
-          <a:xfrm>
-            <a:off x="1911350" y="76200"/>
-            <a:ext cx="6781800" cy="1143000"/>
-          </a:xfrm>
-        </p:spPr>
-        <p:txBody>
-          <a:bodyPr/>
-          <a:lstStyle/>
-          <a:p>
-            <a:r>
-              <a:rPr lang="en-US" smtClean="0"/>
-              <a:t>Click to edit Master title style</a:t>
-            </a:r>
-            <a:endParaRPr lang="en-US"/>
-          </a:p>
-        </p:txBody>
-      </p:sp>
-      <p:sp>
-        <p:nvSpPr>
-          <p:cNvPr id="3" name="Table Placeholder 2"/>
-          <p:cNvSpPr>
-            <a:spLocks noGrp="1"/>
-          </p:cNvSpPr>
-          <p:nvPr>
-            <p:ph type="tbl" idx="1"/>
-          </p:nvPr>
-        </p:nvSpPr>
-        <p:spPr>
-          <a:xfrm>
-            <a:off x="800100" y="1536700"/>
-            <a:ext cx="8131175" cy="4324350"/>
-          </a:xfrm>
-        </p:spPr>
-        <p:txBody>
-          <a:bodyPr/>
-          <a:lstStyle/>
-          <a:p>
-            <a:pPr lvl="0"/>
-            <a:endParaRPr lang="en-US" noProof="0" smtClean="0"/>
-          </a:p>
-        </p:txBody>
-      </p:sp>
-      <p:sp>
-        <p:nvSpPr>
-          <p:cNvPr id="4" name="Rectangle 44"/>
-          <p:cNvSpPr>
-            <a:spLocks noGrp="1" noChangeArrowheads="1"/>
-          </p:cNvSpPr>
-          <p:nvPr>
-            <p:ph type="sldNum" sz="quarter" idx="10"/>
-          </p:nvPr>
-        </p:nvSpPr>
-        <p:spPr>
-          <a:ln/>
-        </p:spPr>
-        <p:txBody>
-          <a:bodyPr/>
-          <a:lstStyle>
-            <a:lvl1pPr>
-              <a:defRPr/>
-            </a:lvl1pPr>
-          </a:lstStyle>
-          <a:p>
-            <a:pPr>
-              <a:defRPr/>
-            </a:pPr>
-            <a:endParaRPr lang="en-US">
-              <a:solidFill>
-                <a:srgbClr val="000000"/>
-              </a:solidFill>
-            </a:endParaRPr>
-          </a:p>
-          <a:p>
-            <a:pPr>
-              <a:defRPr/>
-            </a:pPr>
-            <a:fld id="{C4A63687-7E6C-4DE0-9BEB-8789448141D7}" type="slidenum">
-              <a:rPr lang="en-US">
-                <a:solidFill>
-                  <a:srgbClr val="000000"/>
-                </a:solidFill>
-              </a:rPr>
-              <a:pPr>
-                <a:defRPr/>
-              </a:pPr>
-              <a:t>‹#›</a:t>
-            </a:fld>
-            <a:endParaRPr lang="en-US">
-              <a:solidFill>
-                <a:srgbClr val="000000"/>
-              </a:solidFill>
-            </a:endParaRPr>
-          </a:p>
-        </p:txBody>
-      </p:sp>
-      <p:sp>
-        <p:nvSpPr>
-          <p:cNvPr id="5" name="Rectangle 45"/>
-          <p:cNvSpPr>
-            <a:spLocks noGrp="1" noChangeArrowheads="1"/>
-          </p:cNvSpPr>
-          <p:nvPr>
-            <p:ph type="dt" sz="half" idx="11"/>
-          </p:nvPr>
-        </p:nvSpPr>
-        <p:spPr>
-          <a:xfrm>
-            <a:off x="95250" y="6267450"/>
-            <a:ext cx="2133600" cy="476250"/>
-          </a:xfrm>
-          <a:prstGeom prst="rect">
-            <a:avLst/>
-          </a:prstGeom>
-          <a:ln/>
-        </p:spPr>
-        <p:txBody>
-          <a:bodyPr/>
-          <a:lstStyle>
-            <a:lvl1pPr>
-              <a:defRPr/>
-            </a:lvl1pPr>
-          </a:lstStyle>
-          <a:p>
-            <a:pPr fontAlgn="auto">
-              <a:spcBef>
-                <a:spcPts val="0"/>
-              </a:spcBef>
-              <a:spcAft>
-                <a:spcPts val="0"/>
-              </a:spcAft>
-              <a:defRPr/>
-            </a:pPr>
-            <a:endParaRPr lang="en-US" sz="1800">
-              <a:solidFill>
-                <a:srgbClr val="000000"/>
-              </a:solidFill>
-            </a:endParaRPr>
-          </a:p>
-          <a:p>
-            <a:pPr fontAlgn="auto">
-              <a:spcBef>
-                <a:spcPts val="0"/>
-              </a:spcBef>
-              <a:spcAft>
-                <a:spcPts val="0"/>
-              </a:spcAft>
-              <a:defRPr/>
-            </a:pPr>
-            <a:fld id="{E43D8F38-5EEC-4D31-B27F-2563D8A07911}" type="datetime3">
-              <a:rPr lang="en-US" sz="1800">
-                <a:solidFill>
-                  <a:srgbClr val="000000"/>
-                </a:solidFill>
-              </a:rPr>
-              <a:pPr fontAlgn="auto">
-                <a:spcBef>
-                  <a:spcPts val="0"/>
-                </a:spcBef>
-                <a:spcAft>
-                  <a:spcPts val="0"/>
-                </a:spcAft>
-                <a:defRPr/>
-              </a:pPr>
-              <a:t>13 January 2016</a:t>
-            </a:fld>
-            <a:endParaRPr lang="en-US" sz="1800">
-              <a:solidFill>
-                <a:srgbClr val="000000"/>
-              </a:solidFill>
-            </a:endParaRPr>
-          </a:p>
-        </p:txBody>
-      </p:sp>
-    </p:spTree>
-    <p:extLst>
-      <p:ext uri="{BB962C8B-B14F-4D97-AF65-F5344CB8AC3E}">
-        <p14:creationId xmlns:p14="http://schemas.microsoft.com/office/powerpoint/2010/main" val="2267678391"/>
-      </p:ext>
-    </p:extLst>
-  </p:cSld>
-  <p:clrMapOvr>
-    <a:masterClrMapping/>
-  </p:clrMapOvr>
-</p:sldLayout>
-</file>
-
-<file path=ppt/slideLayouts/slideLayout3.xml><?xml version="1.0" encoding="utf-8"?>
-<p:sldLayout xmlns:a="http://schemas.openxmlformats.org/drawingml/2006/main" xmlns:r="http://schemas.openxmlformats.org/officeDocument/2006/relationships" xmlns:p="http://schemas.openxmlformats.org/presentationml/2006/main" type="secHead" preserve="1">
-  <p:cSld name="Section Header">
-    <p:spTree>
-      <p:nvGrpSpPr>
-        <p:cNvPr id="1" name=""/>
-        <p:cNvGrpSpPr/>
-        <p:nvPr/>
-      </p:nvGrpSpPr>
-      <p:grpSpPr>
-        <a:xfrm>
-          <a:off x="0" y="0"/>
-          <a:ext cx="0" cy="0"/>
-          <a:chOff x="0" y="0"/>
-          <a:chExt cx="0" cy="0"/>
-        </a:xfrm>
-      </p:grpSpPr>
-      <p:sp>
-        <p:nvSpPr>
-          <p:cNvPr id="2" name="Title 1"/>
-          <p:cNvSpPr>
-            <a:spLocks noGrp="1"/>
-          </p:cNvSpPr>
-          <p:nvPr>
-            <p:ph type="title"/>
-          </p:nvPr>
-        </p:nvSpPr>
-        <p:spPr>
-          <a:xfrm>
-            <a:off x="722313" y="4406900"/>
-            <a:ext cx="7772400" cy="1362075"/>
-          </a:xfrm>
-        </p:spPr>
-        <p:txBody>
-          <a:bodyPr anchor="t"/>
-          <a:lstStyle>
-            <a:lvl1pPr algn="l">
-              <a:defRPr sz="4000" b="1" cap="all"/>
-            </a:lvl1pPr>
-          </a:lstStyle>
-          <a:p>
-            <a:r>
-              <a:rPr lang="en-US" smtClean="0"/>
-              <a:t>Click to edit Master title style</a:t>
-            </a:r>
-            <a:endParaRPr lang="en-US"/>
-          </a:p>
-        </p:txBody>
-      </p:sp>
-      <p:sp>
-        <p:nvSpPr>
-          <p:cNvPr id="3" name="Text Placeholder 2"/>
-          <p:cNvSpPr>
-            <a:spLocks noGrp="1"/>
-          </p:cNvSpPr>
-          <p:nvPr>
-            <p:ph type="body" idx="1"/>
-          </p:nvPr>
-        </p:nvSpPr>
-        <p:spPr>
-          <a:xfrm>
-            <a:off x="722313" y="2906713"/>
-            <a:ext cx="7772400" cy="1500187"/>
-          </a:xfrm>
-        </p:spPr>
-        <p:txBody>
-          <a:bodyPr anchor="b"/>
-          <a:lstStyle>
-            <a:lvl1pPr marL="0" indent="0">
-              <a:buNone/>
-              <a:defRPr sz="2000">
-                <a:solidFill>
-                  <a:schemeClr val="tx1">
-                    <a:tint val="75000"/>
-                  </a:schemeClr>
-                </a:solidFill>
-              </a:defRPr>
-            </a:lvl1pPr>
-            <a:lvl2pPr marL="457200" indent="0">
-              <a:buNone/>
-              <a:defRPr sz="1800">
-                <a:solidFill>
-                  <a:schemeClr val="tx1">
-                    <a:tint val="75000"/>
-                  </a:schemeClr>
-                </a:solidFill>
-              </a:defRPr>
-            </a:lvl2pPr>
-            <a:lvl3pPr marL="914400" indent="0">
-              <a:buNone/>
-              <a:defRPr sz="1600">
-                <a:solidFill>
-                  <a:schemeClr val="tx1">
-                    <a:tint val="75000"/>
-                  </a:schemeClr>
-                </a:solidFill>
-              </a:defRPr>
-            </a:lvl3pPr>
-            <a:lvl4pPr marL="1371600" indent="0">
-              <a:buNone/>
-              <a:defRPr sz="1400">
-                <a:solidFill>
-                  <a:schemeClr val="tx1">
-                    <a:tint val="75000"/>
-                  </a:schemeClr>
-                </a:solidFill>
-              </a:defRPr>
-            </a:lvl4pPr>
-            <a:lvl5pPr marL="1828800" indent="0">
-              <a:buNone/>
-              <a:defRPr sz="1400">
-                <a:solidFill>
-                  <a:schemeClr val="tx1">
-                    <a:tint val="75000"/>
-                  </a:schemeClr>
-                </a:solidFill>
-              </a:defRPr>
-            </a:lvl5pPr>
-            <a:lvl6pPr marL="2286000" indent="0">
-              <a:buNone/>
-              <a:defRPr sz="1400">
-                <a:solidFill>
-                  <a:schemeClr val="tx1">
-                    <a:tint val="75000"/>
-                  </a:schemeClr>
-                </a:solidFill>
-              </a:defRPr>
-            </a:lvl6pPr>
-            <a:lvl7pPr marL="2743200" indent="0">
-              <a:buNone/>
-              <a:defRPr sz="1400">
-                <a:solidFill>
-                  <a:schemeClr val="tx1">
-                    <a:tint val="75000"/>
-                  </a:schemeClr>
-                </a:solidFill>
-              </a:defRPr>
-            </a:lvl7pPr>
-            <a:lvl8pPr marL="3200400" indent="0">
-              <a:buNone/>
-              <a:defRPr sz="1400">
-                <a:solidFill>
-                  <a:schemeClr val="tx1">
-                    <a:tint val="75000"/>
-                  </a:schemeClr>
-                </a:solidFill>
-              </a:defRPr>
-            </a:lvl8pPr>
-            <a:lvl9pPr marL="3657600" indent="0">
-              <a:buNone/>
-              <a:defRPr sz="1400">
-                <a:solidFill>
-                  <a:schemeClr val="tx1">
-                    <a:tint val="75000"/>
-                  </a:schemeClr>
-                </a:solidFill>
-              </a:defRPr>
-            </a:lvl9pPr>
-          </a:lstStyle>
-          <a:p>
-            <a:pPr lvl="0"/>
-            <a:r>
-              <a:rPr lang="en-US" smtClean="0"/>
-              <a:t>Click to edit Master text styles</a:t>
-            </a:r>
-          </a:p>
-        </p:txBody>
-      </p:sp>
-      <p:sp>
-        <p:nvSpPr>
-          <p:cNvPr id="4" name="Date Placeholder 3"/>
-          <p:cNvSpPr>
-            <a:spLocks noGrp="1"/>
-          </p:cNvSpPr>
-          <p:nvPr>
-            <p:ph type="dt" sz="half" idx="10"/>
-          </p:nvPr>
-        </p:nvSpPr>
-        <p:spPr/>
-        <p:txBody>
-          <a:bodyPr/>
-          <a:lstStyle/>
-          <a:p>
-            <a:fld id="{F3BB1F19-4BA3-4ED5-9FA4-8D8D35FFE7BA}" type="datetimeFigureOut">
-              <a:rPr lang="en-US" smtClean="0">
-                <a:solidFill>
-                  <a:prstClr val="black">
-                    <a:tint val="75000"/>
-                  </a:prstClr>
-                </a:solidFill>
-              </a:rPr>
-              <a:pPr/>
-              <a:t>1/13/2016</a:t>
-            </a:fld>
-            <a:endParaRPr lang="en-US">
-              <a:solidFill>
-                <a:prstClr val="black">
-                  <a:tint val="75000"/>
-                </a:prstClr>
-              </a:solidFill>
-            </a:endParaRPr>
-          </a:p>
-        </p:txBody>
-      </p:sp>
-      <p:sp>
-        <p:nvSpPr>
-          <p:cNvPr id="5" name="Footer Placeholder 4"/>
-          <p:cNvSpPr>
-            <a:spLocks noGrp="1"/>
-          </p:cNvSpPr>
-          <p:nvPr>
-            <p:ph type="ftr" sz="quarter" idx="11"/>
-          </p:nvPr>
-        </p:nvSpPr>
-        <p:spPr/>
-        <p:txBody>
-          <a:bodyPr/>
-          <a:lstStyle/>
-          <a:p>
-            <a:endParaRPr lang="en-US">
-              <a:solidFill>
-                <a:prstClr val="black">
-                  <a:tint val="75000"/>
-                </a:prstClr>
-              </a:solidFill>
-            </a:endParaRPr>
-          </a:p>
-        </p:txBody>
-      </p:sp>
-      <p:sp>
-        <p:nvSpPr>
-          <p:cNvPr id="6" name="Slide Number Placeholder 5"/>
-          <p:cNvSpPr>
-            <a:spLocks noGrp="1"/>
-          </p:cNvSpPr>
-          <p:nvPr>
-            <p:ph type="sldNum" sz="quarter" idx="12"/>
-          </p:nvPr>
-        </p:nvSpPr>
-        <p:spPr/>
-        <p:txBody>
-          <a:bodyPr/>
-          <a:lstStyle/>
-          <a:p>
-            <a:fld id="{4D8D7F36-4D84-4D9B-8FFC-A04433F045BE}" type="slidenum">
-              <a:rPr lang="en-US" smtClean="0">
-                <a:solidFill>
-                  <a:prstClr val="black">
-                    <a:tint val="75000"/>
-                  </a:prstClr>
-                </a:solidFill>
-              </a:rPr>
-              <a:pPr/>
-              <a:t>‹#›</a:t>
-            </a:fld>
-            <a:endParaRPr lang="en-US">
-              <a:solidFill>
-                <a:prstClr val="black">
-                  <a:tint val="75000"/>
-                </a:prstClr>
-              </a:solidFill>
-            </a:endParaRPr>
-          </a:p>
-        </p:txBody>
-      </p:sp>
-    </p:spTree>
-    <p:extLst>
-      <p:ext uri="{BB962C8B-B14F-4D97-AF65-F5344CB8AC3E}">
-        <p14:creationId xmlns:p14="http://schemas.microsoft.com/office/powerpoint/2010/main" val="3709158094"/>
-      </p:ext>
-    </p:extLst>
-  </p:cSld>
-  <p:clrMapOvr>
-    <a:masterClrMapping/>
-  </p:clrMapOvr>
-</p:sldLayout>
-</file>
-
-<file path=ppt/slideLayouts/slideLayout4.xml><?xml version="1.0" encoding="utf-8"?>
-<p:sldLayout xmlns:a="http://schemas.openxmlformats.org/drawingml/2006/main" xmlns:r="http://schemas.openxmlformats.org/officeDocument/2006/relationships" xmlns:p="http://schemas.openxmlformats.org/presentationml/2006/main" type="twoObj" preserve="1">
-  <p:cSld name="Two Content">
-    <p:spTree>
-      <p:nvGrpSpPr>
-        <p:cNvPr id="1" name=""/>
-        <p:cNvGrpSpPr/>
-        <p:nvPr/>
-      </p:nvGrpSpPr>
-      <p:grpSpPr>
-        <a:xfrm>
-          <a:off x="0" y="0"/>
-          <a:ext cx="0" cy="0"/>
-          <a:chOff x="0" y="0"/>
-          <a:chExt cx="0" cy="0"/>
-        </a:xfrm>
-      </p:grpSpPr>
-      <p:sp>
-        <p:nvSpPr>
-          <p:cNvPr id="2" name="Title 1"/>
-          <p:cNvSpPr>
-            <a:spLocks noGrp="1"/>
-          </p:cNvSpPr>
-          <p:nvPr>
-            <p:ph type="title"/>
-          </p:nvPr>
-        </p:nvSpPr>
-        <p:spPr/>
-        <p:txBody>
-          <a:bodyPr/>
-          <a:lstStyle/>
-          <a:p>
-            <a:r>
-              <a:rPr lang="en-US" smtClean="0"/>
-              <a:t>Click to edit Master title style</a:t>
-            </a:r>
-            <a:endParaRPr lang="en-US"/>
-          </a:p>
-        </p:txBody>
-      </p:sp>
-      <p:sp>
-        <p:nvSpPr>
-          <p:cNvPr id="3" name="Content Placeholder 2"/>
-          <p:cNvSpPr>
-            <a:spLocks noGrp="1"/>
-          </p:cNvSpPr>
-          <p:nvPr>
-            <p:ph sz="half" idx="1"/>
-          </p:nvPr>
-        </p:nvSpPr>
-        <p:spPr>
-          <a:xfrm>
-            <a:off x="457200" y="1600200"/>
-            <a:ext cx="4038600" cy="4525963"/>
-          </a:xfrm>
-        </p:spPr>
-        <p:txBody>
-          <a:bodyPr/>
-          <a:lstStyle>
-            <a:lvl1pPr>
-              <a:defRPr sz="2800"/>
-            </a:lvl1pPr>
-            <a:lvl2pPr>
-              <a:defRPr sz="2400"/>
-            </a:lvl2pPr>
-            <a:lvl3pPr>
-              <a:defRPr sz="2000"/>
-            </a:lvl3pPr>
-            <a:lvl4pPr>
-              <a:defRPr sz="1800"/>
-            </a:lvl4pPr>
-            <a:lvl5pPr>
-              <a:defRPr sz="1800"/>
-            </a:lvl5pPr>
-            <a:lvl6pPr>
-              <a:defRPr sz="1800"/>
-            </a:lvl6pPr>
-            <a:lvl7pPr>
-              <a:defRPr sz="1800"/>
-            </a:lvl7pPr>
-            <a:lvl8pPr>
-              <a:defRPr sz="1800"/>
-            </a:lvl8pPr>
-            <a:lvl9pPr>
-              <a:defRPr sz="1800"/>
-            </a:lvl9pPr>
-          </a:lstStyle>
-          <a:p>
-            <a:pPr lvl="0"/>
-            <a:r>
-              <a:rPr lang="en-US" smtClean="0"/>
-              <a:t>Click to edit Master text styles</a:t>
-            </a:r>
-          </a:p>
-          <a:p>
-            <a:pPr lvl="1"/>
-            <a:r>
-              <a:rPr lang="en-US" smtClean="0"/>
-              <a:t>Second level</a:t>
-            </a:r>
-          </a:p>
-          <a:p>
-            <a:pPr lvl="2"/>
-            <a:r>
-              <a:rPr lang="en-US" smtClean="0"/>
-              <a:t>Third level</a:t>
-            </a:r>
-          </a:p>
-          <a:p>
-            <a:pPr lvl="3"/>
-            <a:r>
-              <a:rPr lang="en-US" smtClean="0"/>
-              <a:t>Fourth level</a:t>
-            </a:r>
-          </a:p>
-          <a:p>
-            <a:pPr lvl="4"/>
-            <a:r>
-              <a:rPr lang="en-US" smtClean="0"/>
-              <a:t>Fifth level</a:t>
-            </a:r>
-            <a:endParaRPr lang="en-US"/>
-          </a:p>
-        </p:txBody>
-      </p:sp>
-      <p:sp>
-        <p:nvSpPr>
-          <p:cNvPr id="4" name="Content Placeholder 3"/>
-          <p:cNvSpPr>
-            <a:spLocks noGrp="1"/>
-          </p:cNvSpPr>
-          <p:nvPr>
-            <p:ph sz="half" idx="2"/>
-          </p:nvPr>
-        </p:nvSpPr>
-        <p:spPr>
-          <a:xfrm>
-            <a:off x="4648200" y="1600200"/>
-            <a:ext cx="4038600" cy="4525963"/>
-          </a:xfrm>
-        </p:spPr>
-        <p:txBody>
-          <a:bodyPr/>
-          <a:lstStyle>
-            <a:lvl1pPr>
-              <a:defRPr sz="2800"/>
-            </a:lvl1pPr>
-            <a:lvl2pPr>
-              <a:defRPr sz="2400"/>
-            </a:lvl2pPr>
-            <a:lvl3pPr>
-              <a:defRPr sz="2000"/>
-            </a:lvl3pPr>
-            <a:lvl4pPr>
-              <a:defRPr sz="1800"/>
-            </a:lvl4pPr>
-            <a:lvl5pPr>
-              <a:defRPr sz="1800"/>
-            </a:lvl5pPr>
-            <a:lvl6pPr>
-              <a:defRPr sz="1800"/>
-            </a:lvl6pPr>
-            <a:lvl7pPr>
-              <a:defRPr sz="1800"/>
-            </a:lvl7pPr>
-            <a:lvl8pPr>
-              <a:defRPr sz="1800"/>
-            </a:lvl8pPr>
-            <a:lvl9pPr>
-              <a:defRPr sz="1800"/>
-            </a:lvl9pPr>
-          </a:lstStyle>
-          <a:p>
-            <a:pPr lvl="0"/>
-            <a:r>
-              <a:rPr lang="en-US" smtClean="0"/>
-              <a:t>Click to edit Master text styles</a:t>
-            </a:r>
-          </a:p>
-          <a:p>
-            <a:pPr lvl="1"/>
-            <a:r>
-              <a:rPr lang="en-US" smtClean="0"/>
-              <a:t>Second level</a:t>
-            </a:r>
-          </a:p>
-          <a:p>
-            <a:pPr lvl="2"/>
-            <a:r>
-              <a:rPr lang="en-US" smtClean="0"/>
-              <a:t>Third level</a:t>
-            </a:r>
-          </a:p>
-          <a:p>
-            <a:pPr lvl="3"/>
-            <a:r>
-              <a:rPr lang="en-US" smtClean="0"/>
-              <a:t>Fourth level</a:t>
-            </a:r>
-          </a:p>
-          <a:p>
-            <a:pPr lvl="4"/>
-            <a:r>
-              <a:rPr lang="en-US" smtClean="0"/>
-              <a:t>Fifth level</a:t>
-            </a:r>
-            <a:endParaRPr lang="en-US"/>
-          </a:p>
-        </p:txBody>
-      </p:sp>
-      <p:sp>
-        <p:nvSpPr>
-          <p:cNvPr id="5" name="Date Placeholder 4"/>
-          <p:cNvSpPr>
-            <a:spLocks noGrp="1"/>
-          </p:cNvSpPr>
-          <p:nvPr>
-            <p:ph type="dt" sz="half" idx="10"/>
-          </p:nvPr>
-        </p:nvSpPr>
-        <p:spPr/>
-        <p:txBody>
-          <a:bodyPr/>
-          <a:lstStyle/>
-          <a:p>
-            <a:fld id="{F3BB1F19-4BA3-4ED5-9FA4-8D8D35FFE7BA}" type="datetimeFigureOut">
-              <a:rPr lang="en-US" smtClean="0">
-                <a:solidFill>
-                  <a:prstClr val="black">
-                    <a:tint val="75000"/>
-                  </a:prstClr>
-                </a:solidFill>
-              </a:rPr>
-              <a:pPr/>
-              <a:t>1/13/2016</a:t>
-            </a:fld>
-            <a:endParaRPr lang="en-US">
-              <a:solidFill>
-                <a:prstClr val="black">
-                  <a:tint val="75000"/>
-                </a:prstClr>
-              </a:solidFill>
-            </a:endParaRPr>
-          </a:p>
-        </p:txBody>
-      </p:sp>
-      <p:sp>
-        <p:nvSpPr>
-          <p:cNvPr id="6" name="Footer Placeholder 5"/>
-          <p:cNvSpPr>
-            <a:spLocks noGrp="1"/>
-          </p:cNvSpPr>
-          <p:nvPr>
-            <p:ph type="ftr" sz="quarter" idx="11"/>
-          </p:nvPr>
-        </p:nvSpPr>
-        <p:spPr/>
-        <p:txBody>
-          <a:bodyPr/>
-          <a:lstStyle/>
-          <a:p>
-            <a:endParaRPr lang="en-US">
-              <a:solidFill>
-                <a:prstClr val="black">
-                  <a:tint val="75000"/>
-                </a:prstClr>
-              </a:solidFill>
-            </a:endParaRPr>
-          </a:p>
-        </p:txBody>
-      </p:sp>
-      <p:sp>
-        <p:nvSpPr>
-          <p:cNvPr id="7" name="Slide Number Placeholder 6"/>
-          <p:cNvSpPr>
-            <a:spLocks noGrp="1"/>
-          </p:cNvSpPr>
-          <p:nvPr>
-            <p:ph type="sldNum" sz="quarter" idx="12"/>
-          </p:nvPr>
-        </p:nvSpPr>
-        <p:spPr/>
-        <p:txBody>
-          <a:bodyPr/>
-          <a:lstStyle/>
-          <a:p>
-            <a:fld id="{4D8D7F36-4D84-4D9B-8FFC-A04433F045BE}" type="slidenum">
-              <a:rPr lang="en-US" smtClean="0">
-                <a:solidFill>
-                  <a:prstClr val="black">
-                    <a:tint val="75000"/>
-                  </a:prstClr>
-                </a:solidFill>
-              </a:rPr>
-              <a:pPr/>
-              <a:t>‹#›</a:t>
-            </a:fld>
-            <a:endParaRPr lang="en-US">
-              <a:solidFill>
-                <a:prstClr val="black">
-                  <a:tint val="75000"/>
-                </a:prstClr>
-              </a:solidFill>
-            </a:endParaRPr>
-          </a:p>
-        </p:txBody>
-      </p:sp>
-    </p:spTree>
-    <p:extLst>
-      <p:ext uri="{BB962C8B-B14F-4D97-AF65-F5344CB8AC3E}">
-        <p14:creationId xmlns:p14="http://schemas.microsoft.com/office/powerpoint/2010/main" val="2454749768"/>
-      </p:ext>
-    </p:extLst>
-  </p:cSld>
-  <p:clrMapOvr>
-    <a:masterClrMapping/>
-  </p:clrMapOvr>
-</p:sldLayout>
-</file>
-
-<file path=ppt/slideLayouts/slideLayout5.xml><?xml version="1.0" encoding="utf-8"?>
-<p:sldLayout xmlns:a="http://schemas.openxmlformats.org/drawingml/2006/main" xmlns:r="http://schemas.openxmlformats.org/officeDocument/2006/relationships" xmlns:p="http://schemas.openxmlformats.org/presentationml/2006/main" type="twoTxTwoObj" preserve="1">
-  <p:cSld name="Comparison">
-    <p:spTree>
-      <p:nvGrpSpPr>
-        <p:cNvPr id="1" name=""/>
-        <p:cNvGrpSpPr/>
-        <p:nvPr/>
-      </p:nvGrpSpPr>
-      <p:grpSpPr>
-        <a:xfrm>
-          <a:off x="0" y="0"/>
-          <a:ext cx="0" cy="0"/>
-          <a:chOff x="0" y="0"/>
-          <a:chExt cx="0" cy="0"/>
-        </a:xfrm>
-      </p:grpSpPr>
-      <p:sp>
-        <p:nvSpPr>
-          <p:cNvPr id="2" name="Title 1"/>
-          <p:cNvSpPr>
-            <a:spLocks noGrp="1"/>
-          </p:cNvSpPr>
-          <p:nvPr>
-            <p:ph type="title"/>
-          </p:nvPr>
-        </p:nvSpPr>
-        <p:spPr/>
-        <p:txBody>
-          <a:bodyPr/>
-          <a:lstStyle>
-            <a:lvl1pPr>
-              <a:defRPr/>
-            </a:lvl1pPr>
-          </a:lstStyle>
-          <a:p>
-            <a:r>
-              <a:rPr lang="en-US" smtClean="0"/>
-              <a:t>Click to edit Master title style</a:t>
-            </a:r>
-            <a:endParaRPr lang="en-US"/>
-          </a:p>
-        </p:txBody>
-      </p:sp>
-      <p:sp>
-        <p:nvSpPr>
-          <p:cNvPr id="3" name="Text Placeholder 2"/>
-          <p:cNvSpPr>
-            <a:spLocks noGrp="1"/>
-          </p:cNvSpPr>
-          <p:nvPr>
-            <p:ph type="body" idx="1"/>
-          </p:nvPr>
-        </p:nvSpPr>
-        <p:spPr>
-          <a:xfrm>
-            <a:off x="457200" y="1535113"/>
-            <a:ext cx="4040188" cy="639762"/>
-          </a:xfrm>
-        </p:spPr>
-        <p:txBody>
-          <a:bodyPr anchor="b"/>
-          <a:lstStyle>
-            <a:lvl1pPr marL="0" indent="0">
-              <a:buNone/>
-              <a:defRPr sz="2400" b="1"/>
-            </a:lvl1pPr>
-            <a:lvl2pPr marL="457200" indent="0">
-              <a:buNone/>
-              <a:defRPr sz="2000" b="1"/>
-            </a:lvl2pPr>
-            <a:lvl3pPr marL="914400" indent="0">
-              <a:buNone/>
-              <a:defRPr sz="1800" b="1"/>
-            </a:lvl3pPr>
-            <a:lvl4pPr marL="1371600" indent="0">
-              <a:buNone/>
-              <a:defRPr sz="1600" b="1"/>
-            </a:lvl4pPr>
-            <a:lvl5pPr marL="1828800" indent="0">
-              <a:buNone/>
-              <a:defRPr sz="1600" b="1"/>
-            </a:lvl5pPr>
-            <a:lvl6pPr marL="2286000" indent="0">
-              <a:buNone/>
-              <a:defRPr sz="1600" b="1"/>
-            </a:lvl6pPr>
-            <a:lvl7pPr marL="2743200" indent="0">
-              <a:buNone/>
-              <a:defRPr sz="1600" b="1"/>
-            </a:lvl7pPr>
-            <a:lvl8pPr marL="3200400" indent="0">
-              <a:buNone/>
-              <a:defRPr sz="1600" b="1"/>
-            </a:lvl8pPr>
-            <a:lvl9pPr marL="3657600" indent="0">
-              <a:buNone/>
-              <a:defRPr sz="1600" b="1"/>
-            </a:lvl9pPr>
-          </a:lstStyle>
-          <a:p>
-            <a:pPr lvl="0"/>
-            <a:r>
-              <a:rPr lang="en-US" smtClean="0"/>
-              <a:t>Click to edit Master text styles</a:t>
-            </a:r>
-          </a:p>
-        </p:txBody>
-      </p:sp>
-      <p:sp>
-        <p:nvSpPr>
-          <p:cNvPr id="4" name="Content Placeholder 3"/>
-          <p:cNvSpPr>
-            <a:spLocks noGrp="1"/>
-          </p:cNvSpPr>
-          <p:nvPr>
-            <p:ph sz="half" idx="2"/>
-          </p:nvPr>
-        </p:nvSpPr>
-        <p:spPr>
-          <a:xfrm>
-            <a:off x="457200" y="2174875"/>
-            <a:ext cx="4040188" cy="3951288"/>
-          </a:xfrm>
-        </p:spPr>
-        <p:txBody>
-          <a:bodyPr/>
-          <a:lstStyle>
-            <a:lvl1pPr>
-              <a:defRPr sz="2400"/>
-            </a:lvl1pPr>
-            <a:lvl2pPr>
-              <a:defRPr sz="2000"/>
-            </a:lvl2pPr>
-            <a:lvl3pPr>
-              <a:defRPr sz="1800"/>
-            </a:lvl3pPr>
-            <a:lvl4pPr>
-              <a:defRPr sz="1600"/>
-            </a:lvl4pPr>
-            <a:lvl5pPr>
-              <a:defRPr sz="1600"/>
-            </a:lvl5pPr>
-            <a:lvl6pPr>
-              <a:defRPr sz="1600"/>
-            </a:lvl6pPr>
-            <a:lvl7pPr>
-              <a:defRPr sz="1600"/>
-            </a:lvl7pPr>
-            <a:lvl8pPr>
-              <a:defRPr sz="1600"/>
-            </a:lvl8pPr>
-            <a:lvl9pPr>
-              <a:defRPr sz="1600"/>
-            </a:lvl9pPr>
-          </a:lstStyle>
-          <a:p>
-            <a:pPr lvl="0"/>
-            <a:r>
-              <a:rPr lang="en-US" smtClean="0"/>
-              <a:t>Click to edit Master text styles</a:t>
-            </a:r>
-          </a:p>
-          <a:p>
-            <a:pPr lvl="1"/>
-            <a:r>
-              <a:rPr lang="en-US" smtClean="0"/>
-              <a:t>Second level</a:t>
-            </a:r>
-          </a:p>
-          <a:p>
-            <a:pPr lvl="2"/>
-            <a:r>
-              <a:rPr lang="en-US" smtClean="0"/>
-              <a:t>Third level</a:t>
-            </a:r>
-          </a:p>
-          <a:p>
-            <a:pPr lvl="3"/>
-            <a:r>
-              <a:rPr lang="en-US" smtClean="0"/>
-              <a:t>Fourth level</a:t>
-            </a:r>
-          </a:p>
-          <a:p>
-            <a:pPr lvl="4"/>
-            <a:r>
-              <a:rPr lang="en-US" smtClean="0"/>
-              <a:t>Fifth level</a:t>
-            </a:r>
-            <a:endParaRPr lang="en-US"/>
-          </a:p>
-        </p:txBody>
-      </p:sp>
-      <p:sp>
-        <p:nvSpPr>
-          <p:cNvPr id="5" name="Text Placeholder 4"/>
-          <p:cNvSpPr>
-            <a:spLocks noGrp="1"/>
-          </p:cNvSpPr>
-          <p:nvPr>
-            <p:ph type="body" sz="quarter" idx="3"/>
-          </p:nvPr>
-        </p:nvSpPr>
-        <p:spPr>
-          <a:xfrm>
-            <a:off x="4645025" y="1535113"/>
-            <a:ext cx="4041775" cy="639762"/>
-          </a:xfrm>
-        </p:spPr>
-        <p:txBody>
-          <a:bodyPr anchor="b"/>
-          <a:lstStyle>
-            <a:lvl1pPr marL="0" indent="0">
-              <a:buNone/>
-              <a:defRPr sz="2400" b="1"/>
-            </a:lvl1pPr>
-            <a:lvl2pPr marL="457200" indent="0">
-              <a:buNone/>
-              <a:defRPr sz="2000" b="1"/>
-            </a:lvl2pPr>
-            <a:lvl3pPr marL="914400" indent="0">
-              <a:buNone/>
-              <a:defRPr sz="1800" b="1"/>
-            </a:lvl3pPr>
-            <a:lvl4pPr marL="1371600" indent="0">
-              <a:buNone/>
-              <a:defRPr sz="1600" b="1"/>
-            </a:lvl4pPr>
-            <a:lvl5pPr marL="1828800" indent="0">
-              <a:buNone/>
-              <a:defRPr sz="1600" b="1"/>
-            </a:lvl5pPr>
-            <a:lvl6pPr marL="2286000" indent="0">
-              <a:buNone/>
-              <a:defRPr sz="1600" b="1"/>
-            </a:lvl6pPr>
-            <a:lvl7pPr marL="2743200" indent="0">
-              <a:buNone/>
-              <a:defRPr sz="1600" b="1"/>
-            </a:lvl7pPr>
-            <a:lvl8pPr marL="3200400" indent="0">
-              <a:buNone/>
-              <a:defRPr sz="1600" b="1"/>
-            </a:lvl8pPr>
-            <a:lvl9pPr marL="3657600" indent="0">
-              <a:buNone/>
-              <a:defRPr sz="1600" b="1"/>
-            </a:lvl9pPr>
-          </a:lstStyle>
-          <a:p>
-            <a:pPr lvl="0"/>
-            <a:r>
-              <a:rPr lang="en-US" smtClean="0"/>
-              <a:t>Click to edit Master text styles</a:t>
-            </a:r>
-          </a:p>
-        </p:txBody>
-      </p:sp>
-      <p:sp>
-        <p:nvSpPr>
-          <p:cNvPr id="6" name="Content Placeholder 5"/>
-          <p:cNvSpPr>
-            <a:spLocks noGrp="1"/>
-          </p:cNvSpPr>
-          <p:nvPr>
-            <p:ph sz="quarter" idx="4"/>
-          </p:nvPr>
-        </p:nvSpPr>
-        <p:spPr>
-          <a:xfrm>
-            <a:off x="4645025" y="2174875"/>
-            <a:ext cx="4041775" cy="3951288"/>
-          </a:xfrm>
-        </p:spPr>
-        <p:txBody>
-          <a:bodyPr/>
-          <a:lstStyle>
-            <a:lvl1pPr>
-              <a:defRPr sz="2400"/>
-            </a:lvl1pPr>
-            <a:lvl2pPr>
-              <a:defRPr sz="2000"/>
-            </a:lvl2pPr>
-            <a:lvl3pPr>
-              <a:defRPr sz="1800"/>
-            </a:lvl3pPr>
-            <a:lvl4pPr>
-              <a:defRPr sz="1600"/>
-            </a:lvl4pPr>
-            <a:lvl5pPr>
-              <a:defRPr sz="1600"/>
-            </a:lvl5pPr>
-            <a:lvl6pPr>
-              <a:defRPr sz="1600"/>
-            </a:lvl6pPr>
-            <a:lvl7pPr>
-              <a:defRPr sz="1600"/>
-            </a:lvl7pPr>
-            <a:lvl8pPr>
-              <a:defRPr sz="1600"/>
-            </a:lvl8pPr>
-            <a:lvl9pPr>
-              <a:defRPr sz="1600"/>
-            </a:lvl9pPr>
-          </a:lstStyle>
-          <a:p>
-            <a:pPr lvl="0"/>
-            <a:r>
-              <a:rPr lang="en-US" smtClean="0"/>
-              <a:t>Click to edit Master text styles</a:t>
-            </a:r>
-          </a:p>
-          <a:p>
-            <a:pPr lvl="1"/>
-            <a:r>
-              <a:rPr lang="en-US" smtClean="0"/>
-              <a:t>Second level</a:t>
-            </a:r>
-          </a:p>
-          <a:p>
-            <a:pPr lvl="2"/>
-            <a:r>
-              <a:rPr lang="en-US" smtClean="0"/>
-              <a:t>Third level</a:t>
-            </a:r>
-          </a:p>
-          <a:p>
-            <a:pPr lvl="3"/>
-            <a:r>
-              <a:rPr lang="en-US" smtClean="0"/>
-              <a:t>Fourth level</a:t>
-            </a:r>
-          </a:p>
-          <a:p>
-            <a:pPr lvl="4"/>
-            <a:r>
-              <a:rPr lang="en-US" smtClean="0"/>
-              <a:t>Fifth level</a:t>
-            </a:r>
-            <a:endParaRPr lang="en-US"/>
-          </a:p>
-        </p:txBody>
-      </p:sp>
-      <p:sp>
-        <p:nvSpPr>
-          <p:cNvPr id="7" name="Date Placeholder 6"/>
-          <p:cNvSpPr>
-            <a:spLocks noGrp="1"/>
-          </p:cNvSpPr>
-          <p:nvPr>
-            <p:ph type="dt" sz="half" idx="10"/>
-          </p:nvPr>
-        </p:nvSpPr>
-        <p:spPr/>
-        <p:txBody>
-          <a:bodyPr/>
-          <a:lstStyle/>
-          <a:p>
-            <a:fld id="{F3BB1F19-4BA3-4ED5-9FA4-8D8D35FFE7BA}" type="datetimeFigureOut">
-              <a:rPr lang="en-US" smtClean="0">
-                <a:solidFill>
-                  <a:prstClr val="black">
-                    <a:tint val="75000"/>
-                  </a:prstClr>
-                </a:solidFill>
-              </a:rPr>
-              <a:pPr/>
-              <a:t>1/13/2016</a:t>
-            </a:fld>
-            <a:endParaRPr lang="en-US">
-              <a:solidFill>
-                <a:prstClr val="black">
-                  <a:tint val="75000"/>
-                </a:prstClr>
-              </a:solidFill>
-            </a:endParaRPr>
-          </a:p>
-        </p:txBody>
-      </p:sp>
-      <p:sp>
-        <p:nvSpPr>
-          <p:cNvPr id="8" name="Footer Placeholder 7"/>
-          <p:cNvSpPr>
-            <a:spLocks noGrp="1"/>
-          </p:cNvSpPr>
-          <p:nvPr>
-            <p:ph type="ftr" sz="quarter" idx="11"/>
-          </p:nvPr>
-        </p:nvSpPr>
-        <p:spPr/>
-        <p:txBody>
-          <a:bodyPr/>
-          <a:lstStyle/>
-          <a:p>
-            <a:endParaRPr lang="en-US">
-              <a:solidFill>
-                <a:prstClr val="black">
-                  <a:tint val="75000"/>
-                </a:prstClr>
-              </a:solidFill>
-            </a:endParaRPr>
-          </a:p>
-        </p:txBody>
-      </p:sp>
-      <p:sp>
-        <p:nvSpPr>
-          <p:cNvPr id="9" name="Slide Number Placeholder 8"/>
-          <p:cNvSpPr>
-            <a:spLocks noGrp="1"/>
-          </p:cNvSpPr>
-          <p:nvPr>
-            <p:ph type="sldNum" sz="quarter" idx="12"/>
-          </p:nvPr>
-        </p:nvSpPr>
-        <p:spPr/>
-        <p:txBody>
-          <a:bodyPr/>
-          <a:lstStyle/>
-          <a:p>
-            <a:fld id="{4D8D7F36-4D84-4D9B-8FFC-A04433F045BE}" type="slidenum">
-              <a:rPr lang="en-US" smtClean="0">
-                <a:solidFill>
-                  <a:prstClr val="black">
-                    <a:tint val="75000"/>
-                  </a:prstClr>
-                </a:solidFill>
-              </a:rPr>
-              <a:pPr/>
-              <a:t>‹#›</a:t>
-            </a:fld>
-            <a:endParaRPr lang="en-US">
-              <a:solidFill>
-                <a:prstClr val="black">
-                  <a:tint val="75000"/>
-                </a:prstClr>
-              </a:solidFill>
-            </a:endParaRPr>
-          </a:p>
-        </p:txBody>
-      </p:sp>
-    </p:spTree>
-    <p:extLst>
-      <p:ext uri="{BB962C8B-B14F-4D97-AF65-F5344CB8AC3E}">
-        <p14:creationId xmlns:p14="http://schemas.microsoft.com/office/powerpoint/2010/main" val="1005717537"/>
-      </p:ext>
-    </p:extLst>
-  </p:cSld>
-  <p:clrMapOvr>
-    <a:masterClrMapping/>
-  </p:clrMapOvr>
-</p:sldLayout>
-</file>
-
-<file path=ppt/slideLayouts/slideLayout6.xml><?xml version="1.0" encoding="utf-8"?>
-<p:sldLayout xmlns:a="http://schemas.openxmlformats.org/drawingml/2006/main" xmlns:r="http://schemas.openxmlformats.org/officeDocument/2006/relationships" xmlns:p="http://schemas.openxmlformats.org/presentationml/2006/main" type="titleOnly" preserve="1">
-  <p:cSld name="Title Only">
-    <p:spTree>
-      <p:nvGrpSpPr>
-        <p:cNvPr id="1" name=""/>
-        <p:cNvGrpSpPr/>
-        <p:nvPr/>
-      </p:nvGrpSpPr>
-      <p:grpSpPr>
-        <a:xfrm>
-          <a:off x="0" y="0"/>
-          <a:ext cx="0" cy="0"/>
-          <a:chOff x="0" y="0"/>
-          <a:chExt cx="0" cy="0"/>
-        </a:xfrm>
-      </p:grpSpPr>
-      <p:sp>
-        <p:nvSpPr>
-          <p:cNvPr id="2" name="Title 1"/>
-          <p:cNvSpPr>
-            <a:spLocks noGrp="1"/>
-          </p:cNvSpPr>
-          <p:nvPr>
-            <p:ph type="title"/>
-          </p:nvPr>
-        </p:nvSpPr>
-        <p:spPr/>
-        <p:txBody>
-          <a:bodyPr/>
-          <a:lstStyle/>
-          <a:p>
-            <a:r>
-              <a:rPr lang="en-US" smtClean="0"/>
-              <a:t>Click to edit Master title style</a:t>
-            </a:r>
-            <a:endParaRPr lang="en-US"/>
-          </a:p>
-        </p:txBody>
-      </p:sp>
-      <p:sp>
-        <p:nvSpPr>
-          <p:cNvPr id="3" name="Date Placeholder 2"/>
-          <p:cNvSpPr>
-            <a:spLocks noGrp="1"/>
-          </p:cNvSpPr>
-          <p:nvPr>
-            <p:ph type="dt" sz="half" idx="10"/>
-          </p:nvPr>
-        </p:nvSpPr>
-        <p:spPr/>
-        <p:txBody>
-          <a:bodyPr/>
-          <a:lstStyle/>
-          <a:p>
-            <a:fld id="{F3BB1F19-4BA3-4ED5-9FA4-8D8D35FFE7BA}" type="datetimeFigureOut">
-              <a:rPr lang="en-US" smtClean="0">
-                <a:solidFill>
-                  <a:prstClr val="black">
-                    <a:tint val="75000"/>
-                  </a:prstClr>
-                </a:solidFill>
-              </a:rPr>
-              <a:pPr/>
-              <a:t>1/13/2016</a:t>
-            </a:fld>
-            <a:endParaRPr lang="en-US">
-              <a:solidFill>
-                <a:prstClr val="black">
-                  <a:tint val="75000"/>
-                </a:prstClr>
-              </a:solidFill>
-            </a:endParaRPr>
-          </a:p>
-        </p:txBody>
-      </p:sp>
-      <p:sp>
-        <p:nvSpPr>
-          <p:cNvPr id="4" name="Footer Placeholder 3"/>
-          <p:cNvSpPr>
-            <a:spLocks noGrp="1"/>
-          </p:cNvSpPr>
-          <p:nvPr>
-            <p:ph type="ftr" sz="quarter" idx="11"/>
-          </p:nvPr>
-        </p:nvSpPr>
-        <p:spPr/>
-        <p:txBody>
-          <a:bodyPr/>
-          <a:lstStyle/>
-          <a:p>
-            <a:endParaRPr lang="en-US">
-              <a:solidFill>
-                <a:prstClr val="black">
-                  <a:tint val="75000"/>
-                </a:prstClr>
-              </a:solidFill>
-            </a:endParaRPr>
-          </a:p>
-        </p:txBody>
-      </p:sp>
-      <p:sp>
-        <p:nvSpPr>
-          <p:cNvPr id="5" name="Slide Number Placeholder 4"/>
-          <p:cNvSpPr>
-            <a:spLocks noGrp="1"/>
-          </p:cNvSpPr>
-          <p:nvPr>
-            <p:ph type="sldNum" sz="quarter" idx="12"/>
-          </p:nvPr>
-        </p:nvSpPr>
-        <p:spPr/>
-        <p:txBody>
-          <a:bodyPr/>
-          <a:lstStyle/>
-          <a:p>
-            <a:fld id="{4D8D7F36-4D84-4D9B-8FFC-A04433F045BE}" type="slidenum">
-              <a:rPr lang="en-US" smtClean="0">
-                <a:solidFill>
-                  <a:prstClr val="black">
-                    <a:tint val="75000"/>
-                  </a:prstClr>
-                </a:solidFill>
-              </a:rPr>
-              <a:pPr/>
-              <a:t>‹#›</a:t>
-            </a:fld>
-            <a:endParaRPr lang="en-US">
-              <a:solidFill>
-                <a:prstClr val="black">
-                  <a:tint val="75000"/>
-                </a:prstClr>
-              </a:solidFill>
-            </a:endParaRPr>
-          </a:p>
-        </p:txBody>
-      </p:sp>
-    </p:spTree>
-    <p:extLst>
-      <p:ext uri="{BB962C8B-B14F-4D97-AF65-F5344CB8AC3E}">
-        <p14:creationId xmlns:p14="http://schemas.microsoft.com/office/powerpoint/2010/main" val="2970296895"/>
-      </p:ext>
-    </p:extLst>
-  </p:cSld>
-  <p:clrMapOvr>
-    <a:masterClrMapping/>
-  </p:clrMapOvr>
-</p:sldLayout>
-</file>
-
-<file path=ppt/slideLayouts/slideLayout7.xml><?xml version="1.0" encoding="utf-8"?>
-<p:sldLayout xmlns:a="http://schemas.openxmlformats.org/drawingml/2006/main" xmlns:r="http://schemas.openxmlformats.org/officeDocument/2006/relationships" xmlns:p="http://schemas.openxmlformats.org/presentationml/2006/main" type="blank" preserve="1">
-  <p:cSld name="Blank">
-    <p:spTree>
-      <p:nvGrpSpPr>
-        <p:cNvPr id="1" name=""/>
-        <p:cNvGrpSpPr/>
-        <p:nvPr/>
-      </p:nvGrpSpPr>
-      <p:grpSpPr>
-        <a:xfrm>
-          <a:off x="0" y="0"/>
-          <a:ext cx="0" cy="0"/>
-          <a:chOff x="0" y="0"/>
-          <a:chExt cx="0" cy="0"/>
-        </a:xfrm>
-      </p:grpSpPr>
-      <p:sp>
-        <p:nvSpPr>
-          <p:cNvPr id="2" name="Date Placeholder 1"/>
-          <p:cNvSpPr>
-            <a:spLocks noGrp="1"/>
-          </p:cNvSpPr>
-          <p:nvPr>
-            <p:ph type="dt" sz="half" idx="10"/>
-          </p:nvPr>
-        </p:nvSpPr>
-        <p:spPr/>
-        <p:txBody>
-          <a:bodyPr/>
-          <a:lstStyle/>
-          <a:p>
-            <a:fld id="{F3BB1F19-4BA3-4ED5-9FA4-8D8D35FFE7BA}" type="datetimeFigureOut">
-              <a:rPr lang="en-US" smtClean="0">
-                <a:solidFill>
-                  <a:prstClr val="black">
-                    <a:tint val="75000"/>
-                  </a:prstClr>
-                </a:solidFill>
-              </a:rPr>
-              <a:pPr/>
-              <a:t>1/13/2016</a:t>
-            </a:fld>
-            <a:endParaRPr lang="en-US">
-              <a:solidFill>
-                <a:prstClr val="black">
-                  <a:tint val="75000"/>
-                </a:prstClr>
-              </a:solidFill>
-            </a:endParaRPr>
-          </a:p>
-        </p:txBody>
-      </p:sp>
-      <p:sp>
-        <p:nvSpPr>
-          <p:cNvPr id="3" name="Footer Placeholder 2"/>
-          <p:cNvSpPr>
-            <a:spLocks noGrp="1"/>
-          </p:cNvSpPr>
-          <p:nvPr>
-            <p:ph type="ftr" sz="quarter" idx="11"/>
-          </p:nvPr>
-        </p:nvSpPr>
-        <p:spPr/>
-        <p:txBody>
-          <a:bodyPr/>
-          <a:lstStyle/>
-          <a:p>
-            <a:endParaRPr lang="en-US">
-              <a:solidFill>
-                <a:prstClr val="black">
-                  <a:tint val="75000"/>
-                </a:prstClr>
-              </a:solidFill>
-            </a:endParaRPr>
-          </a:p>
-        </p:txBody>
-      </p:sp>
-      <p:sp>
-        <p:nvSpPr>
-          <p:cNvPr id="4" name="Slide Number Placeholder 3"/>
-          <p:cNvSpPr>
-            <a:spLocks noGrp="1"/>
-          </p:cNvSpPr>
-          <p:nvPr>
-            <p:ph type="sldNum" sz="quarter" idx="12"/>
-          </p:nvPr>
-        </p:nvSpPr>
-        <p:spPr/>
-        <p:txBody>
-          <a:bodyPr/>
-          <a:lstStyle/>
-          <a:p>
-            <a:fld id="{4D8D7F36-4D84-4D9B-8FFC-A04433F045BE}" type="slidenum">
-              <a:rPr lang="en-US" smtClean="0">
-                <a:solidFill>
-                  <a:prstClr val="black">
-                    <a:tint val="75000"/>
-                  </a:prstClr>
-                </a:solidFill>
-              </a:rPr>
-              <a:pPr/>
-              <a:t>‹#›</a:t>
-            </a:fld>
-            <a:endParaRPr lang="en-US">
-              <a:solidFill>
-                <a:prstClr val="black">
-                  <a:tint val="75000"/>
-                </a:prstClr>
-              </a:solidFill>
-            </a:endParaRPr>
-          </a:p>
-        </p:txBody>
-      </p:sp>
-    </p:spTree>
-    <p:extLst>
-      <p:ext uri="{BB962C8B-B14F-4D97-AF65-F5344CB8AC3E}">
-        <p14:creationId xmlns:p14="http://schemas.microsoft.com/office/powerpoint/2010/main" val="3825254231"/>
-      </p:ext>
-    </p:extLst>
-  </p:cSld>
-  <p:clrMapOvr>
-    <a:masterClrMapping/>
-  </p:clrMapOvr>
-</p:sldLayout>
-</file>
-
-<file path=ppt/slideLayouts/slideLayout8.xml><?xml version="1.0" encoding="utf-8"?>
-<p:sldLayout xmlns:a="http://schemas.openxmlformats.org/drawingml/2006/main" xmlns:r="http://schemas.openxmlformats.org/officeDocument/2006/relationships" xmlns:p="http://schemas.openxmlformats.org/presentationml/2006/main" type="objTx" preserve="1">
-  <p:cSld name="Content with Caption">
-    <p:spTree>
-      <p:nvGrpSpPr>
-        <p:cNvPr id="1" name=""/>
-        <p:cNvGrpSpPr/>
-        <p:nvPr/>
-      </p:nvGrpSpPr>
-      <p:grpSpPr>
-        <a:xfrm>
-          <a:off x="0" y="0"/>
-          <a:ext cx="0" cy="0"/>
-          <a:chOff x="0" y="0"/>
-          <a:chExt cx="0" cy="0"/>
-        </a:xfrm>
-      </p:grpSpPr>
-      <p:sp>
-        <p:nvSpPr>
-          <p:cNvPr id="2" name="Title 1"/>
-          <p:cNvSpPr>
-            <a:spLocks noGrp="1"/>
-          </p:cNvSpPr>
-          <p:nvPr>
-            <p:ph type="title"/>
-          </p:nvPr>
-        </p:nvSpPr>
-        <p:spPr>
-          <a:xfrm>
-            <a:off x="457200" y="273050"/>
-            <a:ext cx="3008313" cy="1162050"/>
-          </a:xfrm>
-        </p:spPr>
-        <p:txBody>
-          <a:bodyPr anchor="b"/>
-          <a:lstStyle>
-            <a:lvl1pPr algn="l">
-              <a:defRPr sz="2000" b="1"/>
-            </a:lvl1pPr>
-          </a:lstStyle>
-          <a:p>
-            <a:r>
-              <a:rPr lang="en-US" smtClean="0"/>
-              <a:t>Click to edit Master title style</a:t>
-            </a:r>
-            <a:endParaRPr lang="en-US"/>
-          </a:p>
-        </p:txBody>
-      </p:sp>
-      <p:sp>
-        <p:nvSpPr>
-          <p:cNvPr id="3" name="Content Placeholder 2"/>
-          <p:cNvSpPr>
-            <a:spLocks noGrp="1"/>
-          </p:cNvSpPr>
-          <p:nvPr>
-            <p:ph idx="1"/>
-          </p:nvPr>
-        </p:nvSpPr>
-        <p:spPr>
-          <a:xfrm>
-            <a:off x="3575050" y="273050"/>
-            <a:ext cx="5111750" cy="5853113"/>
-          </a:xfrm>
-        </p:spPr>
-        <p:txBody>
-          <a:bodyPr/>
-          <a:lstStyle>
-            <a:lvl1pPr>
-              <a:defRPr sz="3200"/>
-            </a:lvl1pPr>
-            <a:lvl2pPr>
-              <a:defRPr sz="2800"/>
-            </a:lvl2pPr>
-            <a:lvl3pPr>
-              <a:defRPr sz="2400"/>
-            </a:lvl3pPr>
-            <a:lvl4pPr>
-              <a:defRPr sz="2000"/>
-            </a:lvl4pPr>
-            <a:lvl5pPr>
-              <a:defRPr sz="2000"/>
-            </a:lvl5pPr>
-            <a:lvl6pPr>
-              <a:defRPr sz="2000"/>
-            </a:lvl6pPr>
-            <a:lvl7pPr>
-              <a:defRPr sz="2000"/>
-            </a:lvl7pPr>
-            <a:lvl8pPr>
-              <a:defRPr sz="2000"/>
-            </a:lvl8pPr>
-            <a:lvl9pPr>
-              <a:defRPr sz="2000"/>
-            </a:lvl9pPr>
-          </a:lstStyle>
-          <a:p>
-            <a:pPr lvl="0"/>
-            <a:r>
-              <a:rPr lang="en-US" smtClean="0"/>
-              <a:t>Click to edit Master text styles</a:t>
-            </a:r>
-          </a:p>
-          <a:p>
-            <a:pPr lvl="1"/>
-            <a:r>
-              <a:rPr lang="en-US" smtClean="0"/>
-              <a:t>Second level</a:t>
-            </a:r>
-          </a:p>
-          <a:p>
-            <a:pPr lvl="2"/>
-            <a:r>
-              <a:rPr lang="en-US" smtClean="0"/>
-              <a:t>Third level</a:t>
-            </a:r>
-          </a:p>
-          <a:p>
-            <a:pPr lvl="3"/>
-            <a:r>
-              <a:rPr lang="en-US" smtClean="0"/>
-              <a:t>Fourth level</a:t>
-            </a:r>
-          </a:p>
-          <a:p>
-            <a:pPr lvl="4"/>
-            <a:r>
-              <a:rPr lang="en-US" smtClean="0"/>
-              <a:t>Fifth level</a:t>
-            </a:r>
-            <a:endParaRPr lang="en-US"/>
-          </a:p>
-        </p:txBody>
-      </p:sp>
-      <p:sp>
-        <p:nvSpPr>
-          <p:cNvPr id="4" name="Text Placeholder 3"/>
-          <p:cNvSpPr>
-            <a:spLocks noGrp="1"/>
-          </p:cNvSpPr>
-          <p:nvPr>
-            <p:ph type="body" sz="half" idx="2"/>
-          </p:nvPr>
-        </p:nvSpPr>
-        <p:spPr>
-          <a:xfrm>
-            <a:off x="457200" y="1435100"/>
-            <a:ext cx="3008313" cy="4691063"/>
-          </a:xfrm>
-        </p:spPr>
-        <p:txBody>
-          <a:bodyPr/>
-          <a:lstStyle>
-            <a:lvl1pPr marL="0" indent="0">
-              <a:buNone/>
-              <a:defRPr sz="1400"/>
-            </a:lvl1pPr>
-            <a:lvl2pPr marL="457200" indent="0">
-              <a:buNone/>
-              <a:defRPr sz="1200"/>
-            </a:lvl2pPr>
-            <a:lvl3pPr marL="914400" indent="0">
-              <a:buNone/>
-              <a:defRPr sz="1000"/>
-            </a:lvl3pPr>
-            <a:lvl4pPr marL="1371600" indent="0">
-              <a:buNone/>
-              <a:defRPr sz="900"/>
-            </a:lvl4pPr>
-            <a:lvl5pPr marL="1828800" indent="0">
-              <a:buNone/>
-              <a:defRPr sz="900"/>
-            </a:lvl5pPr>
-            <a:lvl6pPr marL="2286000" indent="0">
-              <a:buNone/>
-              <a:defRPr sz="900"/>
-            </a:lvl6pPr>
-            <a:lvl7pPr marL="2743200" indent="0">
-              <a:buNone/>
-              <a:defRPr sz="900"/>
-            </a:lvl7pPr>
-            <a:lvl8pPr marL="3200400" indent="0">
-              <a:buNone/>
-              <a:defRPr sz="900"/>
-            </a:lvl8pPr>
-            <a:lvl9pPr marL="3657600" indent="0">
-              <a:buNone/>
-              <a:defRPr sz="900"/>
-            </a:lvl9pPr>
-          </a:lstStyle>
-          <a:p>
-            <a:pPr lvl="0"/>
-            <a:r>
-              <a:rPr lang="en-US" smtClean="0"/>
-              <a:t>Click to edit Master text styles</a:t>
-            </a:r>
-          </a:p>
-        </p:txBody>
-      </p:sp>
-      <p:sp>
-        <p:nvSpPr>
-          <p:cNvPr id="5" name="Date Placeholder 4"/>
-          <p:cNvSpPr>
-            <a:spLocks noGrp="1"/>
-          </p:cNvSpPr>
-          <p:nvPr>
-            <p:ph type="dt" sz="half" idx="10"/>
-          </p:nvPr>
-        </p:nvSpPr>
-        <p:spPr/>
-        <p:txBody>
-          <a:bodyPr/>
-          <a:lstStyle/>
-          <a:p>
-            <a:fld id="{F3BB1F19-4BA3-4ED5-9FA4-8D8D35FFE7BA}" type="datetimeFigureOut">
-              <a:rPr lang="en-US" smtClean="0">
-                <a:solidFill>
-                  <a:prstClr val="black">
-                    <a:tint val="75000"/>
-                  </a:prstClr>
-                </a:solidFill>
-              </a:rPr>
-              <a:pPr/>
-              <a:t>1/13/2016</a:t>
-            </a:fld>
-            <a:endParaRPr lang="en-US">
-              <a:solidFill>
-                <a:prstClr val="black">
-                  <a:tint val="75000"/>
-                </a:prstClr>
-              </a:solidFill>
-            </a:endParaRPr>
-          </a:p>
-        </p:txBody>
-      </p:sp>
-      <p:sp>
-        <p:nvSpPr>
-          <p:cNvPr id="6" name="Footer Placeholder 5"/>
-          <p:cNvSpPr>
-            <a:spLocks noGrp="1"/>
-          </p:cNvSpPr>
-          <p:nvPr>
-            <p:ph type="ftr" sz="quarter" idx="11"/>
-          </p:nvPr>
-        </p:nvSpPr>
-        <p:spPr/>
-        <p:txBody>
-          <a:bodyPr/>
-          <a:lstStyle/>
-          <a:p>
-            <a:endParaRPr lang="en-US">
-              <a:solidFill>
-                <a:prstClr val="black">
-                  <a:tint val="75000"/>
-                </a:prstClr>
-              </a:solidFill>
-            </a:endParaRPr>
-          </a:p>
-        </p:txBody>
-      </p:sp>
-      <p:sp>
-        <p:nvSpPr>
-          <p:cNvPr id="7" name="Slide Number Placeholder 6"/>
-          <p:cNvSpPr>
-            <a:spLocks noGrp="1"/>
-          </p:cNvSpPr>
-          <p:nvPr>
-            <p:ph type="sldNum" sz="quarter" idx="12"/>
-          </p:nvPr>
-        </p:nvSpPr>
-        <p:spPr/>
-        <p:txBody>
-          <a:bodyPr/>
-          <a:lstStyle/>
-          <a:p>
-            <a:fld id="{4D8D7F36-4D84-4D9B-8FFC-A04433F045BE}" type="slidenum">
-              <a:rPr lang="en-US" smtClean="0">
-                <a:solidFill>
-                  <a:prstClr val="black">
-                    <a:tint val="75000"/>
-                  </a:prstClr>
-                </a:solidFill>
-              </a:rPr>
-              <a:pPr/>
-              <a:t>‹#›</a:t>
-            </a:fld>
-            <a:endParaRPr lang="en-US">
-              <a:solidFill>
-                <a:prstClr val="black">
-                  <a:tint val="75000"/>
-                </a:prstClr>
-              </a:solidFill>
-            </a:endParaRPr>
-          </a:p>
-        </p:txBody>
-      </p:sp>
-    </p:spTree>
-    <p:extLst>
-      <p:ext uri="{BB962C8B-B14F-4D97-AF65-F5344CB8AC3E}">
-        <p14:creationId xmlns:p14="http://schemas.microsoft.com/office/powerpoint/2010/main" val="3270674974"/>
-      </p:ext>
-    </p:extLst>
-  </p:cSld>
-  <p:clrMapOvr>
-    <a:masterClrMapping/>
-  </p:clrMapOvr>
-</p:sldLayout>
-</file>
-
-<file path=ppt/slideLayouts/slideLayout9.xml><?xml version="1.0" encoding="utf-8"?>
-<p:sldLayout xmlns:a="http://schemas.openxmlformats.org/drawingml/2006/main" xmlns:r="http://schemas.openxmlformats.org/officeDocument/2006/relationships" xmlns:p="http://schemas.openxmlformats.org/presentationml/2006/main" type="picTx" preserve="1">
-  <p:cSld name="Picture with Caption">
-    <p:spTree>
-      <p:nvGrpSpPr>
-        <p:cNvPr id="1" name=""/>
-        <p:cNvGrpSpPr/>
-        <p:nvPr/>
-      </p:nvGrpSpPr>
-      <p:grpSpPr>
-        <a:xfrm>
-          <a:off x="0" y="0"/>
-          <a:ext cx="0" cy="0"/>
-          <a:chOff x="0" y="0"/>
-          <a:chExt cx="0" cy="0"/>
-        </a:xfrm>
-      </p:grpSpPr>
-      <p:sp>
-        <p:nvSpPr>
-          <p:cNvPr id="2" name="Title 1"/>
-          <p:cNvSpPr>
-            <a:spLocks noGrp="1"/>
-          </p:cNvSpPr>
-          <p:nvPr>
-            <p:ph type="title"/>
-          </p:nvPr>
-        </p:nvSpPr>
-        <p:spPr>
-          <a:xfrm>
-            <a:off x="1792288" y="4800600"/>
-            <a:ext cx="5486400" cy="566738"/>
-          </a:xfrm>
-        </p:spPr>
-        <p:txBody>
-          <a:bodyPr anchor="b"/>
-          <a:lstStyle>
-            <a:lvl1pPr algn="l">
-              <a:defRPr sz="2000" b="1"/>
-            </a:lvl1pPr>
-          </a:lstStyle>
-          <a:p>
-            <a:r>
-              <a:rPr lang="en-US" smtClean="0"/>
-              <a:t>Click to edit Master title style</a:t>
-            </a:r>
-            <a:endParaRPr lang="en-US"/>
-          </a:p>
-        </p:txBody>
-      </p:sp>
-      <p:sp>
-        <p:nvSpPr>
-          <p:cNvPr id="3" name="Picture Placeholder 2"/>
-          <p:cNvSpPr>
-            <a:spLocks noGrp="1"/>
-          </p:cNvSpPr>
-          <p:nvPr>
-            <p:ph type="pic" idx="1"/>
-          </p:nvPr>
-        </p:nvSpPr>
-        <p:spPr>
-          <a:xfrm>
-            <a:off x="1792288" y="612775"/>
-            <a:ext cx="5486400" cy="4114800"/>
-          </a:xfrm>
-        </p:spPr>
-        <p:txBody>
-          <a:bodyPr/>
-          <a:lstStyle>
-            <a:lvl1pPr marL="0" indent="0">
-              <a:buNone/>
-              <a:defRPr sz="3200"/>
-            </a:lvl1pPr>
-            <a:lvl2pPr marL="457200" indent="0">
-              <a:buNone/>
-              <a:defRPr sz="2800"/>
-            </a:lvl2pPr>
-            <a:lvl3pPr marL="914400" indent="0">
-              <a:buNone/>
-              <a:defRPr sz="2400"/>
-            </a:lvl3pPr>
-            <a:lvl4pPr marL="1371600" indent="0">
-              <a:buNone/>
-              <a:defRPr sz="2000"/>
-            </a:lvl4pPr>
-            <a:lvl5pPr marL="1828800" indent="0">
-              <a:buNone/>
-              <a:defRPr sz="2000"/>
-            </a:lvl5pPr>
-            <a:lvl6pPr marL="2286000" indent="0">
-              <a:buNone/>
-              <a:defRPr sz="2000"/>
-            </a:lvl6pPr>
-            <a:lvl7pPr marL="2743200" indent="0">
-              <a:buNone/>
-              <a:defRPr sz="2000"/>
-            </a:lvl7pPr>
-            <a:lvl8pPr marL="3200400" indent="0">
-              <a:buNone/>
-              <a:defRPr sz="2000"/>
-            </a:lvl8pPr>
-            <a:lvl9pPr marL="3657600" indent="0">
-              <a:buNone/>
-              <a:defRPr sz="2000"/>
-            </a:lvl9pPr>
-          </a:lstStyle>
-          <a:p>
-            <a:endParaRPr lang="en-US"/>
-          </a:p>
-        </p:txBody>
-      </p:sp>
-      <p:sp>
-        <p:nvSpPr>
-          <p:cNvPr id="4" name="Text Placeholder 3"/>
-          <p:cNvSpPr>
-            <a:spLocks noGrp="1"/>
-          </p:cNvSpPr>
-          <p:nvPr>
-            <p:ph type="body" sz="half" idx="2"/>
-          </p:nvPr>
-        </p:nvSpPr>
-        <p:spPr>
-          <a:xfrm>
-            <a:off x="1792288" y="5367338"/>
-            <a:ext cx="5486400" cy="804862"/>
-          </a:xfrm>
-        </p:spPr>
-        <p:txBody>
-          <a:bodyPr/>
-          <a:lstStyle>
-            <a:lvl1pPr marL="0" indent="0">
-              <a:buNone/>
-              <a:defRPr sz="1400"/>
-            </a:lvl1pPr>
-            <a:lvl2pPr marL="457200" indent="0">
-              <a:buNone/>
-              <a:defRPr sz="1200"/>
-            </a:lvl2pPr>
-            <a:lvl3pPr marL="914400" indent="0">
-              <a:buNone/>
-              <a:defRPr sz="1000"/>
-            </a:lvl3pPr>
-            <a:lvl4pPr marL="1371600" indent="0">
-              <a:buNone/>
-              <a:defRPr sz="900"/>
-            </a:lvl4pPr>
-            <a:lvl5pPr marL="1828800" indent="0">
-              <a:buNone/>
-              <a:defRPr sz="900"/>
-            </a:lvl5pPr>
-            <a:lvl6pPr marL="2286000" indent="0">
-              <a:buNone/>
-              <a:defRPr sz="900"/>
-            </a:lvl6pPr>
-            <a:lvl7pPr marL="2743200" indent="0">
-              <a:buNone/>
-              <a:defRPr sz="900"/>
-            </a:lvl7pPr>
-            <a:lvl8pPr marL="3200400" indent="0">
-              <a:buNone/>
-              <a:defRPr sz="900"/>
-            </a:lvl8pPr>
-            <a:lvl9pPr marL="3657600" indent="0">
-              <a:buNone/>
-              <a:defRPr sz="900"/>
-            </a:lvl9pPr>
-          </a:lstStyle>
-          <a:p>
-            <a:pPr lvl="0"/>
-            <a:r>
-              <a:rPr lang="en-US" smtClean="0"/>
-              <a:t>Click to edit Master text styles</a:t>
-            </a:r>
-          </a:p>
-        </p:txBody>
-      </p:sp>
-      <p:sp>
-        <p:nvSpPr>
-          <p:cNvPr id="5" name="Date Placeholder 4"/>
-          <p:cNvSpPr>
-            <a:spLocks noGrp="1"/>
-          </p:cNvSpPr>
-          <p:nvPr>
-            <p:ph type="dt" sz="half" idx="10"/>
-          </p:nvPr>
-        </p:nvSpPr>
-        <p:spPr/>
-        <p:txBody>
-          <a:bodyPr/>
-          <a:lstStyle/>
-          <a:p>
-            <a:fld id="{F3BB1F19-4BA3-4ED5-9FA4-8D8D35FFE7BA}" type="datetimeFigureOut">
-              <a:rPr lang="en-US" smtClean="0">
-                <a:solidFill>
-                  <a:prstClr val="black">
-                    <a:tint val="75000"/>
-                  </a:prstClr>
-                </a:solidFill>
-              </a:rPr>
-              <a:pPr/>
-              <a:t>1/13/2016</a:t>
-            </a:fld>
-            <a:endParaRPr lang="en-US">
-              <a:solidFill>
-                <a:prstClr val="black">
-                  <a:tint val="75000"/>
-                </a:prstClr>
-              </a:solidFill>
-            </a:endParaRPr>
-          </a:p>
-        </p:txBody>
-      </p:sp>
-      <p:sp>
-        <p:nvSpPr>
-          <p:cNvPr id="6" name="Footer Placeholder 5"/>
-          <p:cNvSpPr>
-            <a:spLocks noGrp="1"/>
-          </p:cNvSpPr>
-          <p:nvPr>
-            <p:ph type="ftr" sz="quarter" idx="11"/>
-          </p:nvPr>
-        </p:nvSpPr>
-        <p:spPr/>
-        <p:txBody>
-          <a:bodyPr/>
-          <a:lstStyle/>
-          <a:p>
-            <a:endParaRPr lang="en-US">
-              <a:solidFill>
-                <a:prstClr val="black">
-                  <a:tint val="75000"/>
-                </a:prstClr>
-              </a:solidFill>
-            </a:endParaRPr>
-          </a:p>
-        </p:txBody>
-      </p:sp>
-      <p:sp>
-        <p:nvSpPr>
-          <p:cNvPr id="7" name="Slide Number Placeholder 6"/>
-          <p:cNvSpPr>
-            <a:spLocks noGrp="1"/>
-          </p:cNvSpPr>
-          <p:nvPr>
-            <p:ph type="sldNum" sz="quarter" idx="12"/>
-          </p:nvPr>
-        </p:nvSpPr>
-        <p:spPr/>
-        <p:txBody>
-          <a:bodyPr/>
-          <a:lstStyle/>
-          <a:p>
-            <a:fld id="{4D8D7F36-4D84-4D9B-8FFC-A04433F045BE}" type="slidenum">
-              <a:rPr lang="en-US" smtClean="0">
-                <a:solidFill>
-                  <a:prstClr val="black">
-                    <a:tint val="75000"/>
-                  </a:prstClr>
-                </a:solidFill>
-              </a:rPr>
-              <a:pPr/>
-              <a:t>‹#›</a:t>
-            </a:fld>
-            <a:endParaRPr lang="en-US">
-              <a:solidFill>
-                <a:prstClr val="black">
-                  <a:tint val="75000"/>
-                </a:prstClr>
-              </a:solidFill>
-            </a:endParaRPr>
-          </a:p>
-        </p:txBody>
-      </p:sp>
-    </p:spTree>
-    <p:extLst>
-      <p:ext uri="{BB962C8B-B14F-4D97-AF65-F5344CB8AC3E}">
-        <p14:creationId xmlns:p14="http://schemas.microsoft.com/office/powerpoint/2010/main" val="2473497175"/>
-      </p:ext>
-    </p:extLst>
-  </p:cSld>
-  <p:clrMapOvr>
-    <a:masterClrMapping/>
-  </p:clrMapOvr>
-</p:sldLayout>
-</file>
-
 <file path=ppt/slideMasters/slideMaster1.xml><?xml version="1.0" encoding="utf-8"?>
-<p:sldMaster xmlns:a="http://schemas.openxmlformats.org/drawingml/2006/main" xmlns:r="http://schemas.openxmlformats.org/officeDocument/2006/relationships" xmlns:p="http://schemas.openxmlformats.org/presentationml/2006/main">
-  <p:cSld>
-    <p:bg>
-      <p:bgRef idx="1001">
-        <a:schemeClr val="bg1"/>
-      </p:bgRef>
-    </p:bg>
-    <p:spTree>
-      <p:nvGrpSpPr>
-        <p:cNvPr id="1" name=""/>
-        <p:cNvGrpSpPr/>
-        <p:nvPr/>
-      </p:nvGrpSpPr>
-      <p:grpSpPr>
-        <a:xfrm>
-          <a:off x="0" y="0"/>
-          <a:ext cx="0" cy="0"/>
-          <a:chOff x="0" y="0"/>
-          <a:chExt cx="0" cy="0"/>
-        </a:xfrm>
-      </p:grpSpPr>
-      <p:sp>
-        <p:nvSpPr>
-          <p:cNvPr id="2" name="Title Placeholder 1"/>
-          <p:cNvSpPr>
-            <a:spLocks noGrp="1"/>
-          </p:cNvSpPr>
-          <p:nvPr>
-            <p:ph type="title"/>
-          </p:nvPr>
-        </p:nvSpPr>
-        <p:spPr>
-          <a:xfrm>
-            <a:off x="457200" y="274638"/>
-            <a:ext cx="8229600" cy="1143000"/>
-          </a:xfrm>
-          <a:prstGeom prst="rect">
-            <a:avLst/>
-          </a:prstGeom>
-        </p:spPr>
-        <p:txBody>
-          <a:bodyPr vert="horz" lIns="91440" tIns="45720" rIns="91440" bIns="45720" rtlCol="0" anchor="ctr">
-            <a:normAutofit/>
-          </a:bodyPr>
-          <a:lstStyle/>
-          <a:p>
-            <a:r>
-              <a:rPr lang="en-US" smtClean="0"/>
-              <a:t>Click to edit Master title style</a:t>
-            </a:r>
-            <a:endParaRPr lang="en-US"/>
-          </a:p>
-        </p:txBody>
-      </p:sp>
-      <p:sp>
-        <p:nvSpPr>
-          <p:cNvPr id="3" name="Text Placeholder 2"/>
-          <p:cNvSpPr>
-            <a:spLocks noGrp="1"/>
-          </p:cNvSpPr>
-          <p:nvPr>
-            <p:ph type="body" idx="1"/>
-          </p:nvPr>
-        </p:nvSpPr>
-        <p:spPr>
-          <a:xfrm>
-            <a:off x="457200" y="1600200"/>
-            <a:ext cx="8229600" cy="4525963"/>
-          </a:xfrm>
-          <a:prstGeom prst="rect">
-            <a:avLst/>
-          </a:prstGeom>
-        </p:spPr>
-        <p:txBody>
-          <a:bodyPr vert="horz" lIns="91440" tIns="45720" rIns="91440" bIns="45720" rtlCol="0">
-            <a:normAutofit/>
-          </a:bodyPr>
-          <a:lstStyle/>
-          <a:p>
-            <a:pPr lvl="0"/>
-            <a:r>
-              <a:rPr lang="en-US" smtClean="0"/>
-              <a:t>Click to edit Master text styles</a:t>
-            </a:r>
-          </a:p>
-          <a:p>
-            <a:pPr lvl="1"/>
-            <a:r>
-              <a:rPr lang="en-US" smtClean="0"/>
-              <a:t>Second level</a:t>
-            </a:r>
-          </a:p>
-          <a:p>
-            <a:pPr lvl="2"/>
-            <a:r>
-              <a:rPr lang="en-US" smtClean="0"/>
-              <a:t>Third level</a:t>
-            </a:r>
-          </a:p>
-          <a:p>
-            <a:pPr lvl="3"/>
-            <a:r>
-              <a:rPr lang="en-US" smtClean="0"/>
-              <a:t>Fourth level</a:t>
-            </a:r>
-          </a:p>
-          <a:p>
-            <a:pPr lvl="4"/>
-            <a:r>
-              <a:rPr lang="en-US" smtClean="0"/>
-              <a:t>Fifth level</a:t>
-            </a:r>
-            <a:endParaRPr lang="en-US"/>
-          </a:p>
-        </p:txBody>
-      </p:sp>
-      <p:sp>
-        <p:nvSpPr>
-          <p:cNvPr id="4" name="Date Placeholder 3"/>
-          <p:cNvSpPr>
-            <a:spLocks noGrp="1"/>
-          </p:cNvSpPr>
-          <p:nvPr>
-            <p:ph type="dt" sz="half" idx="2"/>
-          </p:nvPr>
-        </p:nvSpPr>
-        <p:spPr>
-          <a:xfrm>
-            <a:off x="457200" y="6356350"/>
-            <a:ext cx="2133600" cy="365125"/>
-          </a:xfrm>
-          <a:prstGeom prst="rect">
-            <a:avLst/>
-          </a:prstGeom>
-        </p:spPr>
-        <p:txBody>
-          <a:bodyPr vert="horz" lIns="91440" tIns="45720" rIns="91440" bIns="45720" rtlCol="0" anchor="ctr"/>
-          <a:lstStyle>
-            <a:lvl1pPr algn="l">
-              <a:defRPr sz="1200">
-                <a:solidFill>
-                  <a:schemeClr val="tx1">
-                    <a:tint val="75000"/>
-                  </a:schemeClr>
-                </a:solidFill>
-              </a:defRPr>
-            </a:lvl1pPr>
-          </a:lstStyle>
-          <a:p>
-            <a:pPr fontAlgn="auto">
-              <a:spcBef>
-                <a:spcPts val="0"/>
-              </a:spcBef>
-              <a:spcAft>
-                <a:spcPts val="0"/>
-              </a:spcAft>
-            </a:pPr>
-            <a:fld id="{F3BB1F19-4BA3-4ED5-9FA4-8D8D35FFE7BA}" type="datetimeFigureOut">
-              <a:rPr lang="en-US" smtClean="0">
-                <a:solidFill>
-                  <a:prstClr val="black">
-                    <a:tint val="75000"/>
-                  </a:prstClr>
-                </a:solidFill>
-                <a:latin typeface="Calibri"/>
-              </a:rPr>
-              <a:pPr fontAlgn="auto">
-                <a:spcBef>
-                  <a:spcPts val="0"/>
-                </a:spcBef>
-                <a:spcAft>
-                  <a:spcPts val="0"/>
-                </a:spcAft>
-              </a:pPr>
-              <a:t>1/13/2016</a:t>
-            </a:fld>
-            <a:endParaRPr lang="en-US">
-              <a:solidFill>
-                <a:prstClr val="black">
-                  <a:tint val="75000"/>
-                </a:prstClr>
-              </a:solidFill>
-              <a:latin typeface="Calibri"/>
-            </a:endParaRPr>
-          </a:p>
-        </p:txBody>
-      </p:sp>
-      <p:sp>
-        <p:nvSpPr>
-          <p:cNvPr id="5" name="Footer Placeholder 4"/>
-          <p:cNvSpPr>
-            <a:spLocks noGrp="1"/>
-          </p:cNvSpPr>
-          <p:nvPr>
-            <p:ph type="ftr" sz="quarter" idx="3"/>
-          </p:nvPr>
-        </p:nvSpPr>
-        <p:spPr>
-          <a:xfrm>
-            <a:off x="3124200" y="6356350"/>
-            <a:ext cx="2895600" cy="365125"/>
-          </a:xfrm>
-          <a:prstGeom prst="rect">
-            <a:avLst/>
-          </a:prstGeom>
-        </p:spPr>
-        <p:txBody>
-          <a:bodyPr vert="horz" lIns="91440" tIns="45720" rIns="91440" bIns="45720" rtlCol="0" anchor="ctr"/>
-          <a:lstStyle>
-            <a:lvl1pPr algn="ctr">
-              <a:defRPr sz="1200">
-                <a:solidFill>
-                  <a:schemeClr val="tx1">
-                    <a:tint val="75000"/>
-                  </a:schemeClr>
-                </a:solidFill>
-              </a:defRPr>
-            </a:lvl1pPr>
-          </a:lstStyle>
-          <a:p>
-            <a:pPr fontAlgn="auto">
-              <a:spcBef>
-                <a:spcPts val="0"/>
-              </a:spcBef>
-              <a:spcAft>
-                <a:spcPts val="0"/>
-              </a:spcAft>
-            </a:pPr>
-            <a:endParaRPr lang="en-US">
-              <a:solidFill>
-                <a:prstClr val="black">
-                  <a:tint val="75000"/>
-                </a:prstClr>
-              </a:solidFill>
-              <a:latin typeface="Calibri"/>
-            </a:endParaRPr>
-          </a:p>
-        </p:txBody>
-      </p:sp>
-      <p:sp>
-        <p:nvSpPr>
-          <p:cNvPr id="6" name="Slide Number Placeholder 5"/>
-          <p:cNvSpPr>
-            <a:spLocks noGrp="1"/>
-          </p:cNvSpPr>
-          <p:nvPr>
-            <p:ph type="sldNum" sz="quarter" idx="4"/>
-          </p:nvPr>
-        </p:nvSpPr>
-        <p:spPr>
-          <a:xfrm>
-            <a:off x="6553200" y="6356350"/>
-            <a:ext cx="2133600" cy="365125"/>
-          </a:xfrm>
-          <a:prstGeom prst="rect">
-            <a:avLst/>
-          </a:prstGeom>
-        </p:spPr>
-        <p:txBody>
-          <a:bodyPr vert="horz" lIns="91440" tIns="45720" rIns="91440" bIns="45720" rtlCol="0" anchor="ctr"/>
-          <a:lstStyle>
-            <a:lvl1pPr algn="r">
-              <a:defRPr sz="1200">
-                <a:solidFill>
-                  <a:schemeClr val="tx1">
-                    <a:tint val="75000"/>
-                  </a:schemeClr>
-                </a:solidFill>
-              </a:defRPr>
-            </a:lvl1pPr>
-          </a:lstStyle>
-          <a:p>
-            <a:pPr fontAlgn="auto">
-              <a:spcBef>
-                <a:spcPts val="0"/>
-              </a:spcBef>
-              <a:spcAft>
-                <a:spcPts val="0"/>
-              </a:spcAft>
-            </a:pPr>
-            <a:fld id="{4D8D7F36-4D84-4D9B-8FFC-A04433F045BE}" type="slidenum">
-              <a:rPr lang="en-US" smtClean="0">
-                <a:solidFill>
-                  <a:prstClr val="black">
-                    <a:tint val="75000"/>
-                  </a:prstClr>
-                </a:solidFill>
-                <a:latin typeface="Calibri"/>
-              </a:rPr>
-              <a:pPr fontAlgn="auto">
-                <a:spcBef>
-                  <a:spcPts val="0"/>
-                </a:spcBef>
-                <a:spcAft>
-                  <a:spcPts val="0"/>
-                </a:spcAft>
-              </a:pPr>
-              <a:t>‹#›</a:t>
-            </a:fld>
-            <a:endParaRPr lang="en-US">
-              <a:solidFill>
-                <a:prstClr val="black">
-                  <a:tint val="75000"/>
-                </a:prstClr>
-              </a:solidFill>
-              <a:latin typeface="Calibri"/>
-            </a:endParaRPr>
-          </a:p>
-        </p:txBody>
-      </p:sp>
-    </p:spTree>
-    <p:extLst>
-      <p:ext uri="{BB962C8B-B14F-4D97-AF65-F5344CB8AC3E}">
-        <p14:creationId xmlns:p14="http://schemas.microsoft.com/office/powerpoint/2010/main" val="200499195"/>
-      </p:ext>
-    </p:extLst>
-  </p:cSld>
-  <p:clrMap bg1="lt1" tx1="dk1" bg2="lt2" tx2="dk2" accent1="accent1" accent2="accent2" accent3="accent3" accent4="accent4" accent5="accent5" accent6="accent6" hlink="hlink" folHlink="folHlink"/>
-  <p:sldLayoutIdLst>
-    <p:sldLayoutId id="2147483676" r:id="rId1"/>
-    <p:sldLayoutId id="2147483677" r:id="rId2"/>
-    <p:sldLayoutId id="2147483678" r:id="rId3"/>
-    <p:sldLayoutId id="2147483679" r:id="rId4"/>
-    <p:sldLayoutId id="2147483680" r:id="rId5"/>
-    <p:sldLayoutId id="2147483681" r:id="rId6"/>
-    <p:sldLayoutId id="2147483682" r:id="rId7"/>
-    <p:sldLayoutId id="2147483683" r:id="rId8"/>
-    <p:sldLayoutId id="2147483684" r:id="rId9"/>
-    <p:sldLayoutId id="2147483685" r:id="rId10"/>
-    <p:sldLayoutId id="2147483686" r:id="rId11"/>
-  </p:sldLayoutIdLst>
-  <p:txStyles>
-    <p:titleStyle>
-      <a:lvl1pPr algn="ctr" defTabSz="914400" rtl="0" eaLnBrk="1" latinLnBrk="0" hangingPunct="1">
-        <a:spcBef>
-          <a:spcPct val="0"/>
-        </a:spcBef>
-        <a:buNone/>
-        <a:defRPr sz="4400" kern="1200">
-          <a:solidFill>
-            <a:schemeClr val="tx1"/>
-          </a:solidFill>
-          <a:latin typeface="+mj-lt"/>
-          <a:ea typeface="+mj-ea"/>
-          <a:cs typeface="+mj-cs"/>
-        </a:defRPr>
-      </a:lvl1pPr>
-    </p:titleStyle>
-    <p:bodyStyle>
-      <a:lvl1pPr marL="342900" indent="-342900" algn="l" defTabSz="914400" rtl="0" eaLnBrk="1" latinLnBrk="0" hangingPunct="1">
-        <a:spcBef>
-          <a:spcPct val="20000"/>
-        </a:spcBef>
-        <a:buFont typeface="Arial" pitchFamily="34" charset="0"/>
-        <a:buChar char="•"/>
-        <a:defRPr sz="3200" kern="1200">
-          <a:solidFill>
-            <a:schemeClr val="tx1"/>
-          </a:solidFill>
-          <a:latin typeface="+mn-lt"/>
-          <a:ea typeface="+mn-ea"/>
-          <a:cs typeface="+mn-cs"/>
-        </a:defRPr>
-      </a:lvl1pPr>
-      <a:lvl2pPr marL="742950" indent="-285750" algn="l" defTabSz="914400" rtl="0" eaLnBrk="1" latinLnBrk="0" hangingPunct="1">
-        <a:spcBef>
-          <a:spcPct val="20000"/>
-        </a:spcBef>
-        <a:buFont typeface="Arial" pitchFamily="34" charset="0"/>
-        <a:buChar char="–"/>
-        <a:defRPr sz="2800" kern="1200">
-          <a:solidFill>
-            <a:schemeClr val="tx1"/>
-          </a:solidFill>
-          <a:latin typeface="+mn-lt"/>
-          <a:ea typeface="+mn-ea"/>
-          <a:cs typeface="+mn-cs"/>
-        </a:defRPr>
-      </a:lvl2pPr>
-      <a:lvl3pPr marL="1143000" indent="-228600" algn="l" defTabSz="914400" rtl="0" eaLnBrk="1" latinLnBrk="0" hangingPunct="1">
-        <a:spcBef>
-          <a:spcPct val="20000"/>
-        </a:spcBef>
-        <a:buFont typeface="Arial" pitchFamily="34" charset="0"/>
-        <a:buChar char="•"/>
-        <a:defRPr sz="2400" kern="1200">
-          <a:solidFill>
-            <a:schemeClr val="tx1"/>
-          </a:solidFill>
-          <a:latin typeface="+mn-lt"/>
-          <a:ea typeface="+mn-ea"/>
-          <a:cs typeface="+mn-cs"/>
-        </a:defRPr>
-      </a:lvl3pPr>
-      <a:lvl4pPr marL="1600200" indent="-228600" algn="l" defTabSz="914400" rtl="0" eaLnBrk="1" latinLnBrk="0" hangingPunct="1">
-        <a:spcBef>
-          <a:spcPct val="20000"/>
-        </a:spcBef>
-        <a:buFont typeface="Arial" pitchFamily="34" charset="0"/>
-        <a:buChar char="–"/>
-        <a:defRPr sz="2000" kern="1200">
-          <a:solidFill>
-            <a:schemeClr val="tx1"/>
-          </a:solidFill>
-          <a:latin typeface="+mn-lt"/>
-          <a:ea typeface="+mn-ea"/>
-          <a:cs typeface="+mn-cs"/>
-        </a:defRPr>
-      </a:lvl4pPr>
-      <a:lvl5pPr marL="2057400" indent="-228600" algn="l" defTabSz="914400" rtl="0" eaLnBrk="1" latinLnBrk="0" hangingPunct="1">
-        <a:spcBef>
-          <a:spcPct val="20000"/>
-        </a:spcBef>
-        <a:buFont typeface="Arial" pitchFamily="34" charset="0"/>
-        <a:buChar char="»"/>
-        <a:defRPr sz="2000" kern="1200">
-          <a:solidFill>
-            <a:schemeClr val="tx1"/>
-          </a:solidFill>
-          <a:latin typeface="+mn-lt"/>
-          <a:ea typeface="+mn-ea"/>
-          <a:cs typeface="+mn-cs"/>
-        </a:defRPr>
-      </a:lvl5pPr>
-      <a:lvl6pPr marL="2514600" indent="-228600" algn="l" defTabSz="914400" rtl="0" eaLnBrk="1" latinLnBrk="0" hangingPunct="1">
-        <a:spcBef>
-          <a:spcPct val="20000"/>
-        </a:spcBef>
-        <a:buFont typeface="Arial" pitchFamily="34" charset="0"/>
-        <a:buChar char="•"/>
-        <a:defRPr sz="2000" kern="1200">
-          <a:solidFill>
-            <a:schemeClr val="tx1"/>
-          </a:solidFill>
-          <a:latin typeface="+mn-lt"/>
-          <a:ea typeface="+mn-ea"/>
-          <a:cs typeface="+mn-cs"/>
-        </a:defRPr>
-      </a:lvl6pPr>
-      <a:lvl7pPr marL="2971800" indent="-228600" algn="l" defTabSz="914400" rtl="0" eaLnBrk="1" latinLnBrk="0" hangingPunct="1">
-        <a:spcBef>
-          <a:spcPct val="20000"/>
-        </a:spcBef>
-        <a:buFont typeface="Arial" pitchFamily="34" charset="0"/>
-        <a:buChar char="•"/>
-        <a:defRPr sz="2000" kern="1200">
-          <a:solidFill>
-            <a:schemeClr val="tx1"/>
-          </a:solidFill>
-          <a:latin typeface="+mn-lt"/>
-          <a:ea typeface="+mn-ea"/>
-          <a:cs typeface="+mn-cs"/>
-        </a:defRPr>
-      </a:lvl7pPr>
-      <a:lvl8pPr marL="3429000" indent="-228600" algn="l" defTabSz="914400" rtl="0" eaLnBrk="1" latinLnBrk="0" hangingPunct="1">
-        <a:spcBef>
-          <a:spcPct val="20000"/>
-        </a:spcBef>
-        <a:buFont typeface="Arial" pitchFamily="34" charset="0"/>
-        <a:buChar char="•"/>
-        <a:defRPr sz="2000" kern="1200">
-          <a:solidFill>
-            <a:schemeClr val="tx1"/>
-          </a:solidFill>
-          <a:latin typeface="+mn-lt"/>
-          <a:ea typeface="+mn-ea"/>
-          <a:cs typeface="+mn-cs"/>
-        </a:defRPr>
-      </a:lvl8pPr>
-      <a:lvl9pPr marL="3886200" indent="-228600" algn="l" defTabSz="914400" rtl="0" eaLnBrk="1" latinLnBrk="0" hangingPunct="1">
-        <a:spcBef>
-          <a:spcPct val="20000"/>
-        </a:spcBef>
-        <a:buFont typeface="Arial" pitchFamily="34" charset="0"/>
-        <a:buChar char="•"/>
-        <a:defRPr sz="2000" kern="1200">
-          <a:solidFill>
-            <a:schemeClr val="tx1"/>
-          </a:solidFill>
-          <a:latin typeface="+mn-lt"/>
-          <a:ea typeface="+mn-ea"/>
-          <a:cs typeface="+mn-cs"/>
-        </a:defRPr>
-      </a:lvl9pPr>
-    </p:bodyStyle>
-    <p:otherStyle>
-      <a:defPPr>
-        <a:defRPr lang="en-US"/>
-      </a:defPPr>
-      <a:lvl1pPr marL="0" algn="l" defTabSz="914400" rtl="0" eaLnBrk="1" latinLnBrk="0" hangingPunct="1">
-        <a:defRPr sz="1800" kern="1200">
-          <a:solidFill>
-            <a:schemeClr val="tx1"/>
-          </a:solidFill>
-          <a:latin typeface="+mn-lt"/>
-          <a:ea typeface="+mn-ea"/>
-          <a:cs typeface="+mn-cs"/>
-        </a:defRPr>
-      </a:lvl1pPr>
-      <a:lvl2pPr marL="457200" algn="l" defTabSz="914400" rtl="0" eaLnBrk="1" latinLnBrk="0" hangingPunct="1">
-        <a:defRPr sz="1800" kern="1200">
-          <a:solidFill>
-            <a:schemeClr val="tx1"/>
-          </a:solidFill>
-          <a:latin typeface="+mn-lt"/>
-          <a:ea typeface="+mn-ea"/>
-          <a:cs typeface="+mn-cs"/>
-        </a:defRPr>
-      </a:lvl2pPr>
-      <a:lvl3pPr marL="914400" algn="l" defTabSz="914400" rtl="0" eaLnBrk="1" latinLnBrk="0" hangingPunct="1">
-        <a:defRPr sz="1800" kern="1200">
-          <a:solidFill>
-            <a:schemeClr val="tx1"/>
-          </a:solidFill>
-          <a:latin typeface="+mn-lt"/>
-          <a:ea typeface="+mn-ea"/>
-          <a:cs typeface="+mn-cs"/>
-        </a:defRPr>
-      </a:lvl3pPr>
-      <a:lvl4pPr marL="1371600" algn="l" defTabSz="914400" rtl="0" eaLnBrk="1" latinLnBrk="0" hangingPunct="1">
-        <a:defRPr sz="1800" kern="1200">
-          <a:solidFill>
-            <a:schemeClr val="tx1"/>
-          </a:solidFill>
-          <a:latin typeface="+mn-lt"/>
-          <a:ea typeface="+mn-ea"/>
-          <a:cs typeface="+mn-cs"/>
-        </a:defRPr>
-      </a:lvl4pPr>
-      <a:lvl5pPr marL="1828800" algn="l" defTabSz="914400" rtl="0" eaLnBrk="1" latinLnBrk="0" hangingPunct="1">
-        <a:defRPr sz="1800" kern="1200">
-          <a:solidFill>
-            <a:schemeClr val="tx1"/>
-          </a:solidFill>
-          <a:latin typeface="+mn-lt"/>
-          <a:ea typeface="+mn-ea"/>
-          <a:cs typeface="+mn-cs"/>
-        </a:defRPr>
-      </a:lvl5pPr>
-      <a:lvl6pPr marL="2286000" algn="l" defTabSz="914400" rtl="0" eaLnBrk="1" latinLnBrk="0" hangingPunct="1">
-        <a:defRPr sz="1800" kern="1200">
-          <a:solidFill>
-            <a:schemeClr val="tx1"/>
-          </a:solidFill>
-          <a:latin typeface="+mn-lt"/>
-          <a:ea typeface="+mn-ea"/>
-          <a:cs typeface="+mn-cs"/>
-        </a:defRPr>
-      </a:lvl6pPr>
-      <a:lvl7pPr marL="2743200" algn="l" defTabSz="914400" rtl="0" eaLnBrk="1" latinLnBrk="0" hangingPunct="1">
-        <a:defRPr sz="1800" kern="1200">
-          <a:solidFill>
-            <a:schemeClr val="tx1"/>
-          </a:solidFill>
-          <a:latin typeface="+mn-lt"/>
-          <a:ea typeface="+mn-ea"/>
-          <a:cs typeface="+mn-cs"/>
-        </a:defRPr>
-      </a:lvl7pPr>
-      <a:lvl8pPr marL="3200400" algn="l" defTabSz="914400" rtl="0" eaLnBrk="1" latinLnBrk="0" hangingPunct="1">
-        <a:defRPr sz="1800" kern="1200">
-          <a:solidFill>
-            <a:schemeClr val="tx1"/>
-          </a:solidFill>
-          <a:latin typeface="+mn-lt"/>
-          <a:ea typeface="+mn-ea"/>
-          <a:cs typeface="+mn-cs"/>
-        </a:defRPr>
-      </a:lvl8pPr>
-      <a:lvl9pPr marL="3657600" algn="l" defTabSz="914400" rtl="0" eaLnBrk="1" latinLnBrk="0" hangingPunct="1">
-        <a:defRPr sz="1800" kern="1200">
-          <a:solidFill>
-            <a:schemeClr val="tx1"/>
-          </a:solidFill>
-          <a:latin typeface="+mn-lt"/>
-          <a:ea typeface="+mn-ea"/>
-          <a:cs typeface="+mn-cs"/>
-        </a:defRPr>
-      </a:lvl9pPr>
-    </p:otherStyle>
-  </p:txStyles>
-</p:sldMaster>
-</file>
-
-<file path=ppt/slideMasters/slideMaster2.xml><?xml version="1.0" encoding="utf-8"?>
 <p:sldMaster xmlns:a="http://schemas.openxmlformats.org/drawingml/2006/main" xmlns:r="http://schemas.openxmlformats.org/officeDocument/2006/relationships" xmlns:p="http://schemas.openxmlformats.org/presentationml/2006/main">
   <p:cSld>
     <p:bg>
@@ -7876,38 +4339,6 @@
           </a:p>
         </p:txBody>
       </p:sp>
-      <p:pic>
-        <p:nvPicPr>
-          <p:cNvPr id="1030" name="Picture 41" descr="usafaseal2"/>
-          <p:cNvPicPr>
-            <a:picLocks noChangeAspect="1" noChangeArrowheads="1"/>
-          </p:cNvPicPr>
-          <p:nvPr userDrawn="1"/>
-        </p:nvPicPr>
-        <p:blipFill>
-          <a:blip r:embed="rId14" cstate="print"/>
-          <a:srcRect/>
-          <a:stretch>
-            <a:fillRect/>
-          </a:stretch>
-        </p:blipFill>
-        <p:spPr bwMode="auto">
-          <a:xfrm>
-            <a:off x="385763" y="0"/>
-            <a:ext cx="1287462" cy="1352550"/>
-          </a:xfrm>
-          <a:prstGeom prst="rect">
-            <a:avLst/>
-          </a:prstGeom>
-          <a:noFill/>
-          <a:ln w="9525">
-            <a:noFill/>
-            <a:miter lim="800000"/>
-            <a:headEnd/>
-            <a:tailEnd/>
-          </a:ln>
-        </p:spPr>
-      </p:pic>
       <p:sp>
         <p:nvSpPr>
           <p:cNvPr id="1067" name="Text Box 43"/>
@@ -8066,6 +4497,47 @@
           </a:p>
         </p:txBody>
       </p:sp>
+      <p:pic>
+        <p:nvPicPr>
+          <p:cNvPr id="9" name="Picture 2" descr="C:\Users\Ashley.Murphy\Desktop\USAFA%20Logo%20v%203%20line%20CMYK.png"/>
+          <p:cNvPicPr>
+            <a:picLocks noChangeAspect="1" noChangeArrowheads="1"/>
+          </p:cNvPicPr>
+          <p:nvPr userDrawn="1"/>
+        </p:nvPicPr>
+        <p:blipFill>
+          <a:blip r:embed="rId14" cstate="print">
+            <a:extLst>
+              <a:ext uri="{28A0092B-C50C-407E-A947-70E740481C1C}">
+                <a14:useLocalDpi xmlns:a14="http://schemas.microsoft.com/office/drawing/2010/main" val="0"/>
+              </a:ext>
+            </a:extLst>
+          </a:blip>
+          <a:srcRect/>
+          <a:stretch>
+            <a:fillRect/>
+          </a:stretch>
+        </p:blipFill>
+        <p:spPr bwMode="auto">
+          <a:xfrm>
+            <a:off x="462599" y="76200"/>
+            <a:ext cx="1065031" cy="1213885"/>
+          </a:xfrm>
+          <a:prstGeom prst="rect">
+            <a:avLst/>
+          </a:prstGeom>
+          <a:noFill/>
+          <a:extLst>
+            <a:ext uri="{909E8E84-426E-40DD-AFC4-6F175D3DCCD1}">
+              <a14:hiddenFill xmlns:a14="http://schemas.microsoft.com/office/drawing/2010/main">
+                <a:solidFill>
+                  <a:srgbClr val="FFFFFF"/>
+                </a:solidFill>
+              </a14:hiddenFill>
+            </a:ext>
+          </a:extLst>
+        </p:spPr>
+      </p:pic>
     </p:spTree>
     <p:extLst>
       <p:ext uri="{BB962C8B-B14F-4D97-AF65-F5344CB8AC3E}">
@@ -8522,103 +4994,62 @@
       </p:grpSpPr>
       <p:sp>
         <p:nvSpPr>
-          <p:cNvPr id="4098" name="Rectangle 2"/>
+          <p:cNvPr id="4" name="Line 14"/>
           <p:cNvSpPr>
-            <a:spLocks noGrp="1" noChangeArrowheads="1"/>
+            <a:spLocks noChangeShapeType="1"/>
           </p:cNvSpPr>
-          <p:nvPr>
-            <p:ph type="ctrTitle"/>
-          </p:nvPr>
+          <p:nvPr/>
         </p:nvSpPr>
-        <p:spPr>
+        <p:spPr bwMode="auto">
           <a:xfrm>
-            <a:off x="0" y="1524000"/>
-            <a:ext cx="9144000" cy="1905000"/>
+            <a:off x="381000" y="6451600"/>
+            <a:ext cx="8382000" cy="0"/>
           </a:xfrm>
+          <a:prstGeom prst="line">
+            <a:avLst/>
+          </a:prstGeom>
+          <a:noFill/>
+          <a:ln w="57150">
+            <a:solidFill>
+              <a:srgbClr val="0C2D83"/>
+            </a:solidFill>
+            <a:round/>
+            <a:headEnd/>
+            <a:tailEnd/>
+          </a:ln>
+          <a:effectLst/>
         </p:spPr>
         <p:txBody>
-          <a:bodyPr>
-            <a:normAutofit fontScale="90000"/>
-          </a:bodyPr>
+          <a:bodyPr wrap="none" anchor="ctr"/>
           <a:lstStyle/>
           <a:p>
-            <a:pPr algn="ctr"/>
-            <a:r>
-              <a:rPr lang="en-US" sz="4000" dirty="0" smtClean="0"/>
-              <a:t>ECE 383 – Embedded Computer Systems II</a:t>
-            </a:r>
-            <a:br>
-              <a:rPr lang="en-US" sz="4000" dirty="0" smtClean="0"/>
-            </a:br>
-            <a:r>
-              <a:rPr lang="en-US" sz="4000" dirty="0" smtClean="0"/>
-              <a:t>Lecture 3 – Combinational Element, unsigned, UCF file, synthesis</a:t>
-            </a:r>
+            <a:pPr algn="ctr" eaLnBrk="0" hangingPunct="0">
+              <a:spcBef>
+                <a:spcPct val="0"/>
+              </a:spcBef>
+              <a:defRPr/>
+            </a:pPr>
+            <a:endParaRPr lang="en-US" sz="1400" dirty="0">
+              <a:solidFill>
+                <a:srgbClr val="000000"/>
+              </a:solidFill>
+              <a:latin typeface="Arial" charset="0"/>
+            </a:endParaRPr>
           </a:p>
         </p:txBody>
       </p:sp>
       <p:sp>
         <p:nvSpPr>
-          <p:cNvPr id="4099" name="Rectangle 3"/>
-          <p:cNvSpPr>
-            <a:spLocks noGrp="1" noChangeArrowheads="1"/>
+          <p:cNvPr id="8" name="Rectangle 13"/>
+          <p:cNvSpPr txBox="1">
+            <a:spLocks noChangeArrowheads="1"/>
           </p:cNvSpPr>
-          <p:nvPr>
-            <p:ph type="subTitle" idx="1"/>
-          </p:nvPr>
+          <p:nvPr/>
         </p:nvSpPr>
-        <p:spPr>
-          <a:xfrm>
-            <a:off x="3333750" y="3754438"/>
-            <a:ext cx="5048250" cy="2187575"/>
-          </a:xfrm>
-        </p:spPr>
-        <p:txBody>
-          <a:bodyPr>
-            <a:normAutofit/>
-          </a:bodyPr>
-          <a:lstStyle/>
-          <a:p>
-            <a:r>
-              <a:rPr lang="en-US" dirty="0" smtClean="0"/>
-              <a:t>Capt Jeffrey Falkinburg</a:t>
-            </a:r>
-            <a:br>
-              <a:rPr lang="en-US" dirty="0" smtClean="0"/>
-            </a:br>
-            <a:r>
-              <a:rPr lang="en-US" dirty="0" smtClean="0"/>
-              <a:t>Room 2E46C</a:t>
-            </a:r>
-            <a:br>
-              <a:rPr lang="en-US" dirty="0" smtClean="0"/>
-            </a:br>
-            <a:r>
-              <a:rPr lang="en-US" dirty="0" smtClean="0"/>
-              <a:t>333-7366</a:t>
-            </a:r>
-          </a:p>
-        </p:txBody>
-      </p:sp>
-      <p:pic>
-        <p:nvPicPr>
-          <p:cNvPr id="4101" name="Picture 31" descr="usafaseal2"/>
-          <p:cNvPicPr>
-            <a:picLocks noChangeAspect="1" noChangeArrowheads="1"/>
-          </p:cNvPicPr>
-          <p:nvPr/>
-        </p:nvPicPr>
-        <p:blipFill>
-          <a:blip r:embed="rId3" cstate="print"/>
-          <a:srcRect/>
-          <a:stretch>
-            <a:fillRect/>
-          </a:stretch>
-        </p:blipFill>
         <p:spPr bwMode="auto">
           <a:xfrm>
-            <a:off x="520700" y="2903538"/>
-            <a:ext cx="3035300" cy="3187700"/>
+            <a:off x="3070748" y="1774209"/>
+            <a:ext cx="5581888" cy="2854051"/>
           </a:xfrm>
           <a:prstGeom prst="rect">
             <a:avLst/>
@@ -8631,134 +5062,590 @@
             <a:tailEnd/>
           </a:ln>
         </p:spPr>
-      </p:pic>
+        <p:txBody>
+          <a:bodyPr vert="horz" wrap="square" lIns="91440" tIns="45720" rIns="91440" bIns="45720" numCol="1" anchor="ctr" anchorCtr="0" compatLnSpc="1">
+            <a:prstTxWarp prst="textNoShape">
+              <a:avLst/>
+            </a:prstTxWarp>
+          </a:bodyPr>
+          <a:lstStyle>
+            <a:lvl1pPr algn="r" rtl="0" eaLnBrk="0" fontAlgn="base" hangingPunct="0">
+              <a:spcBef>
+                <a:spcPct val="0"/>
+              </a:spcBef>
+              <a:spcAft>
+                <a:spcPct val="0"/>
+              </a:spcAft>
+              <a:defRPr sz="4400" b="1">
+                <a:solidFill>
+                  <a:srgbClr val="0C2D83"/>
+                </a:solidFill>
+                <a:effectLst>
+                  <a:outerShdw blurRad="38100" dist="38100" dir="2700000" algn="tl">
+                    <a:srgbClr val="000000">
+                      <a:alpha val="43137"/>
+                    </a:srgbClr>
+                  </a:outerShdw>
+                </a:effectLst>
+                <a:latin typeface="+mj-lt"/>
+                <a:ea typeface="+mj-ea"/>
+                <a:cs typeface="+mj-cs"/>
+              </a:defRPr>
+            </a:lvl1pPr>
+            <a:lvl2pPr algn="r" rtl="0" eaLnBrk="0" fontAlgn="base" hangingPunct="0">
+              <a:spcBef>
+                <a:spcPct val="0"/>
+              </a:spcBef>
+              <a:spcAft>
+                <a:spcPct val="0"/>
+              </a:spcAft>
+              <a:defRPr sz="3600" b="1">
+                <a:solidFill>
+                  <a:srgbClr val="0C2D83"/>
+                </a:solidFill>
+                <a:latin typeface="Arial" charset="0"/>
+              </a:defRPr>
+            </a:lvl2pPr>
+            <a:lvl3pPr algn="r" rtl="0" eaLnBrk="0" fontAlgn="base" hangingPunct="0">
+              <a:spcBef>
+                <a:spcPct val="0"/>
+              </a:spcBef>
+              <a:spcAft>
+                <a:spcPct val="0"/>
+              </a:spcAft>
+              <a:defRPr sz="3600" b="1">
+                <a:solidFill>
+                  <a:srgbClr val="0C2D83"/>
+                </a:solidFill>
+                <a:latin typeface="Arial" charset="0"/>
+              </a:defRPr>
+            </a:lvl3pPr>
+            <a:lvl4pPr algn="r" rtl="0" eaLnBrk="0" fontAlgn="base" hangingPunct="0">
+              <a:spcBef>
+                <a:spcPct val="0"/>
+              </a:spcBef>
+              <a:spcAft>
+                <a:spcPct val="0"/>
+              </a:spcAft>
+              <a:defRPr sz="3600" b="1">
+                <a:solidFill>
+                  <a:srgbClr val="0C2D83"/>
+                </a:solidFill>
+                <a:latin typeface="Arial" charset="0"/>
+              </a:defRPr>
+            </a:lvl4pPr>
+            <a:lvl5pPr algn="r" rtl="0" eaLnBrk="0" fontAlgn="base" hangingPunct="0">
+              <a:spcBef>
+                <a:spcPct val="0"/>
+              </a:spcBef>
+              <a:spcAft>
+                <a:spcPct val="0"/>
+              </a:spcAft>
+              <a:defRPr sz="3600" b="1">
+                <a:solidFill>
+                  <a:srgbClr val="0C2D83"/>
+                </a:solidFill>
+                <a:latin typeface="Arial" charset="0"/>
+              </a:defRPr>
+            </a:lvl5pPr>
+            <a:lvl6pPr marL="457200" algn="r" rtl="0" fontAlgn="base">
+              <a:spcBef>
+                <a:spcPct val="0"/>
+              </a:spcBef>
+              <a:spcAft>
+                <a:spcPct val="0"/>
+              </a:spcAft>
+              <a:defRPr sz="3600" b="1">
+                <a:solidFill>
+                  <a:srgbClr val="0C2D83"/>
+                </a:solidFill>
+                <a:latin typeface="Arial" charset="0"/>
+              </a:defRPr>
+            </a:lvl6pPr>
+            <a:lvl7pPr marL="914400" algn="r" rtl="0" fontAlgn="base">
+              <a:spcBef>
+                <a:spcPct val="0"/>
+              </a:spcBef>
+              <a:spcAft>
+                <a:spcPct val="0"/>
+              </a:spcAft>
+              <a:defRPr sz="3600" b="1">
+                <a:solidFill>
+                  <a:srgbClr val="0C2D83"/>
+                </a:solidFill>
+                <a:latin typeface="Arial" charset="0"/>
+              </a:defRPr>
+            </a:lvl7pPr>
+            <a:lvl8pPr marL="1371600" algn="r" rtl="0" fontAlgn="base">
+              <a:spcBef>
+                <a:spcPct val="0"/>
+              </a:spcBef>
+              <a:spcAft>
+                <a:spcPct val="0"/>
+              </a:spcAft>
+              <a:defRPr sz="3600" b="1">
+                <a:solidFill>
+                  <a:srgbClr val="0C2D83"/>
+                </a:solidFill>
+                <a:latin typeface="Arial" charset="0"/>
+              </a:defRPr>
+            </a:lvl8pPr>
+            <a:lvl9pPr marL="1828800" algn="r" rtl="0" fontAlgn="base">
+              <a:spcBef>
+                <a:spcPct val="0"/>
+              </a:spcBef>
+              <a:spcAft>
+                <a:spcPct val="0"/>
+              </a:spcAft>
+              <a:defRPr sz="3600" b="1">
+                <a:solidFill>
+                  <a:srgbClr val="0C2D83"/>
+                </a:solidFill>
+                <a:latin typeface="Arial" charset="0"/>
+              </a:defRPr>
+            </a:lvl9pPr>
+          </a:lstStyle>
+          <a:p>
+            <a:pPr algn="ctr"/>
+            <a:r>
+              <a:rPr lang="en-US" sz="4000" kern="0" dirty="0">
+                <a:effectLst/>
+                <a:latin typeface="Trebuchet MS" panose="020B0603020202020204" pitchFamily="34" charset="0"/>
+              </a:rPr>
+              <a:t>ECE 383 – Embedded </a:t>
+            </a:r>
+            <a:r>
+              <a:rPr lang="en-US" sz="4000" kern="0" dirty="0" smtClean="0">
+                <a:effectLst/>
+                <a:latin typeface="Trebuchet MS" panose="020B0603020202020204" pitchFamily="34" charset="0"/>
+              </a:rPr>
+              <a:t>Computer Systems </a:t>
+            </a:r>
+            <a:r>
+              <a:rPr lang="en-US" sz="4000" kern="0" dirty="0">
+                <a:effectLst/>
+                <a:latin typeface="Trebuchet MS" panose="020B0603020202020204" pitchFamily="34" charset="0"/>
+              </a:rPr>
+              <a:t>II</a:t>
+            </a:r>
+            <a:br>
+              <a:rPr lang="en-US" sz="4000" kern="0" dirty="0">
+                <a:effectLst/>
+                <a:latin typeface="Trebuchet MS" panose="020B0603020202020204" pitchFamily="34" charset="0"/>
+              </a:rPr>
+            </a:br>
+            <a:r>
+              <a:rPr lang="en-US" sz="3200" kern="0" dirty="0">
+                <a:effectLst/>
+                <a:latin typeface="Trebuchet MS" panose="020B0603020202020204" pitchFamily="34" charset="0"/>
+              </a:rPr>
+              <a:t>Lecture </a:t>
+            </a:r>
+            <a:r>
+              <a:rPr lang="en-US" sz="3200" kern="0" dirty="0" smtClean="0">
+                <a:effectLst/>
+                <a:latin typeface="Trebuchet MS" panose="020B0603020202020204" pitchFamily="34" charset="0"/>
+              </a:rPr>
+              <a:t>2 </a:t>
+            </a:r>
+            <a:r>
+              <a:rPr lang="en-US" sz="3200" kern="0" dirty="0">
+                <a:effectLst/>
+                <a:latin typeface="Trebuchet MS" panose="020B0603020202020204" pitchFamily="34" charset="0"/>
+              </a:rPr>
+              <a:t>– </a:t>
+            </a:r>
+            <a:r>
+              <a:rPr lang="en-US" sz="3200" kern="0" dirty="0">
+                <a:effectLst/>
+                <a:latin typeface="Trebuchet MS" panose="020B0603020202020204" pitchFamily="34" charset="0"/>
+              </a:rPr>
+              <a:t>Combinational Element, unsigned, constraints file, synthesis</a:t>
+            </a:r>
+            <a:endParaRPr lang="en-US" sz="3200" kern="0" dirty="0">
+              <a:effectLst/>
+              <a:latin typeface="Trebuchet MS" panose="020B0603020202020204" pitchFamily="34" charset="0"/>
+            </a:endParaRPr>
+          </a:p>
+        </p:txBody>
+      </p:sp>
       <p:sp>
         <p:nvSpPr>
-          <p:cNvPr id="4102" name="Text Box 6"/>
+          <p:cNvPr id="6" name="Slide Number Placeholder 21"/>
           <p:cNvSpPr txBox="1">
-            <a:spLocks noChangeArrowheads="1"/>
+            <a:spLocks/>
+          </p:cNvSpPr>
+          <p:nvPr/>
+        </p:nvSpPr>
+        <p:spPr>
+          <a:xfrm>
+            <a:off x="8551333" y="6521450"/>
+            <a:ext cx="592667" cy="336550"/>
+          </a:xfrm>
+          <a:prstGeom prst="rect">
+            <a:avLst/>
+          </a:prstGeom>
+        </p:spPr>
+        <p:txBody>
+          <a:bodyPr/>
+          <a:lstStyle>
+            <a:defPPr>
+              <a:defRPr lang="en-US"/>
+            </a:defPPr>
+            <a:lvl1pPr algn="l" rtl="0" fontAlgn="base">
+              <a:spcBef>
+                <a:spcPct val="0"/>
+              </a:spcBef>
+              <a:spcAft>
+                <a:spcPct val="0"/>
+              </a:spcAft>
+              <a:defRPr sz="1400" kern="1200">
+                <a:solidFill>
+                  <a:schemeClr val="tx1"/>
+                </a:solidFill>
+                <a:latin typeface="Arial" charset="0"/>
+                <a:ea typeface="+mn-ea"/>
+                <a:cs typeface="+mn-cs"/>
+              </a:defRPr>
+            </a:lvl1pPr>
+            <a:lvl2pPr marL="457200" algn="l" rtl="0" fontAlgn="base">
+              <a:spcBef>
+                <a:spcPct val="0"/>
+              </a:spcBef>
+              <a:spcAft>
+                <a:spcPct val="0"/>
+              </a:spcAft>
+              <a:defRPr sz="1400" kern="1200">
+                <a:solidFill>
+                  <a:schemeClr val="tx1"/>
+                </a:solidFill>
+                <a:latin typeface="Arial" charset="0"/>
+                <a:ea typeface="+mn-ea"/>
+                <a:cs typeface="+mn-cs"/>
+              </a:defRPr>
+            </a:lvl2pPr>
+            <a:lvl3pPr marL="914400" algn="l" rtl="0" fontAlgn="base">
+              <a:spcBef>
+                <a:spcPct val="0"/>
+              </a:spcBef>
+              <a:spcAft>
+                <a:spcPct val="0"/>
+              </a:spcAft>
+              <a:defRPr sz="1400" kern="1200">
+                <a:solidFill>
+                  <a:schemeClr val="tx1"/>
+                </a:solidFill>
+                <a:latin typeface="Arial" charset="0"/>
+                <a:ea typeface="+mn-ea"/>
+                <a:cs typeface="+mn-cs"/>
+              </a:defRPr>
+            </a:lvl3pPr>
+            <a:lvl4pPr marL="1371600" algn="l" rtl="0" fontAlgn="base">
+              <a:spcBef>
+                <a:spcPct val="0"/>
+              </a:spcBef>
+              <a:spcAft>
+                <a:spcPct val="0"/>
+              </a:spcAft>
+              <a:defRPr sz="1400" kern="1200">
+                <a:solidFill>
+                  <a:schemeClr val="tx1"/>
+                </a:solidFill>
+                <a:latin typeface="Arial" charset="0"/>
+                <a:ea typeface="+mn-ea"/>
+                <a:cs typeface="+mn-cs"/>
+              </a:defRPr>
+            </a:lvl4pPr>
+            <a:lvl5pPr marL="1828800" algn="l" rtl="0" fontAlgn="base">
+              <a:spcBef>
+                <a:spcPct val="0"/>
+              </a:spcBef>
+              <a:spcAft>
+                <a:spcPct val="0"/>
+              </a:spcAft>
+              <a:defRPr sz="1400" kern="1200">
+                <a:solidFill>
+                  <a:schemeClr val="tx1"/>
+                </a:solidFill>
+                <a:latin typeface="Arial" charset="0"/>
+                <a:ea typeface="+mn-ea"/>
+                <a:cs typeface="+mn-cs"/>
+              </a:defRPr>
+            </a:lvl5pPr>
+            <a:lvl6pPr marL="2286000" algn="l" defTabSz="914400" rtl="0" eaLnBrk="1" latinLnBrk="0" hangingPunct="1">
+              <a:defRPr sz="1400" kern="1200">
+                <a:solidFill>
+                  <a:schemeClr val="tx1"/>
+                </a:solidFill>
+                <a:latin typeface="Arial" charset="0"/>
+                <a:ea typeface="+mn-ea"/>
+                <a:cs typeface="+mn-cs"/>
+              </a:defRPr>
+            </a:lvl6pPr>
+            <a:lvl7pPr marL="2743200" algn="l" defTabSz="914400" rtl="0" eaLnBrk="1" latinLnBrk="0" hangingPunct="1">
+              <a:defRPr sz="1400" kern="1200">
+                <a:solidFill>
+                  <a:schemeClr val="tx1"/>
+                </a:solidFill>
+                <a:latin typeface="Arial" charset="0"/>
+                <a:ea typeface="+mn-ea"/>
+                <a:cs typeface="+mn-cs"/>
+              </a:defRPr>
+            </a:lvl7pPr>
+            <a:lvl8pPr marL="3200400" algn="l" defTabSz="914400" rtl="0" eaLnBrk="1" latinLnBrk="0" hangingPunct="1">
+              <a:defRPr sz="1400" kern="1200">
+                <a:solidFill>
+                  <a:schemeClr val="tx1"/>
+                </a:solidFill>
+                <a:latin typeface="Arial" charset="0"/>
+                <a:ea typeface="+mn-ea"/>
+                <a:cs typeface="+mn-cs"/>
+              </a:defRPr>
+            </a:lvl8pPr>
+            <a:lvl9pPr marL="3657600" algn="l" defTabSz="914400" rtl="0" eaLnBrk="1" latinLnBrk="0" hangingPunct="1">
+              <a:defRPr sz="1400" kern="1200">
+                <a:solidFill>
+                  <a:schemeClr val="tx1"/>
+                </a:solidFill>
+                <a:latin typeface="Arial" charset="0"/>
+                <a:ea typeface="+mn-ea"/>
+                <a:cs typeface="+mn-cs"/>
+              </a:defRPr>
+            </a:lvl9pPr>
+          </a:lstStyle>
+          <a:p>
+            <a:pPr algn="ctr">
+              <a:defRPr/>
+            </a:pPr>
+            <a:fld id="{D7580031-58D8-4E1D-BF97-18519902E6F9}" type="slidenum">
+              <a:rPr lang="en-US" smtClean="0">
+                <a:solidFill>
+                  <a:srgbClr val="000000"/>
+                </a:solidFill>
+                <a:latin typeface="Trebuchet MS" panose="020B0603020202020204" pitchFamily="34" charset="0"/>
+              </a:rPr>
+              <a:pPr algn="ctr">
+                <a:defRPr/>
+              </a:pPr>
+              <a:t>1</a:t>
+            </a:fld>
+            <a:endParaRPr lang="en-US" dirty="0">
+              <a:solidFill>
+                <a:srgbClr val="000000"/>
+              </a:solidFill>
+              <a:latin typeface="Trebuchet MS" panose="020B0603020202020204" pitchFamily="34" charset="0"/>
+            </a:endParaRPr>
+          </a:p>
+        </p:txBody>
+      </p:sp>
+      <p:sp>
+        <p:nvSpPr>
+          <p:cNvPr id="5" name="Line 14"/>
+          <p:cNvSpPr>
+            <a:spLocks noChangeShapeType="1"/>
           </p:cNvSpPr>
           <p:nvPr/>
         </p:nvSpPr>
         <p:spPr bwMode="auto">
           <a:xfrm>
-            <a:off x="1610251" y="500063"/>
-            <a:ext cx="5872698" cy="707886"/>
+            <a:off x="382200" y="6316000"/>
+            <a:ext cx="8382000" cy="0"/>
           </a:xfrm>
-          <a:prstGeom prst="rect">
+          <a:prstGeom prst="line">
             <a:avLst/>
           </a:prstGeom>
           <a:noFill/>
-          <a:ln w="9525">
-            <a:noFill/>
-            <a:miter lim="800000"/>
+          <a:ln w="57150">
+            <a:solidFill>
+              <a:schemeClr val="bg1">
+                <a:lumMod val="65000"/>
+              </a:schemeClr>
+            </a:solidFill>
+            <a:round/>
             <a:headEnd/>
             <a:tailEnd/>
           </a:ln>
           <a:effectLst/>
         </p:spPr>
         <p:txBody>
-          <a:bodyPr wrap="none">
-            <a:spAutoFit/>
-          </a:bodyPr>
+          <a:bodyPr wrap="none" anchor="ctr"/>
           <a:lstStyle/>
           <a:p>
-            <a:pPr algn="ctr" fontAlgn="auto">
+            <a:pPr algn="ctr" eaLnBrk="0" hangingPunct="0">
               <a:spcBef>
-                <a:spcPts val="0"/>
+                <a:spcPct val="0"/>
               </a:spcBef>
-              <a:spcAft>
-                <a:spcPts val="0"/>
-              </a:spcAft>
-            </a:pPr>
-            <a:r>
-              <a:rPr lang="en-US" sz="4000" b="1" i="1" dirty="0">
-                <a:solidFill>
-                  <a:prstClr val="black"/>
-                </a:solidFill>
-                <a:latin typeface="Calibri"/>
-              </a:rPr>
-              <a:t>HQ U.S. Air Force Academy</a:t>
-            </a:r>
+              <a:defRPr/>
+            </a:pPr>
+            <a:endParaRPr lang="en-US" sz="1400" dirty="0">
+              <a:solidFill>
+                <a:srgbClr val="000000"/>
+              </a:solidFill>
+              <a:latin typeface="Arial" charset="0"/>
+            </a:endParaRPr>
           </a:p>
         </p:txBody>
       </p:sp>
       <p:sp>
         <p:nvSpPr>
-          <p:cNvPr id="4103" name="Text Box 7"/>
-          <p:cNvSpPr txBox="1">
-            <a:spLocks noChangeArrowheads="1"/>
+          <p:cNvPr id="7" name="Line 14"/>
+          <p:cNvSpPr>
+            <a:spLocks noChangeShapeType="1"/>
           </p:cNvSpPr>
           <p:nvPr/>
         </p:nvSpPr>
         <p:spPr bwMode="auto">
           <a:xfrm>
-            <a:off x="1270000" y="6444160"/>
-            <a:ext cx="6553200" cy="396875"/>
+            <a:off x="382200" y="1567588"/>
+            <a:ext cx="8382000" cy="0"/>
           </a:xfrm>
-          <a:prstGeom prst="rect">
+          <a:prstGeom prst="line">
             <a:avLst/>
           </a:prstGeom>
           <a:noFill/>
-          <a:ln w="9525">
-            <a:noFill/>
-            <a:miter lim="800000"/>
+          <a:ln w="57150">
+            <a:solidFill>
+              <a:schemeClr val="bg1">
+                <a:lumMod val="65000"/>
+              </a:schemeClr>
+            </a:solidFill>
+            <a:round/>
             <a:headEnd/>
             <a:tailEnd/>
           </a:ln>
           <a:effectLst/>
         </p:spPr>
         <p:txBody>
-          <a:bodyPr>
-            <a:spAutoFit/>
-          </a:bodyPr>
+          <a:bodyPr wrap="none" anchor="ctr"/>
           <a:lstStyle/>
           <a:p>
-            <a:pPr algn="ctr" fontAlgn="auto">
-              <a:spcAft>
-                <a:spcPts val="0"/>
-              </a:spcAft>
-            </a:pPr>
-            <a:r>
-              <a:rPr lang="en-US" sz="2000" b="1" i="1" dirty="0">
-                <a:solidFill>
-                  <a:prstClr val="black"/>
-                </a:solidFill>
-                <a:latin typeface="Century Schoolbook" pitchFamily="18" charset="0"/>
-              </a:rPr>
-              <a:t>I n t e g r i t y  -  S e r v i c e  -  E x c e l </a:t>
-            </a:r>
-            <a:r>
-              <a:rPr lang="en-US" sz="2000" b="1" i="1" dirty="0" err="1">
-                <a:solidFill>
-                  <a:prstClr val="black"/>
-                </a:solidFill>
-                <a:latin typeface="Century Schoolbook" pitchFamily="18" charset="0"/>
-              </a:rPr>
-              <a:t>l</a:t>
-            </a:r>
-            <a:r>
-              <a:rPr lang="en-US" sz="2000" b="1" i="1" dirty="0">
-                <a:solidFill>
-                  <a:prstClr val="black"/>
-                </a:solidFill>
-                <a:latin typeface="Century Schoolbook" pitchFamily="18" charset="0"/>
-              </a:rPr>
-              <a:t> e n c e</a:t>
-            </a:r>
+            <a:pPr algn="ctr" eaLnBrk="0" hangingPunct="0">
+              <a:spcBef>
+                <a:spcPct val="0"/>
+              </a:spcBef>
+              <a:defRPr/>
+            </a:pPr>
+            <a:endParaRPr lang="en-US" sz="1400" dirty="0">
+              <a:solidFill>
+                <a:srgbClr val="000000"/>
+              </a:solidFill>
+              <a:latin typeface="Arial" charset="0"/>
+            </a:endParaRPr>
           </a:p>
         </p:txBody>
       </p:sp>
+      <p:sp>
+        <p:nvSpPr>
+          <p:cNvPr id="9" name="Rectangle 10"/>
+          <p:cNvSpPr>
+            <a:spLocks noGrp="1" noChangeArrowheads="1"/>
+          </p:cNvSpPr>
+          <p:nvPr>
+            <p:ph type="subTitle" idx="1"/>
+          </p:nvPr>
+        </p:nvSpPr>
+        <p:spPr>
+          <a:xfrm>
+            <a:off x="4159624" y="4743731"/>
+            <a:ext cx="4508500" cy="1489075"/>
+          </a:xfrm>
+        </p:spPr>
+        <p:txBody>
+          <a:bodyPr anchor="ctr">
+            <a:normAutofit/>
+          </a:bodyPr>
+          <a:lstStyle>
+            <a:lvl1pPr marL="0" indent="0" algn="r">
+              <a:buFont typeface="Wingdings" pitchFamily="2" charset="2"/>
+              <a:buNone/>
+              <a:defRPr/>
+            </a:lvl1pPr>
+          </a:lstStyle>
+          <a:p>
+            <a:r>
+              <a:rPr lang="en-US" dirty="0" smtClean="0"/>
+              <a:t>Maj Jeffrey </a:t>
+            </a:r>
+            <a:r>
+              <a:rPr lang="en-US" dirty="0"/>
+              <a:t>Falkinburg</a:t>
+            </a:r>
+            <a:br>
+              <a:rPr lang="en-US" dirty="0"/>
+            </a:br>
+            <a:r>
+              <a:rPr lang="en-US" dirty="0"/>
+              <a:t>Room 2E46E</a:t>
+            </a:r>
+            <a:br>
+              <a:rPr lang="en-US" dirty="0"/>
+            </a:br>
+            <a:r>
+              <a:rPr lang="en-US" dirty="0" smtClean="0"/>
+              <a:t>333-9193</a:t>
+            </a:r>
+          </a:p>
+        </p:txBody>
+      </p:sp>
+      <p:pic>
+        <p:nvPicPr>
+          <p:cNvPr id="1026" name="Picture 2" descr="https://sharepoint.usafa.edu/hq/CM/Shared%20Documents/Logo/USAFA%20Logo%20v%203%20line%20CMYK.png"/>
+          <p:cNvPicPr>
+            <a:picLocks noChangeAspect="1" noChangeArrowheads="1"/>
+          </p:cNvPicPr>
+          <p:nvPr/>
+        </p:nvPicPr>
+        <p:blipFill>
+          <a:blip r:embed="rId2" cstate="print">
+            <a:extLst>
+              <a:ext uri="{28A0092B-C50C-407E-A947-70E740481C1C}">
+                <a14:useLocalDpi xmlns:a14="http://schemas.microsoft.com/office/drawing/2010/main" val="0"/>
+              </a:ext>
+            </a:extLst>
+          </a:blip>
+          <a:srcRect/>
+          <a:stretch>
+            <a:fillRect/>
+          </a:stretch>
+        </p:blipFill>
+        <p:spPr bwMode="auto">
+          <a:xfrm>
+            <a:off x="480812" y="2281515"/>
+            <a:ext cx="2973096" cy="3389753"/>
+          </a:xfrm>
+          <a:prstGeom prst="rect">
+            <a:avLst/>
+          </a:prstGeom>
+          <a:noFill/>
+          <a:extLst>
+            <a:ext uri="{909E8E84-426E-40DD-AFC4-6F175D3DCCD1}">
+              <a14:hiddenFill xmlns:a14="http://schemas.microsoft.com/office/drawing/2010/main">
+                <a:solidFill>
+                  <a:srgbClr val="FFFFFF"/>
+                </a:solidFill>
+              </a14:hiddenFill>
+            </a:ext>
+          </a:extLst>
+        </p:spPr>
+      </p:pic>
     </p:spTree>
     <p:extLst>
       <p:ext uri="{BB962C8B-B14F-4D97-AF65-F5344CB8AC3E}">
-        <p14:creationId xmlns:p14="http://schemas.microsoft.com/office/powerpoint/2010/main" val="2545300548"/>
+        <p14:creationId xmlns:p14="http://schemas.microsoft.com/office/powerpoint/2010/main" val="1181322108"/>
       </p:ext>
     </p:extLst>
   </p:cSld>
   <p:clrMapOvr>
     <a:masterClrMapping/>
   </p:clrMapOvr>
+  <mc:AlternateContent xmlns:mc="http://schemas.openxmlformats.org/markup-compatibility/2006">
+    <mc:Choice xmlns:p14="http://schemas.microsoft.com/office/powerpoint/2010/main" Requires="p14">
+      <p:transition spd="slow" p14:dur="2000"/>
+    </mc:Choice>
+    <mc:Fallback>
+      <p:transition spd="slow"/>
+    </mc:Fallback>
+  </mc:AlternateContent>
   <p:timing>
     <p:tnLst>
       <p:par>
@@ -14569,8 +11456,9 @@
             </a:pPr>
             <a:r>
               <a:rPr lang="en-US" sz="2800" dirty="0"/>
-              <a:t>UCF file </a:t>
-            </a:r>
+              <a:t>Constraints file </a:t>
+            </a:r>
+            <a:endParaRPr lang="en-US" sz="2800" dirty="0"/>
           </a:p>
           <a:p>
             <a:pPr marL="514350" indent="-514350" eaLnBrk="1" hangingPunct="1">
@@ -15417,8 +12305,8 @@
               <a:buAutoNum type="arabicPeriod"/>
             </a:pPr>
             <a:r>
-              <a:rPr lang="en-US" sz="2800" dirty="0"/>
-              <a:t>UCF file </a:t>
+              <a:rPr lang="en-US" sz="2800" dirty="0" smtClean="0"/>
+              <a:t>Constraints file </a:t>
             </a:r>
           </a:p>
           <a:p>
@@ -15430,8 +12318,12 @@
               <a:buAutoNum type="arabicPeriod"/>
             </a:pPr>
             <a:r>
+              <a:rPr lang="en-US" sz="2800" dirty="0" smtClean="0"/>
+              <a:t>Combinational </a:t>
+            </a:r>
+            <a:r>
               <a:rPr lang="en-US" sz="2800" dirty="0"/>
-              <a:t>Combinational Element</a:t>
+              <a:t>Element</a:t>
             </a:r>
           </a:p>
           <a:p>
@@ -15664,7 +12556,7 @@
                 </a:spcAft>
                 <a:defRPr/>
               </a:pPr>
-              <a:t>13 January 2016</a:t>
+              <a:t>9 January 2017</a:t>
             </a:fld>
             <a:endParaRPr lang="en-US" sz="1800">
               <a:solidFill>
@@ -15674,17 +12566,63 @@
           </a:p>
         </p:txBody>
       </p:sp>
-      <p:pic>
-        <p:nvPicPr>
-          <p:cNvPr id="1026" name="Picture 2">
-            <a:hlinkClick r:id="rId2"/>
-          </p:cNvPr>
-          <p:cNvPicPr>
-            <a:picLocks noGrp="1" noChangeAspect="1" noChangeArrowheads="1"/>
-          </p:cNvPicPr>
+      <p:sp>
+        <p:nvSpPr>
+          <p:cNvPr id="8" name="Rectangle 7"/>
+          <p:cNvSpPr/>
+          <p:nvPr/>
+        </p:nvSpPr>
+        <p:spPr>
+          <a:xfrm>
+            <a:off x="232011" y="6009228"/>
+            <a:ext cx="9021170" cy="369332"/>
+          </a:xfrm>
+          <a:prstGeom prst="rect">
+            <a:avLst/>
+          </a:prstGeom>
+        </p:spPr>
+        <p:txBody>
+          <a:bodyPr wrap="square">
+            <a:spAutoFit/>
+          </a:bodyPr>
+          <a:lstStyle/>
+          <a:p>
+            <a:r>
+              <a:rPr lang="en-US" sz="1800" dirty="0" smtClean="0">
+                <a:hlinkClick r:id="rId2"/>
+              </a:rPr>
+              <a:t>https://www.xilinx.com/support/documentation/user_guides/ug475_7Series_Pkg_Pinout.pdf</a:t>
+            </a:r>
+            <a:endParaRPr lang="en-US" sz="1800" dirty="0"/>
+          </a:p>
+        </p:txBody>
+      </p:sp>
+      <p:sp>
+        <p:nvSpPr>
+          <p:cNvPr id="3" name="Content Placeholder 2"/>
+          <p:cNvSpPr>
+            <a:spLocks noGrp="1"/>
+          </p:cNvSpPr>
           <p:nvPr>
             <p:ph idx="1"/>
           </p:nvPr>
+        </p:nvSpPr>
+        <p:spPr/>
+        <p:txBody>
+          <a:bodyPr/>
+          <a:lstStyle/>
+          <a:p>
+            <a:endParaRPr lang="en-US" dirty="0"/>
+          </a:p>
+        </p:txBody>
+      </p:sp>
+      <p:pic>
+        <p:nvPicPr>
+          <p:cNvPr id="7" name="Picture 2"/>
+          <p:cNvPicPr>
+            <a:picLocks noChangeAspect="1" noChangeArrowheads="1"/>
+          </p:cNvPicPr>
+          <p:nvPr/>
         </p:nvPicPr>
         <p:blipFill>
           <a:blip r:embed="rId3">
@@ -15701,8 +12639,8 @@
         </p:blipFill>
         <p:spPr bwMode="auto">
           <a:xfrm>
-            <a:off x="68236" y="-122832"/>
-            <a:ext cx="8993423" cy="6335978"/>
+            <a:off x="1569862" y="0"/>
+            <a:ext cx="6275220" cy="6009259"/>
           </a:xfrm>
           <a:prstGeom prst="rect">
             <a:avLst/>
@@ -15756,44 +12694,20 @@
           <a:p>
             <a:r>
               <a:rPr lang="en-US" dirty="0" smtClean="0"/>
-              <a:t>pp 284</a:t>
+              <a:t>pp </a:t>
+            </a:r>
+            <a:r>
+              <a:rPr lang="en-US" dirty="0" smtClean="0"/>
+              <a:t>80</a:t>
             </a:r>
             <a:endParaRPr lang="en-US" dirty="0"/>
-          </a:p>
-        </p:txBody>
-      </p:sp>
-      <p:sp>
-        <p:nvSpPr>
-          <p:cNvPr id="8" name="Rectangle 7"/>
-          <p:cNvSpPr/>
-          <p:nvPr/>
-        </p:nvSpPr>
-        <p:spPr>
-          <a:xfrm>
-            <a:off x="232011" y="6009228"/>
-            <a:ext cx="9021170" cy="461665"/>
-          </a:xfrm>
-          <a:prstGeom prst="rect">
-            <a:avLst/>
-          </a:prstGeom>
-        </p:spPr>
-        <p:txBody>
-          <a:bodyPr wrap="square">
-            <a:spAutoFit/>
-          </a:bodyPr>
-          <a:lstStyle/>
-          <a:p>
-            <a:r>
-              <a:rPr lang="en-US" dirty="0"/>
-              <a:t>http://www.xilinx.com/support/documentation/user_guides/ug385.pdf</a:t>
-            </a:r>
           </a:p>
         </p:txBody>
       </p:sp>
     </p:spTree>
     <p:extLst>
       <p:ext uri="{BB962C8B-B14F-4D97-AF65-F5344CB8AC3E}">
-        <p14:creationId xmlns:p14="http://schemas.microsoft.com/office/powerpoint/2010/main" val="1817060820"/>
+        <p14:creationId xmlns:p14="http://schemas.microsoft.com/office/powerpoint/2010/main" val="2335671104"/>
       </p:ext>
     </p:extLst>
   </p:cSld>
@@ -15985,8 +12899,8 @@
         </p:nvSpPr>
         <p:spPr>
           <a:xfrm>
-            <a:off x="581736" y="1523052"/>
-            <a:ext cx="8131175" cy="4324350"/>
+            <a:off x="256674" y="1523052"/>
+            <a:ext cx="8887327" cy="4324350"/>
           </a:xfrm>
         </p:spPr>
         <p:txBody>
@@ -15999,19 +12913,37 @@
             </a:r>
             <a:r>
               <a:rPr lang="en-US" b="0" dirty="0" err="1" smtClean="0"/>
-              <a:t>Majority.ucf</a:t>
+              <a:t>Majority.xdc</a:t>
             </a:r>
             <a:r>
               <a:rPr lang="en-US" b="0" dirty="0" smtClean="0"/>
-              <a:t> file</a:t>
+              <a:t> </a:t>
+            </a:r>
+            <a:r>
+              <a:rPr lang="en-US" b="0" dirty="0" smtClean="0"/>
+              <a:t>file</a:t>
             </a:r>
           </a:p>
           <a:p>
             <a:pPr lvl="1"/>
             <a:r>
               <a:rPr lang="en-US" b="0" dirty="0" smtClean="0"/>
-              <a:t>Inputs from switches and outputs to LEDs</a:t>
-            </a:r>
+              <a:t>Inputs from switches and outputs to </a:t>
+            </a:r>
+            <a:r>
+              <a:rPr lang="en-US" b="0" dirty="0" smtClean="0"/>
+              <a:t>LEDs</a:t>
+            </a:r>
+          </a:p>
+          <a:p>
+            <a:pPr marL="406400" lvl="1" indent="0">
+              <a:buNone/>
+            </a:pPr>
+            <a:r>
+              <a:rPr lang="en-US" sz="400" b="0" dirty="0" smtClean="0"/>
+              <a:t>		</a:t>
+            </a:r>
+            <a:endParaRPr lang="en-US" sz="400" b="0" dirty="0" smtClean="0"/>
           </a:p>
           <a:p>
             <a:pPr marL="0" indent="0" eaLnBrk="1" hangingPunct="1">
@@ -16020,7 +12952,22 @@
               </a:lnSpc>
               <a:buNone/>
             </a:pPr>
-            <a:endParaRPr lang="en-US" sz="2000" dirty="0" smtClean="0"/>
+            <a:r>
+              <a:rPr lang="en-US" sz="1200" dirty="0" smtClean="0">
+                <a:solidFill>
+                  <a:srgbClr val="00B050"/>
+                </a:solidFill>
+              </a:rPr>
+              <a:t># </a:t>
+            </a:r>
+            <a:r>
+              <a:rPr lang="en-US" sz="1200" dirty="0">
+                <a:solidFill>
+                  <a:srgbClr val="00B050"/>
+                </a:solidFill>
+              </a:rPr>
+              <a:t>This is slide switch SW0</a:t>
+            </a:r>
           </a:p>
           <a:p>
             <a:pPr marL="0" indent="0" eaLnBrk="1" hangingPunct="1">
@@ -16030,13 +12977,74 @@
               <a:buNone/>
             </a:pPr>
             <a:r>
-              <a:rPr lang="en-US" sz="2000" dirty="0" smtClean="0"/>
-              <a:t># </a:t>
-            </a:r>
-            <a:r>
-              <a:rPr lang="en-US" sz="2000" dirty="0"/>
-              <a:t>This is slide switch SW0</a:t>
-            </a:r>
+              <a:rPr lang="en-US" sz="1200" dirty="0" err="1"/>
+              <a:t>set_property</a:t>
+            </a:r>
+            <a:r>
+              <a:rPr lang="en-US" sz="1200" dirty="0"/>
+              <a:t> -</a:t>
+            </a:r>
+            <a:r>
+              <a:rPr lang="en-US" sz="1200" dirty="0" err="1"/>
+              <a:t>dict</a:t>
+            </a:r>
+            <a:r>
+              <a:rPr lang="en-US" sz="1200" dirty="0"/>
+              <a:t> { PACKAGE_PIN E22  IOSTANDARD LVCMOS12 } [</a:t>
+            </a:r>
+            <a:r>
+              <a:rPr lang="en-US" sz="1200" dirty="0" err="1"/>
+              <a:t>get_ports</a:t>
+            </a:r>
+            <a:r>
+              <a:rPr lang="en-US" sz="1200" dirty="0"/>
+              <a:t> { a }]; </a:t>
+            </a:r>
+            <a:r>
+              <a:rPr lang="en-US" sz="1200" dirty="0">
+                <a:solidFill>
+                  <a:srgbClr val="00B050"/>
+                </a:solidFill>
+              </a:rPr>
+              <a:t>#IO_L22P_T3_16 </a:t>
+            </a:r>
+            <a:r>
+              <a:rPr lang="en-US" sz="1200" dirty="0" err="1">
+                <a:solidFill>
+                  <a:srgbClr val="00B050"/>
+                </a:solidFill>
+              </a:rPr>
+              <a:t>Sch</a:t>
+            </a:r>
+            <a:r>
+              <a:rPr lang="en-US" sz="1200" dirty="0">
+                <a:solidFill>
+                  <a:srgbClr val="00B050"/>
+                </a:solidFill>
+              </a:rPr>
+              <a:t>=</a:t>
+            </a:r>
+            <a:r>
+              <a:rPr lang="en-US" sz="1200" dirty="0" err="1">
+                <a:solidFill>
+                  <a:srgbClr val="00B050"/>
+                </a:solidFill>
+              </a:rPr>
+              <a:t>sw</a:t>
+            </a:r>
+            <a:r>
+              <a:rPr lang="en-US" sz="1200" dirty="0">
+                <a:solidFill>
+                  <a:srgbClr val="00B050"/>
+                </a:solidFill>
+              </a:rPr>
+              <a:t>[0]</a:t>
+            </a:r>
+            <a:endParaRPr lang="en-US" sz="1200" dirty="0" smtClean="0">
+              <a:solidFill>
+                <a:srgbClr val="00B050"/>
+              </a:solidFill>
+            </a:endParaRPr>
           </a:p>
           <a:p>
             <a:pPr marL="0" indent="0" eaLnBrk="1" hangingPunct="1">
@@ -16046,8 +13054,28 @@
               <a:buNone/>
             </a:pPr>
             <a:r>
-              <a:rPr lang="en-US" sz="2000" dirty="0"/>
-              <a:t>NET "a" LOC = A10;</a:t>
+              <a:rPr lang="en-US" sz="1200" dirty="0" smtClean="0">
+                <a:solidFill>
+                  <a:srgbClr val="00B050"/>
+                </a:solidFill>
+              </a:rPr>
+              <a:t># </a:t>
+            </a:r>
+            <a:r>
+              <a:rPr lang="en-US" sz="1200" dirty="0">
+                <a:solidFill>
+                  <a:srgbClr val="00B050"/>
+                </a:solidFill>
+              </a:rPr>
+              <a:t>This is slide switch </a:t>
+            </a:r>
+            <a:r>
+              <a:rPr lang="en-US" sz="1200" dirty="0" smtClean="0">
+                <a:solidFill>
+                  <a:srgbClr val="00B050"/>
+                </a:solidFill>
+              </a:rPr>
+              <a:t>SW1</a:t>
             </a:r>
           </a:p>
           <a:p>
@@ -16058,9 +13086,74 @@
               <a:buNone/>
             </a:pPr>
             <a:r>
-              <a:rPr lang="en-US" sz="2000" dirty="0"/>
-              <a:t># This is slide switch SW1</a:t>
-            </a:r>
+              <a:rPr lang="en-US" sz="1200" dirty="0" err="1"/>
+              <a:t>set_property</a:t>
+            </a:r>
+            <a:r>
+              <a:rPr lang="en-US" sz="1200" dirty="0"/>
+              <a:t> -</a:t>
+            </a:r>
+            <a:r>
+              <a:rPr lang="en-US" sz="1200" dirty="0" err="1"/>
+              <a:t>dict</a:t>
+            </a:r>
+            <a:r>
+              <a:rPr lang="en-US" sz="1200" dirty="0"/>
+              <a:t> { PACKAGE_PIN F21  IOSTANDARD LVCMOS12 } [</a:t>
+            </a:r>
+            <a:r>
+              <a:rPr lang="en-US" sz="1200" dirty="0" err="1"/>
+              <a:t>get_ports</a:t>
+            </a:r>
+            <a:r>
+              <a:rPr lang="en-US" sz="1200" dirty="0"/>
+              <a:t> { b }]; </a:t>
+            </a:r>
+            <a:r>
+              <a:rPr lang="en-US" sz="1200" dirty="0">
+                <a:solidFill>
+                  <a:srgbClr val="00B050"/>
+                </a:solidFill>
+              </a:rPr>
+              <a:t>#IO_25_16 </a:t>
+            </a:r>
+            <a:r>
+              <a:rPr lang="en-US" sz="1200" dirty="0" err="1">
+                <a:solidFill>
+                  <a:srgbClr val="00B050"/>
+                </a:solidFill>
+              </a:rPr>
+              <a:t>Sch</a:t>
+            </a:r>
+            <a:r>
+              <a:rPr lang="en-US" sz="1200" dirty="0">
+                <a:solidFill>
+                  <a:srgbClr val="00B050"/>
+                </a:solidFill>
+              </a:rPr>
+              <a:t>=</a:t>
+            </a:r>
+            <a:r>
+              <a:rPr lang="en-US" sz="1200" dirty="0" err="1">
+                <a:solidFill>
+                  <a:srgbClr val="00B050"/>
+                </a:solidFill>
+              </a:rPr>
+              <a:t>sw</a:t>
+            </a:r>
+            <a:r>
+              <a:rPr lang="en-US" sz="1200" dirty="0">
+                <a:solidFill>
+                  <a:srgbClr val="00B050"/>
+                </a:solidFill>
+              </a:rPr>
+              <a:t>[1]</a:t>
+            </a:r>
+            <a:endParaRPr lang="en-US" sz="1200" dirty="0">
+              <a:solidFill>
+                <a:srgbClr val="00B050"/>
+              </a:solidFill>
+            </a:endParaRPr>
           </a:p>
           <a:p>
             <a:pPr marL="0" indent="0" eaLnBrk="1" hangingPunct="1">
@@ -16070,8 +13163,20 @@
               <a:buNone/>
             </a:pPr>
             <a:r>
-              <a:rPr lang="en-US" sz="2000" dirty="0"/>
-              <a:t>NET "b" LOC = D14;</a:t>
+              <a:rPr lang="en-US" sz="1200" dirty="0" smtClean="0">
+                <a:solidFill>
+                  <a:srgbClr val="00B050"/>
+                </a:solidFill>
+              </a:rPr>
+              <a:t># </a:t>
+            </a:r>
+            <a:r>
+              <a:rPr lang="en-US" sz="1200" dirty="0">
+                <a:solidFill>
+                  <a:srgbClr val="00B050"/>
+                </a:solidFill>
+              </a:rPr>
+              <a:t>This is slide switch SW2</a:t>
             </a:r>
           </a:p>
           <a:p>
@@ -16082,9 +13187,74 @@
               <a:buNone/>
             </a:pPr>
             <a:r>
-              <a:rPr lang="en-US" sz="2000" dirty="0"/>
-              <a:t># This is slide switch SW2</a:t>
-            </a:r>
+              <a:rPr lang="en-US" sz="1200" dirty="0" err="1"/>
+              <a:t>set_property</a:t>
+            </a:r>
+            <a:r>
+              <a:rPr lang="en-US" sz="1200" dirty="0"/>
+              <a:t> -</a:t>
+            </a:r>
+            <a:r>
+              <a:rPr lang="en-US" sz="1200" dirty="0" err="1"/>
+              <a:t>dict</a:t>
+            </a:r>
+            <a:r>
+              <a:rPr lang="en-US" sz="1200" dirty="0"/>
+              <a:t> { PACKAGE_PIN G21  IOSTANDARD LVCMOS12 } [</a:t>
+            </a:r>
+            <a:r>
+              <a:rPr lang="en-US" sz="1200" dirty="0" err="1"/>
+              <a:t>get_ports</a:t>
+            </a:r>
+            <a:r>
+              <a:rPr lang="en-US" sz="1200" dirty="0"/>
+              <a:t> { c }]; </a:t>
+            </a:r>
+            <a:r>
+              <a:rPr lang="en-US" sz="1200" dirty="0">
+                <a:solidFill>
+                  <a:srgbClr val="00B050"/>
+                </a:solidFill>
+              </a:rPr>
+              <a:t>#IO_L24P_T3_16 </a:t>
+            </a:r>
+            <a:r>
+              <a:rPr lang="en-US" sz="1200" dirty="0" err="1">
+                <a:solidFill>
+                  <a:srgbClr val="00B050"/>
+                </a:solidFill>
+              </a:rPr>
+              <a:t>Sch</a:t>
+            </a:r>
+            <a:r>
+              <a:rPr lang="en-US" sz="1200" dirty="0">
+                <a:solidFill>
+                  <a:srgbClr val="00B050"/>
+                </a:solidFill>
+              </a:rPr>
+              <a:t>=</a:t>
+            </a:r>
+            <a:r>
+              <a:rPr lang="en-US" sz="1200" dirty="0" err="1">
+                <a:solidFill>
+                  <a:srgbClr val="00B050"/>
+                </a:solidFill>
+              </a:rPr>
+              <a:t>sw</a:t>
+            </a:r>
+            <a:r>
+              <a:rPr lang="en-US" sz="1200" dirty="0">
+                <a:solidFill>
+                  <a:srgbClr val="00B050"/>
+                </a:solidFill>
+              </a:rPr>
+              <a:t>[2]</a:t>
+            </a:r>
+            <a:endParaRPr lang="en-US" sz="1200" dirty="0" smtClean="0">
+              <a:solidFill>
+                <a:srgbClr val="00B050"/>
+              </a:solidFill>
+            </a:endParaRPr>
           </a:p>
           <a:p>
             <a:pPr marL="0" indent="0" eaLnBrk="1" hangingPunct="1">
@@ -16094,8 +13264,12 @@
               <a:buNone/>
             </a:pPr>
             <a:r>
-              <a:rPr lang="en-US" sz="2000" dirty="0"/>
-              <a:t>NET "c" LOC = C14;</a:t>
+              <a:rPr lang="en-US" sz="1200" dirty="0" smtClean="0">
+                <a:solidFill>
+                  <a:srgbClr val="00B050"/>
+                </a:solidFill>
+              </a:rPr>
+              <a:t># This is LED Led(0)</a:t>
             </a:r>
           </a:p>
           <a:p>
@@ -16106,22 +13280,58 @@
               <a:buNone/>
             </a:pPr>
             <a:r>
-              <a:rPr lang="en-US" sz="2000" dirty="0"/>
-              <a:t># This is LED LD0</a:t>
-            </a:r>
-          </a:p>
-          <a:p>
-            <a:pPr marL="0" indent="0" eaLnBrk="1" hangingPunct="1">
-              <a:lnSpc>
-                <a:spcPct val="80000"/>
-              </a:lnSpc>
-              <a:buNone/>
-            </a:pPr>
-            <a:r>
-              <a:rPr lang="en-US" sz="2000" dirty="0"/>
-              <a:t>NET "f" LOC = U18;</a:t>
-            </a:r>
-            <a:endParaRPr lang="en-US" sz="2000" dirty="0" smtClean="0"/>
+              <a:rPr lang="en-US" sz="1200" dirty="0" err="1"/>
+              <a:t>set_property</a:t>
+            </a:r>
+            <a:r>
+              <a:rPr lang="en-US" sz="1200" dirty="0"/>
+              <a:t> -</a:t>
+            </a:r>
+            <a:r>
+              <a:rPr lang="en-US" sz="1200" dirty="0" err="1"/>
+              <a:t>dict</a:t>
+            </a:r>
+            <a:r>
+              <a:rPr lang="en-US" sz="1200" dirty="0"/>
+              <a:t> { PACKAGE_PIN T14   IOSTANDARD LVCMOS25 } [</a:t>
+            </a:r>
+            <a:r>
+              <a:rPr lang="en-US" sz="1200" dirty="0" err="1"/>
+              <a:t>get_ports</a:t>
+            </a:r>
+            <a:r>
+              <a:rPr lang="en-US" sz="1200" dirty="0"/>
+              <a:t> { f }]; </a:t>
+            </a:r>
+            <a:r>
+              <a:rPr lang="en-US" sz="1200" dirty="0">
+                <a:solidFill>
+                  <a:srgbClr val="00B050"/>
+                </a:solidFill>
+              </a:rPr>
+              <a:t>#IO_L15P_T2_DQS_13 </a:t>
+            </a:r>
+            <a:r>
+              <a:rPr lang="en-US" sz="1200" dirty="0" err="1">
+                <a:solidFill>
+                  <a:srgbClr val="00B050"/>
+                </a:solidFill>
+              </a:rPr>
+              <a:t>Sch</a:t>
+            </a:r>
+            <a:r>
+              <a:rPr lang="en-US" sz="1200" dirty="0">
+                <a:solidFill>
+                  <a:srgbClr val="00B050"/>
+                </a:solidFill>
+              </a:rPr>
+              <a:t>=led[0]</a:t>
+            </a:r>
+            <a:endParaRPr lang="en-US" sz="1200" dirty="0" smtClean="0">
+              <a:solidFill>
+                <a:srgbClr val="00B050"/>
+              </a:solidFill>
+            </a:endParaRPr>
           </a:p>
           <a:p>
             <a:pPr eaLnBrk="1" hangingPunct="1">
@@ -16178,51 +13388,586 @@
           </a:p>
         </p:txBody>
       </p:sp>
-      <p:pic>
-        <p:nvPicPr>
-          <p:cNvPr id="2050" name="Picture 2" descr="http://ece.ninja/383/lecture/img/lecture03-2.gif"/>
-          <p:cNvPicPr>
-            <a:picLocks noChangeAspect="1" noChangeArrowheads="1"/>
-          </p:cNvPicPr>
+      <p:grpSp>
+        <p:nvGrpSpPr>
+          <p:cNvPr id="2053" name="Group 2052"/>
+          <p:cNvGrpSpPr/>
           <p:nvPr/>
-        </p:nvPicPr>
-        <p:blipFill>
-          <a:blip r:embed="rId2">
-            <a:extLst>
-              <a:ext uri="{28A0092B-C50C-407E-A947-70E740481C1C}">
-                <a14:useLocalDpi xmlns:a14="http://schemas.microsoft.com/office/drawing/2010/main" val="0"/>
-              </a:ext>
-            </a:extLst>
-          </a:blip>
-          <a:srcRect/>
-          <a:stretch>
-            <a:fillRect/>
-          </a:stretch>
-        </p:blipFill>
-        <p:spPr bwMode="auto">
+        </p:nvGrpSpPr>
+        <p:grpSpPr>
           <a:xfrm>
-            <a:off x="3929718" y="3207224"/>
-            <a:ext cx="5216708" cy="3188481"/>
+            <a:off x="2335427" y="4089821"/>
+            <a:ext cx="4473146" cy="2257167"/>
+            <a:chOff x="4604948" y="4077739"/>
+            <a:chExt cx="4473146" cy="2257167"/>
           </a:xfrm>
-          <a:prstGeom prst="rect">
-            <a:avLst/>
-          </a:prstGeom>
           <a:noFill/>
-          <a:extLst>
-            <a:ext uri="{909E8E84-426E-40DD-AFC4-6F175D3DCCD1}">
-              <a14:hiddenFill xmlns:a14="http://schemas.microsoft.com/office/drawing/2010/main">
-                <a:solidFill>
-                  <a:srgbClr val="FFFFFF"/>
-                </a:solidFill>
-              </a14:hiddenFill>
-            </a:ext>
-          </a:extLst>
-        </p:spPr>
-      </p:pic>
+        </p:grpSpPr>
+        <p:sp>
+          <p:nvSpPr>
+            <p:cNvPr id="6" name="Rounded Rectangle 5"/>
+            <p:cNvSpPr/>
+            <p:nvPr/>
+          </p:nvSpPr>
+          <p:spPr>
+            <a:xfrm>
+              <a:off x="5557989" y="4531160"/>
+              <a:ext cx="2514600" cy="1447800"/>
+            </a:xfrm>
+            <a:prstGeom prst="roundRect">
+              <a:avLst>
+                <a:gd name="adj" fmla="val 3818"/>
+              </a:avLst>
+            </a:prstGeom>
+            <a:grpFill/>
+            <a:ln>
+              <a:solidFill>
+                <a:schemeClr val="tx1"/>
+              </a:solidFill>
+            </a:ln>
+          </p:spPr>
+          <p:style>
+            <a:lnRef idx="2">
+              <a:schemeClr val="accent1">
+                <a:shade val="50000"/>
+              </a:schemeClr>
+            </a:lnRef>
+            <a:fillRef idx="1">
+              <a:schemeClr val="accent1"/>
+            </a:fillRef>
+            <a:effectRef idx="0">
+              <a:schemeClr val="accent1"/>
+            </a:effectRef>
+            <a:fontRef idx="minor">
+              <a:schemeClr val="lt1"/>
+            </a:fontRef>
+          </p:style>
+          <p:txBody>
+            <a:bodyPr lIns="91440" tIns="45720" rIns="91440" bIns="45720" spcCol="0" rtlCol="0" anchor="ctr"/>
+            <a:lstStyle/>
+            <a:p>
+              <a:pPr algn="ctr"/>
+              <a:endParaRPr lang="en-US"/>
+            </a:p>
+          </p:txBody>
+        </p:sp>
+        <p:sp>
+          <p:nvSpPr>
+            <p:cNvPr id="7" name="TextBox 6"/>
+            <p:cNvSpPr txBox="1"/>
+            <p:nvPr/>
+          </p:nvSpPr>
+          <p:spPr>
+            <a:xfrm>
+              <a:off x="5862790" y="4548989"/>
+              <a:ext cx="1904998" cy="369332"/>
+            </a:xfrm>
+            <a:prstGeom prst="rect">
+              <a:avLst/>
+            </a:prstGeom>
+            <a:grpFill/>
+          </p:spPr>
+          <p:txBody>
+            <a:bodyPr wrap="square" lIns="91440" tIns="45720" rIns="91440" bIns="45720" rtlCol="0">
+              <a:spAutoFit/>
+            </a:bodyPr>
+            <a:lstStyle/>
+            <a:p>
+              <a:pPr algn="ctr"/>
+              <a:r>
+                <a:rPr lang="en-US" sz="1800" b="1" dirty="0" smtClean="0"/>
+                <a:t>UUT: Majority</a:t>
+              </a:r>
+              <a:endParaRPr lang="en-US" sz="4400" b="1" dirty="0"/>
+            </a:p>
+          </p:txBody>
+        </p:sp>
+        <p:cxnSp>
+          <p:nvCxnSpPr>
+            <p:cNvPr id="8" name="Straight Connector 7"/>
+            <p:cNvCxnSpPr>
+              <a:endCxn id="14" idx="1"/>
+            </p:cNvCxnSpPr>
+            <p:nvPr/>
+          </p:nvCxnSpPr>
+          <p:spPr>
+            <a:xfrm flipV="1">
+              <a:off x="4604948" y="4952092"/>
+              <a:ext cx="943390" cy="1806"/>
+            </a:xfrm>
+            <a:prstGeom prst="line">
+              <a:avLst/>
+            </a:prstGeom>
+            <a:grpFill/>
+            <a:ln w="38100">
+              <a:solidFill>
+                <a:schemeClr val="tx1"/>
+              </a:solidFill>
+              <a:tailEnd type="triangle"/>
+            </a:ln>
+          </p:spPr>
+          <p:style>
+            <a:lnRef idx="1">
+              <a:schemeClr val="accent1"/>
+            </a:lnRef>
+            <a:fillRef idx="0">
+              <a:schemeClr val="accent1"/>
+            </a:fillRef>
+            <a:effectRef idx="0">
+              <a:schemeClr val="accent1"/>
+            </a:effectRef>
+            <a:fontRef idx="minor">
+              <a:schemeClr val="tx1"/>
+            </a:fontRef>
+          </p:style>
+        </p:cxnSp>
+        <p:cxnSp>
+          <p:nvCxnSpPr>
+            <p:cNvPr id="10" name="Straight Connector 9"/>
+            <p:cNvCxnSpPr>
+              <a:endCxn id="15" idx="1"/>
+            </p:cNvCxnSpPr>
+            <p:nvPr/>
+          </p:nvCxnSpPr>
+          <p:spPr>
+            <a:xfrm>
+              <a:off x="4604948" y="5261815"/>
+              <a:ext cx="943389" cy="0"/>
+            </a:xfrm>
+            <a:prstGeom prst="line">
+              <a:avLst/>
+            </a:prstGeom>
+            <a:grpFill/>
+            <a:ln w="38100">
+              <a:solidFill>
+                <a:schemeClr val="tx1"/>
+              </a:solidFill>
+              <a:tailEnd type="triangle"/>
+            </a:ln>
+          </p:spPr>
+          <p:style>
+            <a:lnRef idx="1">
+              <a:schemeClr val="accent1"/>
+            </a:lnRef>
+            <a:fillRef idx="0">
+              <a:schemeClr val="accent1"/>
+            </a:fillRef>
+            <a:effectRef idx="0">
+              <a:schemeClr val="accent1"/>
+            </a:effectRef>
+            <a:fontRef idx="minor">
+              <a:schemeClr val="tx1"/>
+            </a:fontRef>
+          </p:style>
+        </p:cxnSp>
+        <p:cxnSp>
+          <p:nvCxnSpPr>
+            <p:cNvPr id="12" name="Straight Connector 11"/>
+            <p:cNvCxnSpPr>
+              <a:endCxn id="16" idx="1"/>
+            </p:cNvCxnSpPr>
+            <p:nvPr/>
+          </p:nvCxnSpPr>
+          <p:spPr>
+            <a:xfrm>
+              <a:off x="4604948" y="5565694"/>
+              <a:ext cx="943390" cy="0"/>
+            </a:xfrm>
+            <a:prstGeom prst="line">
+              <a:avLst/>
+            </a:prstGeom>
+            <a:grpFill/>
+            <a:ln w="38100">
+              <a:solidFill>
+                <a:schemeClr val="tx1"/>
+              </a:solidFill>
+              <a:tailEnd type="triangle"/>
+            </a:ln>
+          </p:spPr>
+          <p:style>
+            <a:lnRef idx="1">
+              <a:schemeClr val="accent1"/>
+            </a:lnRef>
+            <a:fillRef idx="0">
+              <a:schemeClr val="accent1"/>
+            </a:fillRef>
+            <a:effectRef idx="0">
+              <a:schemeClr val="accent1"/>
+            </a:effectRef>
+            <a:fontRef idx="minor">
+              <a:schemeClr val="tx1"/>
+            </a:fontRef>
+          </p:style>
+        </p:cxnSp>
+        <p:sp>
+          <p:nvSpPr>
+            <p:cNvPr id="14" name="TextBox 13"/>
+            <p:cNvSpPr txBox="1"/>
+            <p:nvPr/>
+          </p:nvSpPr>
+          <p:spPr>
+            <a:xfrm>
+              <a:off x="5548338" y="4767426"/>
+              <a:ext cx="1009774" cy="369332"/>
+            </a:xfrm>
+            <a:prstGeom prst="rect">
+              <a:avLst/>
+            </a:prstGeom>
+            <a:grpFill/>
+          </p:spPr>
+          <p:txBody>
+            <a:bodyPr wrap="square" lIns="91440" tIns="45720" rIns="91440" bIns="45720" rtlCol="0">
+              <a:spAutoFit/>
+            </a:bodyPr>
+            <a:lstStyle/>
+            <a:p>
+              <a:r>
+                <a:rPr lang="en-US" sz="1800" dirty="0" smtClean="0"/>
+                <a:t>a</a:t>
+              </a:r>
+              <a:endParaRPr lang="en-US" sz="1800" dirty="0"/>
+            </a:p>
+          </p:txBody>
+        </p:sp>
+        <p:sp>
+          <p:nvSpPr>
+            <p:cNvPr id="15" name="TextBox 14"/>
+            <p:cNvSpPr txBox="1"/>
+            <p:nvPr/>
+          </p:nvSpPr>
+          <p:spPr>
+            <a:xfrm>
+              <a:off x="5548337" y="5077149"/>
+              <a:ext cx="1009775" cy="369332"/>
+            </a:xfrm>
+            <a:prstGeom prst="rect">
+              <a:avLst/>
+            </a:prstGeom>
+            <a:grpFill/>
+          </p:spPr>
+          <p:txBody>
+            <a:bodyPr wrap="square" lIns="91440" tIns="45720" rIns="91440" bIns="45720" rtlCol="0">
+              <a:spAutoFit/>
+            </a:bodyPr>
+            <a:lstStyle/>
+            <a:p>
+              <a:r>
+                <a:rPr lang="en-US" sz="1800" dirty="0" smtClean="0"/>
+                <a:t>b</a:t>
+              </a:r>
+              <a:endParaRPr lang="en-US" sz="1800" dirty="0"/>
+            </a:p>
+          </p:txBody>
+        </p:sp>
+        <p:sp>
+          <p:nvSpPr>
+            <p:cNvPr id="16" name="TextBox 15"/>
+            <p:cNvSpPr txBox="1"/>
+            <p:nvPr/>
+          </p:nvSpPr>
+          <p:spPr>
+            <a:xfrm>
+              <a:off x="5548338" y="5381028"/>
+              <a:ext cx="759542" cy="369332"/>
+            </a:xfrm>
+            <a:prstGeom prst="rect">
+              <a:avLst/>
+            </a:prstGeom>
+            <a:grpFill/>
+          </p:spPr>
+          <p:txBody>
+            <a:bodyPr wrap="square" lIns="91440" tIns="45720" rIns="91440" bIns="45720" rtlCol="0">
+              <a:spAutoFit/>
+            </a:bodyPr>
+            <a:lstStyle/>
+            <a:p>
+              <a:r>
+                <a:rPr lang="en-US" sz="1800" dirty="0" smtClean="0"/>
+                <a:t>c</a:t>
+              </a:r>
+              <a:endParaRPr lang="en-US" sz="1800" dirty="0"/>
+            </a:p>
+          </p:txBody>
+        </p:sp>
+        <p:cxnSp>
+          <p:nvCxnSpPr>
+            <p:cNvPr id="32" name="Straight Connector 31"/>
+            <p:cNvCxnSpPr>
+              <a:stCxn id="33" idx="3"/>
+            </p:cNvCxnSpPr>
+            <p:nvPr/>
+          </p:nvCxnSpPr>
+          <p:spPr>
+            <a:xfrm flipV="1">
+              <a:off x="8075546" y="5188241"/>
+              <a:ext cx="1002548" cy="1"/>
+            </a:xfrm>
+            <a:prstGeom prst="line">
+              <a:avLst/>
+            </a:prstGeom>
+            <a:grpFill/>
+            <a:ln w="38100">
+              <a:solidFill>
+                <a:schemeClr val="tx1"/>
+              </a:solidFill>
+              <a:tailEnd type="triangle"/>
+            </a:ln>
+          </p:spPr>
+          <p:style>
+            <a:lnRef idx="1">
+              <a:schemeClr val="accent1"/>
+            </a:lnRef>
+            <a:fillRef idx="0">
+              <a:schemeClr val="accent1"/>
+            </a:fillRef>
+            <a:effectRef idx="0">
+              <a:schemeClr val="accent1"/>
+            </a:effectRef>
+            <a:fontRef idx="minor">
+              <a:schemeClr val="tx1"/>
+            </a:fontRef>
+          </p:style>
+        </p:cxnSp>
+        <p:sp>
+          <p:nvSpPr>
+            <p:cNvPr id="33" name="TextBox 32"/>
+            <p:cNvSpPr txBox="1"/>
+            <p:nvPr/>
+          </p:nvSpPr>
+          <p:spPr>
+            <a:xfrm>
+              <a:off x="7767788" y="5005059"/>
+              <a:ext cx="307758" cy="366365"/>
+            </a:xfrm>
+            <a:prstGeom prst="rect">
+              <a:avLst/>
+            </a:prstGeom>
+            <a:grpFill/>
+          </p:spPr>
+          <p:txBody>
+            <a:bodyPr wrap="square" lIns="91440" tIns="45720" rIns="91440" bIns="45720" rtlCol="0">
+              <a:spAutoFit/>
+            </a:bodyPr>
+            <a:lstStyle/>
+            <a:p>
+              <a:pPr algn="r"/>
+              <a:r>
+                <a:rPr lang="en-US" sz="1800" dirty="0"/>
+                <a:t>f</a:t>
+              </a:r>
+              <a:endParaRPr lang="en-US" sz="1800" dirty="0"/>
+            </a:p>
+          </p:txBody>
+        </p:sp>
+        <p:sp>
+          <p:nvSpPr>
+            <p:cNvPr id="38" name="Rounded Rectangle 37"/>
+            <p:cNvSpPr/>
+            <p:nvPr/>
+          </p:nvSpPr>
+          <p:spPr>
+            <a:xfrm>
+              <a:off x="4926224" y="4077739"/>
+              <a:ext cx="3771436" cy="2257167"/>
+            </a:xfrm>
+            <a:prstGeom prst="roundRect">
+              <a:avLst>
+                <a:gd name="adj" fmla="val 3818"/>
+              </a:avLst>
+            </a:prstGeom>
+            <a:grpFill/>
+            <a:ln>
+              <a:solidFill>
+                <a:schemeClr val="tx1"/>
+              </a:solidFill>
+            </a:ln>
+          </p:spPr>
+          <p:style>
+            <a:lnRef idx="2">
+              <a:schemeClr val="accent1">
+                <a:shade val="50000"/>
+              </a:schemeClr>
+            </a:lnRef>
+            <a:fillRef idx="1">
+              <a:schemeClr val="accent1"/>
+            </a:fillRef>
+            <a:effectRef idx="0">
+              <a:schemeClr val="accent1"/>
+            </a:effectRef>
+            <a:fontRef idx="minor">
+              <a:schemeClr val="lt1"/>
+            </a:fontRef>
+          </p:style>
+          <p:txBody>
+            <a:bodyPr lIns="91440" tIns="45720" rIns="91440" bIns="45720" spcCol="0" rtlCol="0" anchor="ctr"/>
+            <a:lstStyle/>
+            <a:p>
+              <a:pPr algn="ctr"/>
+              <a:endParaRPr lang="en-US"/>
+            </a:p>
+          </p:txBody>
+        </p:sp>
+        <p:sp>
+          <p:nvSpPr>
+            <p:cNvPr id="39" name="TextBox 38"/>
+            <p:cNvSpPr txBox="1"/>
+            <p:nvPr/>
+          </p:nvSpPr>
+          <p:spPr>
+            <a:xfrm>
+              <a:off x="5062691" y="4083551"/>
+              <a:ext cx="1904998" cy="369332"/>
+            </a:xfrm>
+            <a:prstGeom prst="rect">
+              <a:avLst/>
+            </a:prstGeom>
+            <a:grpFill/>
+          </p:spPr>
+          <p:txBody>
+            <a:bodyPr wrap="square" lIns="91440" tIns="45720" rIns="91440" bIns="45720" rtlCol="0">
+              <a:spAutoFit/>
+            </a:bodyPr>
+            <a:lstStyle/>
+            <a:p>
+              <a:pPr algn="ctr"/>
+              <a:r>
+                <a:rPr lang="en-US" sz="1800" b="1" dirty="0" err="1" smtClean="0"/>
+                <a:t>Xilix</a:t>
+              </a:r>
+              <a:r>
+                <a:rPr lang="en-US" sz="1800" b="1" dirty="0" smtClean="0"/>
+                <a:t> Chip</a:t>
+              </a:r>
+              <a:endParaRPr lang="en-US" sz="4400" b="1" dirty="0"/>
+            </a:p>
+          </p:txBody>
+        </p:sp>
+        <p:sp>
+          <p:nvSpPr>
+            <p:cNvPr id="41" name="TextBox 40"/>
+            <p:cNvSpPr txBox="1"/>
+            <p:nvPr/>
+          </p:nvSpPr>
+          <p:spPr>
+            <a:xfrm>
+              <a:off x="4926224" y="4633994"/>
+              <a:ext cx="684363" cy="369332"/>
+            </a:xfrm>
+            <a:prstGeom prst="rect">
+              <a:avLst/>
+            </a:prstGeom>
+            <a:grpFill/>
+          </p:spPr>
+          <p:txBody>
+            <a:bodyPr wrap="square" lIns="91440" tIns="45720" rIns="91440" bIns="45720" rtlCol="0">
+              <a:spAutoFit/>
+            </a:bodyPr>
+            <a:lstStyle/>
+            <a:p>
+              <a:r>
+                <a:rPr lang="en-US" sz="1800" dirty="0" smtClean="0"/>
+                <a:t>E22</a:t>
+              </a:r>
+              <a:endParaRPr lang="en-US" sz="1800" dirty="0"/>
+            </a:p>
+          </p:txBody>
+        </p:sp>
+        <p:sp>
+          <p:nvSpPr>
+            <p:cNvPr id="46" name="TextBox 45"/>
+            <p:cNvSpPr txBox="1"/>
+            <p:nvPr/>
+          </p:nvSpPr>
+          <p:spPr>
+            <a:xfrm>
+              <a:off x="4926224" y="4941911"/>
+              <a:ext cx="684363" cy="369332"/>
+            </a:xfrm>
+            <a:prstGeom prst="rect">
+              <a:avLst/>
+            </a:prstGeom>
+            <a:grpFill/>
+          </p:spPr>
+          <p:txBody>
+            <a:bodyPr wrap="square" lIns="91440" tIns="45720" rIns="91440" bIns="45720" rtlCol="0">
+              <a:spAutoFit/>
+            </a:bodyPr>
+            <a:lstStyle/>
+            <a:p>
+              <a:r>
+                <a:rPr lang="en-US" sz="1800" dirty="0" smtClean="0"/>
+                <a:t>F21</a:t>
+              </a:r>
+              <a:endParaRPr lang="en-US" sz="1800" dirty="0"/>
+            </a:p>
+          </p:txBody>
+        </p:sp>
+        <p:sp>
+          <p:nvSpPr>
+            <p:cNvPr id="47" name="TextBox 46"/>
+            <p:cNvSpPr txBox="1"/>
+            <p:nvPr/>
+          </p:nvSpPr>
+          <p:spPr>
+            <a:xfrm>
+              <a:off x="4926224" y="5236186"/>
+              <a:ext cx="684363" cy="369332"/>
+            </a:xfrm>
+            <a:prstGeom prst="rect">
+              <a:avLst/>
+            </a:prstGeom>
+            <a:grpFill/>
+          </p:spPr>
+          <p:txBody>
+            <a:bodyPr wrap="square" lIns="91440" tIns="45720" rIns="91440" bIns="45720" rtlCol="0">
+              <a:spAutoFit/>
+            </a:bodyPr>
+            <a:lstStyle/>
+            <a:p>
+              <a:r>
+                <a:rPr lang="en-US" sz="1800" dirty="0" smtClean="0"/>
+                <a:t>G21</a:t>
+              </a:r>
+              <a:endParaRPr lang="en-US" sz="1800" dirty="0"/>
+            </a:p>
+          </p:txBody>
+        </p:sp>
+        <p:sp>
+          <p:nvSpPr>
+            <p:cNvPr id="48" name="TextBox 47"/>
+            <p:cNvSpPr txBox="1"/>
+            <p:nvPr/>
+          </p:nvSpPr>
+          <p:spPr>
+            <a:xfrm>
+              <a:off x="8013297" y="4861704"/>
+              <a:ext cx="684363" cy="369332"/>
+            </a:xfrm>
+            <a:prstGeom prst="rect">
+              <a:avLst/>
+            </a:prstGeom>
+            <a:grpFill/>
+          </p:spPr>
+          <p:txBody>
+            <a:bodyPr wrap="square" lIns="91440" tIns="45720" rIns="91440" bIns="45720" rtlCol="0">
+              <a:spAutoFit/>
+            </a:bodyPr>
+            <a:lstStyle/>
+            <a:p>
+              <a:pPr algn="r"/>
+              <a:r>
+                <a:rPr lang="en-US" sz="1800" dirty="0" smtClean="0"/>
+                <a:t>T14</a:t>
+              </a:r>
+              <a:endParaRPr lang="en-US" sz="1800" dirty="0"/>
+            </a:p>
+          </p:txBody>
+        </p:sp>
+      </p:grpSp>
     </p:spTree>
     <p:extLst>
       <p:ext uri="{BB962C8B-B14F-4D97-AF65-F5344CB8AC3E}">
-        <p14:creationId xmlns:p14="http://schemas.microsoft.com/office/powerpoint/2010/main" val="3775524361"/>
+        <p14:creationId xmlns:p14="http://schemas.microsoft.com/office/powerpoint/2010/main" val="2101042563"/>
       </p:ext>
     </p:extLst>
   </p:cSld>
@@ -16272,12 +14017,12 @@
           <a:lstStyle/>
           <a:p>
             <a:r>
-              <a:rPr lang="en-US" cap="none" dirty="0" smtClean="0"/>
-              <a:t>UCF </a:t>
-            </a:r>
-            <a:r>
               <a:rPr lang="en-US" cap="none" dirty="0"/>
-              <a:t>file </a:t>
+              <a:t>Constraints file </a:t>
+            </a:r>
+            <a:r>
+              <a:rPr lang="en-US" cap="none" dirty="0"/>
+              <a:t/>
             </a:r>
             <a:br>
               <a:rPr lang="en-US" cap="none" dirty="0"/>
@@ -16395,8 +14140,12 @@
           <a:lstStyle/>
           <a:p>
             <a:r>
+              <a:rPr lang="en-US" dirty="0"/>
+              <a:t>Constraints </a:t>
+            </a:r>
+            <a:r>
               <a:rPr lang="en-US" dirty="0" smtClean="0"/>
-              <a:t>UCF file</a:t>
+              <a:t>file</a:t>
             </a:r>
             <a:endParaRPr lang="en-US" dirty="0"/>
           </a:p>
@@ -16423,35 +14172,23 @@
           <a:lstStyle/>
           <a:p>
             <a:r>
-              <a:rPr lang="en-US" b="0" dirty="0" err="1" smtClean="0"/>
-              <a:t>Atlys</a:t>
-            </a:r>
-            <a:r>
-              <a:rPr lang="en-US" b="0" dirty="0" smtClean="0"/>
-              <a:t> Master UCF</a:t>
+              <a:rPr lang="en-US" b="0" dirty="0" err="1"/>
+              <a:t>Nexyx</a:t>
+            </a:r>
+            <a:r>
+              <a:rPr lang="en-US" b="0" dirty="0"/>
+              <a:t> Video Master XDC</a:t>
             </a:r>
           </a:p>
           <a:p>
             <a:pPr lvl="1"/>
-            <a:r>
-              <a:rPr lang="en-US" b="0" dirty="0" smtClean="0">
-                <a:hlinkClick r:id="rId2"/>
-              </a:rPr>
-              <a:t>http</a:t>
-            </a:r>
             <a:r>
               <a:rPr lang="en-US" b="0" dirty="0">
                 <a:hlinkClick r:id="rId2"/>
               </a:rPr>
-              <a:t>://</a:t>
-            </a:r>
-            <a:r>
-              <a:rPr lang="en-US" b="0" dirty="0" smtClean="0">
-                <a:hlinkClick r:id="rId2"/>
-              </a:rPr>
-              <a:t>ece.ninja/383/datasheets/AtlysGeneral.ucf</a:t>
-            </a:r>
-            <a:endParaRPr lang="en-US" b="0" dirty="0" smtClean="0"/>
+              <a:t>http://ece.ninja/383/datasheets/NexysVideo_Master.xdc</a:t>
+            </a:r>
+            <a:endParaRPr lang="en-US" b="0" dirty="0"/>
           </a:p>
           <a:p>
             <a:endParaRPr lang="en-US" b="0" dirty="0" smtClean="0"/>
@@ -17175,289 +14912,6 @@
 </file>
 
 <file path=ppt/theme/theme1.xml><?xml version="1.0" encoding="utf-8"?>
-<a:theme xmlns:a="http://schemas.openxmlformats.org/drawingml/2006/main" name="Office Theme">
-  <a:themeElements>
-    <a:clrScheme name="Office">
-      <a:dk1>
-        <a:sysClr val="windowText" lastClr="000000"/>
-      </a:dk1>
-      <a:lt1>
-        <a:sysClr val="window" lastClr="FFFFFF"/>
-      </a:lt1>
-      <a:dk2>
-        <a:srgbClr val="1F497D"/>
-      </a:dk2>
-      <a:lt2>
-        <a:srgbClr val="EEECE1"/>
-      </a:lt2>
-      <a:accent1>
-        <a:srgbClr val="4F81BD"/>
-      </a:accent1>
-      <a:accent2>
-        <a:srgbClr val="C0504D"/>
-      </a:accent2>
-      <a:accent3>
-        <a:srgbClr val="9BBB59"/>
-      </a:accent3>
-      <a:accent4>
-        <a:srgbClr val="8064A2"/>
-      </a:accent4>
-      <a:accent5>
-        <a:srgbClr val="4BACC6"/>
-      </a:accent5>
-      <a:accent6>
-        <a:srgbClr val="F79646"/>
-      </a:accent6>
-      <a:hlink>
-        <a:srgbClr val="0000FF"/>
-      </a:hlink>
-      <a:folHlink>
-        <a:srgbClr val="800080"/>
-      </a:folHlink>
-    </a:clrScheme>
-    <a:fontScheme name="Office">
-      <a:majorFont>
-        <a:latin typeface="Calibri"/>
-        <a:ea typeface=""/>
-        <a:cs typeface=""/>
-        <a:font script="Jpan" typeface="ＭＳ Ｐゴシック"/>
-        <a:font script="Hang" typeface="맑은 고딕"/>
-        <a:font script="Hans" typeface="宋体"/>
-        <a:font script="Hant" typeface="新細明體"/>
-        <a:font script="Arab" typeface="Times New Roman"/>
-        <a:font script="Hebr" typeface="Times New Roman"/>
-        <a:font script="Thai" typeface="Angsana New"/>
-        <a:font script="Ethi" typeface="Nyala"/>
-        <a:font script="Beng" typeface="Vrinda"/>
-        <a:font script="Gujr" typeface="Shruti"/>
-        <a:font script="Khmr" typeface="MoolBoran"/>
-        <a:font script="Knda" typeface="Tunga"/>
-        <a:font script="Guru" typeface="Raavi"/>
-        <a:font script="Cans" typeface="Euphemia"/>
-        <a:font script="Cher" typeface="Plantagenet Cherokee"/>
-        <a:font script="Yiii" typeface="Microsoft Yi Baiti"/>
-        <a:font script="Tibt" typeface="Microsoft Himalaya"/>
-        <a:font script="Thaa" typeface="MV Boli"/>
-        <a:font script="Deva" typeface="Mangal"/>
-        <a:font script="Telu" typeface="Gautami"/>
-        <a:font script="Taml" typeface="Latha"/>
-        <a:font script="Syrc" typeface="Estrangelo Edessa"/>
-        <a:font script="Orya" typeface="Kalinga"/>
-        <a:font script="Mlym" typeface="Kartika"/>
-        <a:font script="Laoo" typeface="DokChampa"/>
-        <a:font script="Sinh" typeface="Iskoola Pota"/>
-        <a:font script="Mong" typeface="Mongolian Baiti"/>
-        <a:font script="Viet" typeface="Times New Roman"/>
-        <a:font script="Uigh" typeface="Microsoft Uighur"/>
-      </a:majorFont>
-      <a:minorFont>
-        <a:latin typeface="Calibri"/>
-        <a:ea typeface=""/>
-        <a:cs typeface=""/>
-        <a:font script="Jpan" typeface="ＭＳ Ｐゴシック"/>
-        <a:font script="Hang" typeface="맑은 고딕"/>
-        <a:font script="Hans" typeface="宋体"/>
-        <a:font script="Hant" typeface="新細明體"/>
-        <a:font script="Arab" typeface="Arial"/>
-        <a:font script="Hebr" typeface="Arial"/>
-        <a:font script="Thai" typeface="Cordia New"/>
-        <a:font script="Ethi" typeface="Nyala"/>
-        <a:font script="Beng" typeface="Vrinda"/>
-        <a:font script="Gujr" typeface="Shruti"/>
-        <a:font script="Khmr" typeface="DaunPenh"/>
-        <a:font script="Knda" typeface="Tunga"/>
-        <a:font script="Guru" typeface="Raavi"/>
-        <a:font script="Cans" typeface="Euphemia"/>
-        <a:font script="Cher" typeface="Plantagenet Cherokee"/>
-        <a:font script="Yiii" typeface="Microsoft Yi Baiti"/>
-        <a:font script="Tibt" typeface="Microsoft Himalaya"/>
-        <a:font script="Thaa" typeface="MV Boli"/>
-        <a:font script="Deva" typeface="Mangal"/>
-        <a:font script="Telu" typeface="Gautami"/>
-        <a:font script="Taml" typeface="Latha"/>
-        <a:font script="Syrc" typeface="Estrangelo Edessa"/>
-        <a:font script="Orya" typeface="Kalinga"/>
-        <a:font script="Mlym" typeface="Kartika"/>
-        <a:font script="Laoo" typeface="DokChampa"/>
-        <a:font script="Sinh" typeface="Iskoola Pota"/>
-        <a:font script="Mong" typeface="Mongolian Baiti"/>
-        <a:font script="Viet" typeface="Arial"/>
-        <a:font script="Uigh" typeface="Microsoft Uighur"/>
-      </a:minorFont>
-    </a:fontScheme>
-    <a:fmtScheme name="Office">
-      <a:fillStyleLst>
-        <a:solidFill>
-          <a:schemeClr val="phClr"/>
-        </a:solidFill>
-        <a:gradFill rotWithShape="1">
-          <a:gsLst>
-            <a:gs pos="0">
-              <a:schemeClr val="phClr">
-                <a:tint val="50000"/>
-                <a:satMod val="300000"/>
-              </a:schemeClr>
-            </a:gs>
-            <a:gs pos="35000">
-              <a:schemeClr val="phClr">
-                <a:tint val="37000"/>
-                <a:satMod val="300000"/>
-              </a:schemeClr>
-            </a:gs>
-            <a:gs pos="100000">
-              <a:schemeClr val="phClr">
-                <a:tint val="15000"/>
-                <a:satMod val="350000"/>
-              </a:schemeClr>
-            </a:gs>
-          </a:gsLst>
-          <a:lin ang="16200000" scaled="1"/>
-        </a:gradFill>
-        <a:gradFill rotWithShape="1">
-          <a:gsLst>
-            <a:gs pos="0">
-              <a:schemeClr val="phClr">
-                <a:shade val="51000"/>
-                <a:satMod val="130000"/>
-              </a:schemeClr>
-            </a:gs>
-            <a:gs pos="80000">
-              <a:schemeClr val="phClr">
-                <a:shade val="93000"/>
-                <a:satMod val="130000"/>
-              </a:schemeClr>
-            </a:gs>
-            <a:gs pos="100000">
-              <a:schemeClr val="phClr">
-                <a:shade val="94000"/>
-                <a:satMod val="135000"/>
-              </a:schemeClr>
-            </a:gs>
-          </a:gsLst>
-          <a:lin ang="16200000" scaled="0"/>
-        </a:gradFill>
-      </a:fillStyleLst>
-      <a:lnStyleLst>
-        <a:ln w="9525" cap="flat" cmpd="sng" algn="ctr">
-          <a:solidFill>
-            <a:schemeClr val="phClr">
-              <a:shade val="95000"/>
-              <a:satMod val="105000"/>
-            </a:schemeClr>
-          </a:solidFill>
-          <a:prstDash val="solid"/>
-        </a:ln>
-        <a:ln w="25400" cap="flat" cmpd="sng" algn="ctr">
-          <a:solidFill>
-            <a:schemeClr val="phClr"/>
-          </a:solidFill>
-          <a:prstDash val="solid"/>
-        </a:ln>
-        <a:ln w="38100" cap="flat" cmpd="sng" algn="ctr">
-          <a:solidFill>
-            <a:schemeClr val="phClr"/>
-          </a:solidFill>
-          <a:prstDash val="solid"/>
-        </a:ln>
-      </a:lnStyleLst>
-      <a:effectStyleLst>
-        <a:effectStyle>
-          <a:effectLst>
-            <a:outerShdw blurRad="40000" dist="20000" dir="5400000" rotWithShape="0">
-              <a:srgbClr val="000000">
-                <a:alpha val="38000"/>
-              </a:srgbClr>
-            </a:outerShdw>
-          </a:effectLst>
-        </a:effectStyle>
-        <a:effectStyle>
-          <a:effectLst>
-            <a:outerShdw blurRad="40000" dist="23000" dir="5400000" rotWithShape="0">
-              <a:srgbClr val="000000">
-                <a:alpha val="35000"/>
-              </a:srgbClr>
-            </a:outerShdw>
-          </a:effectLst>
-        </a:effectStyle>
-        <a:effectStyle>
-          <a:effectLst>
-            <a:outerShdw blurRad="40000" dist="23000" dir="5400000" rotWithShape="0">
-              <a:srgbClr val="000000">
-                <a:alpha val="35000"/>
-              </a:srgbClr>
-            </a:outerShdw>
-          </a:effectLst>
-          <a:scene3d>
-            <a:camera prst="orthographicFront">
-              <a:rot lat="0" lon="0" rev="0"/>
-            </a:camera>
-            <a:lightRig rig="threePt" dir="t">
-              <a:rot lat="0" lon="0" rev="1200000"/>
-            </a:lightRig>
-          </a:scene3d>
-          <a:sp3d>
-            <a:bevelT w="63500" h="25400"/>
-          </a:sp3d>
-        </a:effectStyle>
-      </a:effectStyleLst>
-      <a:bgFillStyleLst>
-        <a:solidFill>
-          <a:schemeClr val="phClr"/>
-        </a:solidFill>
-        <a:gradFill rotWithShape="1">
-          <a:gsLst>
-            <a:gs pos="0">
-              <a:schemeClr val="phClr">
-                <a:tint val="40000"/>
-                <a:satMod val="350000"/>
-              </a:schemeClr>
-            </a:gs>
-            <a:gs pos="40000">
-              <a:schemeClr val="phClr">
-                <a:tint val="45000"/>
-                <a:shade val="99000"/>
-                <a:satMod val="350000"/>
-              </a:schemeClr>
-            </a:gs>
-            <a:gs pos="100000">
-              <a:schemeClr val="phClr">
-                <a:shade val="20000"/>
-                <a:satMod val="255000"/>
-              </a:schemeClr>
-            </a:gs>
-          </a:gsLst>
-          <a:path path="circle">
-            <a:fillToRect l="50000" t="-80000" r="50000" b="180000"/>
-          </a:path>
-        </a:gradFill>
-        <a:gradFill rotWithShape="1">
-          <a:gsLst>
-            <a:gs pos="0">
-              <a:schemeClr val="phClr">
-                <a:tint val="80000"/>
-                <a:satMod val="300000"/>
-              </a:schemeClr>
-            </a:gs>
-            <a:gs pos="100000">
-              <a:schemeClr val="phClr">
-                <a:shade val="30000"/>
-                <a:satMod val="200000"/>
-              </a:schemeClr>
-            </a:gs>
-          </a:gsLst>
-          <a:path path="circle">
-            <a:fillToRect l="50000" t="50000" r="50000" b="50000"/>
-          </a:path>
-        </a:gradFill>
-      </a:bgFillStyleLst>
-    </a:fmtScheme>
-  </a:themeElements>
-  <a:objectDefaults/>
-  <a:extraClrSchemeLst/>
-</a:theme>
-</file>
-
-<file path=ppt/theme/theme2.xml><?xml version="1.0" encoding="utf-8"?>
 <a:theme xmlns:a="http://schemas.openxmlformats.org/drawingml/2006/main" name="1_Blank Presentation">
   <a:themeElements>
     <a:clrScheme name="Blank Presentation 1">
@@ -18095,7 +15549,7 @@
 </a:theme>
 </file>
 
-<file path=ppt/theme/theme3.xml><?xml version="1.0" encoding="utf-8"?>
+<file path=ppt/theme/theme2.xml><?xml version="1.0" encoding="utf-8"?>
 <a:theme xmlns:a="http://schemas.openxmlformats.org/drawingml/2006/main" name="Office Theme">
   <a:themeElements>
     <a:clrScheme name="">
@@ -18378,7 +15832,7 @@
 </a:theme>
 </file>
 
-<file path=ppt/theme/theme4.xml><?xml version="1.0" encoding="utf-8"?>
+<file path=ppt/theme/theme3.xml><?xml version="1.0" encoding="utf-8"?>
 <a:theme xmlns:a="http://schemas.openxmlformats.org/drawingml/2006/main" name="Office Theme">
   <a:themeElements>
     <a:clrScheme name="">

--- a/lecture/slides/ECE_383_Lec3.pptx
+++ b/lecture/slides/ECE_383_Lec3.pptx
@@ -1285,7 +1285,7 @@
                 </a:spcAft>
                 <a:defRPr/>
               </a:pPr>
-              <a:t>9 January 2017</a:t>
+              <a:t>11 January 2017</a:t>
             </a:fld>
             <a:endParaRPr lang="en-US" sz="1800">
               <a:solidFill>
@@ -1531,7 +1531,7 @@
                 </a:spcAft>
                 <a:defRPr/>
               </a:pPr>
-              <a:t>9 January 2017</a:t>
+              <a:t>11 January 2017</a:t>
             </a:fld>
             <a:endParaRPr lang="en-US" sz="1800">
               <a:solidFill>
@@ -1745,7 +1745,7 @@
                 </a:spcAft>
                 <a:defRPr/>
               </a:pPr>
-              <a:t>9 January 2017</a:t>
+              <a:t>11 January 2017</a:t>
             </a:fld>
             <a:endParaRPr lang="en-US" sz="1800">
               <a:solidFill>
@@ -1975,7 +1975,7 @@
                 </a:spcAft>
                 <a:defRPr/>
               </a:pPr>
-              <a:t>9 January 2017</a:t>
+              <a:t>11 January 2017</a:t>
             </a:fld>
             <a:endParaRPr lang="en-US" sz="1800">
               <a:solidFill>
@@ -2240,7 +2240,7 @@
                 </a:spcAft>
                 <a:defRPr/>
               </a:pPr>
-              <a:t>9 January 2017</a:t>
+              <a:t>11 January 2017</a:t>
             </a:fld>
             <a:endParaRPr lang="en-US" sz="1800">
               <a:solidFill>
@@ -2594,7 +2594,7 @@
                 </a:spcAft>
                 <a:defRPr/>
               </a:pPr>
-              <a:t>9 January 2017</a:t>
+              <a:t>11 January 2017</a:t>
             </a:fld>
             <a:endParaRPr lang="en-US" sz="1800">
               <a:solidFill>
@@ -3087,7 +3087,7 @@
                 </a:spcAft>
                 <a:defRPr/>
               </a:pPr>
-              <a:t>9 January 2017</a:t>
+              <a:t>11 January 2017</a:t>
             </a:fld>
             <a:endParaRPr lang="en-US" sz="1800">
               <a:solidFill>
@@ -3271,7 +3271,7 @@
                 </a:spcAft>
                 <a:defRPr/>
               </a:pPr>
-              <a:t>9 January 2017</a:t>
+              <a:t>11 January 2017</a:t>
             </a:fld>
             <a:endParaRPr lang="en-US" sz="1800">
               <a:solidFill>
@@ -3432,7 +3432,7 @@
                 </a:spcAft>
                 <a:defRPr/>
               </a:pPr>
-              <a:t>9 January 2017</a:t>
+              <a:t>11 January 2017</a:t>
             </a:fld>
             <a:endParaRPr lang="en-US" sz="1800">
               <a:solidFill>
@@ -3775,7 +3775,7 @@
                 </a:spcAft>
                 <a:defRPr/>
               </a:pPr>
-              <a:t>9 January 2017</a:t>
+              <a:t>11 January 2017</a:t>
             </a:fld>
             <a:endParaRPr lang="en-US" sz="1800">
               <a:solidFill>
@@ -4095,7 +4095,7 @@
                 </a:spcAft>
                 <a:defRPr/>
               </a:pPr>
-              <a:t>9 January 2017</a:t>
+              <a:t>11 January 2017</a:t>
             </a:fld>
             <a:endParaRPr lang="en-US" sz="1800">
               <a:solidFill>
@@ -5253,19 +5253,8 @@
                 <a:effectLst/>
                 <a:latin typeface="Trebuchet MS" panose="020B0603020202020204" pitchFamily="34" charset="0"/>
               </a:rPr>
-              <a:t>– </a:t>
-            </a:r>
-            <a:r>
-              <a:rPr lang="en-US" sz="3200" kern="0" dirty="0">
-                <a:effectLst/>
-                <a:latin typeface="Trebuchet MS" panose="020B0603020202020204" pitchFamily="34" charset="0"/>
-              </a:rPr>
-              <a:t>Combinational Element, unsigned, constraints file, synthesis</a:t>
-            </a:r>
-            <a:endParaRPr lang="en-US" sz="3200" kern="0" dirty="0">
-              <a:effectLst/>
-              <a:latin typeface="Trebuchet MS" panose="020B0603020202020204" pitchFamily="34" charset="0"/>
-            </a:endParaRPr>
+              <a:t>– Combinational Element, unsigned, constraints file, synthesis</a:t>
+            </a:r>
           </a:p>
         </p:txBody>
       </p:sp>
@@ -5638,11 +5627,11 @@
   <p:clrMapOvr>
     <a:masterClrMapping/>
   </p:clrMapOvr>
-  <mc:AlternateContent xmlns:mc="http://schemas.openxmlformats.org/markup-compatibility/2006">
-    <mc:Choice xmlns:p14="http://schemas.microsoft.com/office/powerpoint/2010/main" Requires="p14">
+  <mc:AlternateContent xmlns:mc="http://schemas.openxmlformats.org/markup-compatibility/2006" xmlns:p14="http://schemas.microsoft.com/office/powerpoint/2010/main">
+    <mc:Choice Requires="p14">
       <p:transition spd="slow" p14:dur="2000"/>
     </mc:Choice>
-    <mc:Fallback>
+    <mc:Fallback xmlns="">
       <p:transition spd="slow"/>
     </mc:Fallback>
   </mc:AlternateContent>
@@ -11016,6 +11005,34 @@
           </a:p>
         </p:txBody>
       </p:sp>
+      <p:sp>
+        <p:nvSpPr>
+          <p:cNvPr id="3" name="Rectangle 2"/>
+          <p:cNvSpPr/>
+          <p:nvPr/>
+        </p:nvSpPr>
+        <p:spPr>
+          <a:xfrm>
+            <a:off x="2543239" y="3198168"/>
+            <a:ext cx="4057521" cy="461665"/>
+          </a:xfrm>
+          <a:prstGeom prst="rect">
+            <a:avLst/>
+          </a:prstGeom>
+        </p:spPr>
+        <p:txBody>
+          <a:bodyPr wrap="none">
+            <a:spAutoFit/>
+          </a:bodyPr>
+          <a:lstStyle/>
+          <a:p>
+            <a:r>
+              <a:rPr lang="en-US" dirty="0"/>
+              <a:t>Lecture 4 – Sequential Element</a:t>
+            </a:r>
+          </a:p>
+        </p:txBody>
+      </p:sp>
     </p:spTree>
     <p:extLst>
       <p:ext uri="{BB962C8B-B14F-4D97-AF65-F5344CB8AC3E}">
@@ -11458,7 +11475,6 @@
               <a:rPr lang="en-US" sz="2800" dirty="0"/>
               <a:t>Constraints file </a:t>
             </a:r>
-            <a:endParaRPr lang="en-US" sz="2800" dirty="0"/>
           </a:p>
           <a:p>
             <a:pPr marL="514350" indent="-514350" eaLnBrk="1" hangingPunct="1">
@@ -12556,7 +12572,7 @@
                 </a:spcAft>
                 <a:defRPr/>
               </a:pPr>
-              <a:t>9 January 2017</a:t>
+              <a:t>11 January 2017</a:t>
             </a:fld>
             <a:endParaRPr lang="en-US" sz="1800">
               <a:solidFill>
@@ -12694,11 +12710,7 @@
           <a:p>
             <a:r>
               <a:rPr lang="en-US" dirty="0" smtClean="0"/>
-              <a:t>pp </a:t>
-            </a:r>
-            <a:r>
-              <a:rPr lang="en-US" dirty="0" smtClean="0"/>
-              <a:t>80</a:t>
+              <a:t>pp 80</a:t>
             </a:r>
             <a:endParaRPr lang="en-US" dirty="0"/>
           </a:p>
@@ -12917,22 +12929,14 @@
             </a:r>
             <a:r>
               <a:rPr lang="en-US" b="0" dirty="0" smtClean="0"/>
-              <a:t> </a:t>
-            </a:r>
+              <a:t> file</a:t>
+            </a:r>
+          </a:p>
+          <a:p>
+            <a:pPr lvl="1"/>
             <a:r>
               <a:rPr lang="en-US" b="0" dirty="0" smtClean="0"/>
-              <a:t>file</a:t>
-            </a:r>
-          </a:p>
-          <a:p>
-            <a:pPr lvl="1"/>
-            <a:r>
-              <a:rPr lang="en-US" b="0" dirty="0" smtClean="0"/>
-              <a:t>Inputs from switches and outputs to </a:t>
-            </a:r>
-            <a:r>
-              <a:rPr lang="en-US" b="0" dirty="0" smtClean="0"/>
-              <a:t>LEDs</a:t>
+              <a:t>Inputs from switches and outputs to LEDs</a:t>
             </a:r>
           </a:p>
           <a:p>
@@ -12943,7 +12947,6 @@
               <a:rPr lang="en-US" sz="400" b="0" dirty="0" smtClean="0"/>
               <a:t>		</a:t>
             </a:r>
-            <a:endParaRPr lang="en-US" sz="400" b="0" dirty="0" smtClean="0"/>
           </a:p>
           <a:p>
             <a:pPr marL="0" indent="0" eaLnBrk="1" hangingPunct="1">
@@ -13149,11 +13152,6 @@
               </a:rPr>
               <a:t>[1]</a:t>
             </a:r>
-            <a:endParaRPr lang="en-US" sz="1200" dirty="0">
-              <a:solidFill>
-                <a:srgbClr val="00B050"/>
-              </a:solidFill>
-            </a:endParaRPr>
           </a:p>
           <a:p>
             <a:pPr marL="0" indent="0" eaLnBrk="1" hangingPunct="1">
@@ -13755,7 +13753,6 @@
                 <a:rPr lang="en-US" sz="1800" dirty="0"/>
                 <a:t>f</a:t>
               </a:r>
-              <a:endParaRPr lang="en-US" sz="1800" dirty="0"/>
             </a:p>
           </p:txBody>
         </p:sp>
@@ -14019,10 +14016,6 @@
             <a:r>
               <a:rPr lang="en-US" cap="none" dirty="0"/>
               <a:t>Constraints file </a:t>
-            </a:r>
-            <a:r>
-              <a:rPr lang="en-US" cap="none" dirty="0"/>
-              <a:t/>
             </a:r>
             <a:br>
               <a:rPr lang="en-US" cap="none" dirty="0"/>
